--- a/mtma16/slides.pptx
+++ b/mtma16/slides.pptx
@@ -5,18 +5,20 @@
     <p:sldMasterId id="2147483648" r:id="rId1"/>
   </p:sldMasterIdLst>
   <p:notesMasterIdLst>
-    <p:notesMasterId r:id="rId11"/>
+    <p:notesMasterId r:id="rId13"/>
   </p:notesMasterIdLst>
   <p:sldIdLst>
     <p:sldId id="256" r:id="rId2"/>
-    <p:sldId id="258" r:id="rId3"/>
-    <p:sldId id="259" r:id="rId4"/>
-    <p:sldId id="257" r:id="rId5"/>
-    <p:sldId id="260" r:id="rId6"/>
-    <p:sldId id="261" r:id="rId7"/>
-    <p:sldId id="262" r:id="rId8"/>
-    <p:sldId id="263" r:id="rId9"/>
-    <p:sldId id="264" r:id="rId10"/>
+    <p:sldId id="265" r:id="rId3"/>
+    <p:sldId id="258" r:id="rId4"/>
+    <p:sldId id="259" r:id="rId5"/>
+    <p:sldId id="257" r:id="rId6"/>
+    <p:sldId id="260" r:id="rId7"/>
+    <p:sldId id="261" r:id="rId8"/>
+    <p:sldId id="262" r:id="rId9"/>
+    <p:sldId id="263" r:id="rId10"/>
+    <p:sldId id="264" r:id="rId11"/>
+    <p:sldId id="266" r:id="rId12"/>
   </p:sldIdLst>
   <p:sldSz cx="12192000" cy="6858000"/>
   <p:notesSz cx="6858000" cy="9144000"/>
@@ -205,7 +207,7 @@
           <a:p>
             <a:fld id="{F82E5E7F-547C-0C49-9FFE-B993CBF065F3}" type="datetimeFigureOut">
               <a:rPr lang="en-US" smtClean="0"/>
-              <a:t>4/18/16</a:t>
+              <a:t>5/15/16</a:t>
             </a:fld>
             <a:endParaRPr lang="en-US"/>
           </a:p>
@@ -624,7 +626,7 @@
             <a:fld id="{33B50105-FE73-CA4B-93CF-52D521DC1249}" type="slidenum">
               <a:rPr lang="en-US" smtClean="0"/>
               <a:pPr/>
-              <a:t>4</a:t>
+              <a:t>5</a:t>
             </a:fld>
             <a:endParaRPr lang="en-US"/>
           </a:p>
@@ -794,7 +796,7 @@
             <a:fld id="{33B50105-FE73-CA4B-93CF-52D521DC1249}" type="slidenum">
               <a:rPr lang="en-US" smtClean="0"/>
               <a:pPr/>
-              <a:t>5</a:t>
+              <a:t>6</a:t>
             </a:fld>
             <a:endParaRPr lang="en-US"/>
           </a:p>
@@ -944,7 +946,7 @@
           <a:p>
             <a:fld id="{9E8D5AF6-8BFF-F948-86D4-39533BAD7B7E}" type="datetimeFigureOut">
               <a:rPr lang="en-US" smtClean="0"/>
-              <a:t>4/18/16</a:t>
+              <a:t>5/15/16</a:t>
             </a:fld>
             <a:endParaRPr lang="en-US"/>
           </a:p>
@@ -1114,7 +1116,7 @@
           <a:p>
             <a:fld id="{9E8D5AF6-8BFF-F948-86D4-39533BAD7B7E}" type="datetimeFigureOut">
               <a:rPr lang="en-US" smtClean="0"/>
-              <a:t>4/18/16</a:t>
+              <a:t>5/15/16</a:t>
             </a:fld>
             <a:endParaRPr lang="en-US"/>
           </a:p>
@@ -1294,7 +1296,7 @@
           <a:p>
             <a:fld id="{9E8D5AF6-8BFF-F948-86D4-39533BAD7B7E}" type="datetimeFigureOut">
               <a:rPr lang="en-US" smtClean="0"/>
-              <a:t>4/18/16</a:t>
+              <a:t>5/15/16</a:t>
             </a:fld>
             <a:endParaRPr lang="en-US"/>
           </a:p>
@@ -1464,7 +1466,7 @@
           <a:p>
             <a:fld id="{9E8D5AF6-8BFF-F948-86D4-39533BAD7B7E}" type="datetimeFigureOut">
               <a:rPr lang="en-US" smtClean="0"/>
-              <a:t>4/18/16</a:t>
+              <a:t>5/15/16</a:t>
             </a:fld>
             <a:endParaRPr lang="en-US"/>
           </a:p>
@@ -1710,7 +1712,7 @@
           <a:p>
             <a:fld id="{9E8D5AF6-8BFF-F948-86D4-39533BAD7B7E}" type="datetimeFigureOut">
               <a:rPr lang="en-US" smtClean="0"/>
-              <a:t>4/18/16</a:t>
+              <a:t>5/15/16</a:t>
             </a:fld>
             <a:endParaRPr lang="en-US"/>
           </a:p>
@@ -1942,7 +1944,7 @@
           <a:p>
             <a:fld id="{9E8D5AF6-8BFF-F948-86D4-39533BAD7B7E}" type="datetimeFigureOut">
               <a:rPr lang="en-US" smtClean="0"/>
-              <a:t>4/18/16</a:t>
+              <a:t>5/15/16</a:t>
             </a:fld>
             <a:endParaRPr lang="en-US"/>
           </a:p>
@@ -2309,7 +2311,7 @@
           <a:p>
             <a:fld id="{9E8D5AF6-8BFF-F948-86D4-39533BAD7B7E}" type="datetimeFigureOut">
               <a:rPr lang="en-US" smtClean="0"/>
-              <a:t>4/18/16</a:t>
+              <a:t>5/15/16</a:t>
             </a:fld>
             <a:endParaRPr lang="en-US"/>
           </a:p>
@@ -2427,7 +2429,7 @@
           <a:p>
             <a:fld id="{9E8D5AF6-8BFF-F948-86D4-39533BAD7B7E}" type="datetimeFigureOut">
               <a:rPr lang="en-US" smtClean="0"/>
-              <a:t>4/18/16</a:t>
+              <a:t>5/15/16</a:t>
             </a:fld>
             <a:endParaRPr lang="en-US"/>
           </a:p>
@@ -2522,7 +2524,7 @@
           <a:p>
             <a:fld id="{9E8D5AF6-8BFF-F948-86D4-39533BAD7B7E}" type="datetimeFigureOut">
               <a:rPr lang="en-US" smtClean="0"/>
-              <a:t>4/18/16</a:t>
+              <a:t>5/15/16</a:t>
             </a:fld>
             <a:endParaRPr lang="en-US"/>
           </a:p>
@@ -2799,7 +2801,7 @@
           <a:p>
             <a:fld id="{9E8D5AF6-8BFF-F948-86D4-39533BAD7B7E}" type="datetimeFigureOut">
               <a:rPr lang="en-US" smtClean="0"/>
-              <a:t>4/18/16</a:t>
+              <a:t>5/15/16</a:t>
             </a:fld>
             <a:endParaRPr lang="en-US"/>
           </a:p>
@@ -3052,7 +3054,7 @@
           <a:p>
             <a:fld id="{9E8D5AF6-8BFF-F948-86D4-39533BAD7B7E}" type="datetimeFigureOut">
               <a:rPr lang="en-US" smtClean="0"/>
-              <a:t>4/18/16</a:t>
+              <a:t>5/15/16</a:t>
             </a:fld>
             <a:endParaRPr lang="en-US"/>
           </a:p>
@@ -3265,7 +3267,7 @@
           <a:p>
             <a:fld id="{9E8D5AF6-8BFF-F948-86D4-39533BAD7B7E}" type="datetimeFigureOut">
               <a:rPr lang="en-US" smtClean="0"/>
-              <a:t>4/18/16</a:t>
+              <a:t>5/15/16</a:t>
             </a:fld>
             <a:endParaRPr lang="en-US"/>
           </a:p>
@@ -3687,7 +3689,7 @@
           <a:p>
             <a:r>
               <a:rPr lang="en-US" dirty="0" smtClean="0"/>
-              <a:t>Assignment 4</a:t>
+              <a:t>Build MT systems with Moses</a:t>
             </a:r>
             <a:endParaRPr lang="en-US" dirty="0"/>
           </a:p>
@@ -3708,7 +3710,17 @@
           <a:bodyPr/>
           <a:lstStyle/>
           <a:p>
-            <a:endParaRPr lang="en-US"/>
+            <a:r>
+              <a:rPr lang="en-US" dirty="0" smtClean="0"/>
+              <a:t>MT Marathon Americas 2016</a:t>
+            </a:r>
+          </a:p>
+          <a:p>
+            <a:r>
+              <a:rPr lang="en-US" dirty="0" smtClean="0"/>
+              <a:t>Hieu Hoang</a:t>
+            </a:r>
+            <a:endParaRPr lang="en-US" dirty="0"/>
           </a:p>
         </p:txBody>
       </p:sp>
@@ -3732,6 +3744,866 @@
 </p:sld>
 </file>
 
+<file path=ppt/slides/slide10.xml><?xml version="1.0" encoding="utf-8"?>
+<p:sld xmlns:a="http://schemas.openxmlformats.org/drawingml/2006/main" xmlns:r="http://schemas.openxmlformats.org/officeDocument/2006/relationships" xmlns:p="http://schemas.openxmlformats.org/presentationml/2006/main">
+  <p:cSld>
+    <p:spTree>
+      <p:nvGrpSpPr>
+        <p:cNvPr id="1" name=""/>
+        <p:cNvGrpSpPr/>
+        <p:nvPr/>
+      </p:nvGrpSpPr>
+      <p:grpSpPr>
+        <a:xfrm>
+          <a:off x="0" y="0"/>
+          <a:ext cx="0" cy="0"/>
+          <a:chOff x="0" y="0"/>
+          <a:chExt cx="0" cy="0"/>
+        </a:xfrm>
+      </p:grpSpPr>
+      <p:sp>
+        <p:nvSpPr>
+          <p:cNvPr id="2" name="Title 1"/>
+          <p:cNvSpPr>
+            <a:spLocks noGrp="1"/>
+          </p:cNvSpPr>
+          <p:nvPr>
+            <p:ph type="title"/>
+          </p:nvPr>
+        </p:nvSpPr>
+        <p:spPr/>
+        <p:txBody>
+          <a:bodyPr/>
+          <a:lstStyle/>
+          <a:p>
+            <a:pPr algn="ctr"/>
+            <a:r>
+              <a:rPr lang="en-US" smtClean="0"/>
+              <a:t>BLEU score</a:t>
+            </a:r>
+            <a:endParaRPr lang="en-US"/>
+          </a:p>
+        </p:txBody>
+      </p:sp>
+      <p:sp>
+        <p:nvSpPr>
+          <p:cNvPr id="4" name="Rectangle 3"/>
+          <p:cNvSpPr/>
+          <p:nvPr/>
+        </p:nvSpPr>
+        <p:spPr>
+          <a:xfrm>
+            <a:off x="1094704" y="2729515"/>
+            <a:ext cx="10534918" cy="400110"/>
+          </a:xfrm>
+          <a:prstGeom prst="rect">
+            <a:avLst/>
+          </a:prstGeom>
+        </p:spPr>
+        <p:txBody>
+          <a:bodyPr wrap="square">
+            <a:spAutoFit/>
+          </a:bodyPr>
+          <a:lstStyle/>
+          <a:p>
+            <a:r>
+              <a:rPr lang="en-US" sz="2000" dirty="0"/>
+              <a:t>﻿BLEU = 23.02, 60.0/30.3/17.2/9.5 (BP=0.987, ratio=0.987, </a:t>
+            </a:r>
+            <a:r>
+              <a:rPr lang="en-US" sz="2000" dirty="0" err="1"/>
+              <a:t>hyp_len</a:t>
+            </a:r>
+            <a:r>
+              <a:rPr lang="en-US" sz="2000" dirty="0"/>
+              <a:t>=1260, </a:t>
+            </a:r>
+            <a:r>
+              <a:rPr lang="en-US" sz="2000" dirty="0" err="1"/>
+              <a:t>ref_len</a:t>
+            </a:r>
+            <a:r>
+              <a:rPr lang="en-US" sz="2000" dirty="0"/>
+              <a:t>=1277)</a:t>
+            </a:r>
+          </a:p>
+        </p:txBody>
+      </p:sp>
+      <p:cxnSp>
+        <p:nvCxnSpPr>
+          <p:cNvPr id="8" name="Straight Arrow Connector 7"/>
+          <p:cNvCxnSpPr/>
+          <p:nvPr/>
+        </p:nvCxnSpPr>
+        <p:spPr>
+          <a:xfrm flipV="1">
+            <a:off x="1751526" y="3129625"/>
+            <a:ext cx="386367" cy="489338"/>
+          </a:xfrm>
+          <a:prstGeom prst="straightConnector1">
+            <a:avLst/>
+          </a:prstGeom>
+          <a:ln>
+            <a:tailEnd type="triangle"/>
+          </a:ln>
+        </p:spPr>
+        <p:style>
+          <a:lnRef idx="1">
+            <a:schemeClr val="accent1"/>
+          </a:lnRef>
+          <a:fillRef idx="0">
+            <a:schemeClr val="accent1"/>
+          </a:fillRef>
+          <a:effectRef idx="0">
+            <a:schemeClr val="accent1"/>
+          </a:effectRef>
+          <a:fontRef idx="minor">
+            <a:schemeClr val="tx1"/>
+          </a:fontRef>
+        </p:style>
+      </p:cxnSp>
+      <p:sp>
+        <p:nvSpPr>
+          <p:cNvPr id="9" name="TextBox 8"/>
+          <p:cNvSpPr txBox="1"/>
+          <p:nvPr/>
+        </p:nvSpPr>
+        <p:spPr>
+          <a:xfrm>
+            <a:off x="1409156" y="3618963"/>
+            <a:ext cx="684739" cy="369332"/>
+          </a:xfrm>
+          <a:prstGeom prst="rect">
+            <a:avLst/>
+          </a:prstGeom>
+          <a:noFill/>
+        </p:spPr>
+        <p:txBody>
+          <a:bodyPr wrap="none" rtlCol="0">
+            <a:spAutoFit/>
+          </a:bodyPr>
+          <a:lstStyle/>
+          <a:p>
+            <a:r>
+              <a:rPr lang="en-US" smtClean="0"/>
+              <a:t>score</a:t>
+            </a:r>
+            <a:endParaRPr lang="en-US"/>
+          </a:p>
+        </p:txBody>
+      </p:sp>
+      <p:cxnSp>
+        <p:nvCxnSpPr>
+          <p:cNvPr id="10" name="Straight Arrow Connector 9"/>
+          <p:cNvCxnSpPr/>
+          <p:nvPr/>
+        </p:nvCxnSpPr>
+        <p:spPr>
+          <a:xfrm flipV="1">
+            <a:off x="2614411" y="3129625"/>
+            <a:ext cx="252219" cy="489338"/>
+          </a:xfrm>
+          <a:prstGeom prst="straightConnector1">
+            <a:avLst/>
+          </a:prstGeom>
+          <a:ln>
+            <a:tailEnd type="triangle"/>
+          </a:ln>
+        </p:spPr>
+        <p:style>
+          <a:lnRef idx="1">
+            <a:schemeClr val="accent1"/>
+          </a:lnRef>
+          <a:fillRef idx="0">
+            <a:schemeClr val="accent1"/>
+          </a:fillRef>
+          <a:effectRef idx="0">
+            <a:schemeClr val="accent1"/>
+          </a:effectRef>
+          <a:fontRef idx="minor">
+            <a:schemeClr val="tx1"/>
+          </a:fontRef>
+        </p:style>
+      </p:cxnSp>
+      <p:cxnSp>
+        <p:nvCxnSpPr>
+          <p:cNvPr id="12" name="Straight Arrow Connector 11"/>
+          <p:cNvCxnSpPr/>
+          <p:nvPr/>
+        </p:nvCxnSpPr>
+        <p:spPr>
+          <a:xfrm flipH="1" flipV="1">
+            <a:off x="3361726" y="3129625"/>
+            <a:ext cx="291944" cy="489338"/>
+          </a:xfrm>
+          <a:prstGeom prst="straightConnector1">
+            <a:avLst/>
+          </a:prstGeom>
+          <a:ln>
+            <a:tailEnd type="triangle"/>
+          </a:ln>
+        </p:spPr>
+        <p:style>
+          <a:lnRef idx="1">
+            <a:schemeClr val="accent1"/>
+          </a:lnRef>
+          <a:fillRef idx="0">
+            <a:schemeClr val="accent1"/>
+          </a:fillRef>
+          <a:effectRef idx="0">
+            <a:schemeClr val="accent1"/>
+          </a:effectRef>
+          <a:fontRef idx="minor">
+            <a:schemeClr val="tx1"/>
+          </a:fontRef>
+        </p:style>
+      </p:cxnSp>
+      <p:sp>
+        <p:nvSpPr>
+          <p:cNvPr id="13" name="TextBox 12"/>
+          <p:cNvSpPr txBox="1"/>
+          <p:nvPr/>
+        </p:nvSpPr>
+        <p:spPr>
+          <a:xfrm>
+            <a:off x="2208181" y="3618963"/>
+            <a:ext cx="1013611" cy="646331"/>
+          </a:xfrm>
+          <a:prstGeom prst="rect">
+            <a:avLst/>
+          </a:prstGeom>
+          <a:noFill/>
+        </p:spPr>
+        <p:txBody>
+          <a:bodyPr wrap="none" rtlCol="0">
+            <a:spAutoFit/>
+          </a:bodyPr>
+          <a:lstStyle/>
+          <a:p>
+            <a:r>
+              <a:rPr lang="en-US" dirty="0"/>
+              <a:t>u</a:t>
+            </a:r>
+            <a:r>
+              <a:rPr lang="en-US" dirty="0" smtClean="0"/>
+              <a:t>nigram </a:t>
+            </a:r>
+          </a:p>
+          <a:p>
+            <a:r>
+              <a:rPr lang="en-US" dirty="0" smtClean="0"/>
+              <a:t>matches</a:t>
+            </a:r>
+            <a:endParaRPr lang="en-US" dirty="0"/>
+          </a:p>
+        </p:txBody>
+      </p:sp>
+      <p:sp>
+        <p:nvSpPr>
+          <p:cNvPr id="15" name="TextBox 14"/>
+          <p:cNvSpPr txBox="1"/>
+          <p:nvPr/>
+        </p:nvSpPr>
+        <p:spPr>
+          <a:xfrm>
+            <a:off x="3272860" y="3618962"/>
+            <a:ext cx="976549" cy="646331"/>
+          </a:xfrm>
+          <a:prstGeom prst="rect">
+            <a:avLst/>
+          </a:prstGeom>
+          <a:noFill/>
+        </p:spPr>
+        <p:txBody>
+          <a:bodyPr wrap="none" rtlCol="0">
+            <a:spAutoFit/>
+          </a:bodyPr>
+          <a:lstStyle/>
+          <a:p>
+            <a:r>
+              <a:rPr lang="en-US" dirty="0" smtClean="0"/>
+              <a:t>bigram</a:t>
+            </a:r>
+          </a:p>
+          <a:p>
+            <a:r>
+              <a:rPr lang="en-US" dirty="0" smtClean="0"/>
+              <a:t>matches</a:t>
+            </a:r>
+            <a:endParaRPr lang="en-US" dirty="0"/>
+          </a:p>
+        </p:txBody>
+      </p:sp>
+      <p:sp>
+        <p:nvSpPr>
+          <p:cNvPr id="16" name="TextBox 15"/>
+          <p:cNvSpPr txBox="1"/>
+          <p:nvPr/>
+        </p:nvSpPr>
+        <p:spPr>
+          <a:xfrm>
+            <a:off x="4249409" y="3618961"/>
+            <a:ext cx="1039259" cy="646331"/>
+          </a:xfrm>
+          <a:prstGeom prst="rect">
+            <a:avLst/>
+          </a:prstGeom>
+          <a:noFill/>
+        </p:spPr>
+        <p:txBody>
+          <a:bodyPr wrap="none" rtlCol="0">
+            <a:spAutoFit/>
+          </a:bodyPr>
+          <a:lstStyle/>
+          <a:p>
+            <a:r>
+              <a:rPr lang="en-US" dirty="0" smtClean="0"/>
+              <a:t>Unigram </a:t>
+            </a:r>
+          </a:p>
+          <a:p>
+            <a:r>
+              <a:rPr lang="en-US" dirty="0" smtClean="0"/>
+              <a:t>matches</a:t>
+            </a:r>
+            <a:endParaRPr lang="en-US" dirty="0"/>
+          </a:p>
+        </p:txBody>
+      </p:sp>
+      <p:cxnSp>
+        <p:nvCxnSpPr>
+          <p:cNvPr id="17" name="Straight Arrow Connector 16"/>
+          <p:cNvCxnSpPr>
+            <a:stCxn id="16" idx="0"/>
+          </p:cNvCxnSpPr>
+          <p:nvPr/>
+        </p:nvCxnSpPr>
+        <p:spPr>
+          <a:xfrm flipH="1" flipV="1">
+            <a:off x="3843179" y="3129625"/>
+            <a:ext cx="925860" cy="489336"/>
+          </a:xfrm>
+          <a:prstGeom prst="straightConnector1">
+            <a:avLst/>
+          </a:prstGeom>
+          <a:ln>
+            <a:tailEnd type="triangle"/>
+          </a:ln>
+        </p:spPr>
+        <p:style>
+          <a:lnRef idx="1">
+            <a:schemeClr val="accent1"/>
+          </a:lnRef>
+          <a:fillRef idx="0">
+            <a:schemeClr val="accent1"/>
+          </a:fillRef>
+          <a:effectRef idx="0">
+            <a:schemeClr val="accent1"/>
+          </a:effectRef>
+          <a:fontRef idx="minor">
+            <a:schemeClr val="tx1"/>
+          </a:fontRef>
+        </p:style>
+      </p:cxnSp>
+      <p:cxnSp>
+        <p:nvCxnSpPr>
+          <p:cNvPr id="20" name="Straight Arrow Connector 19"/>
+          <p:cNvCxnSpPr/>
+          <p:nvPr/>
+        </p:nvCxnSpPr>
+        <p:spPr>
+          <a:xfrm flipH="1" flipV="1">
+            <a:off x="4495618" y="3100401"/>
+            <a:ext cx="925860" cy="489336"/>
+          </a:xfrm>
+          <a:prstGeom prst="straightConnector1">
+            <a:avLst/>
+          </a:prstGeom>
+          <a:ln>
+            <a:tailEnd type="triangle"/>
+          </a:ln>
+        </p:spPr>
+        <p:style>
+          <a:lnRef idx="1">
+            <a:schemeClr val="accent1"/>
+          </a:lnRef>
+          <a:fillRef idx="0">
+            <a:schemeClr val="accent1"/>
+          </a:fillRef>
+          <a:effectRef idx="0">
+            <a:schemeClr val="accent1"/>
+          </a:effectRef>
+          <a:fontRef idx="minor">
+            <a:schemeClr val="tx1"/>
+          </a:fontRef>
+        </p:style>
+      </p:cxnSp>
+      <p:sp>
+        <p:nvSpPr>
+          <p:cNvPr id="21" name="TextBox 20"/>
+          <p:cNvSpPr txBox="1"/>
+          <p:nvPr/>
+        </p:nvSpPr>
+        <p:spPr>
+          <a:xfrm>
+            <a:off x="5316391" y="3618960"/>
+            <a:ext cx="986360" cy="646331"/>
+          </a:xfrm>
+          <a:prstGeom prst="rect">
+            <a:avLst/>
+          </a:prstGeom>
+          <a:noFill/>
+        </p:spPr>
+        <p:txBody>
+          <a:bodyPr wrap="none" rtlCol="0">
+            <a:spAutoFit/>
+          </a:bodyPr>
+          <a:lstStyle/>
+          <a:p>
+            <a:r>
+              <a:rPr lang="en-US" dirty="0" smtClean="0"/>
+              <a:t>4-gram </a:t>
+            </a:r>
+          </a:p>
+          <a:p>
+            <a:r>
+              <a:rPr lang="en-US" dirty="0" smtClean="0"/>
+              <a:t>matches</a:t>
+            </a:r>
+            <a:endParaRPr lang="en-US" dirty="0"/>
+          </a:p>
+        </p:txBody>
+      </p:sp>
+      <p:cxnSp>
+        <p:nvCxnSpPr>
+          <p:cNvPr id="22" name="Straight Arrow Connector 21"/>
+          <p:cNvCxnSpPr/>
+          <p:nvPr/>
+        </p:nvCxnSpPr>
+        <p:spPr>
+          <a:xfrm>
+            <a:off x="5316391" y="2279561"/>
+            <a:ext cx="14106" cy="422580"/>
+          </a:xfrm>
+          <a:prstGeom prst="straightConnector1">
+            <a:avLst/>
+          </a:prstGeom>
+          <a:ln>
+            <a:tailEnd type="triangle"/>
+          </a:ln>
+        </p:spPr>
+        <p:style>
+          <a:lnRef idx="1">
+            <a:schemeClr val="accent1"/>
+          </a:lnRef>
+          <a:fillRef idx="0">
+            <a:schemeClr val="accent1"/>
+          </a:fillRef>
+          <a:effectRef idx="0">
+            <a:schemeClr val="accent1"/>
+          </a:effectRef>
+          <a:fontRef idx="minor">
+            <a:schemeClr val="tx1"/>
+          </a:fontRef>
+        </p:style>
+      </p:cxnSp>
+      <p:sp>
+        <p:nvSpPr>
+          <p:cNvPr id="24" name="TextBox 23"/>
+          <p:cNvSpPr txBox="1"/>
+          <p:nvPr/>
+        </p:nvSpPr>
+        <p:spPr>
+          <a:xfrm>
+            <a:off x="4851405" y="1593846"/>
+            <a:ext cx="888385" cy="646331"/>
+          </a:xfrm>
+          <a:prstGeom prst="rect">
+            <a:avLst/>
+          </a:prstGeom>
+          <a:noFill/>
+        </p:spPr>
+        <p:txBody>
+          <a:bodyPr wrap="none" rtlCol="0">
+            <a:spAutoFit/>
+          </a:bodyPr>
+          <a:lstStyle/>
+          <a:p>
+            <a:r>
+              <a:rPr lang="en-US" dirty="0" smtClean="0"/>
+              <a:t>Brevity</a:t>
+            </a:r>
+          </a:p>
+          <a:p>
+            <a:r>
+              <a:rPr lang="en-US" dirty="0" smtClean="0"/>
+              <a:t>penalty</a:t>
+            </a:r>
+            <a:endParaRPr lang="en-US" dirty="0"/>
+          </a:p>
+        </p:txBody>
+      </p:sp>
+      <p:cxnSp>
+        <p:nvCxnSpPr>
+          <p:cNvPr id="25" name="Straight Arrow Connector 24"/>
+          <p:cNvCxnSpPr/>
+          <p:nvPr/>
+        </p:nvCxnSpPr>
+        <p:spPr>
+          <a:xfrm>
+            <a:off x="8302143" y="2279561"/>
+            <a:ext cx="14106" cy="422580"/>
+          </a:xfrm>
+          <a:prstGeom prst="straightConnector1">
+            <a:avLst/>
+          </a:prstGeom>
+          <a:ln>
+            <a:tailEnd type="triangle"/>
+          </a:ln>
+        </p:spPr>
+        <p:style>
+          <a:lnRef idx="1">
+            <a:schemeClr val="accent1"/>
+          </a:lnRef>
+          <a:fillRef idx="0">
+            <a:schemeClr val="accent1"/>
+          </a:fillRef>
+          <a:effectRef idx="0">
+            <a:schemeClr val="accent1"/>
+          </a:effectRef>
+          <a:fontRef idx="minor">
+            <a:schemeClr val="tx1"/>
+          </a:fontRef>
+        </p:style>
+      </p:cxnSp>
+      <p:sp>
+        <p:nvSpPr>
+          <p:cNvPr id="26" name="TextBox 25"/>
+          <p:cNvSpPr txBox="1"/>
+          <p:nvPr/>
+        </p:nvSpPr>
+        <p:spPr>
+          <a:xfrm>
+            <a:off x="7837157" y="1593846"/>
+            <a:ext cx="909223" cy="646331"/>
+          </a:xfrm>
+          <a:prstGeom prst="rect">
+            <a:avLst/>
+          </a:prstGeom>
+          <a:noFill/>
+        </p:spPr>
+        <p:txBody>
+          <a:bodyPr wrap="none" rtlCol="0">
+            <a:spAutoFit/>
+          </a:bodyPr>
+          <a:lstStyle/>
+          <a:p>
+            <a:r>
+              <a:rPr lang="en-US" dirty="0" smtClean="0"/>
+              <a:t>Output </a:t>
+            </a:r>
+          </a:p>
+          <a:p>
+            <a:r>
+              <a:rPr lang="en-US" dirty="0" smtClean="0"/>
+              <a:t>length</a:t>
+            </a:r>
+            <a:endParaRPr lang="en-US" dirty="0"/>
+          </a:p>
+        </p:txBody>
+      </p:sp>
+      <p:cxnSp>
+        <p:nvCxnSpPr>
+          <p:cNvPr id="28" name="Straight Arrow Connector 27"/>
+          <p:cNvCxnSpPr/>
+          <p:nvPr/>
+        </p:nvCxnSpPr>
+        <p:spPr>
+          <a:xfrm>
+            <a:off x="9884098" y="2279561"/>
+            <a:ext cx="14106" cy="422580"/>
+          </a:xfrm>
+          <a:prstGeom prst="straightConnector1">
+            <a:avLst/>
+          </a:prstGeom>
+          <a:ln>
+            <a:tailEnd type="triangle"/>
+          </a:ln>
+        </p:spPr>
+        <p:style>
+          <a:lnRef idx="1">
+            <a:schemeClr val="accent1"/>
+          </a:lnRef>
+          <a:fillRef idx="0">
+            <a:schemeClr val="accent1"/>
+          </a:fillRef>
+          <a:effectRef idx="0">
+            <a:schemeClr val="accent1"/>
+          </a:effectRef>
+          <a:fontRef idx="minor">
+            <a:schemeClr val="tx1"/>
+          </a:fontRef>
+        </p:style>
+      </p:cxnSp>
+      <p:sp>
+        <p:nvSpPr>
+          <p:cNvPr id="29" name="TextBox 28"/>
+          <p:cNvSpPr txBox="1"/>
+          <p:nvPr/>
+        </p:nvSpPr>
+        <p:spPr>
+          <a:xfrm>
+            <a:off x="9419112" y="1593846"/>
+            <a:ext cx="1127360" cy="646331"/>
+          </a:xfrm>
+          <a:prstGeom prst="rect">
+            <a:avLst/>
+          </a:prstGeom>
+          <a:noFill/>
+        </p:spPr>
+        <p:txBody>
+          <a:bodyPr wrap="none" rtlCol="0">
+            <a:spAutoFit/>
+          </a:bodyPr>
+          <a:lstStyle/>
+          <a:p>
+            <a:r>
+              <a:rPr lang="en-US" smtClean="0"/>
+              <a:t>Reference</a:t>
+            </a:r>
+            <a:endParaRPr lang="en-US" dirty="0" smtClean="0"/>
+          </a:p>
+          <a:p>
+            <a:r>
+              <a:rPr lang="en-US" dirty="0" smtClean="0"/>
+              <a:t>length</a:t>
+            </a:r>
+            <a:endParaRPr lang="en-US" dirty="0"/>
+          </a:p>
+        </p:txBody>
+      </p:sp>
+    </p:spTree>
+    <p:extLst>
+      <p:ext uri="{BB962C8B-B14F-4D97-AF65-F5344CB8AC3E}">
+        <p14:creationId xmlns:p14="http://schemas.microsoft.com/office/powerpoint/2010/main" val="1305746183"/>
+      </p:ext>
+    </p:extLst>
+  </p:cSld>
+  <p:clrMapOvr>
+    <a:masterClrMapping/>
+  </p:clrMapOvr>
+</p:sld>
+</file>
+
+<file path=ppt/slides/slide11.xml><?xml version="1.0" encoding="utf-8"?>
+<p:sld xmlns:a="http://schemas.openxmlformats.org/drawingml/2006/main" xmlns:r="http://schemas.openxmlformats.org/officeDocument/2006/relationships" xmlns:p="http://schemas.openxmlformats.org/presentationml/2006/main">
+  <p:cSld>
+    <p:spTree>
+      <p:nvGrpSpPr>
+        <p:cNvPr id="1" name=""/>
+        <p:cNvGrpSpPr/>
+        <p:nvPr/>
+      </p:nvGrpSpPr>
+      <p:grpSpPr>
+        <a:xfrm>
+          <a:off x="0" y="0"/>
+          <a:ext cx="0" cy="0"/>
+          <a:chOff x="0" y="0"/>
+          <a:chExt cx="0" cy="0"/>
+        </a:xfrm>
+      </p:grpSpPr>
+      <p:sp>
+        <p:nvSpPr>
+          <p:cNvPr id="2" name="Title 1"/>
+          <p:cNvSpPr>
+            <a:spLocks noGrp="1"/>
+          </p:cNvSpPr>
+          <p:nvPr>
+            <p:ph type="title"/>
+          </p:nvPr>
+        </p:nvSpPr>
+        <p:spPr/>
+        <p:txBody>
+          <a:bodyPr/>
+          <a:lstStyle/>
+          <a:p>
+            <a:pPr algn="ctr"/>
+            <a:r>
+              <a:rPr lang="en-US" dirty="0" smtClean="0"/>
+              <a:t>Experiment </a:t>
+            </a:r>
+            <a:r>
+              <a:rPr lang="en-US" smtClean="0"/>
+              <a:t>Management System (EMS)</a:t>
+            </a:r>
+            <a:endParaRPr lang="en-US"/>
+          </a:p>
+        </p:txBody>
+      </p:sp>
+      <p:sp>
+        <p:nvSpPr>
+          <p:cNvPr id="3" name="Content Placeholder 2"/>
+          <p:cNvSpPr>
+            <a:spLocks noGrp="1"/>
+          </p:cNvSpPr>
+          <p:nvPr>
+            <p:ph idx="1"/>
+          </p:nvPr>
+        </p:nvSpPr>
+        <p:spPr/>
+        <p:txBody>
+          <a:bodyPr>
+            <a:normAutofit lnSpcReduction="10000"/>
+          </a:bodyPr>
+          <a:lstStyle/>
+          <a:p>
+            <a:r>
+              <a:rPr lang="en-US" dirty="0" err="1" smtClean="0"/>
+              <a:t>Config</a:t>
+            </a:r>
+            <a:r>
+              <a:rPr lang="en-US" dirty="0" smtClean="0"/>
+              <a:t> file</a:t>
+            </a:r>
+          </a:p>
+          <a:p>
+            <a:r>
+              <a:rPr lang="en-US" dirty="0" smtClean="0"/>
+              <a:t>Where to find</a:t>
+            </a:r>
+          </a:p>
+          <a:p>
+            <a:pPr lvl="1"/>
+            <a:r>
+              <a:rPr lang="en-US" dirty="0" smtClean="0"/>
+              <a:t>Moses scripts and executables</a:t>
+            </a:r>
+          </a:p>
+          <a:p>
+            <a:pPr lvl="1"/>
+            <a:r>
+              <a:rPr lang="en-US" dirty="0" smtClean="0"/>
+              <a:t>External programs</a:t>
+            </a:r>
+          </a:p>
+          <a:p>
+            <a:pPr lvl="2"/>
+            <a:r>
+              <a:rPr lang="en-US" dirty="0" smtClean="0"/>
+              <a:t>Giza/</a:t>
+            </a:r>
+            <a:r>
+              <a:rPr lang="en-US" dirty="0" err="1" smtClean="0"/>
+              <a:t>mgiza</a:t>
+            </a:r>
+            <a:r>
+              <a:rPr lang="en-US" dirty="0" smtClean="0"/>
+              <a:t>/</a:t>
+            </a:r>
+            <a:r>
+              <a:rPr lang="en-US" dirty="0" err="1" smtClean="0"/>
+              <a:t>cdec</a:t>
+            </a:r>
+            <a:r>
+              <a:rPr lang="en-US" dirty="0" smtClean="0"/>
+              <a:t> </a:t>
+            </a:r>
+            <a:r>
+              <a:rPr lang="en-US" dirty="0" err="1" smtClean="0"/>
+              <a:t>etc</a:t>
+            </a:r>
+            <a:endParaRPr lang="en-US" dirty="0" smtClean="0"/>
+          </a:p>
+          <a:p>
+            <a:pPr lvl="2"/>
+            <a:r>
+              <a:rPr lang="en-US" dirty="0" smtClean="0"/>
+              <a:t>POS tagger, parsers </a:t>
+            </a:r>
+            <a:r>
+              <a:rPr lang="en-US" dirty="0" err="1" smtClean="0"/>
+              <a:t>etc</a:t>
+            </a:r>
+            <a:endParaRPr lang="en-US" dirty="0" smtClean="0"/>
+          </a:p>
+          <a:p>
+            <a:pPr lvl="1"/>
+            <a:r>
+              <a:rPr lang="en-US" dirty="0"/>
+              <a:t>Training, tuning, test data</a:t>
+            </a:r>
+          </a:p>
+          <a:p>
+            <a:r>
+              <a:rPr lang="en-US" dirty="0" smtClean="0"/>
+              <a:t>Parameters</a:t>
+            </a:r>
+          </a:p>
+          <a:p>
+            <a:pPr lvl="1"/>
+            <a:r>
+              <a:rPr lang="en-US" dirty="0" err="1" smtClean="0"/>
+              <a:t>eg</a:t>
+            </a:r>
+            <a:r>
+              <a:rPr lang="en-US" dirty="0" smtClean="0"/>
+              <a:t>. </a:t>
+            </a:r>
+            <a:r>
+              <a:rPr lang="en-US" dirty="0" err="1" smtClean="0"/>
+              <a:t>recasing</a:t>
+            </a:r>
+            <a:r>
+              <a:rPr lang="en-US" dirty="0" smtClean="0"/>
+              <a:t>/</a:t>
+            </a:r>
+            <a:r>
+              <a:rPr lang="en-US" dirty="0" err="1" smtClean="0"/>
+              <a:t>truecasing</a:t>
+            </a:r>
+            <a:r>
+              <a:rPr lang="en-US" dirty="0" smtClean="0"/>
+              <a:t> </a:t>
+            </a:r>
+          </a:p>
+          <a:p>
+            <a:pPr lvl="1"/>
+            <a:r>
+              <a:rPr lang="en-US" dirty="0" smtClean="0"/>
+              <a:t>phrase-based/</a:t>
+            </a:r>
+            <a:r>
+              <a:rPr lang="en-US" dirty="0" err="1" smtClean="0"/>
+              <a:t>hiero</a:t>
+            </a:r>
+            <a:endParaRPr lang="en-US" dirty="0" smtClean="0"/>
+          </a:p>
+          <a:p>
+            <a:pPr lvl="1"/>
+            <a:r>
+              <a:rPr lang="en-US" smtClean="0"/>
+              <a:t>Number of cores/grid engine jobs to use</a:t>
+            </a:r>
+            <a:endParaRPr lang="en-US" dirty="0" smtClean="0"/>
+          </a:p>
+          <a:p>
+            <a:endParaRPr lang="en-US" dirty="0" smtClean="0"/>
+          </a:p>
+        </p:txBody>
+      </p:sp>
+    </p:spTree>
+    <p:extLst>
+      <p:ext uri="{BB962C8B-B14F-4D97-AF65-F5344CB8AC3E}">
+        <p14:creationId xmlns:p14="http://schemas.microsoft.com/office/powerpoint/2010/main" val="1347575845"/>
+      </p:ext>
+    </p:extLst>
+  </p:cSld>
+  <p:clrMapOvr>
+    <a:masterClrMapping/>
+  </p:clrMapOvr>
+</p:sld>
+</file>
+
 <file path=ppt/slides/slide2.xml><?xml version="1.0" encoding="utf-8"?>
 <p:sld xmlns:a="http://schemas.openxmlformats.org/drawingml/2006/main" xmlns:r="http://schemas.openxmlformats.org/officeDocument/2006/relationships" xmlns:p="http://schemas.openxmlformats.org/presentationml/2006/main">
   <p:cSld>
@@ -3764,10 +4636,9 @@
           <a:bodyPr/>
           <a:lstStyle/>
           <a:p>
-            <a:pPr algn="ctr"/>
-            <a:r>
-              <a:rPr lang="en-US" dirty="0" smtClean="0"/>
-              <a:t>Start</a:t>
+            <a:r>
+              <a:rPr lang="en-US" dirty="0" smtClean="0"/>
+              <a:t>Outline</a:t>
             </a:r>
             <a:endParaRPr lang="en-US" dirty="0"/>
           </a:p>
@@ -3790,20 +4661,7 @@
           <a:p>
             <a:r>
               <a:rPr lang="en-US" dirty="0" smtClean="0"/>
-              <a:t>Computer with +30GB disk space</a:t>
-            </a:r>
-          </a:p>
-          <a:p>
-            <a:r>
-              <a:rPr lang="en-US" dirty="0" smtClean="0"/>
-              <a:t>Follow the instructions!</a:t>
-            </a:r>
-          </a:p>
-          <a:p>
-            <a:pPr lvl="1"/>
-            <a:r>
-              <a:rPr lang="en-US" dirty="0" smtClean="0"/>
-              <a:t>Install </a:t>
+              <a:t>Using </a:t>
             </a:r>
             <a:r>
               <a:rPr lang="en-US" dirty="0" err="1" smtClean="0"/>
@@ -3815,32 +4673,72 @@
             <a:pPr lvl="1"/>
             <a:r>
               <a:rPr lang="en-US" dirty="0" smtClean="0"/>
-              <a:t>Run virtual machine (Ubuntu Linux)</a:t>
-            </a:r>
+              <a:t>Pre-compiled Moses and </a:t>
+            </a:r>
+            <a:r>
+              <a:rPr lang="en-US" dirty="0" err="1" smtClean="0"/>
+              <a:t>mgiza</a:t>
+            </a:r>
+            <a:endParaRPr lang="en-US" dirty="0" smtClean="0"/>
           </a:p>
           <a:p>
             <a:pPr lvl="1"/>
             <a:r>
               <a:rPr lang="en-US" dirty="0" smtClean="0"/>
-              <a:t>Run commands</a:t>
+              <a:t>Contain small training/tuning/test corpora</a:t>
+            </a:r>
+          </a:p>
+          <a:p>
+            <a:pPr marL="514350" indent="-514350">
+              <a:buFont typeface="+mj-lt"/>
+              <a:buAutoNum type="arabicPeriod"/>
+            </a:pPr>
+            <a:r>
+              <a:rPr lang="en-US" dirty="0" smtClean="0"/>
+              <a:t>Run each step of training </a:t>
             </a:r>
           </a:p>
           <a:p>
             <a:pPr lvl="1"/>
-            <a:endParaRPr lang="en-US" dirty="0"/>
-          </a:p>
-          <a:p>
-            <a:r>
-              <a:rPr lang="en-US" dirty="0" smtClean="0"/>
-              <a:t>Creating Arabic-to-English translation system</a:t>
+            <a:r>
+              <a:rPr lang="en-US" dirty="0" smtClean="0"/>
+              <a:t>Create MT system</a:t>
+            </a:r>
+          </a:p>
+          <a:p>
+            <a:pPr marL="514350" indent="-514350">
+              <a:buFont typeface="+mj-lt"/>
+              <a:buAutoNum type="arabicPeriod"/>
+            </a:pPr>
+            <a:r>
+              <a:rPr lang="en-US" dirty="0" smtClean="0"/>
+              <a:t>Run Experiment Management System (EMS)</a:t>
             </a:r>
           </a:p>
           <a:p>
             <a:pPr lvl="1"/>
-            <a:endParaRPr lang="en-US" dirty="0" smtClean="0"/>
-          </a:p>
-          <a:p>
-            <a:pPr lvl="1"/>
+            <a:r>
+              <a:rPr lang="en-US" dirty="0" smtClean="0"/>
+              <a:t>Run all steps with 1 command</a:t>
+            </a:r>
+          </a:p>
+          <a:p>
+            <a:pPr marL="514350" indent="-514350">
+              <a:buFont typeface="+mj-lt"/>
+              <a:buAutoNum type="arabicPeriod"/>
+            </a:pPr>
+            <a:r>
+              <a:rPr lang="en-US" dirty="0" smtClean="0"/>
+              <a:t>Install Moses and </a:t>
+            </a:r>
+            <a:r>
+              <a:rPr lang="en-US" dirty="0" err="1" smtClean="0"/>
+              <a:t>mgiza</a:t>
+            </a:r>
+            <a:r>
+              <a:rPr lang="en-US" dirty="0" smtClean="0"/>
+              <a:t> on your laptop</a:t>
+            </a:r>
             <a:endParaRPr lang="en-US" dirty="0"/>
           </a:p>
         </p:txBody>
@@ -3848,20 +4746,13 @@
     </p:spTree>
     <p:extLst>
       <p:ext uri="{BB962C8B-B14F-4D97-AF65-F5344CB8AC3E}">
-        <p14:creationId xmlns:p14="http://schemas.microsoft.com/office/powerpoint/2010/main" val="2041988645"/>
+        <p14:creationId xmlns:p14="http://schemas.microsoft.com/office/powerpoint/2010/main" val="1896210032"/>
       </p:ext>
     </p:extLst>
   </p:cSld>
   <p:clrMapOvr>
     <a:masterClrMapping/>
   </p:clrMapOvr>
-  <p:timing>
-    <p:tnLst>
-      <p:par>
-        <p:cTn id="1" dur="indefinite" restart="never" nodeType="tmRoot"/>
-      </p:par>
-    </p:tnLst>
-  </p:timing>
 </p:sld>
 </file>
 
@@ -3899,10 +4790,10 @@
           <a:p>
             <a:pPr algn="ctr"/>
             <a:r>
-              <a:rPr lang="en-US" smtClean="0"/>
-              <a:t>Data</a:t>
-            </a:r>
-            <a:endParaRPr lang="en-US"/>
+              <a:rPr lang="en-US" dirty="0" smtClean="0"/>
+              <a:t>Start</a:t>
+            </a:r>
+            <a:endParaRPr lang="en-US" dirty="0"/>
           </a:p>
         </p:txBody>
       </p:sp>
@@ -3923,146 +4814,49 @@
           <a:p>
             <a:r>
               <a:rPr lang="en-US" dirty="0" smtClean="0"/>
-              <a:t>Arabic – </a:t>
+              <a:t>Computer with +30GB disk space</a:t>
+            </a:r>
+          </a:p>
+          <a:p>
+            <a:r>
+              <a:rPr lang="en-US" dirty="0" smtClean="0"/>
+              <a:t>Follow the instructions!</a:t>
+            </a:r>
+          </a:p>
+          <a:p>
+            <a:pPr lvl="1"/>
+            <a:r>
+              <a:rPr lang="en-US" dirty="0" smtClean="0"/>
+              <a:t>Install </a:t>
             </a:r>
             <a:r>
               <a:rPr lang="en-US" dirty="0" err="1" smtClean="0"/>
-              <a:t>Buckwalter</a:t>
-            </a:r>
-            <a:r>
-              <a:rPr lang="en-US" dirty="0" smtClean="0"/>
-              <a:t> encoding (’Romanized’)</a:t>
-            </a:r>
+              <a:t>VirtualBox</a:t>
+            </a:r>
+            <a:endParaRPr lang="en-US" dirty="0" smtClean="0"/>
           </a:p>
           <a:p>
             <a:pPr lvl="1"/>
             <a:r>
               <a:rPr lang="en-US" dirty="0" smtClean="0"/>
-              <a:t>﻿</a:t>
-            </a:r>
-            <a:r>
-              <a:rPr lang="en-US" dirty="0" err="1" smtClean="0"/>
-              <a:t>AlOx</a:t>
-            </a:r>
-            <a:r>
-              <a:rPr lang="en-US" dirty="0" smtClean="0"/>
-              <a:t> </a:t>
-            </a:r>
-            <a:r>
-              <a:rPr lang="en-US" dirty="0" err="1" smtClean="0"/>
-              <a:t>gyr</a:t>
-            </a:r>
-            <a:r>
-              <a:rPr lang="en-US" dirty="0" smtClean="0"/>
-              <a:t> </a:t>
-            </a:r>
-            <a:r>
-              <a:rPr lang="en-US" dirty="0" err="1" smtClean="0"/>
-              <a:t>Alcqyq</a:t>
-            </a:r>
-            <a:r>
-              <a:rPr lang="en-US" dirty="0" smtClean="0"/>
-              <a:t> </a:t>
-            </a:r>
-            <a:r>
-              <a:rPr lang="en-US" dirty="0" err="1" smtClean="0"/>
-              <a:t>lSdAm</a:t>
-            </a:r>
-            <a:r>
-              <a:rPr lang="en-US" dirty="0" smtClean="0"/>
-              <a:t> </a:t>
-            </a:r>
-            <a:r>
-              <a:rPr lang="en-US" dirty="0" err="1" smtClean="0"/>
-              <a:t>Hsyn</a:t>
-            </a:r>
-            <a:r>
-              <a:rPr lang="en-US" dirty="0" smtClean="0"/>
-              <a:t> </a:t>
-            </a:r>
-            <a:r>
-              <a:rPr lang="en-US" dirty="0" err="1" smtClean="0"/>
-              <a:t>yrfD</a:t>
-            </a:r>
-            <a:r>
-              <a:rPr lang="en-US" dirty="0" smtClean="0"/>
-              <a:t> </a:t>
-            </a:r>
-            <a:r>
-              <a:rPr lang="en-US" dirty="0" err="1" smtClean="0"/>
-              <a:t>AlEwdp</a:t>
-            </a:r>
-            <a:r>
-              <a:rPr lang="en-US" dirty="0" smtClean="0"/>
-              <a:t> </a:t>
-            </a:r>
-            <a:r>
-              <a:rPr lang="en-US" dirty="0" err="1" smtClean="0"/>
-              <a:t>IlY</a:t>
-            </a:r>
-            <a:r>
-              <a:rPr lang="en-US" dirty="0" smtClean="0"/>
-              <a:t> </a:t>
-            </a:r>
-            <a:r>
-              <a:rPr lang="en-US" dirty="0" err="1" smtClean="0"/>
-              <a:t>AlErAq</a:t>
-            </a:r>
-            <a:endParaRPr lang="en-US" dirty="0" smtClean="0"/>
-          </a:p>
-          <a:p>
-            <a:r>
-              <a:rPr lang="en-US" dirty="0" smtClean="0"/>
-              <a:t>Datasets</a:t>
+              <a:t>Run virtual machine (Ubuntu Linux)</a:t>
             </a:r>
           </a:p>
           <a:p>
             <a:pPr lvl="1"/>
             <a:r>
               <a:rPr lang="en-US" dirty="0" smtClean="0"/>
-              <a:t>Train</a:t>
-            </a:r>
-          </a:p>
-          <a:p>
-            <a:pPr lvl="2"/>
-            <a:r>
-              <a:rPr lang="en-US" dirty="0" smtClean="0"/>
-              <a:t>35,644 parallel sentences</a:t>
-            </a:r>
-          </a:p>
-          <a:p>
-            <a:pPr lvl="2"/>
-            <a:r>
-              <a:rPr lang="en-US" dirty="0" smtClean="0"/>
-              <a:t>71,286 sentences just in English</a:t>
+              <a:t>Run commands</a:t>
             </a:r>
           </a:p>
           <a:p>
             <a:pPr lvl="1"/>
-            <a:r>
-              <a:rPr lang="en-US" dirty="0" smtClean="0"/>
-              <a:t>Tune</a:t>
-            </a:r>
-          </a:p>
-          <a:p>
-            <a:pPr lvl="2"/>
-            <a:r>
-              <a:rPr lang="en-US" dirty="0" smtClean="0"/>
-              <a:t>50 parallel sentences</a:t>
-            </a:r>
-          </a:p>
-          <a:p>
-            <a:pPr lvl="1"/>
-            <a:r>
-              <a:rPr lang="en-US" dirty="0" smtClean="0"/>
-              <a:t>Test</a:t>
-            </a:r>
-          </a:p>
-          <a:p>
-            <a:pPr lvl="2"/>
-            <a:r>
-              <a:rPr lang="en-US" dirty="0" smtClean="0"/>
-              <a:t>48 parallel sentences</a:t>
+            <a:endParaRPr lang="en-US" dirty="0"/>
+          </a:p>
+          <a:p>
+            <a:r>
+              <a:rPr lang="en-US" dirty="0" smtClean="0"/>
+              <a:t>Creating Arabic-to-English translation system</a:t>
             </a:r>
           </a:p>
           <a:p>
@@ -4070,6 +4864,7 @@
             <a:endParaRPr lang="en-US" dirty="0" smtClean="0"/>
           </a:p>
           <a:p>
+            <a:pPr lvl="1"/>
             <a:endParaRPr lang="en-US" dirty="0"/>
           </a:p>
         </p:txBody>
@@ -4077,7 +4872,7 @@
     </p:spTree>
     <p:extLst>
       <p:ext uri="{BB962C8B-B14F-4D97-AF65-F5344CB8AC3E}">
-        <p14:creationId xmlns:p14="http://schemas.microsoft.com/office/powerpoint/2010/main" val="971612138"/>
+        <p14:creationId xmlns:p14="http://schemas.microsoft.com/office/powerpoint/2010/main" val="2041988645"/>
       </p:ext>
     </p:extLst>
   </p:cSld>
@@ -4129,7 +4924,7 @@
             <a:pPr algn="ctr"/>
             <a:r>
               <a:rPr lang="en-US" smtClean="0"/>
-              <a:t>SMT Pipeline</a:t>
+              <a:t>Data</a:t>
             </a:r>
             <a:endParaRPr lang="en-US"/>
           </a:p>
@@ -4137,999 +4932,176 @@
       </p:sp>
       <p:sp>
         <p:nvSpPr>
-          <p:cNvPr id="4" name="Rectangle 2"/>
-          <p:cNvSpPr>
-            <a:spLocks noChangeArrowheads="1"/>
-          </p:cNvSpPr>
-          <p:nvPr/>
-        </p:nvSpPr>
-        <p:spPr bwMode="auto">
-          <a:xfrm>
-            <a:off x="1919289" y="917957"/>
-            <a:ext cx="1933575" cy="952501"/>
-          </a:xfrm>
-          <a:prstGeom prst="rect">
-            <a:avLst/>
-          </a:prstGeom>
-          <a:noFill/>
-          <a:ln w="9360">
-            <a:solidFill>
-              <a:srgbClr val="000000"/>
-            </a:solidFill>
-            <a:miter lim="800000"/>
-            <a:headEnd/>
-            <a:tailEnd/>
-          </a:ln>
-        </p:spPr>
-        <p:txBody>
-          <a:bodyPr lIns="90000" tIns="45000" rIns="90000" bIns="45000">
-            <a:prstTxWarp prst="textNoShape">
-              <a:avLst/>
-            </a:prstTxWarp>
-          </a:bodyPr>
-          <a:lstStyle/>
-          <a:p>
-            <a:pPr>
-              <a:lnSpc>
-                <a:spcPct val="102000"/>
-              </a:lnSpc>
-              <a:tabLst>
-                <a:tab pos="723900" algn="l"/>
-                <a:tab pos="1447800" algn="l"/>
-              </a:tabLst>
-            </a:pPr>
-            <a:r>
-              <a:rPr lang="en-GB" sz="2000" dirty="0" err="1">
-                <a:solidFill>
-                  <a:srgbClr val="000000"/>
-                </a:solidFill>
-                <a:latin typeface="Calibri" pitchFamily="-65" charset="0"/>
-                <a:ea typeface="Arial Unicode MS" pitchFamily="-65" charset="0"/>
-                <a:cs typeface="Arial Unicode MS" pitchFamily="-65" charset="0"/>
-              </a:rPr>
-              <a:t>Preprocessing</a:t>
-            </a:r>
-            <a:endParaRPr lang="en-GB" sz="2000" dirty="0">
-              <a:solidFill>
-                <a:srgbClr val="000000"/>
-              </a:solidFill>
-              <a:latin typeface="Calibri" pitchFamily="-65" charset="0"/>
-              <a:ea typeface="Arial Unicode MS" pitchFamily="-65" charset="0"/>
-              <a:cs typeface="Arial Unicode MS" pitchFamily="-65" charset="0"/>
-            </a:endParaRPr>
-          </a:p>
-          <a:p>
-            <a:pPr>
-              <a:lnSpc>
-                <a:spcPct val="102000"/>
-              </a:lnSpc>
-              <a:tabLst>
-                <a:tab pos="723900" algn="l"/>
-                <a:tab pos="1447800" algn="l"/>
-              </a:tabLst>
-            </a:pPr>
-            <a:r>
-              <a:rPr lang="en-GB" dirty="0">
-                <a:solidFill>
-                  <a:srgbClr val="000000"/>
-                </a:solidFill>
-                <a:latin typeface="Calibri" pitchFamily="-65" charset="0"/>
-                <a:ea typeface="Arial Unicode MS" pitchFamily="-65" charset="0"/>
-                <a:cs typeface="Arial Unicode MS" pitchFamily="-65" charset="0"/>
-              </a:rPr>
-              <a:t>   - </a:t>
-            </a:r>
-            <a:r>
-              <a:rPr lang="en-GB" dirty="0" smtClean="0">
-                <a:solidFill>
-                  <a:srgbClr val="000000"/>
-                </a:solidFill>
-                <a:latin typeface="Calibri" pitchFamily="-65" charset="0"/>
-                <a:ea typeface="Arial Unicode MS" pitchFamily="-65" charset="0"/>
-                <a:cs typeface="Arial Unicode MS" pitchFamily="-65" charset="0"/>
-              </a:rPr>
-              <a:t>tokenize</a:t>
-            </a:r>
-          </a:p>
-          <a:p>
-            <a:pPr>
-              <a:lnSpc>
-                <a:spcPct val="102000"/>
-              </a:lnSpc>
-              <a:tabLst>
-                <a:tab pos="723900" algn="l"/>
-                <a:tab pos="1447800" algn="l"/>
-              </a:tabLst>
-            </a:pPr>
-            <a:r>
-              <a:rPr lang="en-GB" dirty="0" smtClean="0">
-                <a:solidFill>
-                  <a:srgbClr val="000000"/>
-                </a:solidFill>
-                <a:latin typeface="Calibri" pitchFamily="-65" charset="0"/>
-                <a:ea typeface="Arial Unicode MS" pitchFamily="-65" charset="0"/>
-                <a:cs typeface="Arial Unicode MS" pitchFamily="-65" charset="0"/>
-              </a:rPr>
-              <a:t>   - lowercase</a:t>
-            </a:r>
-            <a:endParaRPr lang="en-GB" dirty="0">
-              <a:solidFill>
-                <a:srgbClr val="000000"/>
-              </a:solidFill>
-              <a:latin typeface="Calibri" pitchFamily="-65" charset="0"/>
-              <a:ea typeface="Arial Unicode MS" pitchFamily="-65" charset="0"/>
-              <a:cs typeface="Arial Unicode MS" pitchFamily="-65" charset="0"/>
-            </a:endParaRPr>
-          </a:p>
-        </p:txBody>
-      </p:sp>
-      <p:sp>
-        <p:nvSpPr>
-          <p:cNvPr id="5" name="Rectangle 3"/>
-          <p:cNvSpPr>
-            <a:spLocks noChangeArrowheads="1"/>
-          </p:cNvSpPr>
-          <p:nvPr/>
-        </p:nvSpPr>
-        <p:spPr bwMode="auto">
-          <a:xfrm>
-            <a:off x="2200276" y="2097354"/>
-            <a:ext cx="1371600" cy="433388"/>
-          </a:xfrm>
-          <a:prstGeom prst="rect">
-            <a:avLst/>
-          </a:prstGeom>
-          <a:noFill/>
-          <a:ln w="9360">
-            <a:solidFill>
-              <a:srgbClr val="000000"/>
-            </a:solidFill>
-            <a:miter lim="800000"/>
-            <a:headEnd/>
-            <a:tailEnd/>
-          </a:ln>
-        </p:spPr>
-        <p:txBody>
-          <a:bodyPr lIns="90000" tIns="45000" rIns="90000" bIns="45000">
-            <a:prstTxWarp prst="textNoShape">
-              <a:avLst/>
-            </a:prstTxWarp>
-          </a:bodyPr>
-          <a:lstStyle/>
-          <a:p>
-            <a:pPr>
-              <a:lnSpc>
-                <a:spcPct val="102000"/>
-              </a:lnSpc>
-              <a:tabLst>
-                <a:tab pos="723900" algn="l"/>
-                <a:tab pos="1447800" algn="l"/>
-                <a:tab pos="2171700" algn="l"/>
-              </a:tabLst>
-            </a:pPr>
-            <a:r>
-              <a:rPr lang="en-GB" sz="2000" dirty="0">
-                <a:solidFill>
-                  <a:srgbClr val="000000"/>
-                </a:solidFill>
-                <a:latin typeface="Calibri" pitchFamily="-65" charset="0"/>
-                <a:ea typeface="Arial Unicode MS" pitchFamily="-65" charset="0"/>
-                <a:cs typeface="Arial Unicode MS" pitchFamily="-65" charset="0"/>
-              </a:rPr>
-              <a:t>Alignment</a:t>
-            </a:r>
-          </a:p>
-        </p:txBody>
-      </p:sp>
-      <p:sp>
-        <p:nvSpPr>
-          <p:cNvPr id="6" name="Rectangle 4"/>
-          <p:cNvSpPr>
-            <a:spLocks noChangeArrowheads="1"/>
-          </p:cNvSpPr>
-          <p:nvPr/>
-        </p:nvSpPr>
-        <p:spPr bwMode="auto">
-          <a:xfrm>
-            <a:off x="2402682" y="3480290"/>
-            <a:ext cx="966787" cy="457200"/>
-          </a:xfrm>
-          <a:prstGeom prst="rect">
-            <a:avLst/>
-          </a:prstGeom>
-          <a:noFill/>
-          <a:ln w="9360">
-            <a:solidFill>
-              <a:srgbClr val="000000"/>
-            </a:solidFill>
-            <a:miter lim="800000"/>
-            <a:headEnd/>
-            <a:tailEnd/>
-          </a:ln>
-        </p:spPr>
-        <p:txBody>
-          <a:bodyPr lIns="90000" tIns="45000" rIns="90000" bIns="45000">
-            <a:prstTxWarp prst="textNoShape">
-              <a:avLst/>
-            </a:prstTxWarp>
-          </a:bodyPr>
-          <a:lstStyle/>
-          <a:p>
-            <a:pPr>
-              <a:lnSpc>
-                <a:spcPct val="102000"/>
-              </a:lnSpc>
-              <a:tabLst>
-                <a:tab pos="723900" algn="l"/>
-              </a:tabLst>
-            </a:pPr>
-            <a:r>
-              <a:rPr lang="en-GB" sz="2000" dirty="0">
-                <a:solidFill>
-                  <a:srgbClr val="000000"/>
-                </a:solidFill>
-                <a:latin typeface="Calibri" pitchFamily="-65" charset="0"/>
-                <a:ea typeface="Arial Unicode MS" pitchFamily="-65" charset="0"/>
-                <a:cs typeface="Arial Unicode MS" pitchFamily="-65" charset="0"/>
-              </a:rPr>
-              <a:t>Tuning</a:t>
-            </a:r>
-          </a:p>
-        </p:txBody>
-      </p:sp>
-      <p:sp>
-        <p:nvSpPr>
-          <p:cNvPr id="7" name="Rectangle 5"/>
-          <p:cNvSpPr>
-            <a:spLocks noChangeArrowheads="1"/>
-          </p:cNvSpPr>
-          <p:nvPr/>
-        </p:nvSpPr>
-        <p:spPr bwMode="auto">
-          <a:xfrm>
-            <a:off x="1919289" y="4789285"/>
-            <a:ext cx="1930400" cy="1016000"/>
-          </a:xfrm>
-          <a:prstGeom prst="rect">
-            <a:avLst/>
-          </a:prstGeom>
-          <a:noFill/>
-          <a:ln w="9360">
-            <a:solidFill>
-              <a:srgbClr val="000000"/>
-            </a:solidFill>
-            <a:miter lim="800000"/>
-            <a:headEnd/>
-            <a:tailEnd/>
-          </a:ln>
-        </p:spPr>
-        <p:txBody>
-          <a:bodyPr lIns="90000" tIns="45000" rIns="90000" bIns="45000">
-            <a:prstTxWarp prst="textNoShape">
-              <a:avLst/>
-            </a:prstTxWarp>
-          </a:bodyPr>
-          <a:lstStyle/>
-          <a:p>
-            <a:pPr>
-              <a:lnSpc>
-                <a:spcPct val="102000"/>
-              </a:lnSpc>
-              <a:tabLst>
-                <a:tab pos="723900" algn="l"/>
-                <a:tab pos="1447800" algn="l"/>
-              </a:tabLst>
-            </a:pPr>
-            <a:r>
-              <a:rPr lang="en-GB" sz="2000" dirty="0" err="1">
-                <a:solidFill>
-                  <a:srgbClr val="000000"/>
-                </a:solidFill>
-                <a:latin typeface="Calibri" pitchFamily="-65" charset="0"/>
-                <a:ea typeface="Arial Unicode MS" pitchFamily="-65" charset="0"/>
-                <a:cs typeface="Arial Unicode MS" pitchFamily="-65" charset="0"/>
-              </a:rPr>
-              <a:t>Postprocessing</a:t>
-            </a:r>
-            <a:endParaRPr lang="en-GB" sz="2000" dirty="0">
-              <a:solidFill>
-                <a:srgbClr val="000000"/>
-              </a:solidFill>
-              <a:latin typeface="Calibri" pitchFamily="-65" charset="0"/>
-              <a:ea typeface="Arial Unicode MS" pitchFamily="-65" charset="0"/>
-              <a:cs typeface="Arial Unicode MS" pitchFamily="-65" charset="0"/>
-            </a:endParaRPr>
-          </a:p>
-          <a:p>
-            <a:pPr>
-              <a:lnSpc>
-                <a:spcPct val="102000"/>
-              </a:lnSpc>
-              <a:tabLst>
-                <a:tab pos="723900" algn="l"/>
-                <a:tab pos="1447800" algn="l"/>
-              </a:tabLst>
-            </a:pPr>
-            <a:r>
-              <a:rPr lang="en-GB" sz="2000" dirty="0">
-                <a:solidFill>
-                  <a:srgbClr val="000000"/>
-                </a:solidFill>
-                <a:latin typeface="Calibri" pitchFamily="-65" charset="0"/>
-                <a:ea typeface="Arial Unicode MS" pitchFamily="-65" charset="0"/>
-                <a:cs typeface="Arial Unicode MS" pitchFamily="-65" charset="0"/>
-              </a:rPr>
-              <a:t>  - </a:t>
-            </a:r>
-            <a:r>
-              <a:rPr lang="en-GB" sz="2000" dirty="0" err="1">
-                <a:solidFill>
-                  <a:srgbClr val="000000"/>
-                </a:solidFill>
-                <a:latin typeface="Calibri" pitchFamily="-65" charset="0"/>
-                <a:ea typeface="Arial Unicode MS" pitchFamily="-65" charset="0"/>
-                <a:cs typeface="Arial Unicode MS" pitchFamily="-65" charset="0"/>
-              </a:rPr>
-              <a:t>recasing</a:t>
-            </a:r>
-            <a:endParaRPr lang="en-GB" sz="2000" dirty="0">
-              <a:solidFill>
-                <a:srgbClr val="000000"/>
-              </a:solidFill>
-              <a:latin typeface="Calibri" pitchFamily="-65" charset="0"/>
-              <a:ea typeface="Arial Unicode MS" pitchFamily="-65" charset="0"/>
-              <a:cs typeface="Arial Unicode MS" pitchFamily="-65" charset="0"/>
-            </a:endParaRPr>
-          </a:p>
-          <a:p>
-            <a:pPr>
-              <a:lnSpc>
-                <a:spcPct val="102000"/>
-              </a:lnSpc>
-              <a:tabLst>
-                <a:tab pos="723900" algn="l"/>
-                <a:tab pos="1447800" algn="l"/>
-              </a:tabLst>
-            </a:pPr>
-            <a:r>
-              <a:rPr lang="en-GB" sz="2000" dirty="0">
-                <a:solidFill>
-                  <a:srgbClr val="000000"/>
-                </a:solidFill>
-                <a:latin typeface="Calibri" pitchFamily="-65" charset="0"/>
-                <a:ea typeface="Arial Unicode MS" pitchFamily="-65" charset="0"/>
-                <a:cs typeface="Arial Unicode MS" pitchFamily="-65" charset="0"/>
-              </a:rPr>
-              <a:t>  - </a:t>
-            </a:r>
-            <a:r>
-              <a:rPr lang="en-GB" sz="2000" dirty="0" err="1">
-                <a:solidFill>
-                  <a:srgbClr val="000000"/>
-                </a:solidFill>
-                <a:latin typeface="Calibri" pitchFamily="-65" charset="0"/>
-                <a:ea typeface="Arial Unicode MS" pitchFamily="-65" charset="0"/>
-                <a:cs typeface="Arial Unicode MS" pitchFamily="-65" charset="0"/>
-              </a:rPr>
-              <a:t>detokenizer</a:t>
-            </a:r>
-            <a:endParaRPr lang="en-GB" sz="2000" dirty="0">
-              <a:solidFill>
-                <a:srgbClr val="000000"/>
-              </a:solidFill>
-              <a:latin typeface="Calibri" pitchFamily="-65" charset="0"/>
-              <a:ea typeface="Arial Unicode MS" pitchFamily="-65" charset="0"/>
-              <a:cs typeface="Arial Unicode MS" pitchFamily="-65" charset="0"/>
-            </a:endParaRPr>
-          </a:p>
-        </p:txBody>
-      </p:sp>
-      <p:sp>
-        <p:nvSpPr>
-          <p:cNvPr id="8" name="Rectangle 6"/>
-          <p:cNvSpPr>
-            <a:spLocks noChangeArrowheads="1"/>
-          </p:cNvSpPr>
-          <p:nvPr/>
-        </p:nvSpPr>
-        <p:spPr bwMode="auto">
-          <a:xfrm>
-            <a:off x="1962945" y="5997148"/>
-            <a:ext cx="1843088" cy="711200"/>
-          </a:xfrm>
-          <a:prstGeom prst="rect">
-            <a:avLst/>
-          </a:prstGeom>
-          <a:noFill/>
-          <a:ln w="9360">
-            <a:solidFill>
-              <a:srgbClr val="000000"/>
-            </a:solidFill>
-            <a:miter lim="800000"/>
-            <a:headEnd/>
-            <a:tailEnd/>
-          </a:ln>
-        </p:spPr>
-        <p:txBody>
-          <a:bodyPr lIns="90000" tIns="45000" rIns="90000" bIns="45000">
-            <a:prstTxWarp prst="textNoShape">
-              <a:avLst/>
-            </a:prstTxWarp>
-          </a:bodyPr>
-          <a:lstStyle/>
-          <a:p>
-            <a:pPr>
-              <a:lnSpc>
-                <a:spcPct val="102000"/>
-              </a:lnSpc>
-              <a:tabLst>
-                <a:tab pos="723900" algn="l"/>
-                <a:tab pos="1447800" algn="l"/>
-              </a:tabLst>
-            </a:pPr>
-            <a:r>
-              <a:rPr lang="en-GB" sz="2000">
-                <a:solidFill>
-                  <a:srgbClr val="000000"/>
-                </a:solidFill>
-                <a:latin typeface="Calibri" pitchFamily="-65" charset="0"/>
-                <a:ea typeface="Arial Unicode MS" pitchFamily="-65" charset="0"/>
-                <a:cs typeface="Arial Unicode MS" pitchFamily="-65" charset="0"/>
-              </a:rPr>
-              <a:t>Scoring</a:t>
-            </a:r>
-          </a:p>
-          <a:p>
-            <a:pPr>
-              <a:lnSpc>
-                <a:spcPct val="102000"/>
-              </a:lnSpc>
-              <a:tabLst>
-                <a:tab pos="723900" algn="l"/>
-                <a:tab pos="1447800" algn="l"/>
-              </a:tabLst>
-            </a:pPr>
-            <a:r>
-              <a:rPr lang="en-GB" sz="2000" dirty="0">
-                <a:solidFill>
-                  <a:srgbClr val="000000"/>
-                </a:solidFill>
-                <a:latin typeface="Calibri" pitchFamily="-65" charset="0"/>
-                <a:ea typeface="Arial Unicode MS" pitchFamily="-65" charset="0"/>
-                <a:cs typeface="Arial Unicode MS" pitchFamily="-65" charset="0"/>
-              </a:rPr>
-              <a:t>  - BLEU score</a:t>
-            </a:r>
-          </a:p>
-        </p:txBody>
-      </p:sp>
-      <p:sp>
-        <p:nvSpPr>
-          <p:cNvPr id="9" name="Rectangle 7"/>
-          <p:cNvSpPr>
-            <a:spLocks noChangeArrowheads="1"/>
-          </p:cNvSpPr>
-          <p:nvPr/>
-        </p:nvSpPr>
-        <p:spPr bwMode="auto">
-          <a:xfrm>
-            <a:off x="2251869" y="4192385"/>
-            <a:ext cx="1268412" cy="406400"/>
-          </a:xfrm>
-          <a:prstGeom prst="rect">
-            <a:avLst/>
-          </a:prstGeom>
-          <a:noFill/>
-          <a:ln w="9360">
-            <a:solidFill>
-              <a:srgbClr val="000000"/>
-            </a:solidFill>
-            <a:miter lim="800000"/>
-            <a:headEnd/>
-            <a:tailEnd/>
-          </a:ln>
-        </p:spPr>
-        <p:txBody>
-          <a:bodyPr lIns="90000" tIns="45000" rIns="90000" bIns="45000">
-            <a:prstTxWarp prst="textNoShape">
-              <a:avLst/>
-            </a:prstTxWarp>
-          </a:bodyPr>
-          <a:lstStyle/>
-          <a:p>
-            <a:pPr>
-              <a:lnSpc>
-                <a:spcPct val="102000"/>
-              </a:lnSpc>
-              <a:tabLst>
-                <a:tab pos="723900" algn="l"/>
-              </a:tabLst>
-            </a:pPr>
-            <a:r>
-              <a:rPr lang="en-GB" sz="2000">
-                <a:solidFill>
-                  <a:srgbClr val="000000"/>
-                </a:solidFill>
-                <a:latin typeface="Calibri" pitchFamily="-65" charset="0"/>
-                <a:ea typeface="Arial Unicode MS" pitchFamily="-65" charset="0"/>
-                <a:cs typeface="Arial Unicode MS" pitchFamily="-65" charset="0"/>
-              </a:rPr>
-              <a:t>Decoding</a:t>
-            </a:r>
-          </a:p>
-        </p:txBody>
-      </p:sp>
-      <p:sp>
-        <p:nvSpPr>
-          <p:cNvPr id="10" name="Rectangle 3"/>
-          <p:cNvSpPr>
-            <a:spLocks noChangeArrowheads="1"/>
-          </p:cNvSpPr>
-          <p:nvPr/>
-        </p:nvSpPr>
-        <p:spPr bwMode="auto">
-          <a:xfrm>
-            <a:off x="1889920" y="2815424"/>
-            <a:ext cx="1989137" cy="381450"/>
-          </a:xfrm>
-          <a:prstGeom prst="rect">
-            <a:avLst/>
-          </a:prstGeom>
-          <a:noFill/>
-          <a:ln w="9360">
-            <a:solidFill>
-              <a:srgbClr val="000000"/>
-            </a:solidFill>
-            <a:miter lim="800000"/>
-            <a:headEnd/>
-            <a:tailEnd/>
-          </a:ln>
-        </p:spPr>
-        <p:txBody>
-          <a:bodyPr lIns="90000" tIns="45000" rIns="90000" bIns="45000">
-            <a:prstTxWarp prst="textNoShape">
-              <a:avLst/>
-            </a:prstTxWarp>
-          </a:bodyPr>
-          <a:lstStyle/>
-          <a:p>
-            <a:pPr>
-              <a:lnSpc>
-                <a:spcPct val="102000"/>
-              </a:lnSpc>
-              <a:tabLst>
-                <a:tab pos="723900" algn="l"/>
-                <a:tab pos="1447800" algn="l"/>
-                <a:tab pos="2171700" algn="l"/>
-              </a:tabLst>
-            </a:pPr>
-            <a:r>
-              <a:rPr lang="en-GB" dirty="0">
-                <a:solidFill>
-                  <a:srgbClr val="000000"/>
-                </a:solidFill>
-                <a:latin typeface="Calibri" pitchFamily="-65" charset="0"/>
-                <a:ea typeface="Arial Unicode MS" pitchFamily="-65" charset="0"/>
-                <a:cs typeface="Arial Unicode MS" pitchFamily="-65" charset="0"/>
-              </a:rPr>
-              <a:t>Phrase extraction</a:t>
-            </a:r>
-          </a:p>
-          <a:p>
-            <a:pPr>
-              <a:lnSpc>
-                <a:spcPct val="102000"/>
-              </a:lnSpc>
-              <a:tabLst>
-                <a:tab pos="723900" algn="l"/>
-                <a:tab pos="1447800" algn="l"/>
-                <a:tab pos="2171700" algn="l"/>
-              </a:tabLst>
-            </a:pPr>
-            <a:endParaRPr lang="en-GB" dirty="0">
-              <a:solidFill>
-                <a:srgbClr val="000000"/>
-              </a:solidFill>
-              <a:latin typeface="Calibri" pitchFamily="-65" charset="0"/>
-              <a:ea typeface="Arial Unicode MS" pitchFamily="-65" charset="0"/>
-              <a:cs typeface="Arial Unicode MS" pitchFamily="-65" charset="0"/>
-            </a:endParaRPr>
-          </a:p>
-        </p:txBody>
-      </p:sp>
-      <p:cxnSp>
-        <p:nvCxnSpPr>
-          <p:cNvPr id="11" name="Straight Arrow Connector 10"/>
-          <p:cNvCxnSpPr>
-            <a:endCxn id="4" idx="0"/>
-          </p:cNvCxnSpPr>
-          <p:nvPr/>
-        </p:nvCxnSpPr>
-        <p:spPr>
-          <a:xfrm>
-            <a:off x="2884489" y="-476517"/>
-            <a:ext cx="1588" cy="1394474"/>
-          </a:xfrm>
-          <a:prstGeom prst="straightConnector1">
-            <a:avLst/>
-          </a:prstGeom>
-          <a:ln>
-            <a:tailEnd type="triangle"/>
-          </a:ln>
-        </p:spPr>
-        <p:style>
-          <a:lnRef idx="1">
-            <a:schemeClr val="accent1"/>
-          </a:lnRef>
-          <a:fillRef idx="0">
-            <a:schemeClr val="accent1"/>
-          </a:fillRef>
-          <a:effectRef idx="0">
-            <a:schemeClr val="accent1"/>
-          </a:effectRef>
-          <a:fontRef idx="minor">
-            <a:schemeClr val="tx1"/>
-          </a:fontRef>
-        </p:style>
-      </p:cxnSp>
-      <p:cxnSp>
-        <p:nvCxnSpPr>
-          <p:cNvPr id="14" name="Straight Arrow Connector 13"/>
-          <p:cNvCxnSpPr>
-            <a:stCxn id="4" idx="2"/>
-            <a:endCxn id="5" idx="0"/>
-          </p:cNvCxnSpPr>
-          <p:nvPr/>
-        </p:nvCxnSpPr>
-        <p:spPr>
-          <a:xfrm flipH="1">
-            <a:off x="2886076" y="1870458"/>
-            <a:ext cx="1" cy="226896"/>
-          </a:xfrm>
-          <a:prstGeom prst="straightConnector1">
-            <a:avLst/>
-          </a:prstGeom>
-          <a:ln>
-            <a:tailEnd type="triangle"/>
-          </a:ln>
-        </p:spPr>
-        <p:style>
-          <a:lnRef idx="1">
-            <a:schemeClr val="accent1"/>
-          </a:lnRef>
-          <a:fillRef idx="0">
-            <a:schemeClr val="accent1"/>
-          </a:fillRef>
-          <a:effectRef idx="0">
-            <a:schemeClr val="accent1"/>
-          </a:effectRef>
-          <a:fontRef idx="minor">
-            <a:schemeClr val="tx1"/>
-          </a:fontRef>
-        </p:style>
-      </p:cxnSp>
-      <p:cxnSp>
-        <p:nvCxnSpPr>
-          <p:cNvPr id="18" name="Straight Arrow Connector 17"/>
-          <p:cNvCxnSpPr>
-            <a:stCxn id="5" idx="2"/>
-            <a:endCxn id="10" idx="0"/>
-          </p:cNvCxnSpPr>
-          <p:nvPr/>
-        </p:nvCxnSpPr>
-        <p:spPr>
-          <a:xfrm flipH="1">
-            <a:off x="2884489" y="2530742"/>
-            <a:ext cx="1587" cy="284682"/>
-          </a:xfrm>
-          <a:prstGeom prst="straightConnector1">
-            <a:avLst/>
-          </a:prstGeom>
-          <a:ln>
-            <a:tailEnd type="triangle"/>
-          </a:ln>
-        </p:spPr>
-        <p:style>
-          <a:lnRef idx="1">
-            <a:schemeClr val="accent1"/>
-          </a:lnRef>
-          <a:fillRef idx="0">
-            <a:schemeClr val="accent1"/>
-          </a:fillRef>
-          <a:effectRef idx="0">
-            <a:schemeClr val="accent1"/>
-          </a:effectRef>
-          <a:fontRef idx="minor">
-            <a:schemeClr val="tx1"/>
-          </a:fontRef>
-        </p:style>
-      </p:cxnSp>
-      <p:cxnSp>
-        <p:nvCxnSpPr>
-          <p:cNvPr id="23" name="Straight Arrow Connector 22"/>
-          <p:cNvCxnSpPr>
-            <a:stCxn id="10" idx="2"/>
-            <a:endCxn id="6" idx="0"/>
-          </p:cNvCxnSpPr>
-          <p:nvPr/>
-        </p:nvCxnSpPr>
-        <p:spPr>
-          <a:xfrm>
-            <a:off x="2884489" y="3196874"/>
-            <a:ext cx="1587" cy="283416"/>
-          </a:xfrm>
-          <a:prstGeom prst="straightConnector1">
-            <a:avLst/>
-          </a:prstGeom>
-          <a:ln>
-            <a:tailEnd type="triangle"/>
-          </a:ln>
-        </p:spPr>
-        <p:style>
-          <a:lnRef idx="1">
-            <a:schemeClr val="accent1"/>
-          </a:lnRef>
-          <a:fillRef idx="0">
-            <a:schemeClr val="accent1"/>
-          </a:fillRef>
-          <a:effectRef idx="0">
-            <a:schemeClr val="accent1"/>
-          </a:effectRef>
-          <a:fontRef idx="minor">
-            <a:schemeClr val="tx1"/>
-          </a:fontRef>
-        </p:style>
-      </p:cxnSp>
-      <p:cxnSp>
-        <p:nvCxnSpPr>
-          <p:cNvPr id="26" name="Straight Arrow Connector 25"/>
-          <p:cNvCxnSpPr>
-            <a:stCxn id="6" idx="2"/>
-            <a:endCxn id="9" idx="0"/>
-          </p:cNvCxnSpPr>
-          <p:nvPr/>
-        </p:nvCxnSpPr>
-        <p:spPr>
-          <a:xfrm flipH="1">
-            <a:off x="2886075" y="3937490"/>
-            <a:ext cx="1" cy="254895"/>
-          </a:xfrm>
-          <a:prstGeom prst="straightConnector1">
-            <a:avLst/>
-          </a:prstGeom>
-          <a:ln>
-            <a:tailEnd type="triangle"/>
-          </a:ln>
-        </p:spPr>
-        <p:style>
-          <a:lnRef idx="1">
-            <a:schemeClr val="accent1"/>
-          </a:lnRef>
-          <a:fillRef idx="0">
-            <a:schemeClr val="accent1"/>
-          </a:fillRef>
-          <a:effectRef idx="0">
-            <a:schemeClr val="accent1"/>
-          </a:effectRef>
-          <a:fontRef idx="minor">
-            <a:schemeClr val="tx1"/>
-          </a:fontRef>
-        </p:style>
-      </p:cxnSp>
-      <p:cxnSp>
-        <p:nvCxnSpPr>
-          <p:cNvPr id="29" name="Straight Arrow Connector 28"/>
-          <p:cNvCxnSpPr>
-            <a:stCxn id="9" idx="2"/>
-            <a:endCxn id="7" idx="0"/>
-          </p:cNvCxnSpPr>
-          <p:nvPr/>
-        </p:nvCxnSpPr>
-        <p:spPr>
-          <a:xfrm flipH="1">
-            <a:off x="2884489" y="4598785"/>
-            <a:ext cx="1586" cy="190500"/>
-          </a:xfrm>
-          <a:prstGeom prst="straightConnector1">
-            <a:avLst/>
-          </a:prstGeom>
-          <a:ln>
-            <a:tailEnd type="triangle"/>
-          </a:ln>
-        </p:spPr>
-        <p:style>
-          <a:lnRef idx="1">
-            <a:schemeClr val="accent1"/>
-          </a:lnRef>
-          <a:fillRef idx="0">
-            <a:schemeClr val="accent1"/>
-          </a:fillRef>
-          <a:effectRef idx="0">
-            <a:schemeClr val="accent1"/>
-          </a:effectRef>
-          <a:fontRef idx="minor">
-            <a:schemeClr val="tx1"/>
-          </a:fontRef>
-        </p:style>
-      </p:cxnSp>
-      <p:cxnSp>
-        <p:nvCxnSpPr>
-          <p:cNvPr id="33" name="Straight Arrow Connector 32"/>
-          <p:cNvCxnSpPr>
-            <a:stCxn id="7" idx="2"/>
-            <a:endCxn id="8" idx="0"/>
-          </p:cNvCxnSpPr>
-          <p:nvPr/>
-        </p:nvCxnSpPr>
-        <p:spPr>
-          <a:xfrm>
-            <a:off x="2884489" y="5805285"/>
-            <a:ext cx="0" cy="191863"/>
-          </a:xfrm>
-          <a:prstGeom prst="straightConnector1">
-            <a:avLst/>
-          </a:prstGeom>
-          <a:ln>
-            <a:tailEnd type="triangle"/>
-          </a:ln>
-        </p:spPr>
-        <p:style>
-          <a:lnRef idx="1">
-            <a:schemeClr val="accent1"/>
-          </a:lnRef>
-          <a:fillRef idx="0">
-            <a:schemeClr val="accent1"/>
-          </a:fillRef>
-          <a:effectRef idx="0">
-            <a:schemeClr val="accent1"/>
-          </a:effectRef>
-          <a:fontRef idx="minor">
-            <a:schemeClr val="tx1"/>
-          </a:fontRef>
-        </p:style>
-      </p:cxnSp>
-      <p:sp>
-        <p:nvSpPr>
-          <p:cNvPr id="37" name="Rectangle 3"/>
-          <p:cNvSpPr>
-            <a:spLocks noChangeArrowheads="1"/>
-          </p:cNvSpPr>
-          <p:nvPr/>
-        </p:nvSpPr>
-        <p:spPr bwMode="auto">
-          <a:xfrm>
-            <a:off x="198185" y="2444929"/>
-            <a:ext cx="1316292" cy="381450"/>
-          </a:xfrm>
-          <a:prstGeom prst="rect">
-            <a:avLst/>
-          </a:prstGeom>
-          <a:noFill/>
-          <a:ln w="9360">
-            <a:solidFill>
-              <a:srgbClr val="000000"/>
-            </a:solidFill>
-            <a:miter lim="800000"/>
-            <a:headEnd/>
-            <a:tailEnd/>
-          </a:ln>
-        </p:spPr>
-        <p:txBody>
-          <a:bodyPr lIns="90000" tIns="45000" rIns="90000" bIns="45000">
-            <a:prstTxWarp prst="textNoShape">
-              <a:avLst/>
-            </a:prstTxWarp>
-          </a:bodyPr>
-          <a:lstStyle/>
-          <a:p>
-            <a:pPr>
-              <a:lnSpc>
-                <a:spcPct val="102000"/>
-              </a:lnSpc>
-              <a:tabLst>
-                <a:tab pos="723900" algn="l"/>
-                <a:tab pos="1447800" algn="l"/>
-                <a:tab pos="2171700" algn="l"/>
-              </a:tabLst>
-            </a:pPr>
-            <a:r>
-              <a:rPr lang="en-GB" smtClean="0">
-                <a:solidFill>
-                  <a:srgbClr val="000000"/>
-                </a:solidFill>
-                <a:latin typeface="Calibri" pitchFamily="-65" charset="0"/>
-                <a:ea typeface="Arial Unicode MS" pitchFamily="-65" charset="0"/>
-                <a:cs typeface="Arial Unicode MS" pitchFamily="-65" charset="0"/>
-              </a:rPr>
-              <a:t>Create LM</a:t>
-            </a:r>
-            <a:endParaRPr lang="en-GB" dirty="0">
-              <a:solidFill>
-                <a:srgbClr val="000000"/>
-              </a:solidFill>
-              <a:latin typeface="Calibri" pitchFamily="-65" charset="0"/>
-              <a:ea typeface="Arial Unicode MS" pitchFamily="-65" charset="0"/>
-              <a:cs typeface="Arial Unicode MS" pitchFamily="-65" charset="0"/>
-            </a:endParaRPr>
-          </a:p>
-        </p:txBody>
-      </p:sp>
-      <p:cxnSp>
-        <p:nvCxnSpPr>
-          <p:cNvPr id="39" name="Curved Connector 38"/>
-          <p:cNvCxnSpPr>
-            <a:stCxn id="4" idx="1"/>
-            <a:endCxn id="37" idx="0"/>
-          </p:cNvCxnSpPr>
-          <p:nvPr/>
-        </p:nvCxnSpPr>
-        <p:spPr>
-          <a:xfrm rot="10800000" flipV="1">
-            <a:off x="856331" y="1394207"/>
-            <a:ext cx="1062958" cy="1050721"/>
-          </a:xfrm>
-          <a:prstGeom prst="curvedConnector2">
-            <a:avLst/>
-          </a:prstGeom>
-          <a:ln>
-            <a:tailEnd type="triangle"/>
-          </a:ln>
-        </p:spPr>
-        <p:style>
-          <a:lnRef idx="1">
-            <a:schemeClr val="accent1"/>
-          </a:lnRef>
-          <a:fillRef idx="0">
-            <a:schemeClr val="accent1"/>
-          </a:fillRef>
-          <a:effectRef idx="0">
-            <a:schemeClr val="accent1"/>
-          </a:effectRef>
-          <a:fontRef idx="minor">
-            <a:schemeClr val="tx1"/>
-          </a:fontRef>
-        </p:style>
-      </p:cxnSp>
-      <p:cxnSp>
-        <p:nvCxnSpPr>
-          <p:cNvPr id="41" name="Curved Connector 40"/>
-          <p:cNvCxnSpPr>
-            <a:stCxn id="37" idx="2"/>
-            <a:endCxn id="6" idx="1"/>
-          </p:cNvCxnSpPr>
-          <p:nvPr/>
-        </p:nvCxnSpPr>
-        <p:spPr>
-          <a:xfrm rot="16200000" flipH="1">
-            <a:off x="1188251" y="2494458"/>
-            <a:ext cx="882511" cy="1546351"/>
-          </a:xfrm>
-          <a:prstGeom prst="curvedConnector2">
-            <a:avLst/>
-          </a:prstGeom>
-          <a:ln>
-            <a:tailEnd type="triangle"/>
-          </a:ln>
-        </p:spPr>
-        <p:style>
-          <a:lnRef idx="1">
-            <a:schemeClr val="accent1"/>
-          </a:lnRef>
-          <a:fillRef idx="0">
-            <a:schemeClr val="accent1"/>
-          </a:fillRef>
-          <a:effectRef idx="0">
-            <a:schemeClr val="accent1"/>
-          </a:effectRef>
-          <a:fontRef idx="minor">
-            <a:schemeClr val="tx1"/>
-          </a:fontRef>
-        </p:style>
-      </p:cxnSp>
+          <p:cNvPr id="3" name="Content Placeholder 2"/>
+          <p:cNvSpPr>
+            <a:spLocks noGrp="1"/>
+          </p:cNvSpPr>
+          <p:nvPr>
+            <p:ph idx="1"/>
+          </p:nvPr>
+        </p:nvSpPr>
+        <p:spPr/>
+        <p:txBody>
+          <a:bodyPr/>
+          <a:lstStyle/>
+          <a:p>
+            <a:r>
+              <a:rPr lang="en-US" dirty="0" smtClean="0"/>
+              <a:t>Arabic – </a:t>
+            </a:r>
+            <a:r>
+              <a:rPr lang="en-US" dirty="0" err="1" smtClean="0"/>
+              <a:t>Buckwalter</a:t>
+            </a:r>
+            <a:r>
+              <a:rPr lang="en-US" dirty="0" smtClean="0"/>
+              <a:t> encoding (’Romanized’)</a:t>
+            </a:r>
+          </a:p>
+          <a:p>
+            <a:pPr lvl="1"/>
+            <a:r>
+              <a:rPr lang="en-US" dirty="0" smtClean="0"/>
+              <a:t>﻿</a:t>
+            </a:r>
+            <a:r>
+              <a:rPr lang="en-US" dirty="0" err="1" smtClean="0"/>
+              <a:t>AlOx</a:t>
+            </a:r>
+            <a:r>
+              <a:rPr lang="en-US" dirty="0" smtClean="0"/>
+              <a:t> </a:t>
+            </a:r>
+            <a:r>
+              <a:rPr lang="en-US" dirty="0" err="1" smtClean="0"/>
+              <a:t>gyr</a:t>
+            </a:r>
+            <a:r>
+              <a:rPr lang="en-US" dirty="0" smtClean="0"/>
+              <a:t> </a:t>
+            </a:r>
+            <a:r>
+              <a:rPr lang="en-US" dirty="0" err="1" smtClean="0"/>
+              <a:t>Alcqyq</a:t>
+            </a:r>
+            <a:r>
+              <a:rPr lang="en-US" dirty="0" smtClean="0"/>
+              <a:t> </a:t>
+            </a:r>
+            <a:r>
+              <a:rPr lang="en-US" dirty="0" err="1" smtClean="0"/>
+              <a:t>lSdAm</a:t>
+            </a:r>
+            <a:r>
+              <a:rPr lang="en-US" dirty="0" smtClean="0"/>
+              <a:t> </a:t>
+            </a:r>
+            <a:r>
+              <a:rPr lang="en-US" dirty="0" err="1" smtClean="0"/>
+              <a:t>Hsyn</a:t>
+            </a:r>
+            <a:r>
+              <a:rPr lang="en-US" dirty="0" smtClean="0"/>
+              <a:t> </a:t>
+            </a:r>
+            <a:r>
+              <a:rPr lang="en-US" dirty="0" err="1" smtClean="0"/>
+              <a:t>yrfD</a:t>
+            </a:r>
+            <a:r>
+              <a:rPr lang="en-US" dirty="0" smtClean="0"/>
+              <a:t> </a:t>
+            </a:r>
+            <a:r>
+              <a:rPr lang="en-US" dirty="0" err="1" smtClean="0"/>
+              <a:t>AlEwdp</a:t>
+            </a:r>
+            <a:r>
+              <a:rPr lang="en-US" dirty="0" smtClean="0"/>
+              <a:t> </a:t>
+            </a:r>
+            <a:r>
+              <a:rPr lang="en-US" dirty="0" err="1" smtClean="0"/>
+              <a:t>IlY</a:t>
+            </a:r>
+            <a:r>
+              <a:rPr lang="en-US" dirty="0" smtClean="0"/>
+              <a:t> </a:t>
+            </a:r>
+            <a:r>
+              <a:rPr lang="en-US" dirty="0" err="1" smtClean="0"/>
+              <a:t>AlErAq</a:t>
+            </a:r>
+            <a:endParaRPr lang="en-US" dirty="0" smtClean="0"/>
+          </a:p>
+          <a:p>
+            <a:r>
+              <a:rPr lang="en-US" dirty="0" smtClean="0"/>
+              <a:t>Datasets</a:t>
+            </a:r>
+          </a:p>
+          <a:p>
+            <a:pPr lvl="1"/>
+            <a:r>
+              <a:rPr lang="en-US" dirty="0" smtClean="0"/>
+              <a:t>Train</a:t>
+            </a:r>
+          </a:p>
+          <a:p>
+            <a:pPr lvl="2"/>
+            <a:r>
+              <a:rPr lang="en-US" dirty="0" smtClean="0"/>
+              <a:t>35,644 parallel sentences</a:t>
+            </a:r>
+          </a:p>
+          <a:p>
+            <a:pPr lvl="2"/>
+            <a:r>
+              <a:rPr lang="en-US" dirty="0" smtClean="0"/>
+              <a:t>71,286 sentences just in English</a:t>
+            </a:r>
+          </a:p>
+          <a:p>
+            <a:pPr lvl="1"/>
+            <a:r>
+              <a:rPr lang="en-US" dirty="0" smtClean="0"/>
+              <a:t>Tune</a:t>
+            </a:r>
+          </a:p>
+          <a:p>
+            <a:pPr lvl="2"/>
+            <a:r>
+              <a:rPr lang="en-US" dirty="0" smtClean="0"/>
+              <a:t>50 parallel sentences</a:t>
+            </a:r>
+          </a:p>
+          <a:p>
+            <a:pPr lvl="1"/>
+            <a:r>
+              <a:rPr lang="en-US" dirty="0" smtClean="0"/>
+              <a:t>Test</a:t>
+            </a:r>
+          </a:p>
+          <a:p>
+            <a:pPr lvl="2"/>
+            <a:r>
+              <a:rPr lang="en-US" dirty="0" smtClean="0"/>
+              <a:t>48 parallel sentences</a:t>
+            </a:r>
+          </a:p>
+          <a:p>
+            <a:pPr lvl="1"/>
+            <a:endParaRPr lang="en-US" dirty="0" smtClean="0"/>
+          </a:p>
+          <a:p>
+            <a:endParaRPr lang="en-US" dirty="0"/>
+          </a:p>
+        </p:txBody>
+      </p:sp>
     </p:spTree>
     <p:extLst>
       <p:ext uri="{BB962C8B-B14F-4D97-AF65-F5344CB8AC3E}">
-        <p14:creationId xmlns:p14="http://schemas.microsoft.com/office/powerpoint/2010/main" val="1651874156"/>
+        <p14:creationId xmlns:p14="http://schemas.microsoft.com/office/powerpoint/2010/main" val="971612138"/>
       </p:ext>
     </p:extLst>
   </p:cSld>
@@ -5206,9 +5178,7 @@
           <a:noFill/>
           <a:ln w="9360">
             <a:solidFill>
-              <a:srgbClr val="000000">
-                <a:alpha val="54000"/>
-              </a:srgbClr>
+              <a:srgbClr val="000000"/>
             </a:solidFill>
             <a:miter lim="800000"/>
             <a:headEnd/>
@@ -5235,9 +5205,7 @@
             <a:r>
               <a:rPr lang="en-GB" sz="2000" dirty="0" err="1">
                 <a:solidFill>
-                  <a:schemeClr val="bg1">
-                    <a:lumMod val="75000"/>
-                  </a:schemeClr>
+                  <a:srgbClr val="000000"/>
                 </a:solidFill>
                 <a:latin typeface="Calibri" pitchFamily="-65" charset="0"/>
                 <a:ea typeface="Arial Unicode MS" pitchFamily="-65" charset="0"/>
@@ -5247,9 +5215,7 @@
             </a:r>
             <a:endParaRPr lang="en-GB" sz="2000" dirty="0">
               <a:solidFill>
-                <a:schemeClr val="bg1">
-                  <a:lumMod val="75000"/>
-                </a:schemeClr>
+                <a:srgbClr val="000000"/>
               </a:solidFill>
               <a:latin typeface="Calibri" pitchFamily="-65" charset="0"/>
               <a:ea typeface="Arial Unicode MS" pitchFamily="-65" charset="0"/>
@@ -5269,9 +5235,7 @@
             <a:r>
               <a:rPr lang="en-GB" dirty="0">
                 <a:solidFill>
-                  <a:schemeClr val="bg1">
-                    <a:lumMod val="75000"/>
-                  </a:schemeClr>
+                  <a:srgbClr val="000000"/>
                 </a:solidFill>
                 <a:latin typeface="Calibri" pitchFamily="-65" charset="0"/>
                 <a:ea typeface="Arial Unicode MS" pitchFamily="-65" charset="0"/>
@@ -5282,9 +5246,7 @@
             <a:r>
               <a:rPr lang="en-GB" dirty="0" smtClean="0">
                 <a:solidFill>
-                  <a:schemeClr val="bg1">
-                    <a:lumMod val="75000"/>
-                  </a:schemeClr>
+                  <a:srgbClr val="000000"/>
                 </a:solidFill>
                 <a:latin typeface="Calibri" pitchFamily="-65" charset="0"/>
                 <a:ea typeface="Arial Unicode MS" pitchFamily="-65" charset="0"/>
@@ -5306,9 +5268,7 @@
             <a:r>
               <a:rPr lang="en-GB" dirty="0" smtClean="0">
                 <a:solidFill>
-                  <a:schemeClr val="bg1">
-                    <a:lumMod val="75000"/>
-                  </a:schemeClr>
+                  <a:srgbClr val="000000"/>
                 </a:solidFill>
                 <a:latin typeface="Calibri" pitchFamily="-65" charset="0"/>
                 <a:ea typeface="Arial Unicode MS" pitchFamily="-65" charset="0"/>
@@ -5318,9 +5278,7 @@
             </a:r>
             <a:endParaRPr lang="en-GB" dirty="0">
               <a:solidFill>
-                <a:schemeClr val="bg1">
-                  <a:lumMod val="75000"/>
-                </a:schemeClr>
+                <a:srgbClr val="000000"/>
               </a:solidFill>
               <a:latin typeface="Calibri" pitchFamily="-65" charset="0"/>
               <a:ea typeface="Arial Unicode MS" pitchFamily="-65" charset="0"/>
@@ -5341,66 +5299,6 @@
           <a:xfrm>
             <a:off x="2200276" y="2097354"/>
             <a:ext cx="1371600" cy="433388"/>
-          </a:xfrm>
-          <a:prstGeom prst="rect">
-            <a:avLst/>
-          </a:prstGeom>
-          <a:noFill/>
-          <a:ln w="9360">
-            <a:solidFill>
-              <a:srgbClr val="000000">
-                <a:alpha val="0"/>
-              </a:srgbClr>
-            </a:solidFill>
-            <a:miter lim="800000"/>
-            <a:headEnd/>
-            <a:tailEnd/>
-          </a:ln>
-        </p:spPr>
-        <p:txBody>
-          <a:bodyPr lIns="90000" tIns="45000" rIns="90000" bIns="45000">
-            <a:prstTxWarp prst="textNoShape">
-              <a:avLst/>
-            </a:prstTxWarp>
-          </a:bodyPr>
-          <a:lstStyle/>
-          <a:p>
-            <a:pPr>
-              <a:lnSpc>
-                <a:spcPct val="102000"/>
-              </a:lnSpc>
-              <a:tabLst>
-                <a:tab pos="723900" algn="l"/>
-                <a:tab pos="1447800" algn="l"/>
-                <a:tab pos="2171700" algn="l"/>
-              </a:tabLst>
-            </a:pPr>
-            <a:r>
-              <a:rPr lang="en-GB" sz="2000" dirty="0">
-                <a:solidFill>
-                  <a:srgbClr val="000000"/>
-                </a:solidFill>
-                <a:latin typeface="Calibri" pitchFamily="-65" charset="0"/>
-                <a:ea typeface="Arial Unicode MS" pitchFamily="-65" charset="0"/>
-                <a:cs typeface="Arial Unicode MS" pitchFamily="-65" charset="0"/>
-              </a:rPr>
-              <a:t>Alignment</a:t>
-            </a:r>
-          </a:p>
-        </p:txBody>
-      </p:sp>
-      <p:sp>
-        <p:nvSpPr>
-          <p:cNvPr id="6" name="Rectangle 4"/>
-          <p:cNvSpPr>
-            <a:spLocks noChangeArrowheads="1"/>
-          </p:cNvSpPr>
-          <p:nvPr/>
-        </p:nvSpPr>
-        <p:spPr bwMode="auto">
-          <a:xfrm>
-            <a:off x="2402682" y="3480290"/>
-            <a:ext cx="966787" cy="457200"/>
           </a:xfrm>
           <a:prstGeom prst="rect">
             <a:avLst/>
@@ -5429,6 +5327,8 @@
               </a:lnSpc>
               <a:tabLst>
                 <a:tab pos="723900" algn="l"/>
+                <a:tab pos="1447800" algn="l"/>
+                <a:tab pos="2171700" algn="l"/>
               </a:tabLst>
             </a:pPr>
             <a:r>
@@ -5440,14 +5340,14 @@
                 <a:ea typeface="Arial Unicode MS" pitchFamily="-65" charset="0"/>
                 <a:cs typeface="Arial Unicode MS" pitchFamily="-65" charset="0"/>
               </a:rPr>
-              <a:t>Tuning</a:t>
-            </a:r>
-          </a:p>
-        </p:txBody>
-      </p:sp>
-      <p:sp>
-        <p:nvSpPr>
-          <p:cNvPr id="7" name="Rectangle 5"/>
+              <a:t>Alignment</a:t>
+            </a:r>
+          </a:p>
+        </p:txBody>
+      </p:sp>
+      <p:sp>
+        <p:nvSpPr>
+          <p:cNvPr id="6" name="Rectangle 4"/>
           <p:cNvSpPr>
             <a:spLocks noChangeArrowheads="1"/>
           </p:cNvSpPr>
@@ -5455,173 +5355,8 @@
         </p:nvSpPr>
         <p:spPr bwMode="auto">
           <a:xfrm>
-            <a:off x="1919289" y="4789285"/>
-            <a:ext cx="1930400" cy="1016000"/>
-          </a:xfrm>
-          <a:prstGeom prst="rect">
-            <a:avLst/>
-          </a:prstGeom>
-          <a:noFill/>
-          <a:ln w="9360">
-            <a:solidFill>
-              <a:srgbClr val="000000">
-                <a:alpha val="54000"/>
-              </a:srgbClr>
-            </a:solidFill>
-            <a:miter lim="800000"/>
-            <a:headEnd/>
-            <a:tailEnd/>
-          </a:ln>
-        </p:spPr>
-        <p:txBody>
-          <a:bodyPr lIns="90000" tIns="45000" rIns="90000" bIns="45000">
-            <a:prstTxWarp prst="textNoShape">
-              <a:avLst/>
-            </a:prstTxWarp>
-          </a:bodyPr>
-          <a:lstStyle/>
-          <a:p>
-            <a:pPr>
-              <a:lnSpc>
-                <a:spcPct val="102000"/>
-              </a:lnSpc>
-              <a:tabLst>
-                <a:tab pos="723900" algn="l"/>
-                <a:tab pos="1447800" algn="l"/>
-              </a:tabLst>
-            </a:pPr>
-            <a:r>
-              <a:rPr lang="en-GB" sz="2000" dirty="0" err="1">
-                <a:solidFill>
-                  <a:schemeClr val="bg1">
-                    <a:lumMod val="75000"/>
-                  </a:schemeClr>
-                </a:solidFill>
-                <a:latin typeface="Calibri" pitchFamily="-65" charset="0"/>
-                <a:ea typeface="Arial Unicode MS" pitchFamily="-65" charset="0"/>
-                <a:cs typeface="Arial Unicode MS" pitchFamily="-65" charset="0"/>
-              </a:rPr>
-              <a:t>Postprocessing</a:t>
-            </a:r>
-            <a:endParaRPr lang="en-GB" sz="2000" dirty="0">
-              <a:solidFill>
-                <a:schemeClr val="bg1">
-                  <a:lumMod val="75000"/>
-                </a:schemeClr>
-              </a:solidFill>
-              <a:latin typeface="Calibri" pitchFamily="-65" charset="0"/>
-              <a:ea typeface="Arial Unicode MS" pitchFamily="-65" charset="0"/>
-              <a:cs typeface="Arial Unicode MS" pitchFamily="-65" charset="0"/>
-            </a:endParaRPr>
-          </a:p>
-          <a:p>
-            <a:pPr>
-              <a:lnSpc>
-                <a:spcPct val="102000"/>
-              </a:lnSpc>
-              <a:tabLst>
-                <a:tab pos="723900" algn="l"/>
-                <a:tab pos="1447800" algn="l"/>
-              </a:tabLst>
-            </a:pPr>
-            <a:r>
-              <a:rPr lang="en-GB" sz="2000" dirty="0">
-                <a:solidFill>
-                  <a:schemeClr val="bg1">
-                    <a:lumMod val="75000"/>
-                  </a:schemeClr>
-                </a:solidFill>
-                <a:latin typeface="Calibri" pitchFamily="-65" charset="0"/>
-                <a:ea typeface="Arial Unicode MS" pitchFamily="-65" charset="0"/>
-                <a:cs typeface="Arial Unicode MS" pitchFamily="-65" charset="0"/>
-              </a:rPr>
-              <a:t>  - </a:t>
-            </a:r>
-            <a:r>
-              <a:rPr lang="en-GB" sz="2000" dirty="0" err="1">
-                <a:solidFill>
-                  <a:schemeClr val="bg1">
-                    <a:lumMod val="75000"/>
-                  </a:schemeClr>
-                </a:solidFill>
-                <a:latin typeface="Calibri" pitchFamily="-65" charset="0"/>
-                <a:ea typeface="Arial Unicode MS" pitchFamily="-65" charset="0"/>
-                <a:cs typeface="Arial Unicode MS" pitchFamily="-65" charset="0"/>
-              </a:rPr>
-              <a:t>recasing</a:t>
-            </a:r>
-            <a:endParaRPr lang="en-GB" sz="2000" dirty="0">
-              <a:solidFill>
-                <a:schemeClr val="bg1">
-                  <a:lumMod val="75000"/>
-                </a:schemeClr>
-              </a:solidFill>
-              <a:latin typeface="Calibri" pitchFamily="-65" charset="0"/>
-              <a:ea typeface="Arial Unicode MS" pitchFamily="-65" charset="0"/>
-              <a:cs typeface="Arial Unicode MS" pitchFamily="-65" charset="0"/>
-            </a:endParaRPr>
-          </a:p>
-          <a:p>
-            <a:pPr>
-              <a:lnSpc>
-                <a:spcPct val="102000"/>
-              </a:lnSpc>
-              <a:tabLst>
-                <a:tab pos="723900" algn="l"/>
-                <a:tab pos="1447800" algn="l"/>
-              </a:tabLst>
-            </a:pPr>
-            <a:r>
-              <a:rPr lang="en-GB" sz="2000" dirty="0">
-                <a:solidFill>
-                  <a:schemeClr val="bg1">
-                    <a:lumMod val="75000"/>
-                  </a:schemeClr>
-                </a:solidFill>
-                <a:latin typeface="Calibri" pitchFamily="-65" charset="0"/>
-                <a:ea typeface="Arial Unicode MS" pitchFamily="-65" charset="0"/>
-                <a:cs typeface="Arial Unicode MS" pitchFamily="-65" charset="0"/>
-              </a:rPr>
-              <a:t>  - </a:t>
-            </a:r>
-            <a:r>
-              <a:rPr lang="en-GB" sz="2000" dirty="0" err="1">
-                <a:solidFill>
-                  <a:schemeClr val="bg1">
-                    <a:lumMod val="75000"/>
-                  </a:schemeClr>
-                </a:solidFill>
-                <a:latin typeface="Calibri" pitchFamily="-65" charset="0"/>
-                <a:ea typeface="Arial Unicode MS" pitchFamily="-65" charset="0"/>
-                <a:cs typeface="Arial Unicode MS" pitchFamily="-65" charset="0"/>
-              </a:rPr>
-              <a:t>detokenizer</a:t>
-            </a:r>
-            <a:endParaRPr lang="en-GB" sz="2000" dirty="0">
-              <a:solidFill>
-                <a:schemeClr val="bg1">
-                  <a:lumMod val="75000"/>
-                </a:schemeClr>
-              </a:solidFill>
-              <a:latin typeface="Calibri" pitchFamily="-65" charset="0"/>
-              <a:ea typeface="Arial Unicode MS" pitchFamily="-65" charset="0"/>
-              <a:cs typeface="Arial Unicode MS" pitchFamily="-65" charset="0"/>
-            </a:endParaRPr>
-          </a:p>
-        </p:txBody>
-      </p:sp>
-      <p:sp>
-        <p:nvSpPr>
-          <p:cNvPr id="8" name="Rectangle 6"/>
-          <p:cNvSpPr>
-            <a:spLocks noChangeArrowheads="1"/>
-          </p:cNvSpPr>
-          <p:nvPr/>
-        </p:nvSpPr>
-        <p:spPr bwMode="auto">
-          <a:xfrm>
-            <a:off x="1962945" y="5997148"/>
-            <a:ext cx="1843088" cy="711200"/>
+            <a:off x="2402682" y="3480290"/>
+            <a:ext cx="966787" cy="457200"/>
           </a:xfrm>
           <a:prstGeom prst="rect">
             <a:avLst/>
@@ -5650,29 +5385,6 @@
               </a:lnSpc>
               <a:tabLst>
                 <a:tab pos="723900" algn="l"/>
-                <a:tab pos="1447800" algn="l"/>
-              </a:tabLst>
-            </a:pPr>
-            <a:r>
-              <a:rPr lang="en-GB" sz="2000">
-                <a:solidFill>
-                  <a:srgbClr val="000000"/>
-                </a:solidFill>
-                <a:latin typeface="Calibri" pitchFamily="-65" charset="0"/>
-                <a:ea typeface="Arial Unicode MS" pitchFamily="-65" charset="0"/>
-                <a:cs typeface="Arial Unicode MS" pitchFamily="-65" charset="0"/>
-              </a:rPr>
-              <a:t>Scoring</a:t>
-            </a:r>
-          </a:p>
-          <a:p>
-            <a:pPr>
-              <a:lnSpc>
-                <a:spcPct val="102000"/>
-              </a:lnSpc>
-              <a:tabLst>
-                <a:tab pos="723900" algn="l"/>
-                <a:tab pos="1447800" algn="l"/>
               </a:tabLst>
             </a:pPr>
             <a:r>
@@ -5684,14 +5396,14 @@
                 <a:ea typeface="Arial Unicode MS" pitchFamily="-65" charset="0"/>
                 <a:cs typeface="Arial Unicode MS" pitchFamily="-65" charset="0"/>
               </a:rPr>
-              <a:t>  - BLEU score</a:t>
-            </a:r>
-          </a:p>
-        </p:txBody>
-      </p:sp>
-      <p:sp>
-        <p:nvSpPr>
-          <p:cNvPr id="9" name="Rectangle 7"/>
+              <a:t>Tuning</a:t>
+            </a:r>
+          </a:p>
+        </p:txBody>
+      </p:sp>
+      <p:sp>
+        <p:nvSpPr>
+          <p:cNvPr id="7" name="Rectangle 5"/>
           <p:cNvSpPr>
             <a:spLocks noChangeArrowheads="1"/>
           </p:cNvSpPr>
@@ -5699,8 +5411,8 @@
         </p:nvSpPr>
         <p:spPr bwMode="auto">
           <a:xfrm>
-            <a:off x="2251869" y="4192385"/>
-            <a:ext cx="1268412" cy="406400"/>
+            <a:off x="1919289" y="4789285"/>
+            <a:ext cx="1930400" cy="1016000"/>
           </a:xfrm>
           <a:prstGeom prst="rect">
             <a:avLst/>
@@ -5729,6 +5441,232 @@
               </a:lnSpc>
               <a:tabLst>
                 <a:tab pos="723900" algn="l"/>
+                <a:tab pos="1447800" algn="l"/>
+              </a:tabLst>
+            </a:pPr>
+            <a:r>
+              <a:rPr lang="en-GB" sz="2000" dirty="0" err="1">
+                <a:solidFill>
+                  <a:srgbClr val="000000"/>
+                </a:solidFill>
+                <a:latin typeface="Calibri" pitchFamily="-65" charset="0"/>
+                <a:ea typeface="Arial Unicode MS" pitchFamily="-65" charset="0"/>
+                <a:cs typeface="Arial Unicode MS" pitchFamily="-65" charset="0"/>
+              </a:rPr>
+              <a:t>Postprocessing</a:t>
+            </a:r>
+            <a:endParaRPr lang="en-GB" sz="2000" dirty="0">
+              <a:solidFill>
+                <a:srgbClr val="000000"/>
+              </a:solidFill>
+              <a:latin typeface="Calibri" pitchFamily="-65" charset="0"/>
+              <a:ea typeface="Arial Unicode MS" pitchFamily="-65" charset="0"/>
+              <a:cs typeface="Arial Unicode MS" pitchFamily="-65" charset="0"/>
+            </a:endParaRPr>
+          </a:p>
+          <a:p>
+            <a:pPr>
+              <a:lnSpc>
+                <a:spcPct val="102000"/>
+              </a:lnSpc>
+              <a:tabLst>
+                <a:tab pos="723900" algn="l"/>
+                <a:tab pos="1447800" algn="l"/>
+              </a:tabLst>
+            </a:pPr>
+            <a:r>
+              <a:rPr lang="en-GB" sz="2000" dirty="0">
+                <a:solidFill>
+                  <a:srgbClr val="000000"/>
+                </a:solidFill>
+                <a:latin typeface="Calibri" pitchFamily="-65" charset="0"/>
+                <a:ea typeface="Arial Unicode MS" pitchFamily="-65" charset="0"/>
+                <a:cs typeface="Arial Unicode MS" pitchFamily="-65" charset="0"/>
+              </a:rPr>
+              <a:t>  - </a:t>
+            </a:r>
+            <a:r>
+              <a:rPr lang="en-GB" sz="2000" dirty="0" err="1">
+                <a:solidFill>
+                  <a:srgbClr val="000000"/>
+                </a:solidFill>
+                <a:latin typeface="Calibri" pitchFamily="-65" charset="0"/>
+                <a:ea typeface="Arial Unicode MS" pitchFamily="-65" charset="0"/>
+                <a:cs typeface="Arial Unicode MS" pitchFamily="-65" charset="0"/>
+              </a:rPr>
+              <a:t>recasing</a:t>
+            </a:r>
+            <a:endParaRPr lang="en-GB" sz="2000" dirty="0">
+              <a:solidFill>
+                <a:srgbClr val="000000"/>
+              </a:solidFill>
+              <a:latin typeface="Calibri" pitchFamily="-65" charset="0"/>
+              <a:ea typeface="Arial Unicode MS" pitchFamily="-65" charset="0"/>
+              <a:cs typeface="Arial Unicode MS" pitchFamily="-65" charset="0"/>
+            </a:endParaRPr>
+          </a:p>
+          <a:p>
+            <a:pPr>
+              <a:lnSpc>
+                <a:spcPct val="102000"/>
+              </a:lnSpc>
+              <a:tabLst>
+                <a:tab pos="723900" algn="l"/>
+                <a:tab pos="1447800" algn="l"/>
+              </a:tabLst>
+            </a:pPr>
+            <a:r>
+              <a:rPr lang="en-GB" sz="2000" dirty="0">
+                <a:solidFill>
+                  <a:srgbClr val="000000"/>
+                </a:solidFill>
+                <a:latin typeface="Calibri" pitchFamily="-65" charset="0"/>
+                <a:ea typeface="Arial Unicode MS" pitchFamily="-65" charset="0"/>
+                <a:cs typeface="Arial Unicode MS" pitchFamily="-65" charset="0"/>
+              </a:rPr>
+              <a:t>  - </a:t>
+            </a:r>
+            <a:r>
+              <a:rPr lang="en-GB" sz="2000" dirty="0" err="1">
+                <a:solidFill>
+                  <a:srgbClr val="000000"/>
+                </a:solidFill>
+                <a:latin typeface="Calibri" pitchFamily="-65" charset="0"/>
+                <a:ea typeface="Arial Unicode MS" pitchFamily="-65" charset="0"/>
+                <a:cs typeface="Arial Unicode MS" pitchFamily="-65" charset="0"/>
+              </a:rPr>
+              <a:t>detokenizer</a:t>
+            </a:r>
+            <a:endParaRPr lang="en-GB" sz="2000" dirty="0">
+              <a:solidFill>
+                <a:srgbClr val="000000"/>
+              </a:solidFill>
+              <a:latin typeface="Calibri" pitchFamily="-65" charset="0"/>
+              <a:ea typeface="Arial Unicode MS" pitchFamily="-65" charset="0"/>
+              <a:cs typeface="Arial Unicode MS" pitchFamily="-65" charset="0"/>
+            </a:endParaRPr>
+          </a:p>
+        </p:txBody>
+      </p:sp>
+      <p:sp>
+        <p:nvSpPr>
+          <p:cNvPr id="8" name="Rectangle 6"/>
+          <p:cNvSpPr>
+            <a:spLocks noChangeArrowheads="1"/>
+          </p:cNvSpPr>
+          <p:nvPr/>
+        </p:nvSpPr>
+        <p:spPr bwMode="auto">
+          <a:xfrm>
+            <a:off x="1962945" y="5997148"/>
+            <a:ext cx="1843088" cy="711200"/>
+          </a:xfrm>
+          <a:prstGeom prst="rect">
+            <a:avLst/>
+          </a:prstGeom>
+          <a:noFill/>
+          <a:ln w="9360">
+            <a:solidFill>
+              <a:srgbClr val="000000"/>
+            </a:solidFill>
+            <a:miter lim="800000"/>
+            <a:headEnd/>
+            <a:tailEnd/>
+          </a:ln>
+        </p:spPr>
+        <p:txBody>
+          <a:bodyPr lIns="90000" tIns="45000" rIns="90000" bIns="45000">
+            <a:prstTxWarp prst="textNoShape">
+              <a:avLst/>
+            </a:prstTxWarp>
+          </a:bodyPr>
+          <a:lstStyle/>
+          <a:p>
+            <a:pPr>
+              <a:lnSpc>
+                <a:spcPct val="102000"/>
+              </a:lnSpc>
+              <a:tabLst>
+                <a:tab pos="723900" algn="l"/>
+                <a:tab pos="1447800" algn="l"/>
+              </a:tabLst>
+            </a:pPr>
+            <a:r>
+              <a:rPr lang="en-GB" sz="2000">
+                <a:solidFill>
+                  <a:srgbClr val="000000"/>
+                </a:solidFill>
+                <a:latin typeface="Calibri" pitchFamily="-65" charset="0"/>
+                <a:ea typeface="Arial Unicode MS" pitchFamily="-65" charset="0"/>
+                <a:cs typeface="Arial Unicode MS" pitchFamily="-65" charset="0"/>
+              </a:rPr>
+              <a:t>Scoring</a:t>
+            </a:r>
+          </a:p>
+          <a:p>
+            <a:pPr>
+              <a:lnSpc>
+                <a:spcPct val="102000"/>
+              </a:lnSpc>
+              <a:tabLst>
+                <a:tab pos="723900" algn="l"/>
+                <a:tab pos="1447800" algn="l"/>
+              </a:tabLst>
+            </a:pPr>
+            <a:r>
+              <a:rPr lang="en-GB" sz="2000" dirty="0">
+                <a:solidFill>
+                  <a:srgbClr val="000000"/>
+                </a:solidFill>
+                <a:latin typeface="Calibri" pitchFamily="-65" charset="0"/>
+                <a:ea typeface="Arial Unicode MS" pitchFamily="-65" charset="0"/>
+                <a:cs typeface="Arial Unicode MS" pitchFamily="-65" charset="0"/>
+              </a:rPr>
+              <a:t>  - BLEU score</a:t>
+            </a:r>
+          </a:p>
+        </p:txBody>
+      </p:sp>
+      <p:sp>
+        <p:nvSpPr>
+          <p:cNvPr id="9" name="Rectangle 7"/>
+          <p:cNvSpPr>
+            <a:spLocks noChangeArrowheads="1"/>
+          </p:cNvSpPr>
+          <p:nvPr/>
+        </p:nvSpPr>
+        <p:spPr bwMode="auto">
+          <a:xfrm>
+            <a:off x="2251869" y="4192385"/>
+            <a:ext cx="1268412" cy="406400"/>
+          </a:xfrm>
+          <a:prstGeom prst="rect">
+            <a:avLst/>
+          </a:prstGeom>
+          <a:noFill/>
+          <a:ln w="9360">
+            <a:solidFill>
+              <a:srgbClr val="000000"/>
+            </a:solidFill>
+            <a:miter lim="800000"/>
+            <a:headEnd/>
+            <a:tailEnd/>
+          </a:ln>
+        </p:spPr>
+        <p:txBody>
+          <a:bodyPr lIns="90000" tIns="45000" rIns="90000" bIns="45000">
+            <a:prstTxWarp prst="textNoShape">
+              <a:avLst/>
+            </a:prstTxWarp>
+          </a:bodyPr>
+          <a:lstStyle/>
+          <a:p>
+            <a:pPr>
+              <a:lnSpc>
+                <a:spcPct val="102000"/>
+              </a:lnSpc>
+              <a:tabLst>
+                <a:tab pos="723900" algn="l"/>
               </a:tabLst>
             </a:pPr>
             <a:r>
@@ -5764,9 +5702,7 @@
           <a:noFill/>
           <a:ln w="9360">
             <a:solidFill>
-              <a:srgbClr val="000000">
-                <a:alpha val="0"/>
-              </a:srgbClr>
+              <a:srgbClr val="000000"/>
             </a:solidFill>
             <a:miter lim="800000"/>
             <a:headEnd/>
@@ -6214,50 +6150,10 @@
           </a:fontRef>
         </p:style>
       </p:cxnSp>
-      <p:sp>
-        <p:nvSpPr>
-          <p:cNvPr id="3" name="Rectangle 2"/>
-          <p:cNvSpPr/>
-          <p:nvPr/>
-        </p:nvSpPr>
-        <p:spPr>
-          <a:xfrm>
-            <a:off x="1790163" y="1970468"/>
-            <a:ext cx="2266682" cy="1339402"/>
-          </a:xfrm>
-          <a:prstGeom prst="rect">
-            <a:avLst/>
-          </a:prstGeom>
-          <a:noFill/>
-          <a:ln w="31750"/>
-        </p:spPr>
-        <p:style>
-          <a:lnRef idx="2">
-            <a:schemeClr val="accent6"/>
-          </a:lnRef>
-          <a:fillRef idx="1">
-            <a:schemeClr val="lt1"/>
-          </a:fillRef>
-          <a:effectRef idx="0">
-            <a:schemeClr val="accent6"/>
-          </a:effectRef>
-          <a:fontRef idx="minor">
-            <a:schemeClr val="dk1"/>
-          </a:fontRef>
-        </p:style>
-        <p:txBody>
-          <a:bodyPr rtlCol="0" anchor="ctr"/>
-          <a:lstStyle/>
-          <a:p>
-            <a:pPr algn="ctr"/>
-            <a:endParaRPr lang="en-US"/>
-          </a:p>
-        </p:txBody>
-      </p:sp>
     </p:spTree>
     <p:extLst>
       <p:ext uri="{BB962C8B-B14F-4D97-AF65-F5344CB8AC3E}">
-        <p14:creationId xmlns:p14="http://schemas.microsoft.com/office/powerpoint/2010/main" val="1353388984"/>
+        <p14:creationId xmlns:p14="http://schemas.microsoft.com/office/powerpoint/2010/main" val="1651874156"/>
       </p:ext>
     </p:extLst>
   </p:cSld>
@@ -6309,7 +6205,7 @@
             <a:pPr algn="ctr"/>
             <a:r>
               <a:rPr lang="en-US" smtClean="0"/>
-              <a:t>Word Alignment</a:t>
+              <a:t>SMT Pipeline</a:t>
             </a:r>
             <a:endParaRPr lang="en-US"/>
           </a:p>
@@ -6317,305 +6213,654 @@
       </p:sp>
       <p:sp>
         <p:nvSpPr>
-          <p:cNvPr id="3" name="Content Placeholder 2"/>
-          <p:cNvSpPr>
-            <a:spLocks noGrp="1"/>
-          </p:cNvSpPr>
-          <p:nvPr>
-            <p:ph idx="1"/>
-          </p:nvPr>
-        </p:nvSpPr>
-        <p:spPr/>
-        <p:txBody>
-          <a:bodyPr/>
-          <a:lstStyle/>
-          <a:p>
-            <a:r>
-              <a:rPr lang="en-US" dirty="0" smtClean="0"/>
-              <a:t>Training data</a:t>
-            </a:r>
-          </a:p>
-          <a:p>
-            <a:pPr lvl="1"/>
-            <a:r>
-              <a:rPr lang="en-US" dirty="0" smtClean="0"/>
-              <a:t>﻿data/Train/</a:t>
-            </a:r>
-            <a:r>
-              <a:rPr lang="en-US" dirty="0" err="1" smtClean="0"/>
-              <a:t>Train_data.clean</a:t>
-            </a:r>
-            <a:r>
-              <a:rPr lang="en-US" dirty="0" smtClean="0"/>
-              <a:t>.[en/</a:t>
-            </a:r>
-            <a:r>
-              <a:rPr lang="en-US" dirty="0" err="1" smtClean="0"/>
-              <a:t>ar</a:t>
-            </a:r>
-            <a:r>
-              <a:rPr lang="en-US" dirty="0" smtClean="0"/>
-              <a:t>]</a:t>
-            </a:r>
-          </a:p>
-          <a:p>
-            <a:r>
-              <a:rPr lang="en-US" dirty="0" smtClean="0"/>
-              <a:t>Word alignment</a:t>
-            </a:r>
-          </a:p>
-          <a:p>
-            <a:pPr lvl="1"/>
-            <a:r>
-              <a:rPr lang="en-US" dirty="0" smtClean="0"/>
-              <a:t>﻿work/model/</a:t>
-            </a:r>
-            <a:r>
-              <a:rPr lang="en-US" dirty="0" err="1" smtClean="0"/>
-              <a:t>aligned.grow</a:t>
-            </a:r>
-            <a:r>
-              <a:rPr lang="en-US" dirty="0" smtClean="0"/>
-              <a:t>-</a:t>
-            </a:r>
-            <a:r>
-              <a:rPr lang="en-US" dirty="0" err="1" smtClean="0"/>
-              <a:t>diag</a:t>
-            </a:r>
-            <a:r>
-              <a:rPr lang="en-US" dirty="0" smtClean="0"/>
-              <a:t>-final-and</a:t>
-            </a:r>
-          </a:p>
-          <a:p>
-            <a:pPr lvl="1"/>
-            <a:r>
-              <a:rPr lang="en-US" dirty="0" err="1" smtClean="0"/>
-              <a:t>Eg</a:t>
-            </a:r>
-            <a:r>
-              <a:rPr lang="en-US" dirty="0" smtClean="0"/>
-              <a:t>. ﻿0-0 0-1 4-1 0-2 1-2 2-2 3-2 0-3 0-4 0-5 7-6 8-7</a:t>
-            </a:r>
-          </a:p>
-          <a:p>
-            <a:pPr lvl="1"/>
-            <a:endParaRPr lang="en-US" dirty="0" smtClean="0"/>
-          </a:p>
-        </p:txBody>
-      </p:sp>
-      <p:sp>
-        <p:nvSpPr>
-          <p:cNvPr id="4" name="TextBox 3"/>
-          <p:cNvSpPr txBox="1"/>
+          <p:cNvPr id="4" name="Rectangle 2"/>
+          <p:cNvSpPr>
+            <a:spLocks noChangeArrowheads="1"/>
+          </p:cNvSpPr>
           <p:nvPr/>
         </p:nvSpPr>
-        <p:spPr>
+        <p:spPr bwMode="auto">
           <a:xfrm>
-            <a:off x="1702676" y="4162097"/>
-            <a:ext cx="7394027" cy="369332"/>
+            <a:off x="1919289" y="917957"/>
+            <a:ext cx="1933575" cy="952501"/>
           </a:xfrm>
           <a:prstGeom prst="rect">
             <a:avLst/>
           </a:prstGeom>
           <a:noFill/>
-        </p:spPr>
-        <p:txBody>
-          <a:bodyPr wrap="square" rtlCol="0">
-            <a:spAutoFit/>
+          <a:ln w="9360">
+            <a:solidFill>
+              <a:srgbClr val="000000">
+                <a:alpha val="54000"/>
+              </a:srgbClr>
+            </a:solidFill>
+            <a:miter lim="800000"/>
+            <a:headEnd/>
+            <a:tailEnd/>
+          </a:ln>
+        </p:spPr>
+        <p:txBody>
+          <a:bodyPr lIns="90000" tIns="45000" rIns="90000" bIns="45000">
+            <a:prstTxWarp prst="textNoShape">
+              <a:avLst/>
+            </a:prstTxWarp>
           </a:bodyPr>
           <a:lstStyle/>
           <a:p>
-            <a:r>
-              <a:rPr lang="en-US" dirty="0" smtClean="0"/>
-              <a:t>﻿</a:t>
-            </a:r>
-            <a:r>
-              <a:rPr lang="en-US" dirty="0" err="1" smtClean="0"/>
-              <a:t>AlOx</a:t>
-            </a:r>
-            <a:r>
-              <a:rPr lang="en-US" dirty="0" smtClean="0"/>
-              <a:t>    </a:t>
-            </a:r>
-            <a:r>
-              <a:rPr lang="en-US" dirty="0" err="1" smtClean="0"/>
-              <a:t>gyr</a:t>
-            </a:r>
-            <a:r>
-              <a:rPr lang="en-US" dirty="0" smtClean="0"/>
-              <a:t>     </a:t>
-            </a:r>
-            <a:r>
-              <a:rPr lang="en-US" dirty="0" err="1" smtClean="0"/>
-              <a:t>Alcqyq</a:t>
-            </a:r>
-            <a:r>
-              <a:rPr lang="en-US" dirty="0" smtClean="0"/>
-              <a:t>     </a:t>
-            </a:r>
-            <a:r>
-              <a:rPr lang="en-US" dirty="0" err="1" smtClean="0"/>
-              <a:t>lSdAm</a:t>
-            </a:r>
-            <a:r>
-              <a:rPr lang="en-US" dirty="0" smtClean="0"/>
-              <a:t>     </a:t>
-            </a:r>
-            <a:r>
-              <a:rPr lang="en-US" dirty="0" err="1" smtClean="0"/>
-              <a:t>Hsyn</a:t>
-            </a:r>
-            <a:r>
-              <a:rPr lang="en-US" dirty="0" smtClean="0"/>
-              <a:t>    </a:t>
-            </a:r>
-            <a:r>
-              <a:rPr lang="en-US" dirty="0" err="1" smtClean="0"/>
-              <a:t>yrfD</a:t>
-            </a:r>
-            <a:r>
-              <a:rPr lang="en-US" dirty="0" smtClean="0"/>
-              <a:t>     </a:t>
-            </a:r>
-            <a:r>
-              <a:rPr lang="en-US" dirty="0" err="1" smtClean="0"/>
-              <a:t>AlEwdp</a:t>
-            </a:r>
-            <a:r>
-              <a:rPr lang="en-US" dirty="0" smtClean="0"/>
-              <a:t>    </a:t>
-            </a:r>
-            <a:r>
-              <a:rPr lang="en-US" dirty="0" err="1" smtClean="0"/>
-              <a:t>IlY</a:t>
-            </a:r>
-            <a:r>
-              <a:rPr lang="en-US" dirty="0" smtClean="0"/>
-              <a:t>      </a:t>
-            </a:r>
-            <a:r>
-              <a:rPr lang="en-US" dirty="0" err="1" smtClean="0"/>
-              <a:t>AlErAq</a:t>
-            </a:r>
-            <a:endParaRPr lang="en-US" dirty="0"/>
-          </a:p>
-        </p:txBody>
-      </p:sp>
-      <p:sp>
-        <p:nvSpPr>
-          <p:cNvPr id="5" name="TextBox 4"/>
-          <p:cNvSpPr txBox="1"/>
+            <a:pPr>
+              <a:lnSpc>
+                <a:spcPct val="102000"/>
+              </a:lnSpc>
+              <a:tabLst>
+                <a:tab pos="723900" algn="l"/>
+                <a:tab pos="1447800" algn="l"/>
+              </a:tabLst>
+            </a:pPr>
+            <a:r>
+              <a:rPr lang="en-GB" sz="2000" dirty="0" err="1">
+                <a:solidFill>
+                  <a:schemeClr val="bg1">
+                    <a:lumMod val="75000"/>
+                  </a:schemeClr>
+                </a:solidFill>
+                <a:latin typeface="Calibri" pitchFamily="-65" charset="0"/>
+                <a:ea typeface="Arial Unicode MS" pitchFamily="-65" charset="0"/>
+                <a:cs typeface="Arial Unicode MS" pitchFamily="-65" charset="0"/>
+              </a:rPr>
+              <a:t>Preprocessing</a:t>
+            </a:r>
+            <a:endParaRPr lang="en-GB" sz="2000" dirty="0">
+              <a:solidFill>
+                <a:schemeClr val="bg1">
+                  <a:lumMod val="75000"/>
+                </a:schemeClr>
+              </a:solidFill>
+              <a:latin typeface="Calibri" pitchFamily="-65" charset="0"/>
+              <a:ea typeface="Arial Unicode MS" pitchFamily="-65" charset="0"/>
+              <a:cs typeface="Arial Unicode MS" pitchFamily="-65" charset="0"/>
+            </a:endParaRPr>
+          </a:p>
+          <a:p>
+            <a:pPr>
+              <a:lnSpc>
+                <a:spcPct val="102000"/>
+              </a:lnSpc>
+              <a:tabLst>
+                <a:tab pos="723900" algn="l"/>
+                <a:tab pos="1447800" algn="l"/>
+              </a:tabLst>
+            </a:pPr>
+            <a:r>
+              <a:rPr lang="en-GB" dirty="0">
+                <a:solidFill>
+                  <a:schemeClr val="bg1">
+                    <a:lumMod val="75000"/>
+                  </a:schemeClr>
+                </a:solidFill>
+                <a:latin typeface="Calibri" pitchFamily="-65" charset="0"/>
+                <a:ea typeface="Arial Unicode MS" pitchFamily="-65" charset="0"/>
+                <a:cs typeface="Arial Unicode MS" pitchFamily="-65" charset="0"/>
+              </a:rPr>
+              <a:t>   - </a:t>
+            </a:r>
+            <a:r>
+              <a:rPr lang="en-GB" dirty="0" smtClean="0">
+                <a:solidFill>
+                  <a:schemeClr val="bg1">
+                    <a:lumMod val="75000"/>
+                  </a:schemeClr>
+                </a:solidFill>
+                <a:latin typeface="Calibri" pitchFamily="-65" charset="0"/>
+                <a:ea typeface="Arial Unicode MS" pitchFamily="-65" charset="0"/>
+                <a:cs typeface="Arial Unicode MS" pitchFamily="-65" charset="0"/>
+              </a:rPr>
+              <a:t>tokenize</a:t>
+            </a:r>
+          </a:p>
+          <a:p>
+            <a:pPr>
+              <a:lnSpc>
+                <a:spcPct val="102000"/>
+              </a:lnSpc>
+              <a:tabLst>
+                <a:tab pos="723900" algn="l"/>
+                <a:tab pos="1447800" algn="l"/>
+              </a:tabLst>
+            </a:pPr>
+            <a:r>
+              <a:rPr lang="en-GB" dirty="0" smtClean="0">
+                <a:solidFill>
+                  <a:schemeClr val="bg1">
+                    <a:lumMod val="75000"/>
+                  </a:schemeClr>
+                </a:solidFill>
+                <a:latin typeface="Calibri" pitchFamily="-65" charset="0"/>
+                <a:ea typeface="Arial Unicode MS" pitchFamily="-65" charset="0"/>
+                <a:cs typeface="Arial Unicode MS" pitchFamily="-65" charset="0"/>
+              </a:rPr>
+              <a:t>   - lowercase</a:t>
+            </a:r>
+            <a:endParaRPr lang="en-GB" dirty="0">
+              <a:solidFill>
+                <a:schemeClr val="bg1">
+                  <a:lumMod val="75000"/>
+                </a:schemeClr>
+              </a:solidFill>
+              <a:latin typeface="Calibri" pitchFamily="-65" charset="0"/>
+              <a:ea typeface="Arial Unicode MS" pitchFamily="-65" charset="0"/>
+              <a:cs typeface="Arial Unicode MS" pitchFamily="-65" charset="0"/>
+            </a:endParaRPr>
+          </a:p>
+        </p:txBody>
+      </p:sp>
+      <p:sp>
+        <p:nvSpPr>
+          <p:cNvPr id="5" name="Rectangle 3"/>
+          <p:cNvSpPr>
+            <a:spLocks noChangeArrowheads="1"/>
+          </p:cNvSpPr>
           <p:nvPr/>
         </p:nvSpPr>
-        <p:spPr>
+        <p:spPr bwMode="auto">
           <a:xfrm>
-            <a:off x="1434662" y="5234153"/>
-            <a:ext cx="7240636" cy="369332"/>
+            <a:off x="2200276" y="2097354"/>
+            <a:ext cx="1371600" cy="433388"/>
           </a:xfrm>
           <a:prstGeom prst="rect">
             <a:avLst/>
           </a:prstGeom>
           <a:noFill/>
-        </p:spPr>
-        <p:txBody>
-          <a:bodyPr wrap="none" rtlCol="0">
-            <a:spAutoFit/>
+          <a:ln w="9360">
+            <a:solidFill>
+              <a:srgbClr val="000000">
+                <a:alpha val="0"/>
+              </a:srgbClr>
+            </a:solidFill>
+            <a:miter lim="800000"/>
+            <a:headEnd/>
+            <a:tailEnd/>
+          </a:ln>
+        </p:spPr>
+        <p:txBody>
+          <a:bodyPr lIns="90000" tIns="45000" rIns="90000" bIns="45000">
+            <a:prstTxWarp prst="textNoShape">
+              <a:avLst/>
+            </a:prstTxWarp>
           </a:bodyPr>
           <a:lstStyle/>
           <a:p>
-            <a:r>
-              <a:rPr lang="en-US" dirty="0" smtClean="0"/>
-              <a:t>﻿Saddam   </a:t>
-            </a:r>
-            <a:r>
-              <a:rPr lang="en-US" dirty="0" err="1" smtClean="0"/>
-              <a:t>Hussein&amp;apos;s</a:t>
-            </a:r>
-            <a:r>
-              <a:rPr lang="en-US" dirty="0" smtClean="0"/>
-              <a:t>    Half-Brother   Refuses     to     Return    to     Iraq</a:t>
-            </a:r>
-            <a:endParaRPr lang="en-US" dirty="0"/>
+            <a:pPr>
+              <a:lnSpc>
+                <a:spcPct val="102000"/>
+              </a:lnSpc>
+              <a:tabLst>
+                <a:tab pos="723900" algn="l"/>
+                <a:tab pos="1447800" algn="l"/>
+                <a:tab pos="2171700" algn="l"/>
+              </a:tabLst>
+            </a:pPr>
+            <a:r>
+              <a:rPr lang="en-GB" sz="2000" dirty="0">
+                <a:solidFill>
+                  <a:srgbClr val="000000"/>
+                </a:solidFill>
+                <a:latin typeface="Calibri" pitchFamily="-65" charset="0"/>
+                <a:ea typeface="Arial Unicode MS" pitchFamily="-65" charset="0"/>
+                <a:cs typeface="Arial Unicode MS" pitchFamily="-65" charset="0"/>
+              </a:rPr>
+              <a:t>Alignment</a:t>
+            </a:r>
+          </a:p>
+        </p:txBody>
+      </p:sp>
+      <p:sp>
+        <p:nvSpPr>
+          <p:cNvPr id="6" name="Rectangle 4"/>
+          <p:cNvSpPr>
+            <a:spLocks noChangeArrowheads="1"/>
+          </p:cNvSpPr>
+          <p:nvPr/>
+        </p:nvSpPr>
+        <p:spPr bwMode="auto">
+          <a:xfrm>
+            <a:off x="2402682" y="3480290"/>
+            <a:ext cx="966787" cy="457200"/>
+          </a:xfrm>
+          <a:prstGeom prst="rect">
+            <a:avLst/>
+          </a:prstGeom>
+          <a:noFill/>
+          <a:ln w="9360">
+            <a:solidFill>
+              <a:srgbClr val="000000"/>
+            </a:solidFill>
+            <a:miter lim="800000"/>
+            <a:headEnd/>
+            <a:tailEnd/>
+          </a:ln>
+        </p:spPr>
+        <p:txBody>
+          <a:bodyPr lIns="90000" tIns="45000" rIns="90000" bIns="45000">
+            <a:prstTxWarp prst="textNoShape">
+              <a:avLst/>
+            </a:prstTxWarp>
+          </a:bodyPr>
+          <a:lstStyle/>
+          <a:p>
+            <a:pPr>
+              <a:lnSpc>
+                <a:spcPct val="102000"/>
+              </a:lnSpc>
+              <a:tabLst>
+                <a:tab pos="723900" algn="l"/>
+              </a:tabLst>
+            </a:pPr>
+            <a:r>
+              <a:rPr lang="en-GB" sz="2000" dirty="0">
+                <a:solidFill>
+                  <a:srgbClr val="000000"/>
+                </a:solidFill>
+                <a:latin typeface="Calibri" pitchFamily="-65" charset="0"/>
+                <a:ea typeface="Arial Unicode MS" pitchFamily="-65" charset="0"/>
+                <a:cs typeface="Arial Unicode MS" pitchFamily="-65" charset="0"/>
+              </a:rPr>
+              <a:t>Tuning</a:t>
+            </a:r>
+          </a:p>
+        </p:txBody>
+      </p:sp>
+      <p:sp>
+        <p:nvSpPr>
+          <p:cNvPr id="7" name="Rectangle 5"/>
+          <p:cNvSpPr>
+            <a:spLocks noChangeArrowheads="1"/>
+          </p:cNvSpPr>
+          <p:nvPr/>
+        </p:nvSpPr>
+        <p:spPr bwMode="auto">
+          <a:xfrm>
+            <a:off x="1919289" y="4789285"/>
+            <a:ext cx="1930400" cy="1016000"/>
+          </a:xfrm>
+          <a:prstGeom prst="rect">
+            <a:avLst/>
+          </a:prstGeom>
+          <a:noFill/>
+          <a:ln w="9360">
+            <a:solidFill>
+              <a:srgbClr val="000000">
+                <a:alpha val="54000"/>
+              </a:srgbClr>
+            </a:solidFill>
+            <a:miter lim="800000"/>
+            <a:headEnd/>
+            <a:tailEnd/>
+          </a:ln>
+        </p:spPr>
+        <p:txBody>
+          <a:bodyPr lIns="90000" tIns="45000" rIns="90000" bIns="45000">
+            <a:prstTxWarp prst="textNoShape">
+              <a:avLst/>
+            </a:prstTxWarp>
+          </a:bodyPr>
+          <a:lstStyle/>
+          <a:p>
+            <a:pPr>
+              <a:lnSpc>
+                <a:spcPct val="102000"/>
+              </a:lnSpc>
+              <a:tabLst>
+                <a:tab pos="723900" algn="l"/>
+                <a:tab pos="1447800" algn="l"/>
+              </a:tabLst>
+            </a:pPr>
+            <a:r>
+              <a:rPr lang="en-GB" sz="2000" dirty="0" err="1">
+                <a:solidFill>
+                  <a:schemeClr val="bg1">
+                    <a:lumMod val="75000"/>
+                  </a:schemeClr>
+                </a:solidFill>
+                <a:latin typeface="Calibri" pitchFamily="-65" charset="0"/>
+                <a:ea typeface="Arial Unicode MS" pitchFamily="-65" charset="0"/>
+                <a:cs typeface="Arial Unicode MS" pitchFamily="-65" charset="0"/>
+              </a:rPr>
+              <a:t>Postprocessing</a:t>
+            </a:r>
+            <a:endParaRPr lang="en-GB" sz="2000" dirty="0">
+              <a:solidFill>
+                <a:schemeClr val="bg1">
+                  <a:lumMod val="75000"/>
+                </a:schemeClr>
+              </a:solidFill>
+              <a:latin typeface="Calibri" pitchFamily="-65" charset="0"/>
+              <a:ea typeface="Arial Unicode MS" pitchFamily="-65" charset="0"/>
+              <a:cs typeface="Arial Unicode MS" pitchFamily="-65" charset="0"/>
+            </a:endParaRPr>
+          </a:p>
+          <a:p>
+            <a:pPr>
+              <a:lnSpc>
+                <a:spcPct val="102000"/>
+              </a:lnSpc>
+              <a:tabLst>
+                <a:tab pos="723900" algn="l"/>
+                <a:tab pos="1447800" algn="l"/>
+              </a:tabLst>
+            </a:pPr>
+            <a:r>
+              <a:rPr lang="en-GB" sz="2000" dirty="0">
+                <a:solidFill>
+                  <a:schemeClr val="bg1">
+                    <a:lumMod val="75000"/>
+                  </a:schemeClr>
+                </a:solidFill>
+                <a:latin typeface="Calibri" pitchFamily="-65" charset="0"/>
+                <a:ea typeface="Arial Unicode MS" pitchFamily="-65" charset="0"/>
+                <a:cs typeface="Arial Unicode MS" pitchFamily="-65" charset="0"/>
+              </a:rPr>
+              <a:t>  - </a:t>
+            </a:r>
+            <a:r>
+              <a:rPr lang="en-GB" sz="2000" dirty="0" err="1">
+                <a:solidFill>
+                  <a:schemeClr val="bg1">
+                    <a:lumMod val="75000"/>
+                  </a:schemeClr>
+                </a:solidFill>
+                <a:latin typeface="Calibri" pitchFamily="-65" charset="0"/>
+                <a:ea typeface="Arial Unicode MS" pitchFamily="-65" charset="0"/>
+                <a:cs typeface="Arial Unicode MS" pitchFamily="-65" charset="0"/>
+              </a:rPr>
+              <a:t>recasing</a:t>
+            </a:r>
+            <a:endParaRPr lang="en-GB" sz="2000" dirty="0">
+              <a:solidFill>
+                <a:schemeClr val="bg1">
+                  <a:lumMod val="75000"/>
+                </a:schemeClr>
+              </a:solidFill>
+              <a:latin typeface="Calibri" pitchFamily="-65" charset="0"/>
+              <a:ea typeface="Arial Unicode MS" pitchFamily="-65" charset="0"/>
+              <a:cs typeface="Arial Unicode MS" pitchFamily="-65" charset="0"/>
+            </a:endParaRPr>
+          </a:p>
+          <a:p>
+            <a:pPr>
+              <a:lnSpc>
+                <a:spcPct val="102000"/>
+              </a:lnSpc>
+              <a:tabLst>
+                <a:tab pos="723900" algn="l"/>
+                <a:tab pos="1447800" algn="l"/>
+              </a:tabLst>
+            </a:pPr>
+            <a:r>
+              <a:rPr lang="en-GB" sz="2000" dirty="0">
+                <a:solidFill>
+                  <a:schemeClr val="bg1">
+                    <a:lumMod val="75000"/>
+                  </a:schemeClr>
+                </a:solidFill>
+                <a:latin typeface="Calibri" pitchFamily="-65" charset="0"/>
+                <a:ea typeface="Arial Unicode MS" pitchFamily="-65" charset="0"/>
+                <a:cs typeface="Arial Unicode MS" pitchFamily="-65" charset="0"/>
+              </a:rPr>
+              <a:t>  - </a:t>
+            </a:r>
+            <a:r>
+              <a:rPr lang="en-GB" sz="2000" dirty="0" err="1">
+                <a:solidFill>
+                  <a:schemeClr val="bg1">
+                    <a:lumMod val="75000"/>
+                  </a:schemeClr>
+                </a:solidFill>
+                <a:latin typeface="Calibri" pitchFamily="-65" charset="0"/>
+                <a:ea typeface="Arial Unicode MS" pitchFamily="-65" charset="0"/>
+                <a:cs typeface="Arial Unicode MS" pitchFamily="-65" charset="0"/>
+              </a:rPr>
+              <a:t>detokenizer</a:t>
+            </a:r>
+            <a:endParaRPr lang="en-GB" sz="2000" dirty="0">
+              <a:solidFill>
+                <a:schemeClr val="bg1">
+                  <a:lumMod val="75000"/>
+                </a:schemeClr>
+              </a:solidFill>
+              <a:latin typeface="Calibri" pitchFamily="-65" charset="0"/>
+              <a:ea typeface="Arial Unicode MS" pitchFamily="-65" charset="0"/>
+              <a:cs typeface="Arial Unicode MS" pitchFamily="-65" charset="0"/>
+            </a:endParaRPr>
+          </a:p>
+        </p:txBody>
+      </p:sp>
+      <p:sp>
+        <p:nvSpPr>
+          <p:cNvPr id="8" name="Rectangle 6"/>
+          <p:cNvSpPr>
+            <a:spLocks noChangeArrowheads="1"/>
+          </p:cNvSpPr>
+          <p:nvPr/>
+        </p:nvSpPr>
+        <p:spPr bwMode="auto">
+          <a:xfrm>
+            <a:off x="1962945" y="5997148"/>
+            <a:ext cx="1843088" cy="711200"/>
+          </a:xfrm>
+          <a:prstGeom prst="rect">
+            <a:avLst/>
+          </a:prstGeom>
+          <a:noFill/>
+          <a:ln w="9360">
+            <a:solidFill>
+              <a:srgbClr val="000000"/>
+            </a:solidFill>
+            <a:miter lim="800000"/>
+            <a:headEnd/>
+            <a:tailEnd/>
+          </a:ln>
+        </p:spPr>
+        <p:txBody>
+          <a:bodyPr lIns="90000" tIns="45000" rIns="90000" bIns="45000">
+            <a:prstTxWarp prst="textNoShape">
+              <a:avLst/>
+            </a:prstTxWarp>
+          </a:bodyPr>
+          <a:lstStyle/>
+          <a:p>
+            <a:pPr>
+              <a:lnSpc>
+                <a:spcPct val="102000"/>
+              </a:lnSpc>
+              <a:tabLst>
+                <a:tab pos="723900" algn="l"/>
+                <a:tab pos="1447800" algn="l"/>
+              </a:tabLst>
+            </a:pPr>
+            <a:r>
+              <a:rPr lang="en-GB" sz="2000">
+                <a:solidFill>
+                  <a:srgbClr val="000000"/>
+                </a:solidFill>
+                <a:latin typeface="Calibri" pitchFamily="-65" charset="0"/>
+                <a:ea typeface="Arial Unicode MS" pitchFamily="-65" charset="0"/>
+                <a:cs typeface="Arial Unicode MS" pitchFamily="-65" charset="0"/>
+              </a:rPr>
+              <a:t>Scoring</a:t>
+            </a:r>
+          </a:p>
+          <a:p>
+            <a:pPr>
+              <a:lnSpc>
+                <a:spcPct val="102000"/>
+              </a:lnSpc>
+              <a:tabLst>
+                <a:tab pos="723900" algn="l"/>
+                <a:tab pos="1447800" algn="l"/>
+              </a:tabLst>
+            </a:pPr>
+            <a:r>
+              <a:rPr lang="en-GB" sz="2000" dirty="0">
+                <a:solidFill>
+                  <a:srgbClr val="000000"/>
+                </a:solidFill>
+                <a:latin typeface="Calibri" pitchFamily="-65" charset="0"/>
+                <a:ea typeface="Arial Unicode MS" pitchFamily="-65" charset="0"/>
+                <a:cs typeface="Arial Unicode MS" pitchFamily="-65" charset="0"/>
+              </a:rPr>
+              <a:t>  - BLEU score</a:t>
+            </a:r>
+          </a:p>
+        </p:txBody>
+      </p:sp>
+      <p:sp>
+        <p:nvSpPr>
+          <p:cNvPr id="9" name="Rectangle 7"/>
+          <p:cNvSpPr>
+            <a:spLocks noChangeArrowheads="1"/>
+          </p:cNvSpPr>
+          <p:nvPr/>
+        </p:nvSpPr>
+        <p:spPr bwMode="auto">
+          <a:xfrm>
+            <a:off x="2251869" y="4192385"/>
+            <a:ext cx="1268412" cy="406400"/>
+          </a:xfrm>
+          <a:prstGeom prst="rect">
+            <a:avLst/>
+          </a:prstGeom>
+          <a:noFill/>
+          <a:ln w="9360">
+            <a:solidFill>
+              <a:srgbClr val="000000"/>
+            </a:solidFill>
+            <a:miter lim="800000"/>
+            <a:headEnd/>
+            <a:tailEnd/>
+          </a:ln>
+        </p:spPr>
+        <p:txBody>
+          <a:bodyPr lIns="90000" tIns="45000" rIns="90000" bIns="45000">
+            <a:prstTxWarp prst="textNoShape">
+              <a:avLst/>
+            </a:prstTxWarp>
+          </a:bodyPr>
+          <a:lstStyle/>
+          <a:p>
+            <a:pPr>
+              <a:lnSpc>
+                <a:spcPct val="102000"/>
+              </a:lnSpc>
+              <a:tabLst>
+                <a:tab pos="723900" algn="l"/>
+              </a:tabLst>
+            </a:pPr>
+            <a:r>
+              <a:rPr lang="en-GB" sz="2000">
+                <a:solidFill>
+                  <a:srgbClr val="000000"/>
+                </a:solidFill>
+                <a:latin typeface="Calibri" pitchFamily="-65" charset="0"/>
+                <a:ea typeface="Arial Unicode MS" pitchFamily="-65" charset="0"/>
+                <a:cs typeface="Arial Unicode MS" pitchFamily="-65" charset="0"/>
+              </a:rPr>
+              <a:t>Decoding</a:t>
+            </a:r>
+          </a:p>
+        </p:txBody>
+      </p:sp>
+      <p:sp>
+        <p:nvSpPr>
+          <p:cNvPr id="10" name="Rectangle 3"/>
+          <p:cNvSpPr>
+            <a:spLocks noChangeArrowheads="1"/>
+          </p:cNvSpPr>
+          <p:nvPr/>
+        </p:nvSpPr>
+        <p:spPr bwMode="auto">
+          <a:xfrm>
+            <a:off x="1889920" y="2815424"/>
+            <a:ext cx="1989137" cy="381450"/>
+          </a:xfrm>
+          <a:prstGeom prst="rect">
+            <a:avLst/>
+          </a:prstGeom>
+          <a:noFill/>
+          <a:ln w="9360">
+            <a:solidFill>
+              <a:srgbClr val="000000">
+                <a:alpha val="0"/>
+              </a:srgbClr>
+            </a:solidFill>
+            <a:miter lim="800000"/>
+            <a:headEnd/>
+            <a:tailEnd/>
+          </a:ln>
+        </p:spPr>
+        <p:txBody>
+          <a:bodyPr lIns="90000" tIns="45000" rIns="90000" bIns="45000">
+            <a:prstTxWarp prst="textNoShape">
+              <a:avLst/>
+            </a:prstTxWarp>
+          </a:bodyPr>
+          <a:lstStyle/>
+          <a:p>
+            <a:pPr>
+              <a:lnSpc>
+                <a:spcPct val="102000"/>
+              </a:lnSpc>
+              <a:tabLst>
+                <a:tab pos="723900" algn="l"/>
+                <a:tab pos="1447800" algn="l"/>
+                <a:tab pos="2171700" algn="l"/>
+              </a:tabLst>
+            </a:pPr>
+            <a:r>
+              <a:rPr lang="en-GB" dirty="0">
+                <a:solidFill>
+                  <a:srgbClr val="000000"/>
+                </a:solidFill>
+                <a:latin typeface="Calibri" pitchFamily="-65" charset="0"/>
+                <a:ea typeface="Arial Unicode MS" pitchFamily="-65" charset="0"/>
+                <a:cs typeface="Arial Unicode MS" pitchFamily="-65" charset="0"/>
+              </a:rPr>
+              <a:t>Phrase extraction</a:t>
+            </a:r>
+          </a:p>
+          <a:p>
+            <a:pPr>
+              <a:lnSpc>
+                <a:spcPct val="102000"/>
+              </a:lnSpc>
+              <a:tabLst>
+                <a:tab pos="723900" algn="l"/>
+                <a:tab pos="1447800" algn="l"/>
+                <a:tab pos="2171700" algn="l"/>
+              </a:tabLst>
+            </a:pPr>
+            <a:endParaRPr lang="en-GB" dirty="0">
+              <a:solidFill>
+                <a:srgbClr val="000000"/>
+              </a:solidFill>
+              <a:latin typeface="Calibri" pitchFamily="-65" charset="0"/>
+              <a:ea typeface="Arial Unicode MS" pitchFamily="-65" charset="0"/>
+              <a:cs typeface="Arial Unicode MS" pitchFamily="-65" charset="0"/>
+            </a:endParaRPr>
           </a:p>
         </p:txBody>
       </p:sp>
       <p:cxnSp>
         <p:nvCxnSpPr>
-          <p:cNvPr id="7" name="Straight Arrow Connector 6"/>
-          <p:cNvCxnSpPr/>
-          <p:nvPr/>
-        </p:nvCxnSpPr>
-        <p:spPr>
-          <a:xfrm flipH="1">
-            <a:off x="1954924" y="4531429"/>
-            <a:ext cx="31531" cy="702724"/>
-          </a:xfrm>
-          <a:prstGeom prst="straightConnector1">
-            <a:avLst/>
-          </a:prstGeom>
-          <a:ln>
-            <a:tailEnd type="triangle"/>
-          </a:ln>
-        </p:spPr>
-        <p:style>
-          <a:lnRef idx="1">
-            <a:schemeClr val="accent1"/>
-          </a:lnRef>
-          <a:fillRef idx="0">
-            <a:schemeClr val="accent1"/>
-          </a:fillRef>
-          <a:effectRef idx="0">
-            <a:schemeClr val="accent1"/>
-          </a:effectRef>
-          <a:fontRef idx="minor">
-            <a:schemeClr val="tx1"/>
-          </a:fontRef>
-        </p:style>
-      </p:cxnSp>
-      <p:cxnSp>
-        <p:nvCxnSpPr>
-          <p:cNvPr id="8" name="Straight Arrow Connector 7"/>
-          <p:cNvCxnSpPr/>
+          <p:cNvPr id="11" name="Straight Arrow Connector 10"/>
+          <p:cNvCxnSpPr>
+            <a:endCxn id="4" idx="0"/>
+          </p:cNvCxnSpPr>
           <p:nvPr/>
         </p:nvCxnSpPr>
         <p:spPr>
           <a:xfrm>
-            <a:off x="1986455" y="4531429"/>
-            <a:ext cx="1116724" cy="702724"/>
-          </a:xfrm>
-          <a:prstGeom prst="straightConnector1">
-            <a:avLst/>
-          </a:prstGeom>
-          <a:ln>
-            <a:tailEnd type="triangle"/>
-          </a:ln>
-        </p:spPr>
-        <p:style>
-          <a:lnRef idx="1">
-            <a:schemeClr val="accent1"/>
-          </a:lnRef>
-          <a:fillRef idx="0">
-            <a:schemeClr val="accent1"/>
-          </a:fillRef>
-          <a:effectRef idx="0">
-            <a:schemeClr val="accent1"/>
-          </a:effectRef>
-          <a:fontRef idx="minor">
-            <a:schemeClr val="tx1"/>
-          </a:fontRef>
-        </p:style>
-      </p:cxnSp>
-      <p:cxnSp>
-        <p:nvCxnSpPr>
-          <p:cNvPr id="11" name="Straight Arrow Connector 10"/>
-          <p:cNvCxnSpPr/>
-          <p:nvPr/>
-        </p:nvCxnSpPr>
-        <p:spPr>
-          <a:xfrm flipH="1">
-            <a:off x="3279228" y="4531429"/>
-            <a:ext cx="1655379" cy="702724"/>
+            <a:off x="2884489" y="-476517"/>
+            <a:ext cx="1588" cy="1394474"/>
           </a:xfrm>
           <a:prstGeom prst="straightConnector1">
             <a:avLst/>
@@ -6642,13 +6887,16 @@
       <p:cxnSp>
         <p:nvCxnSpPr>
           <p:cNvPr id="14" name="Straight Arrow Connector 13"/>
-          <p:cNvCxnSpPr/>
+          <p:cNvCxnSpPr>
+            <a:stCxn id="4" idx="2"/>
+            <a:endCxn id="5" idx="0"/>
+          </p:cNvCxnSpPr>
           <p:nvPr/>
         </p:nvCxnSpPr>
         <p:spPr>
-          <a:xfrm>
-            <a:off x="2017986" y="4531429"/>
-            <a:ext cx="2619703" cy="702724"/>
+          <a:xfrm flipH="1">
+            <a:off x="2886076" y="1870458"/>
+            <a:ext cx="1" cy="226896"/>
           </a:xfrm>
           <a:prstGeom prst="straightConnector1">
             <a:avLst/>
@@ -6674,14 +6922,17 @@
       </p:cxnSp>
       <p:cxnSp>
         <p:nvCxnSpPr>
-          <p:cNvPr id="17" name="Straight Arrow Connector 16"/>
-          <p:cNvCxnSpPr/>
+          <p:cNvPr id="18" name="Straight Arrow Connector 17"/>
+          <p:cNvCxnSpPr>
+            <a:stCxn id="5" idx="2"/>
+            <a:endCxn id="10" idx="0"/>
+          </p:cNvCxnSpPr>
           <p:nvPr/>
         </p:nvCxnSpPr>
         <p:spPr>
-          <a:xfrm>
-            <a:off x="2591618" y="4607629"/>
-            <a:ext cx="2077602" cy="626524"/>
+          <a:xfrm flipH="1">
+            <a:off x="2884489" y="2530742"/>
+            <a:ext cx="1587" cy="284682"/>
           </a:xfrm>
           <a:prstGeom prst="straightConnector1">
             <a:avLst/>
@@ -6707,14 +6958,17 @@
       </p:cxnSp>
       <p:cxnSp>
         <p:nvCxnSpPr>
-          <p:cNvPr id="20" name="Straight Arrow Connector 19"/>
-          <p:cNvCxnSpPr/>
+          <p:cNvPr id="23" name="Straight Arrow Connector 22"/>
+          <p:cNvCxnSpPr>
+            <a:stCxn id="10" idx="2"/>
+            <a:endCxn id="6" idx="0"/>
+          </p:cNvCxnSpPr>
           <p:nvPr/>
         </p:nvCxnSpPr>
         <p:spPr>
           <a:xfrm>
-            <a:off x="3327837" y="4569529"/>
-            <a:ext cx="1219200" cy="664624"/>
+            <a:off x="2884489" y="3196874"/>
+            <a:ext cx="1587" cy="283416"/>
           </a:xfrm>
           <a:prstGeom prst="straightConnector1">
             <a:avLst/>
@@ -6740,14 +6994,17 @@
       </p:cxnSp>
       <p:cxnSp>
         <p:nvCxnSpPr>
-          <p:cNvPr id="24" name="Straight Arrow Connector 23"/>
-          <p:cNvCxnSpPr/>
+          <p:cNvPr id="26" name="Straight Arrow Connector 25"/>
+          <p:cNvCxnSpPr>
+            <a:stCxn id="6" idx="2"/>
+            <a:endCxn id="9" idx="0"/>
+          </p:cNvCxnSpPr>
           <p:nvPr/>
         </p:nvCxnSpPr>
         <p:spPr>
-          <a:xfrm>
-            <a:off x="4137135" y="4569529"/>
-            <a:ext cx="500554" cy="664624"/>
+          <a:xfrm flipH="1">
+            <a:off x="2886075" y="3937490"/>
+            <a:ext cx="1" cy="254895"/>
           </a:xfrm>
           <a:prstGeom prst="straightConnector1">
             <a:avLst/>
@@ -6773,47 +7030,17 @@
       </p:cxnSp>
       <p:cxnSp>
         <p:nvCxnSpPr>
-          <p:cNvPr id="27" name="Straight Arrow Connector 26"/>
-          <p:cNvCxnSpPr/>
+          <p:cNvPr id="29" name="Straight Arrow Connector 28"/>
+          <p:cNvCxnSpPr>
+            <a:stCxn id="9" idx="2"/>
+            <a:endCxn id="7" idx="0"/>
+          </p:cNvCxnSpPr>
           <p:nvPr/>
         </p:nvCxnSpPr>
         <p:spPr>
-          <a:xfrm>
-            <a:off x="2017986" y="4569529"/>
-            <a:ext cx="3736427" cy="664624"/>
-          </a:xfrm>
-          <a:prstGeom prst="straightConnector1">
-            <a:avLst/>
-          </a:prstGeom>
-          <a:ln>
-            <a:tailEnd type="triangle"/>
-          </a:ln>
-        </p:spPr>
-        <p:style>
-          <a:lnRef idx="1">
-            <a:schemeClr val="accent1"/>
-          </a:lnRef>
-          <a:fillRef idx="0">
-            <a:schemeClr val="accent1"/>
-          </a:fillRef>
-          <a:effectRef idx="0">
-            <a:schemeClr val="accent1"/>
-          </a:effectRef>
-          <a:fontRef idx="minor">
-            <a:schemeClr val="tx1"/>
-          </a:fontRef>
-        </p:style>
-      </p:cxnSp>
-      <p:cxnSp>
-        <p:nvCxnSpPr>
-          <p:cNvPr id="30" name="Straight Arrow Connector 29"/>
-          <p:cNvCxnSpPr/>
-          <p:nvPr/>
-        </p:nvCxnSpPr>
-        <p:spPr>
-          <a:xfrm>
-            <a:off x="2017986" y="4569529"/>
-            <a:ext cx="4445876" cy="702724"/>
+          <a:xfrm flipH="1">
+            <a:off x="2884489" y="4598785"/>
+            <a:ext cx="1586" cy="190500"/>
           </a:xfrm>
           <a:prstGeom prst="straightConnector1">
             <a:avLst/>
@@ -6840,15 +7067,120 @@
       <p:cxnSp>
         <p:nvCxnSpPr>
           <p:cNvPr id="33" name="Straight Arrow Connector 32"/>
-          <p:cNvCxnSpPr/>
+          <p:cNvCxnSpPr>
+            <a:stCxn id="7" idx="2"/>
+            <a:endCxn id="8" idx="0"/>
+          </p:cNvCxnSpPr>
           <p:nvPr/>
         </p:nvCxnSpPr>
         <p:spPr>
           <a:xfrm>
-            <a:off x="2017986" y="4569529"/>
-            <a:ext cx="5155324" cy="702724"/>
+            <a:off x="2884489" y="5805285"/>
+            <a:ext cx="0" cy="191863"/>
           </a:xfrm>
           <a:prstGeom prst="straightConnector1">
+            <a:avLst/>
+          </a:prstGeom>
+          <a:ln>
+            <a:tailEnd type="triangle"/>
+          </a:ln>
+        </p:spPr>
+        <p:style>
+          <a:lnRef idx="1">
+            <a:schemeClr val="accent1"/>
+          </a:lnRef>
+          <a:fillRef idx="0">
+            <a:schemeClr val="accent1"/>
+          </a:fillRef>
+          <a:effectRef idx="0">
+            <a:schemeClr val="accent1"/>
+          </a:effectRef>
+          <a:fontRef idx="minor">
+            <a:schemeClr val="tx1"/>
+          </a:fontRef>
+        </p:style>
+      </p:cxnSp>
+      <p:sp>
+        <p:nvSpPr>
+          <p:cNvPr id="37" name="Rectangle 3"/>
+          <p:cNvSpPr>
+            <a:spLocks noChangeArrowheads="1"/>
+          </p:cNvSpPr>
+          <p:nvPr/>
+        </p:nvSpPr>
+        <p:spPr bwMode="auto">
+          <a:xfrm>
+            <a:off x="198185" y="2444929"/>
+            <a:ext cx="1316292" cy="381450"/>
+          </a:xfrm>
+          <a:prstGeom prst="rect">
+            <a:avLst/>
+          </a:prstGeom>
+          <a:noFill/>
+          <a:ln w="9360">
+            <a:solidFill>
+              <a:srgbClr val="000000"/>
+            </a:solidFill>
+            <a:miter lim="800000"/>
+            <a:headEnd/>
+            <a:tailEnd/>
+          </a:ln>
+        </p:spPr>
+        <p:txBody>
+          <a:bodyPr lIns="90000" tIns="45000" rIns="90000" bIns="45000">
+            <a:prstTxWarp prst="textNoShape">
+              <a:avLst/>
+            </a:prstTxWarp>
+          </a:bodyPr>
+          <a:lstStyle/>
+          <a:p>
+            <a:pPr>
+              <a:lnSpc>
+                <a:spcPct val="102000"/>
+              </a:lnSpc>
+              <a:tabLst>
+                <a:tab pos="723900" algn="l"/>
+                <a:tab pos="1447800" algn="l"/>
+                <a:tab pos="2171700" algn="l"/>
+              </a:tabLst>
+            </a:pPr>
+            <a:r>
+              <a:rPr lang="en-GB" smtClean="0">
+                <a:solidFill>
+                  <a:srgbClr val="000000"/>
+                </a:solidFill>
+                <a:latin typeface="Calibri" pitchFamily="-65" charset="0"/>
+                <a:ea typeface="Arial Unicode MS" pitchFamily="-65" charset="0"/>
+                <a:cs typeface="Arial Unicode MS" pitchFamily="-65" charset="0"/>
+              </a:rPr>
+              <a:t>Create LM</a:t>
+            </a:r>
+            <a:endParaRPr lang="en-GB" dirty="0">
+              <a:solidFill>
+                <a:srgbClr val="000000"/>
+              </a:solidFill>
+              <a:latin typeface="Calibri" pitchFamily="-65" charset="0"/>
+              <a:ea typeface="Arial Unicode MS" pitchFamily="-65" charset="0"/>
+              <a:cs typeface="Arial Unicode MS" pitchFamily="-65" charset="0"/>
+            </a:endParaRPr>
+          </a:p>
+        </p:txBody>
+      </p:sp>
+      <p:cxnSp>
+        <p:nvCxnSpPr>
+          <p:cNvPr id="39" name="Curved Connector 38"/>
+          <p:cNvCxnSpPr>
+            <a:stCxn id="4" idx="1"/>
+            <a:endCxn id="37" idx="0"/>
+          </p:cNvCxnSpPr>
+          <p:nvPr/>
+        </p:nvCxnSpPr>
+        <p:spPr>
+          <a:xfrm rot="10800000" flipV="1">
+            <a:off x="856331" y="1394207"/>
+            <a:ext cx="1062958" cy="1050721"/>
+          </a:xfrm>
+          <a:prstGeom prst="curvedConnector2">
             <a:avLst/>
           </a:prstGeom>
           <a:ln>
@@ -6872,16 +7204,19 @@
       </p:cxnSp>
       <p:cxnSp>
         <p:nvCxnSpPr>
-          <p:cNvPr id="36" name="Straight Arrow Connector 35"/>
-          <p:cNvCxnSpPr/>
+          <p:cNvPr id="41" name="Curved Connector 40"/>
+          <p:cNvCxnSpPr>
+            <a:stCxn id="37" idx="2"/>
+            <a:endCxn id="6" idx="1"/>
+          </p:cNvCxnSpPr>
           <p:nvPr/>
         </p:nvCxnSpPr>
         <p:spPr>
-          <a:xfrm>
-            <a:off x="7060325" y="4518213"/>
-            <a:ext cx="709447" cy="715940"/>
-          </a:xfrm>
-          <a:prstGeom prst="straightConnector1">
+          <a:xfrm rot="16200000" flipH="1">
+            <a:off x="1188251" y="2494458"/>
+            <a:ext cx="882511" cy="1546351"/>
+          </a:xfrm>
+          <a:prstGeom prst="curvedConnector2">
             <a:avLst/>
           </a:prstGeom>
           <a:ln>
@@ -6903,43 +7238,50 @@
           </a:fontRef>
         </p:style>
       </p:cxnSp>
-      <p:cxnSp>
-        <p:nvCxnSpPr>
-          <p:cNvPr id="40" name="Straight Arrow Connector 39"/>
-          <p:cNvCxnSpPr/>
+      <p:sp>
+        <p:nvSpPr>
+          <p:cNvPr id="3" name="Rectangle 2"/>
+          <p:cNvSpPr/>
           <p:nvPr/>
-        </p:nvCxnSpPr>
+        </p:nvSpPr>
         <p:spPr>
           <a:xfrm>
-            <a:off x="7867811" y="4543871"/>
-            <a:ext cx="498423" cy="728382"/>
-          </a:xfrm>
-          <a:prstGeom prst="straightConnector1">
+            <a:off x="1790163" y="1970468"/>
+            <a:ext cx="2266682" cy="1339402"/>
+          </a:xfrm>
+          <a:prstGeom prst="rect">
             <a:avLst/>
           </a:prstGeom>
-          <a:ln>
-            <a:tailEnd type="triangle"/>
-          </a:ln>
+          <a:noFill/>
+          <a:ln w="31750"/>
         </p:spPr>
         <p:style>
-          <a:lnRef idx="1">
-            <a:schemeClr val="accent1"/>
+          <a:lnRef idx="2">
+            <a:schemeClr val="accent6"/>
           </a:lnRef>
-          <a:fillRef idx="0">
-            <a:schemeClr val="accent1"/>
+          <a:fillRef idx="1">
+            <a:schemeClr val="lt1"/>
           </a:fillRef>
           <a:effectRef idx="0">
-            <a:schemeClr val="accent1"/>
+            <a:schemeClr val="accent6"/>
           </a:effectRef>
           <a:fontRef idx="minor">
-            <a:schemeClr val="tx1"/>
+            <a:schemeClr val="dk1"/>
           </a:fontRef>
         </p:style>
-      </p:cxnSp>
+        <p:txBody>
+          <a:bodyPr rtlCol="0" anchor="ctr"/>
+          <a:lstStyle/>
+          <a:p>
+            <a:pPr algn="ctr"/>
+            <a:endParaRPr lang="en-US"/>
+          </a:p>
+        </p:txBody>
+      </p:sp>
     </p:spTree>
     <p:extLst>
       <p:ext uri="{BB962C8B-B14F-4D97-AF65-F5344CB8AC3E}">
-        <p14:creationId xmlns:p14="http://schemas.microsoft.com/office/powerpoint/2010/main" val="329996615"/>
+        <p14:creationId xmlns:p14="http://schemas.microsoft.com/office/powerpoint/2010/main" val="1353388984"/>
       </p:ext>
     </p:extLst>
   </p:cSld>
@@ -6991,7 +7333,7 @@
             <a:pPr algn="ctr"/>
             <a:r>
               <a:rPr lang="en-US" smtClean="0"/>
-              <a:t>Phrase-Table</a:t>
+              <a:t>Word Alignment</a:t>
             </a:r>
             <a:endParaRPr lang="en-US"/>
           </a:p>
@@ -7007,198 +7349,95 @@
             <p:ph idx="1"/>
           </p:nvPr>
         </p:nvSpPr>
+        <p:spPr/>
+        <p:txBody>
+          <a:bodyPr/>
+          <a:lstStyle/>
+          <a:p>
+            <a:r>
+              <a:rPr lang="en-US" dirty="0" smtClean="0"/>
+              <a:t>Training data</a:t>
+            </a:r>
+          </a:p>
+          <a:p>
+            <a:pPr lvl="1"/>
+            <a:r>
+              <a:rPr lang="en-US" dirty="0" smtClean="0"/>
+              <a:t>﻿data/Train/</a:t>
+            </a:r>
+            <a:r>
+              <a:rPr lang="en-US" dirty="0" err="1" smtClean="0"/>
+              <a:t>Train_data.clean</a:t>
+            </a:r>
+            <a:r>
+              <a:rPr lang="en-US" dirty="0" smtClean="0"/>
+              <a:t>.[en/</a:t>
+            </a:r>
+            <a:r>
+              <a:rPr lang="en-US" dirty="0" err="1" smtClean="0"/>
+              <a:t>ar</a:t>
+            </a:r>
+            <a:r>
+              <a:rPr lang="en-US" dirty="0" smtClean="0"/>
+              <a:t>]</a:t>
+            </a:r>
+          </a:p>
+          <a:p>
+            <a:r>
+              <a:rPr lang="en-US" dirty="0" smtClean="0"/>
+              <a:t>Word alignment</a:t>
+            </a:r>
+          </a:p>
+          <a:p>
+            <a:pPr lvl="1"/>
+            <a:r>
+              <a:rPr lang="en-US" dirty="0" smtClean="0"/>
+              <a:t>﻿work/model/</a:t>
+            </a:r>
+            <a:r>
+              <a:rPr lang="en-US" dirty="0" err="1" smtClean="0"/>
+              <a:t>aligned.grow</a:t>
+            </a:r>
+            <a:r>
+              <a:rPr lang="en-US" dirty="0" smtClean="0"/>
+              <a:t>-</a:t>
+            </a:r>
+            <a:r>
+              <a:rPr lang="en-US" dirty="0" err="1" smtClean="0"/>
+              <a:t>diag</a:t>
+            </a:r>
+            <a:r>
+              <a:rPr lang="en-US" dirty="0" smtClean="0"/>
+              <a:t>-final-and</a:t>
+            </a:r>
+          </a:p>
+          <a:p>
+            <a:pPr lvl="1"/>
+            <a:r>
+              <a:rPr lang="en-US" dirty="0" err="1" smtClean="0"/>
+              <a:t>Eg</a:t>
+            </a:r>
+            <a:r>
+              <a:rPr lang="en-US" dirty="0" smtClean="0"/>
+              <a:t>. ﻿0-0 0-1 4-1 0-2 1-2 2-2 3-2 0-3 0-4 0-5 7-6 8-7</a:t>
+            </a:r>
+          </a:p>
+          <a:p>
+            <a:pPr lvl="1"/>
+            <a:endParaRPr lang="en-US" dirty="0" smtClean="0"/>
+          </a:p>
+        </p:txBody>
+      </p:sp>
+      <p:sp>
+        <p:nvSpPr>
+          <p:cNvPr id="4" name="TextBox 3"/>
+          <p:cNvSpPr txBox="1"/>
+          <p:nvPr/>
+        </p:nvSpPr>
         <p:spPr>
           <a:xfrm>
-            <a:off x="838200" y="1825626"/>
-            <a:ext cx="10907110" cy="491906"/>
-          </a:xfrm>
-        </p:spPr>
-        <p:txBody>
-          <a:bodyPr>
-            <a:noAutofit/>
-          </a:bodyPr>
-          <a:lstStyle/>
-          <a:p>
-            <a:pPr marL="0" indent="0">
-              <a:buNone/>
-            </a:pPr>
-            <a:r>
-              <a:rPr lang="en-US" sz="2000" b="1" dirty="0" smtClean="0">
-                <a:solidFill>
-                  <a:srgbClr val="FF0000"/>
-                </a:solidFill>
-              </a:rPr>
-              <a:t>﻿! ! ! . . </a:t>
-            </a:r>
-            <a:r>
-              <a:rPr lang="en-US" sz="2000" dirty="0" smtClean="0"/>
-              <a:t>||| </a:t>
-            </a:r>
-            <a:r>
-              <a:rPr lang="en-US" sz="2000" b="1" dirty="0" smtClean="0">
-                <a:solidFill>
-                  <a:schemeClr val="accent1">
-                    <a:lumMod val="75000"/>
-                  </a:schemeClr>
-                </a:solidFill>
-              </a:rPr>
-              <a:t>People pass by houses </a:t>
-            </a:r>
-            <a:r>
-              <a:rPr lang="en-US" sz="2000" dirty="0" smtClean="0"/>
-              <a:t>||| </a:t>
-            </a:r>
-            <a:r>
-              <a:rPr lang="en-US" sz="2000" b="1" dirty="0" smtClean="0">
-                <a:solidFill>
-                  <a:schemeClr val="accent2"/>
-                </a:solidFill>
-              </a:rPr>
-              <a:t>0.2</a:t>
-            </a:r>
-            <a:r>
-              <a:rPr lang="en-US" sz="2000" dirty="0" smtClean="0"/>
-              <a:t> 5.34133e-10 </a:t>
-            </a:r>
-            <a:r>
-              <a:rPr lang="en-US" sz="2000" b="1" dirty="0" smtClean="0">
-                <a:solidFill>
-                  <a:schemeClr val="accent6">
-                    <a:lumMod val="60000"/>
-                    <a:lumOff val="40000"/>
-                  </a:schemeClr>
-                </a:solidFill>
-              </a:rPr>
-              <a:t>0.166667</a:t>
-            </a:r>
-            <a:r>
-              <a:rPr lang="en-US" sz="2000" dirty="0" smtClean="0"/>
-              <a:t> 4.38429e-14 ||| 0-1 ||| 5 6 1 |||</a:t>
-            </a:r>
-          </a:p>
-        </p:txBody>
-      </p:sp>
-      <p:sp>
-        <p:nvSpPr>
-          <p:cNvPr id="4" name="Rectangle 3"/>
-          <p:cNvSpPr/>
-          <p:nvPr/>
-        </p:nvSpPr>
-        <p:spPr>
-          <a:xfrm>
-            <a:off x="838200" y="2267804"/>
-            <a:ext cx="6633034" cy="400110"/>
-          </a:xfrm>
-          <a:prstGeom prst="rect">
-            <a:avLst/>
-          </a:prstGeom>
-        </p:spPr>
-        <p:txBody>
-          <a:bodyPr wrap="none">
-            <a:spAutoFit/>
-          </a:bodyPr>
-          <a:lstStyle/>
-          <a:p>
-            <a:r>
-              <a:rPr lang="en-US" sz="2000" b="1" dirty="0" smtClean="0">
-                <a:solidFill>
-                  <a:srgbClr val="FF0000"/>
-                </a:solidFill>
-              </a:rPr>
-              <a:t>source</a:t>
-            </a:r>
-            <a:r>
-              <a:rPr lang="en-US" sz="2000" dirty="0" smtClean="0"/>
-              <a:t>                    </a:t>
-            </a:r>
-            <a:r>
-              <a:rPr lang="en-US" sz="2000" b="1" dirty="0" smtClean="0">
-                <a:solidFill>
-                  <a:schemeClr val="accent1">
-                    <a:lumMod val="75000"/>
-                  </a:schemeClr>
-                </a:solidFill>
-              </a:rPr>
-              <a:t>target</a:t>
-            </a:r>
-            <a:r>
-              <a:rPr lang="en-US" sz="2000" dirty="0" smtClean="0"/>
-              <a:t>                         </a:t>
-            </a:r>
-            <a:r>
-              <a:rPr lang="en-US" sz="2000" b="1" dirty="0" smtClean="0">
-                <a:solidFill>
-                  <a:schemeClr val="accent2"/>
-                </a:solidFill>
-              </a:rPr>
-              <a:t>p(</a:t>
-            </a:r>
-            <a:r>
-              <a:rPr lang="en-US" sz="2000" b="1" dirty="0" err="1" smtClean="0">
-                <a:solidFill>
-                  <a:schemeClr val="accent2"/>
-                </a:solidFill>
-              </a:rPr>
-              <a:t>s|t</a:t>
-            </a:r>
-            <a:r>
-              <a:rPr lang="en-US" sz="2000" b="1" dirty="0" smtClean="0">
-                <a:solidFill>
-                  <a:schemeClr val="accent2"/>
-                </a:solidFill>
-              </a:rPr>
-              <a:t>)</a:t>
-            </a:r>
-            <a:r>
-              <a:rPr lang="en-US" sz="2000" dirty="0" smtClean="0"/>
-              <a:t>                       </a:t>
-            </a:r>
-            <a:r>
-              <a:rPr lang="en-US" sz="2000" b="1" dirty="0" smtClean="0">
-                <a:solidFill>
-                  <a:schemeClr val="accent6">
-                    <a:lumMod val="60000"/>
-                    <a:lumOff val="40000"/>
-                  </a:schemeClr>
-                </a:solidFill>
-              </a:rPr>
-              <a:t>p(</a:t>
-            </a:r>
-            <a:r>
-              <a:rPr lang="en-US" sz="2000" b="1" dirty="0" err="1" smtClean="0">
-                <a:solidFill>
-                  <a:schemeClr val="accent6">
-                    <a:lumMod val="60000"/>
-                    <a:lumOff val="40000"/>
-                  </a:schemeClr>
-                </a:solidFill>
-              </a:rPr>
-              <a:t>t|s</a:t>
-            </a:r>
-            <a:r>
-              <a:rPr lang="en-US" sz="2000" b="1" dirty="0" smtClean="0">
-                <a:solidFill>
-                  <a:schemeClr val="accent6">
-                    <a:lumMod val="60000"/>
-                    <a:lumOff val="40000"/>
-                  </a:schemeClr>
-                </a:solidFill>
-              </a:rPr>
-              <a:t>)</a:t>
-            </a:r>
-          </a:p>
-        </p:txBody>
-      </p:sp>
-      <p:sp>
-        <p:nvSpPr>
-          <p:cNvPr id="5" name="TextBox 4"/>
-          <p:cNvSpPr txBox="1"/>
-          <p:nvPr/>
-        </p:nvSpPr>
-        <p:spPr>
-          <a:xfrm>
-            <a:off x="838200" y="3110091"/>
-            <a:ext cx="10323786" cy="2246769"/>
+            <a:off x="1702676" y="4162097"/>
+            <a:ext cx="7394027" cy="369332"/>
           </a:xfrm>
           <a:prstGeom prst="rect">
             <a:avLst/>
@@ -7211,78 +7450,520 @@
           </a:bodyPr>
           <a:lstStyle/>
           <a:p>
-            <a:pPr marL="342900" indent="-342900">
-              <a:buFont typeface="Arial" charset="0"/>
-              <a:buChar char="•"/>
-            </a:pPr>
-            <a:r>
-              <a:rPr lang="en-US" sz="2000" dirty="0" smtClean="0"/>
-              <a:t>3.7 million translation rules</a:t>
-            </a:r>
-          </a:p>
-          <a:p>
-            <a:pPr marL="800100" lvl="1" indent="-342900">
-              <a:buFont typeface="Arial" charset="0"/>
-              <a:buChar char="•"/>
-            </a:pPr>
-            <a:r>
-              <a:rPr lang="en-US" sz="2000" dirty="0" smtClean="0"/>
-              <a:t>73MB zipped, 422MB unzipped</a:t>
-            </a:r>
-          </a:p>
-          <a:p>
-            <a:pPr marL="800100" lvl="1" indent="-342900">
-              <a:buFont typeface="Arial" charset="0"/>
-              <a:buChar char="•"/>
-            </a:pPr>
-            <a:r>
-              <a:rPr lang="en-US" sz="2000" dirty="0" smtClean="0"/>
-              <a:t>Too slow to load all into memory</a:t>
-            </a:r>
-          </a:p>
-          <a:p>
-            <a:pPr marL="800100" lvl="1" indent="-342900">
-              <a:buFont typeface="Arial" charset="0"/>
-              <a:buChar char="•"/>
-            </a:pPr>
-            <a:r>
-              <a:rPr lang="en-US" sz="2000" dirty="0" smtClean="0"/>
-              <a:t>Use too much RAM</a:t>
-            </a:r>
-          </a:p>
-          <a:p>
-            <a:pPr marL="342900" indent="-342900">
-              <a:buFont typeface="Arial" charset="0"/>
-              <a:buChar char="•"/>
-            </a:pPr>
-            <a:endParaRPr lang="en-US" sz="2000" dirty="0" smtClean="0"/>
-          </a:p>
-          <a:p>
-            <a:pPr marL="342900" indent="-342900">
-              <a:buFont typeface="Arial" charset="0"/>
-              <a:buChar char="•"/>
-            </a:pPr>
-            <a:r>
-              <a:rPr lang="en-US" sz="2000" dirty="0" smtClean="0"/>
-              <a:t>Filter phrase table</a:t>
-            </a:r>
-          </a:p>
-          <a:p>
-            <a:pPr marL="800100" lvl="1" indent="-342900">
-              <a:buFont typeface="Arial" charset="0"/>
-              <a:buChar char="•"/>
-            </a:pPr>
-            <a:r>
-              <a:rPr lang="en-US" sz="2000" dirty="0" smtClean="0"/>
-              <a:t>Only keep rules need to translate the test set</a:t>
-            </a:r>
-          </a:p>
-        </p:txBody>
-      </p:sp>
+            <a:r>
+              <a:rPr lang="en-US" dirty="0" smtClean="0"/>
+              <a:t>﻿</a:t>
+            </a:r>
+            <a:r>
+              <a:rPr lang="en-US" dirty="0" err="1" smtClean="0"/>
+              <a:t>AlOx</a:t>
+            </a:r>
+            <a:r>
+              <a:rPr lang="en-US" dirty="0" smtClean="0"/>
+              <a:t>    </a:t>
+            </a:r>
+            <a:r>
+              <a:rPr lang="en-US" dirty="0" err="1" smtClean="0"/>
+              <a:t>gyr</a:t>
+            </a:r>
+            <a:r>
+              <a:rPr lang="en-US" dirty="0" smtClean="0"/>
+              <a:t>     </a:t>
+            </a:r>
+            <a:r>
+              <a:rPr lang="en-US" dirty="0" err="1" smtClean="0"/>
+              <a:t>Alcqyq</a:t>
+            </a:r>
+            <a:r>
+              <a:rPr lang="en-US" dirty="0" smtClean="0"/>
+              <a:t>     </a:t>
+            </a:r>
+            <a:r>
+              <a:rPr lang="en-US" dirty="0" err="1" smtClean="0"/>
+              <a:t>lSdAm</a:t>
+            </a:r>
+            <a:r>
+              <a:rPr lang="en-US" dirty="0" smtClean="0"/>
+              <a:t>     </a:t>
+            </a:r>
+            <a:r>
+              <a:rPr lang="en-US" dirty="0" err="1" smtClean="0"/>
+              <a:t>Hsyn</a:t>
+            </a:r>
+            <a:r>
+              <a:rPr lang="en-US" dirty="0" smtClean="0"/>
+              <a:t>    </a:t>
+            </a:r>
+            <a:r>
+              <a:rPr lang="en-US" dirty="0" err="1" smtClean="0"/>
+              <a:t>yrfD</a:t>
+            </a:r>
+            <a:r>
+              <a:rPr lang="en-US" dirty="0" smtClean="0"/>
+              <a:t>     </a:t>
+            </a:r>
+            <a:r>
+              <a:rPr lang="en-US" dirty="0" err="1" smtClean="0"/>
+              <a:t>AlEwdp</a:t>
+            </a:r>
+            <a:r>
+              <a:rPr lang="en-US" dirty="0" smtClean="0"/>
+              <a:t>    </a:t>
+            </a:r>
+            <a:r>
+              <a:rPr lang="en-US" dirty="0" err="1" smtClean="0"/>
+              <a:t>IlY</a:t>
+            </a:r>
+            <a:r>
+              <a:rPr lang="en-US" dirty="0" smtClean="0"/>
+              <a:t>      </a:t>
+            </a:r>
+            <a:r>
+              <a:rPr lang="en-US" dirty="0" err="1" smtClean="0"/>
+              <a:t>AlErAq</a:t>
+            </a:r>
+            <a:endParaRPr lang="en-US" dirty="0"/>
+          </a:p>
+        </p:txBody>
+      </p:sp>
+      <p:sp>
+        <p:nvSpPr>
+          <p:cNvPr id="5" name="TextBox 4"/>
+          <p:cNvSpPr txBox="1"/>
+          <p:nvPr/>
+        </p:nvSpPr>
+        <p:spPr>
+          <a:xfrm>
+            <a:off x="1434662" y="5234153"/>
+            <a:ext cx="7240636" cy="369332"/>
+          </a:xfrm>
+          <a:prstGeom prst="rect">
+            <a:avLst/>
+          </a:prstGeom>
+          <a:noFill/>
+        </p:spPr>
+        <p:txBody>
+          <a:bodyPr wrap="none" rtlCol="0">
+            <a:spAutoFit/>
+          </a:bodyPr>
+          <a:lstStyle/>
+          <a:p>
+            <a:r>
+              <a:rPr lang="en-US" dirty="0" smtClean="0"/>
+              <a:t>﻿Saddam   </a:t>
+            </a:r>
+            <a:r>
+              <a:rPr lang="en-US" dirty="0" err="1" smtClean="0"/>
+              <a:t>Hussein&amp;apos;s</a:t>
+            </a:r>
+            <a:r>
+              <a:rPr lang="en-US" dirty="0" smtClean="0"/>
+              <a:t>    Half-Brother   Refuses     to     Return    to     Iraq</a:t>
+            </a:r>
+            <a:endParaRPr lang="en-US" dirty="0"/>
+          </a:p>
+        </p:txBody>
+      </p:sp>
+      <p:cxnSp>
+        <p:nvCxnSpPr>
+          <p:cNvPr id="7" name="Straight Arrow Connector 6"/>
+          <p:cNvCxnSpPr/>
+          <p:nvPr/>
+        </p:nvCxnSpPr>
+        <p:spPr>
+          <a:xfrm flipH="1">
+            <a:off x="1954924" y="4531429"/>
+            <a:ext cx="31531" cy="702724"/>
+          </a:xfrm>
+          <a:prstGeom prst="straightConnector1">
+            <a:avLst/>
+          </a:prstGeom>
+          <a:ln>
+            <a:tailEnd type="triangle"/>
+          </a:ln>
+        </p:spPr>
+        <p:style>
+          <a:lnRef idx="1">
+            <a:schemeClr val="accent1"/>
+          </a:lnRef>
+          <a:fillRef idx="0">
+            <a:schemeClr val="accent1"/>
+          </a:fillRef>
+          <a:effectRef idx="0">
+            <a:schemeClr val="accent1"/>
+          </a:effectRef>
+          <a:fontRef idx="minor">
+            <a:schemeClr val="tx1"/>
+          </a:fontRef>
+        </p:style>
+      </p:cxnSp>
+      <p:cxnSp>
+        <p:nvCxnSpPr>
+          <p:cNvPr id="8" name="Straight Arrow Connector 7"/>
+          <p:cNvCxnSpPr/>
+          <p:nvPr/>
+        </p:nvCxnSpPr>
+        <p:spPr>
+          <a:xfrm>
+            <a:off x="1986455" y="4531429"/>
+            <a:ext cx="1116724" cy="702724"/>
+          </a:xfrm>
+          <a:prstGeom prst="straightConnector1">
+            <a:avLst/>
+          </a:prstGeom>
+          <a:ln>
+            <a:tailEnd type="triangle"/>
+          </a:ln>
+        </p:spPr>
+        <p:style>
+          <a:lnRef idx="1">
+            <a:schemeClr val="accent1"/>
+          </a:lnRef>
+          <a:fillRef idx="0">
+            <a:schemeClr val="accent1"/>
+          </a:fillRef>
+          <a:effectRef idx="0">
+            <a:schemeClr val="accent1"/>
+          </a:effectRef>
+          <a:fontRef idx="minor">
+            <a:schemeClr val="tx1"/>
+          </a:fontRef>
+        </p:style>
+      </p:cxnSp>
+      <p:cxnSp>
+        <p:nvCxnSpPr>
+          <p:cNvPr id="11" name="Straight Arrow Connector 10"/>
+          <p:cNvCxnSpPr/>
+          <p:nvPr/>
+        </p:nvCxnSpPr>
+        <p:spPr>
+          <a:xfrm flipH="1">
+            <a:off x="3279228" y="4531429"/>
+            <a:ext cx="1655379" cy="702724"/>
+          </a:xfrm>
+          <a:prstGeom prst="straightConnector1">
+            <a:avLst/>
+          </a:prstGeom>
+          <a:ln>
+            <a:tailEnd type="triangle"/>
+          </a:ln>
+        </p:spPr>
+        <p:style>
+          <a:lnRef idx="1">
+            <a:schemeClr val="accent1"/>
+          </a:lnRef>
+          <a:fillRef idx="0">
+            <a:schemeClr val="accent1"/>
+          </a:fillRef>
+          <a:effectRef idx="0">
+            <a:schemeClr val="accent1"/>
+          </a:effectRef>
+          <a:fontRef idx="minor">
+            <a:schemeClr val="tx1"/>
+          </a:fontRef>
+        </p:style>
+      </p:cxnSp>
+      <p:cxnSp>
+        <p:nvCxnSpPr>
+          <p:cNvPr id="14" name="Straight Arrow Connector 13"/>
+          <p:cNvCxnSpPr/>
+          <p:nvPr/>
+        </p:nvCxnSpPr>
+        <p:spPr>
+          <a:xfrm>
+            <a:off x="2017986" y="4531429"/>
+            <a:ext cx="2619703" cy="702724"/>
+          </a:xfrm>
+          <a:prstGeom prst="straightConnector1">
+            <a:avLst/>
+          </a:prstGeom>
+          <a:ln>
+            <a:tailEnd type="triangle"/>
+          </a:ln>
+        </p:spPr>
+        <p:style>
+          <a:lnRef idx="1">
+            <a:schemeClr val="accent1"/>
+          </a:lnRef>
+          <a:fillRef idx="0">
+            <a:schemeClr val="accent1"/>
+          </a:fillRef>
+          <a:effectRef idx="0">
+            <a:schemeClr val="accent1"/>
+          </a:effectRef>
+          <a:fontRef idx="minor">
+            <a:schemeClr val="tx1"/>
+          </a:fontRef>
+        </p:style>
+      </p:cxnSp>
+      <p:cxnSp>
+        <p:nvCxnSpPr>
+          <p:cNvPr id="17" name="Straight Arrow Connector 16"/>
+          <p:cNvCxnSpPr/>
+          <p:nvPr/>
+        </p:nvCxnSpPr>
+        <p:spPr>
+          <a:xfrm>
+            <a:off x="2591618" y="4607629"/>
+            <a:ext cx="2077602" cy="626524"/>
+          </a:xfrm>
+          <a:prstGeom prst="straightConnector1">
+            <a:avLst/>
+          </a:prstGeom>
+          <a:ln>
+            <a:tailEnd type="triangle"/>
+          </a:ln>
+        </p:spPr>
+        <p:style>
+          <a:lnRef idx="1">
+            <a:schemeClr val="accent1"/>
+          </a:lnRef>
+          <a:fillRef idx="0">
+            <a:schemeClr val="accent1"/>
+          </a:fillRef>
+          <a:effectRef idx="0">
+            <a:schemeClr val="accent1"/>
+          </a:effectRef>
+          <a:fontRef idx="minor">
+            <a:schemeClr val="tx1"/>
+          </a:fontRef>
+        </p:style>
+      </p:cxnSp>
+      <p:cxnSp>
+        <p:nvCxnSpPr>
+          <p:cNvPr id="20" name="Straight Arrow Connector 19"/>
+          <p:cNvCxnSpPr/>
+          <p:nvPr/>
+        </p:nvCxnSpPr>
+        <p:spPr>
+          <a:xfrm>
+            <a:off x="3327837" y="4569529"/>
+            <a:ext cx="1219200" cy="664624"/>
+          </a:xfrm>
+          <a:prstGeom prst="straightConnector1">
+            <a:avLst/>
+          </a:prstGeom>
+          <a:ln>
+            <a:tailEnd type="triangle"/>
+          </a:ln>
+        </p:spPr>
+        <p:style>
+          <a:lnRef idx="1">
+            <a:schemeClr val="accent1"/>
+          </a:lnRef>
+          <a:fillRef idx="0">
+            <a:schemeClr val="accent1"/>
+          </a:fillRef>
+          <a:effectRef idx="0">
+            <a:schemeClr val="accent1"/>
+          </a:effectRef>
+          <a:fontRef idx="minor">
+            <a:schemeClr val="tx1"/>
+          </a:fontRef>
+        </p:style>
+      </p:cxnSp>
+      <p:cxnSp>
+        <p:nvCxnSpPr>
+          <p:cNvPr id="24" name="Straight Arrow Connector 23"/>
+          <p:cNvCxnSpPr/>
+          <p:nvPr/>
+        </p:nvCxnSpPr>
+        <p:spPr>
+          <a:xfrm>
+            <a:off x="4137135" y="4569529"/>
+            <a:ext cx="500554" cy="664624"/>
+          </a:xfrm>
+          <a:prstGeom prst="straightConnector1">
+            <a:avLst/>
+          </a:prstGeom>
+          <a:ln>
+            <a:tailEnd type="triangle"/>
+          </a:ln>
+        </p:spPr>
+        <p:style>
+          <a:lnRef idx="1">
+            <a:schemeClr val="accent1"/>
+          </a:lnRef>
+          <a:fillRef idx="0">
+            <a:schemeClr val="accent1"/>
+          </a:fillRef>
+          <a:effectRef idx="0">
+            <a:schemeClr val="accent1"/>
+          </a:effectRef>
+          <a:fontRef idx="minor">
+            <a:schemeClr val="tx1"/>
+          </a:fontRef>
+        </p:style>
+      </p:cxnSp>
+      <p:cxnSp>
+        <p:nvCxnSpPr>
+          <p:cNvPr id="27" name="Straight Arrow Connector 26"/>
+          <p:cNvCxnSpPr/>
+          <p:nvPr/>
+        </p:nvCxnSpPr>
+        <p:spPr>
+          <a:xfrm>
+            <a:off x="2017986" y="4569529"/>
+            <a:ext cx="3736427" cy="664624"/>
+          </a:xfrm>
+          <a:prstGeom prst="straightConnector1">
+            <a:avLst/>
+          </a:prstGeom>
+          <a:ln>
+            <a:tailEnd type="triangle"/>
+          </a:ln>
+        </p:spPr>
+        <p:style>
+          <a:lnRef idx="1">
+            <a:schemeClr val="accent1"/>
+          </a:lnRef>
+          <a:fillRef idx="0">
+            <a:schemeClr val="accent1"/>
+          </a:fillRef>
+          <a:effectRef idx="0">
+            <a:schemeClr val="accent1"/>
+          </a:effectRef>
+          <a:fontRef idx="minor">
+            <a:schemeClr val="tx1"/>
+          </a:fontRef>
+        </p:style>
+      </p:cxnSp>
+      <p:cxnSp>
+        <p:nvCxnSpPr>
+          <p:cNvPr id="30" name="Straight Arrow Connector 29"/>
+          <p:cNvCxnSpPr/>
+          <p:nvPr/>
+        </p:nvCxnSpPr>
+        <p:spPr>
+          <a:xfrm>
+            <a:off x="2017986" y="4569529"/>
+            <a:ext cx="4445876" cy="702724"/>
+          </a:xfrm>
+          <a:prstGeom prst="straightConnector1">
+            <a:avLst/>
+          </a:prstGeom>
+          <a:ln>
+            <a:tailEnd type="triangle"/>
+          </a:ln>
+        </p:spPr>
+        <p:style>
+          <a:lnRef idx="1">
+            <a:schemeClr val="accent1"/>
+          </a:lnRef>
+          <a:fillRef idx="0">
+            <a:schemeClr val="accent1"/>
+          </a:fillRef>
+          <a:effectRef idx="0">
+            <a:schemeClr val="accent1"/>
+          </a:effectRef>
+          <a:fontRef idx="minor">
+            <a:schemeClr val="tx1"/>
+          </a:fontRef>
+        </p:style>
+      </p:cxnSp>
+      <p:cxnSp>
+        <p:nvCxnSpPr>
+          <p:cNvPr id="33" name="Straight Arrow Connector 32"/>
+          <p:cNvCxnSpPr/>
+          <p:nvPr/>
+        </p:nvCxnSpPr>
+        <p:spPr>
+          <a:xfrm>
+            <a:off x="2017986" y="4569529"/>
+            <a:ext cx="5155324" cy="702724"/>
+          </a:xfrm>
+          <a:prstGeom prst="straightConnector1">
+            <a:avLst/>
+          </a:prstGeom>
+          <a:ln>
+            <a:tailEnd type="triangle"/>
+          </a:ln>
+        </p:spPr>
+        <p:style>
+          <a:lnRef idx="1">
+            <a:schemeClr val="accent1"/>
+          </a:lnRef>
+          <a:fillRef idx="0">
+            <a:schemeClr val="accent1"/>
+          </a:fillRef>
+          <a:effectRef idx="0">
+            <a:schemeClr val="accent1"/>
+          </a:effectRef>
+          <a:fontRef idx="minor">
+            <a:schemeClr val="tx1"/>
+          </a:fontRef>
+        </p:style>
+      </p:cxnSp>
+      <p:cxnSp>
+        <p:nvCxnSpPr>
+          <p:cNvPr id="36" name="Straight Arrow Connector 35"/>
+          <p:cNvCxnSpPr/>
+          <p:nvPr/>
+        </p:nvCxnSpPr>
+        <p:spPr>
+          <a:xfrm>
+            <a:off x="7060325" y="4518213"/>
+            <a:ext cx="709447" cy="715940"/>
+          </a:xfrm>
+          <a:prstGeom prst="straightConnector1">
+            <a:avLst/>
+          </a:prstGeom>
+          <a:ln>
+            <a:tailEnd type="triangle"/>
+          </a:ln>
+        </p:spPr>
+        <p:style>
+          <a:lnRef idx="1">
+            <a:schemeClr val="accent1"/>
+          </a:lnRef>
+          <a:fillRef idx="0">
+            <a:schemeClr val="accent1"/>
+          </a:fillRef>
+          <a:effectRef idx="0">
+            <a:schemeClr val="accent1"/>
+          </a:effectRef>
+          <a:fontRef idx="minor">
+            <a:schemeClr val="tx1"/>
+          </a:fontRef>
+        </p:style>
+      </p:cxnSp>
+      <p:cxnSp>
+        <p:nvCxnSpPr>
+          <p:cNvPr id="40" name="Straight Arrow Connector 39"/>
+          <p:cNvCxnSpPr/>
+          <p:nvPr/>
+        </p:nvCxnSpPr>
+        <p:spPr>
+          <a:xfrm>
+            <a:off x="7867811" y="4543871"/>
+            <a:ext cx="498423" cy="728382"/>
+          </a:xfrm>
+          <a:prstGeom prst="straightConnector1">
+            <a:avLst/>
+          </a:prstGeom>
+          <a:ln>
+            <a:tailEnd type="triangle"/>
+          </a:ln>
+        </p:spPr>
+        <p:style>
+          <a:lnRef idx="1">
+            <a:schemeClr val="accent1"/>
+          </a:lnRef>
+          <a:fillRef idx="0">
+            <a:schemeClr val="accent1"/>
+          </a:fillRef>
+          <a:effectRef idx="0">
+            <a:schemeClr val="accent1"/>
+          </a:effectRef>
+          <a:fontRef idx="minor">
+            <a:schemeClr val="tx1"/>
+          </a:fontRef>
+        </p:style>
+      </p:cxnSp>
     </p:spTree>
     <p:extLst>
       <p:ext uri="{BB962C8B-B14F-4D97-AF65-F5344CB8AC3E}">
-        <p14:creationId xmlns:p14="http://schemas.microsoft.com/office/powerpoint/2010/main" val="246661161"/>
+        <p14:creationId xmlns:p14="http://schemas.microsoft.com/office/powerpoint/2010/main" val="329996615"/>
       </p:ext>
     </p:extLst>
   </p:cSld>
@@ -7334,9 +8015,90 @@
             <a:pPr algn="ctr"/>
             <a:r>
               <a:rPr lang="en-US" smtClean="0"/>
-              <a:t>Language Model</a:t>
+              <a:t>Phrase-Table</a:t>
             </a:r>
             <a:endParaRPr lang="en-US"/>
+          </a:p>
+        </p:txBody>
+      </p:sp>
+      <p:sp>
+        <p:nvSpPr>
+          <p:cNvPr id="3" name="Content Placeholder 2"/>
+          <p:cNvSpPr>
+            <a:spLocks noGrp="1"/>
+          </p:cNvSpPr>
+          <p:nvPr>
+            <p:ph idx="1"/>
+          </p:nvPr>
+        </p:nvSpPr>
+        <p:spPr>
+          <a:xfrm>
+            <a:off x="838200" y="1825626"/>
+            <a:ext cx="10907110" cy="491906"/>
+          </a:xfrm>
+        </p:spPr>
+        <p:txBody>
+          <a:bodyPr>
+            <a:noAutofit/>
+          </a:bodyPr>
+          <a:lstStyle/>
+          <a:p>
+            <a:pPr marL="0" indent="0">
+              <a:buNone/>
+            </a:pPr>
+            <a:r>
+              <a:rPr lang="en-US" sz="2000" b="1" dirty="0" smtClean="0">
+                <a:solidFill>
+                  <a:srgbClr val="FF0000"/>
+                </a:solidFill>
+              </a:rPr>
+              <a:t>﻿! ! ! . . </a:t>
+            </a:r>
+            <a:r>
+              <a:rPr lang="en-US" sz="2000" dirty="0" smtClean="0"/>
+              <a:t>||| </a:t>
+            </a:r>
+            <a:r>
+              <a:rPr lang="en-US" sz="2000" b="1" dirty="0" smtClean="0">
+                <a:solidFill>
+                  <a:schemeClr val="accent1">
+                    <a:lumMod val="75000"/>
+                  </a:schemeClr>
+                </a:solidFill>
+              </a:rPr>
+              <a:t>People pass by houses </a:t>
+            </a:r>
+            <a:r>
+              <a:rPr lang="en-US" sz="2000" dirty="0" smtClean="0"/>
+              <a:t>||| </a:t>
+            </a:r>
+            <a:r>
+              <a:rPr lang="en-US" sz="2000" b="1" dirty="0" smtClean="0">
+                <a:solidFill>
+                  <a:schemeClr val="accent2"/>
+                </a:solidFill>
+              </a:rPr>
+              <a:t>0.2</a:t>
+            </a:r>
+            <a:r>
+              <a:rPr lang="en-US" sz="2000" dirty="0" smtClean="0"/>
+              <a:t> 5.34133e-10 </a:t>
+            </a:r>
+            <a:r>
+              <a:rPr lang="en-US" sz="2000" b="1" dirty="0" smtClean="0">
+                <a:solidFill>
+                  <a:schemeClr val="accent6">
+                    <a:lumMod val="60000"/>
+                    <a:lumOff val="40000"/>
+                  </a:schemeClr>
+                </a:solidFill>
+              </a:rPr>
+              <a:t>0.166667</a:t>
+            </a:r>
+            <a:r>
+              <a:rPr lang="en-US" sz="2000" dirty="0" smtClean="0"/>
+              <a:t> 4.38429e-14 ||| 0-1 ||| 5 6 1 |||</a:t>
+            </a:r>
           </a:p>
         </p:txBody>
       </p:sp>
@@ -7348,289 +8110,119 @@
         </p:nvSpPr>
         <p:spPr>
           <a:xfrm>
-            <a:off x="7441842" y="1819477"/>
-            <a:ext cx="4750158" cy="4185761"/>
+            <a:off x="838200" y="2267804"/>
+            <a:ext cx="6633034" cy="400110"/>
           </a:xfrm>
           <a:prstGeom prst="rect">
             <a:avLst/>
           </a:prstGeom>
         </p:spPr>
         <p:txBody>
-          <a:bodyPr wrap="square">
+          <a:bodyPr wrap="none">
             <a:spAutoFit/>
           </a:bodyPr>
           <a:lstStyle/>
           <a:p>
             <a:r>
-              <a:rPr lang="en-US" sz="1400" dirty="0"/>
-              <a:t>﻿\</a:t>
-            </a:r>
-            <a:r>
-              <a:rPr lang="en-US" sz="1400" dirty="0" smtClean="0"/>
-              <a:t>data\</a:t>
-            </a:r>
-          </a:p>
-          <a:p>
-            <a:r>
-              <a:rPr lang="en-US" sz="1400" dirty="0" err="1" smtClean="0"/>
-              <a:t>ngram</a:t>
-            </a:r>
-            <a:r>
-              <a:rPr lang="en-US" sz="1400" dirty="0" smtClean="0"/>
-              <a:t> 1=139572</a:t>
-            </a:r>
-          </a:p>
-          <a:p>
-            <a:r>
-              <a:rPr lang="en-US" sz="1400" dirty="0" err="1" smtClean="0"/>
-              <a:t>ngram</a:t>
-            </a:r>
-            <a:r>
-              <a:rPr lang="en-US" sz="1400" dirty="0" smtClean="0"/>
-              <a:t> 2=1061731</a:t>
-            </a:r>
-          </a:p>
-          <a:p>
-            <a:r>
-              <a:rPr lang="en-US" sz="1400" dirty="0" err="1" smtClean="0"/>
-              <a:t>ngram</a:t>
-            </a:r>
-            <a:r>
-              <a:rPr lang="en-US" sz="1400" dirty="0" smtClean="0"/>
-              <a:t> 3=2239731</a:t>
-            </a:r>
-          </a:p>
-          <a:p>
-            <a:endParaRPr lang="en-US" sz="1400" dirty="0"/>
-          </a:p>
-          <a:p>
-            <a:r>
-              <a:rPr lang="en-US" sz="1400" dirty="0" smtClean="0"/>
-              <a:t>\</a:t>
-            </a:r>
-            <a:r>
-              <a:rPr lang="en-US" sz="1400" dirty="0"/>
-              <a:t>1-grams</a:t>
-            </a:r>
-            <a:r>
-              <a:rPr lang="en-US" sz="1400" dirty="0" smtClean="0"/>
-              <a:t>:</a:t>
-            </a:r>
-          </a:p>
-          <a:p>
-            <a:r>
-              <a:rPr lang="en-US" sz="1400" dirty="0" smtClean="0"/>
-              <a:t>-</a:t>
-            </a:r>
-            <a:r>
-              <a:rPr lang="en-US" sz="1400" dirty="0"/>
-              <a:t>6.0734353  </a:t>
-            </a:r>
-            <a:r>
-              <a:rPr lang="en-US" sz="1400" dirty="0" smtClean="0"/>
-              <a:t>    &lt;</a:t>
-            </a:r>
-            <a:r>
-              <a:rPr lang="en-US" sz="1400" dirty="0" err="1"/>
-              <a:t>unk</a:t>
-            </a:r>
-            <a:r>
-              <a:rPr lang="en-US" sz="1400" dirty="0"/>
-              <a:t>&gt;   </a:t>
-            </a:r>
-            <a:r>
-              <a:rPr lang="en-US" sz="1400" dirty="0" smtClean="0"/>
-              <a:t>	0</a:t>
-            </a:r>
-            <a:endParaRPr lang="en-US" sz="1400" dirty="0" smtClean="0"/>
-          </a:p>
-          <a:p>
-            <a:r>
-              <a:rPr lang="en-US" sz="1400" dirty="0" smtClean="0"/>
-              <a:t>0       </a:t>
-            </a:r>
-            <a:r>
-              <a:rPr lang="en-US" sz="1400" dirty="0" smtClean="0"/>
-              <a:t>	    &lt;</a:t>
-            </a:r>
-            <a:r>
-              <a:rPr lang="en-US" sz="1400" dirty="0"/>
-              <a:t>s&gt;     </a:t>
-            </a:r>
-            <a:r>
-              <a:rPr lang="en-US" sz="1400" dirty="0" smtClean="0"/>
-              <a:t>	-</a:t>
-            </a:r>
-            <a:r>
-              <a:rPr lang="en-US" sz="1400" dirty="0" smtClean="0"/>
-              <a:t>0.91558355</a:t>
-            </a:r>
-          </a:p>
-          <a:p>
-            <a:r>
-              <a:rPr lang="en-US" sz="1400" dirty="0" smtClean="0"/>
-              <a:t>-</a:t>
-            </a:r>
-            <a:r>
-              <a:rPr lang="en-US" sz="1400" dirty="0"/>
-              <a:t>1.6365006  </a:t>
-            </a:r>
-            <a:r>
-              <a:rPr lang="en-US" sz="1400" dirty="0" smtClean="0"/>
-              <a:t>    </a:t>
-            </a:r>
-            <a:r>
-              <a:rPr lang="en-US" sz="1400" dirty="0"/>
-              <a:t>&lt;/s&gt;    </a:t>
-            </a:r>
-            <a:r>
-              <a:rPr lang="en-US" sz="1400" dirty="0" smtClean="0"/>
-              <a:t>	0</a:t>
-            </a:r>
-            <a:endParaRPr lang="en-US" sz="1400" dirty="0" smtClean="0"/>
-          </a:p>
-          <a:p>
-            <a:r>
-              <a:rPr lang="en-US" sz="1400" dirty="0" smtClean="0"/>
-              <a:t>-</a:t>
-            </a:r>
-            <a:r>
-              <a:rPr lang="en-US" sz="1400" dirty="0"/>
-              <a:t>5.2046447      Nicosia </a:t>
-            </a:r>
-            <a:r>
-              <a:rPr lang="en-US" sz="1400" dirty="0" smtClean="0"/>
-              <a:t>	-</a:t>
-            </a:r>
-            <a:r>
-              <a:rPr lang="en-US" sz="1400" dirty="0" smtClean="0"/>
-              <a:t>0.11571049</a:t>
-            </a:r>
-          </a:p>
-          <a:p>
-            <a:r>
-              <a:rPr lang="en-US" sz="1400" dirty="0" smtClean="0"/>
-              <a:t>….</a:t>
-            </a:r>
-          </a:p>
-          <a:p>
-            <a:r>
-              <a:rPr lang="en-US" sz="1400" dirty="0"/>
-              <a:t>﻿\2-grams</a:t>
-            </a:r>
-            <a:r>
-              <a:rPr lang="en-US" sz="1400" dirty="0" smtClean="0"/>
-              <a:t>:</a:t>
-            </a:r>
-          </a:p>
-          <a:p>
-            <a:r>
-              <a:rPr lang="en-US" sz="1400" dirty="0" smtClean="0"/>
-              <a:t>-</a:t>
-            </a:r>
-            <a:r>
-              <a:rPr lang="en-US" sz="1400" dirty="0"/>
-              <a:t>2.1021864      (AFP) &lt;/s&gt; </a:t>
-            </a:r>
-            <a:r>
-              <a:rPr lang="en-US" sz="1400" dirty="0" smtClean="0"/>
-              <a:t> </a:t>
-            </a:r>
-            <a:r>
-              <a:rPr lang="en-US" sz="1400" dirty="0" smtClean="0"/>
-              <a:t>0</a:t>
-            </a:r>
-          </a:p>
-          <a:p>
-            <a:r>
-              <a:rPr lang="en-US" sz="1400" dirty="0" smtClean="0"/>
-              <a:t>-</a:t>
-            </a:r>
-            <a:r>
-              <a:rPr lang="en-US" sz="1400" dirty="0"/>
-              <a:t>1.4692371      </a:t>
-            </a:r>
-            <a:r>
-              <a:rPr lang="en-US" sz="1400" dirty="0" smtClean="0"/>
-              <a:t>- &lt;/</a:t>
-            </a:r>
-            <a:r>
-              <a:rPr lang="en-US" sz="1400" dirty="0"/>
-              <a:t>s&gt; </a:t>
-            </a:r>
-            <a:r>
-              <a:rPr lang="en-US" sz="1400" dirty="0" smtClean="0"/>
-              <a:t>	 </a:t>
-            </a:r>
-            <a:r>
-              <a:rPr lang="en-US" sz="1400" dirty="0" smtClean="0"/>
-              <a:t>0</a:t>
-            </a:r>
-          </a:p>
-          <a:p>
-            <a:r>
-              <a:rPr lang="en-US" sz="1400" dirty="0" smtClean="0"/>
-              <a:t>….</a:t>
-            </a:r>
-          </a:p>
-          <a:p>
-            <a:r>
-              <a:rPr lang="en-US" sz="1400" dirty="0"/>
-              <a:t>﻿\3-grams</a:t>
-            </a:r>
-            <a:r>
-              <a:rPr lang="en-US" sz="1400" dirty="0" smtClean="0"/>
-              <a:t>:</a:t>
-            </a:r>
-          </a:p>
-          <a:p>
-            <a:r>
-              <a:rPr lang="en-US" sz="1400" dirty="0" smtClean="0"/>
-              <a:t>-</a:t>
-            </a:r>
-            <a:r>
-              <a:rPr lang="en-US" sz="1400" dirty="0"/>
-              <a:t>0.16613887     &lt;s&gt; (AFP) &lt;/s</a:t>
-            </a:r>
-            <a:r>
-              <a:rPr lang="en-US" sz="1400" dirty="0" smtClean="0"/>
-              <a:t>&gt;</a:t>
-            </a:r>
-          </a:p>
-          <a:p>
-            <a:r>
-              <a:rPr lang="en-US" sz="1400" dirty="0" smtClean="0"/>
-              <a:t>-</a:t>
-            </a:r>
-            <a:r>
-              <a:rPr lang="en-US" sz="1400" dirty="0"/>
-              <a:t>1.4355018      18/02 (AFP) &lt;/s</a:t>
-            </a:r>
-            <a:r>
-              <a:rPr lang="en-US" sz="1400" dirty="0" smtClean="0"/>
-              <a:t>&gt;</a:t>
-            </a:r>
-            <a:endParaRPr lang="en-US" sz="1400" dirty="0"/>
-          </a:p>
-          <a:p>
-            <a:r>
-              <a:rPr lang="en-US" sz="1400" dirty="0" smtClean="0"/>
-              <a:t>….</a:t>
-            </a:r>
-            <a:endParaRPr lang="en-US" sz="1400" dirty="0"/>
-          </a:p>
-        </p:txBody>
-      </p:sp>
-      <p:sp>
-        <p:nvSpPr>
-          <p:cNvPr id="3" name="TextBox 2"/>
+              <a:rPr lang="en-US" sz="2000" b="1" dirty="0" smtClean="0">
+                <a:solidFill>
+                  <a:srgbClr val="FF0000"/>
+                </a:solidFill>
+              </a:rPr>
+              <a:t>source</a:t>
+            </a:r>
+            <a:r>
+              <a:rPr lang="en-US" sz="2000" dirty="0" smtClean="0"/>
+              <a:t>                    </a:t>
+            </a:r>
+            <a:r>
+              <a:rPr lang="en-US" sz="2000" b="1" dirty="0" smtClean="0">
+                <a:solidFill>
+                  <a:schemeClr val="accent1">
+                    <a:lumMod val="75000"/>
+                  </a:schemeClr>
+                </a:solidFill>
+              </a:rPr>
+              <a:t>target</a:t>
+            </a:r>
+            <a:r>
+              <a:rPr lang="en-US" sz="2000" dirty="0" smtClean="0"/>
+              <a:t>                         </a:t>
+            </a:r>
+            <a:r>
+              <a:rPr lang="en-US" sz="2000" b="1" dirty="0" smtClean="0">
+                <a:solidFill>
+                  <a:schemeClr val="accent2"/>
+                </a:solidFill>
+              </a:rPr>
+              <a:t>p(</a:t>
+            </a:r>
+            <a:r>
+              <a:rPr lang="en-US" sz="2000" b="1" dirty="0" err="1" smtClean="0">
+                <a:solidFill>
+                  <a:schemeClr val="accent2"/>
+                </a:solidFill>
+              </a:rPr>
+              <a:t>s|t</a:t>
+            </a:r>
+            <a:r>
+              <a:rPr lang="en-US" sz="2000" b="1" dirty="0" smtClean="0">
+                <a:solidFill>
+                  <a:schemeClr val="accent2"/>
+                </a:solidFill>
+              </a:rPr>
+              <a:t>)</a:t>
+            </a:r>
+            <a:r>
+              <a:rPr lang="en-US" sz="2000" dirty="0" smtClean="0"/>
+              <a:t>                       </a:t>
+            </a:r>
+            <a:r>
+              <a:rPr lang="en-US" sz="2000" b="1" dirty="0" smtClean="0">
+                <a:solidFill>
+                  <a:schemeClr val="accent6">
+                    <a:lumMod val="60000"/>
+                    <a:lumOff val="40000"/>
+                  </a:schemeClr>
+                </a:solidFill>
+              </a:rPr>
+              <a:t>p(</a:t>
+            </a:r>
+            <a:r>
+              <a:rPr lang="en-US" sz="2000" b="1" dirty="0" err="1" smtClean="0">
+                <a:solidFill>
+                  <a:schemeClr val="accent6">
+                    <a:lumMod val="60000"/>
+                    <a:lumOff val="40000"/>
+                  </a:schemeClr>
+                </a:solidFill>
+              </a:rPr>
+              <a:t>t|s</a:t>
+            </a:r>
+            <a:r>
+              <a:rPr lang="en-US" sz="2000" b="1" dirty="0" smtClean="0">
+                <a:solidFill>
+                  <a:schemeClr val="accent6">
+                    <a:lumMod val="60000"/>
+                    <a:lumOff val="40000"/>
+                  </a:schemeClr>
+                </a:solidFill>
+              </a:rPr>
+              <a:t>)</a:t>
+            </a:r>
+          </a:p>
+        </p:txBody>
+      </p:sp>
+      <p:sp>
+        <p:nvSpPr>
+          <p:cNvPr id="5" name="TextBox 4"/>
           <p:cNvSpPr txBox="1"/>
           <p:nvPr/>
         </p:nvSpPr>
         <p:spPr>
           <a:xfrm>
-            <a:off x="479738" y="1321356"/>
-            <a:ext cx="4314423" cy="369332"/>
+            <a:off x="838200" y="3110091"/>
+            <a:ext cx="10323786" cy="2246769"/>
           </a:xfrm>
           <a:prstGeom prst="rect">
             <a:avLst/>
@@ -7643,395 +8235,78 @@
           </a:bodyPr>
           <a:lstStyle/>
           <a:p>
-            <a:r>
-              <a:rPr lang="en-US" dirty="0" smtClean="0"/>
-              <a:t>Target text: </a:t>
-            </a:r>
-            <a:r>
-              <a:rPr lang="en-US" b="1" dirty="0" smtClean="0"/>
-              <a:t>the cow jumped over the moon</a:t>
-            </a:r>
-            <a:endParaRPr lang="en-US" b="1" dirty="0"/>
-          </a:p>
-        </p:txBody>
-      </p:sp>
-      <p:sp>
-        <p:nvSpPr>
-          <p:cNvPr id="5" name="TextBox 4"/>
-          <p:cNvSpPr txBox="1"/>
-          <p:nvPr/>
-        </p:nvSpPr>
-        <p:spPr>
-          <a:xfrm>
-            <a:off x="478665" y="1819477"/>
-            <a:ext cx="3629696" cy="369332"/>
-          </a:xfrm>
-          <a:prstGeom prst="rect">
-            <a:avLst/>
-          </a:prstGeom>
-          <a:noFill/>
-        </p:spPr>
-        <p:txBody>
-          <a:bodyPr wrap="square" rtlCol="0">
-            <a:spAutoFit/>
-          </a:bodyPr>
-          <a:lstStyle/>
-          <a:p>
-            <a:r>
-              <a:rPr lang="en-US" b="1" dirty="0"/>
-              <a:t>p</a:t>
-            </a:r>
-            <a:r>
-              <a:rPr lang="en-US" b="1" dirty="0" smtClean="0"/>
-              <a:t>(the </a:t>
-            </a:r>
-            <a:r>
-              <a:rPr lang="en-US" b="1" dirty="0"/>
-              <a:t>cow jumped over the </a:t>
-            </a:r>
-            <a:r>
-              <a:rPr lang="en-US" b="1" dirty="0" smtClean="0"/>
-              <a:t>moon) </a:t>
-            </a:r>
-            <a:r>
-              <a:rPr lang="en-US" sz="1600" dirty="0" smtClean="0"/>
-              <a:t>=</a:t>
-            </a:r>
-            <a:endParaRPr lang="en-US" dirty="0"/>
-          </a:p>
-        </p:txBody>
-      </p:sp>
-      <p:sp>
-        <p:nvSpPr>
-          <p:cNvPr id="6" name="TextBox 5"/>
-          <p:cNvSpPr txBox="1"/>
-          <p:nvPr/>
-        </p:nvSpPr>
-        <p:spPr>
-          <a:xfrm>
-            <a:off x="3940935" y="1819477"/>
-            <a:ext cx="2781837" cy="1938992"/>
-          </a:xfrm>
-          <a:prstGeom prst="rect">
-            <a:avLst/>
-          </a:prstGeom>
-          <a:noFill/>
-        </p:spPr>
-        <p:txBody>
-          <a:bodyPr wrap="square" rtlCol="0">
-            <a:spAutoFit/>
-          </a:bodyPr>
-          <a:lstStyle/>
-          <a:p>
-            <a:r>
-              <a:rPr lang="en-US" dirty="0"/>
-              <a:t>p(the) </a:t>
-            </a:r>
-            <a:r>
-              <a:rPr lang="en-US" dirty="0" smtClean="0"/>
-              <a:t>* </a:t>
-            </a:r>
-          </a:p>
-          <a:p>
-            <a:r>
-              <a:rPr lang="en-US" dirty="0" smtClean="0"/>
-              <a:t>p(</a:t>
-            </a:r>
-            <a:r>
-              <a:rPr lang="en-US" dirty="0" err="1" smtClean="0"/>
-              <a:t>cow|the</a:t>
-            </a:r>
-            <a:r>
-              <a:rPr lang="en-US" dirty="0"/>
-              <a:t>) </a:t>
-            </a:r>
-            <a:r>
-              <a:rPr lang="en-US" dirty="0" smtClean="0"/>
-              <a:t>* </a:t>
-            </a:r>
-          </a:p>
-          <a:p>
-            <a:r>
-              <a:rPr lang="en-US" dirty="0" smtClean="0"/>
-              <a:t>p(jumped</a:t>
-            </a:r>
-            <a:r>
-              <a:rPr lang="en-US" dirty="0"/>
-              <a:t>| the cow) * p(over| the cow jumped) </a:t>
-            </a:r>
-            <a:r>
-              <a:rPr lang="en-US" dirty="0" smtClean="0"/>
-              <a:t>*</a:t>
-            </a:r>
-            <a:endParaRPr lang="en-US" dirty="0"/>
-          </a:p>
-          <a:p>
-            <a:r>
-              <a:rPr lang="en-US" sz="1600" dirty="0" smtClean="0"/>
-              <a:t>p(</a:t>
-            </a:r>
-            <a:r>
-              <a:rPr lang="en-US" sz="1600" dirty="0" err="1" smtClean="0"/>
-              <a:t>the|the</a:t>
-            </a:r>
-            <a:r>
-              <a:rPr lang="en-US" sz="1600" dirty="0" smtClean="0"/>
-              <a:t> </a:t>
-            </a:r>
-            <a:r>
-              <a:rPr lang="en-US" sz="1600" dirty="0"/>
-              <a:t>cow jumped over) </a:t>
-            </a:r>
-            <a:r>
-              <a:rPr lang="en-US" sz="1600" dirty="0" smtClean="0"/>
-              <a:t>* </a:t>
-            </a:r>
-            <a:r>
-              <a:rPr lang="en-US" sz="1400" dirty="0"/>
-              <a:t>p(moon| the cow jumped over the)</a:t>
-            </a:r>
-          </a:p>
-          <a:p>
-            <a:endParaRPr lang="en-US" dirty="0"/>
-          </a:p>
-        </p:txBody>
-      </p:sp>
-      <p:sp>
-        <p:nvSpPr>
-          <p:cNvPr id="7" name="TextBox 6"/>
-          <p:cNvSpPr txBox="1"/>
-          <p:nvPr/>
-        </p:nvSpPr>
-        <p:spPr>
-          <a:xfrm>
-            <a:off x="3940934" y="3517341"/>
-            <a:ext cx="2781837" cy="1938992"/>
-          </a:xfrm>
-          <a:prstGeom prst="rect">
-            <a:avLst/>
-          </a:prstGeom>
-          <a:noFill/>
-        </p:spPr>
-        <p:txBody>
-          <a:bodyPr wrap="square" rtlCol="0">
-            <a:spAutoFit/>
-          </a:bodyPr>
-          <a:lstStyle/>
-          <a:p>
-            <a:r>
-              <a:rPr lang="en-US" dirty="0"/>
-              <a:t>p(the) </a:t>
-            </a:r>
-            <a:r>
-              <a:rPr lang="en-US" dirty="0" smtClean="0"/>
-              <a:t>* </a:t>
-            </a:r>
-          </a:p>
-          <a:p>
-            <a:r>
-              <a:rPr lang="en-US" dirty="0" smtClean="0"/>
-              <a:t>p(</a:t>
-            </a:r>
-            <a:r>
-              <a:rPr lang="en-US" dirty="0" err="1" smtClean="0"/>
-              <a:t>cow|the</a:t>
-            </a:r>
-            <a:r>
-              <a:rPr lang="en-US" dirty="0"/>
-              <a:t>) </a:t>
-            </a:r>
-            <a:r>
-              <a:rPr lang="en-US" dirty="0" smtClean="0"/>
-              <a:t>* </a:t>
-            </a:r>
-          </a:p>
-          <a:p>
-            <a:r>
-              <a:rPr lang="en-US" dirty="0" smtClean="0"/>
-              <a:t>p(jumped</a:t>
-            </a:r>
-            <a:r>
-              <a:rPr lang="en-US" dirty="0"/>
-              <a:t>| the cow) * p(over| </a:t>
-            </a:r>
-            <a:r>
-              <a:rPr lang="en-US" strike="sngStrike" dirty="0" smtClean="0"/>
-              <a:t>the </a:t>
-            </a:r>
-            <a:r>
-              <a:rPr lang="en-US" dirty="0" smtClean="0"/>
-              <a:t>cow </a:t>
-            </a:r>
-            <a:r>
-              <a:rPr lang="en-US" dirty="0"/>
-              <a:t>jumped) </a:t>
-            </a:r>
-            <a:r>
-              <a:rPr lang="en-US" dirty="0" smtClean="0"/>
-              <a:t>*</a:t>
-            </a:r>
-            <a:endParaRPr lang="en-US" dirty="0"/>
-          </a:p>
-          <a:p>
-            <a:r>
-              <a:rPr lang="en-US" sz="1600" dirty="0" smtClean="0"/>
-              <a:t>p(</a:t>
-            </a:r>
-            <a:r>
-              <a:rPr lang="en-US" sz="1600" dirty="0" err="1" smtClean="0"/>
-              <a:t>the|</a:t>
-            </a:r>
-            <a:r>
-              <a:rPr lang="en-US" sz="1600" strike="sngStrike" dirty="0" err="1" smtClean="0"/>
-              <a:t>the</a:t>
-            </a:r>
-            <a:r>
-              <a:rPr lang="en-US" sz="1600" strike="sngStrike" dirty="0" smtClean="0"/>
-              <a:t> </a:t>
-            </a:r>
-            <a:r>
-              <a:rPr lang="en-US" sz="1600" strike="sngStrike" dirty="0"/>
-              <a:t>cow</a:t>
-            </a:r>
-            <a:r>
-              <a:rPr lang="en-US" sz="1600" dirty="0"/>
-              <a:t> jumped over) </a:t>
-            </a:r>
-            <a:r>
-              <a:rPr lang="en-US" sz="1600" dirty="0" smtClean="0"/>
-              <a:t>* </a:t>
-            </a:r>
-            <a:r>
-              <a:rPr lang="en-US" sz="1400" dirty="0"/>
-              <a:t>p(moon| </a:t>
-            </a:r>
-            <a:r>
-              <a:rPr lang="en-US" sz="1400" strike="sngStrike" dirty="0"/>
-              <a:t>the cow jumped </a:t>
-            </a:r>
-            <a:r>
-              <a:rPr lang="en-US" sz="1400" dirty="0"/>
-              <a:t>over the)</a:t>
-            </a:r>
-          </a:p>
-          <a:p>
-            <a:endParaRPr lang="en-US" dirty="0"/>
-          </a:p>
-        </p:txBody>
-      </p:sp>
-      <p:cxnSp>
-        <p:nvCxnSpPr>
-          <p:cNvPr id="10" name="Straight Connector 9"/>
-          <p:cNvCxnSpPr/>
-          <p:nvPr/>
-        </p:nvCxnSpPr>
-        <p:spPr>
-          <a:xfrm flipH="1">
-            <a:off x="6864439" y="1321356"/>
-            <a:ext cx="25759" cy="5298385"/>
-          </a:xfrm>
-          <a:prstGeom prst="line">
-            <a:avLst/>
-          </a:prstGeom>
-        </p:spPr>
-        <p:style>
-          <a:lnRef idx="1">
-            <a:schemeClr val="accent1"/>
-          </a:lnRef>
-          <a:fillRef idx="0">
-            <a:schemeClr val="accent1"/>
-          </a:fillRef>
-          <a:effectRef idx="0">
-            <a:schemeClr val="accent1"/>
-          </a:effectRef>
-          <a:fontRef idx="minor">
-            <a:schemeClr val="tx1"/>
-          </a:fontRef>
-        </p:style>
-      </p:cxnSp>
-      <p:pic>
-        <p:nvPicPr>
-          <p:cNvPr id="1026" name="Picture 2" descr="approx"/>
-          <p:cNvPicPr>
-            <a:picLocks noChangeAspect="1" noChangeArrowheads="1"/>
-          </p:cNvPicPr>
-          <p:nvPr/>
-        </p:nvPicPr>
-        <p:blipFill>
-          <a:blip r:embed="rId2">
-            <a:extLst>
-              <a:ext uri="{28A0092B-C50C-407E-A947-70E740481C1C}">
-                <a14:useLocalDpi xmlns:a14="http://schemas.microsoft.com/office/drawing/2010/main" val="0"/>
-              </a:ext>
-            </a:extLst>
-          </a:blip>
-          <a:srcRect/>
-          <a:stretch>
-            <a:fillRect/>
-          </a:stretch>
-        </p:blipFill>
-        <p:spPr bwMode="auto">
-          <a:xfrm>
-            <a:off x="3807584" y="3715606"/>
-            <a:ext cx="133350" cy="85725"/>
-          </a:xfrm>
-          <a:prstGeom prst="rect">
-            <a:avLst/>
-          </a:prstGeom>
-          <a:noFill/>
-          <a:extLst>
-            <a:ext uri="{909E8E84-426E-40DD-AFC4-6F175D3DCCD1}">
-              <a14:hiddenFill xmlns:a14="http://schemas.microsoft.com/office/drawing/2010/main">
-                <a:solidFill>
-                  <a:srgbClr val="FFFFFF"/>
-                </a:solidFill>
-              </a14:hiddenFill>
-            </a:ext>
-          </a:extLst>
-        </p:spPr>
-      </p:pic>
-      <p:sp>
-        <p:nvSpPr>
-          <p:cNvPr id="15" name="TextBox 14"/>
-          <p:cNvSpPr txBox="1"/>
-          <p:nvPr/>
-        </p:nvSpPr>
-        <p:spPr>
-          <a:xfrm>
-            <a:off x="7122017" y="1321356"/>
-            <a:ext cx="4590245" cy="369332"/>
-          </a:xfrm>
-          <a:prstGeom prst="rect">
-            <a:avLst/>
-          </a:prstGeom>
-          <a:noFill/>
-        </p:spPr>
-        <p:txBody>
-          <a:bodyPr wrap="square" rtlCol="0">
-            <a:spAutoFit/>
-          </a:bodyPr>
-          <a:lstStyle/>
-          <a:p>
-            <a:r>
-              <a:rPr lang="en-US" dirty="0"/>
-              <a:t>File ﻿</a:t>
-            </a:r>
-            <a:r>
-              <a:rPr lang="en-US" b="1" dirty="0"/>
-              <a:t>work/LM/</a:t>
-            </a:r>
-            <a:r>
-              <a:rPr lang="en-US" b="1" dirty="0" err="1"/>
-              <a:t>LM_data+Train_data.en.lm</a:t>
-            </a:r>
-            <a:endParaRPr lang="en-US" b="1" dirty="0"/>
+            <a:pPr marL="342900" indent="-342900">
+              <a:buFont typeface="Arial" charset="0"/>
+              <a:buChar char="•"/>
+            </a:pPr>
+            <a:r>
+              <a:rPr lang="en-US" sz="2000" dirty="0" smtClean="0"/>
+              <a:t>3.7 million translation rules</a:t>
+            </a:r>
+          </a:p>
+          <a:p>
+            <a:pPr marL="800100" lvl="1" indent="-342900">
+              <a:buFont typeface="Arial" charset="0"/>
+              <a:buChar char="•"/>
+            </a:pPr>
+            <a:r>
+              <a:rPr lang="en-US" sz="2000" dirty="0" smtClean="0"/>
+              <a:t>73MB zipped, 422MB unzipped</a:t>
+            </a:r>
+          </a:p>
+          <a:p>
+            <a:pPr marL="800100" lvl="1" indent="-342900">
+              <a:buFont typeface="Arial" charset="0"/>
+              <a:buChar char="•"/>
+            </a:pPr>
+            <a:r>
+              <a:rPr lang="en-US" sz="2000" dirty="0" smtClean="0"/>
+              <a:t>Too slow to load all into memory</a:t>
+            </a:r>
+          </a:p>
+          <a:p>
+            <a:pPr marL="800100" lvl="1" indent="-342900">
+              <a:buFont typeface="Arial" charset="0"/>
+              <a:buChar char="•"/>
+            </a:pPr>
+            <a:r>
+              <a:rPr lang="en-US" sz="2000" dirty="0" smtClean="0"/>
+              <a:t>Use too much RAM</a:t>
+            </a:r>
+          </a:p>
+          <a:p>
+            <a:pPr marL="342900" indent="-342900">
+              <a:buFont typeface="Arial" charset="0"/>
+              <a:buChar char="•"/>
+            </a:pPr>
+            <a:endParaRPr lang="en-US" sz="2000" dirty="0" smtClean="0"/>
+          </a:p>
+          <a:p>
+            <a:pPr marL="342900" indent="-342900">
+              <a:buFont typeface="Arial" charset="0"/>
+              <a:buChar char="•"/>
+            </a:pPr>
+            <a:r>
+              <a:rPr lang="en-US" sz="2000" dirty="0" smtClean="0"/>
+              <a:t>Filter phrase table</a:t>
+            </a:r>
+          </a:p>
+          <a:p>
+            <a:pPr marL="800100" lvl="1" indent="-342900">
+              <a:buFont typeface="Arial" charset="0"/>
+              <a:buChar char="•"/>
+            </a:pPr>
+            <a:r>
+              <a:rPr lang="en-US" sz="2000" dirty="0" smtClean="0"/>
+              <a:t>Only keep rules need to translate the test set</a:t>
+            </a:r>
           </a:p>
         </p:txBody>
       </p:sp>
     </p:spTree>
     <p:extLst>
       <p:ext uri="{BB962C8B-B14F-4D97-AF65-F5344CB8AC3E}">
-        <p14:creationId xmlns:p14="http://schemas.microsoft.com/office/powerpoint/2010/main" val="421946602"/>
+        <p14:creationId xmlns:p14="http://schemas.microsoft.com/office/powerpoint/2010/main" val="246661161"/>
       </p:ext>
     </p:extLst>
   </p:cSld>
@@ -8083,7 +8358,7 @@
             <a:pPr algn="ctr"/>
             <a:r>
               <a:rPr lang="en-US" smtClean="0"/>
-              <a:t>BLEU score</a:t>
+              <a:t>Language Model</a:t>
             </a:r>
             <a:endParaRPr lang="en-US"/>
           </a:p>
@@ -8097,8 +8372,8 @@
         </p:nvSpPr>
         <p:spPr>
           <a:xfrm>
-            <a:off x="1094704" y="2729515"/>
-            <a:ext cx="10534918" cy="400110"/>
+            <a:off x="7441842" y="1819477"/>
+            <a:ext cx="4750158" cy="4185761"/>
           </a:xfrm>
           <a:prstGeom prst="rect">
             <a:avLst/>
@@ -8111,45 +8386,555 @@
           <a:lstStyle/>
           <a:p>
             <a:r>
-              <a:rPr lang="en-US" sz="2000" dirty="0"/>
-              <a:t>﻿BLEU = 23.02, 60.0/30.3/17.2/9.5 (BP=0.987, ratio=0.987, </a:t>
-            </a:r>
-            <a:r>
-              <a:rPr lang="en-US" sz="2000" dirty="0" err="1"/>
-              <a:t>hyp_len</a:t>
-            </a:r>
-            <a:r>
-              <a:rPr lang="en-US" sz="2000" dirty="0"/>
-              <a:t>=1260, </a:t>
-            </a:r>
-            <a:r>
-              <a:rPr lang="en-US" sz="2000" dirty="0" err="1"/>
-              <a:t>ref_len</a:t>
-            </a:r>
-            <a:r>
-              <a:rPr lang="en-US" sz="2000" dirty="0"/>
-              <a:t>=1277)</a:t>
-            </a:r>
+              <a:rPr lang="en-US" sz="1400" dirty="0"/>
+              <a:t>﻿\</a:t>
+            </a:r>
+            <a:r>
+              <a:rPr lang="en-US" sz="1400" dirty="0" smtClean="0"/>
+              <a:t>data\</a:t>
+            </a:r>
+          </a:p>
+          <a:p>
+            <a:r>
+              <a:rPr lang="en-US" sz="1400" dirty="0" err="1" smtClean="0"/>
+              <a:t>ngram</a:t>
+            </a:r>
+            <a:r>
+              <a:rPr lang="en-US" sz="1400" dirty="0" smtClean="0"/>
+              <a:t> 1=139572</a:t>
+            </a:r>
+          </a:p>
+          <a:p>
+            <a:r>
+              <a:rPr lang="en-US" sz="1400" dirty="0" err="1" smtClean="0"/>
+              <a:t>ngram</a:t>
+            </a:r>
+            <a:r>
+              <a:rPr lang="en-US" sz="1400" dirty="0" smtClean="0"/>
+              <a:t> 2=1061731</a:t>
+            </a:r>
+          </a:p>
+          <a:p>
+            <a:r>
+              <a:rPr lang="en-US" sz="1400" dirty="0" err="1" smtClean="0"/>
+              <a:t>ngram</a:t>
+            </a:r>
+            <a:r>
+              <a:rPr lang="en-US" sz="1400" dirty="0" smtClean="0"/>
+              <a:t> 3=2239731</a:t>
+            </a:r>
+          </a:p>
+          <a:p>
+            <a:endParaRPr lang="en-US" sz="1400" dirty="0"/>
+          </a:p>
+          <a:p>
+            <a:r>
+              <a:rPr lang="en-US" sz="1400" dirty="0" smtClean="0"/>
+              <a:t>\</a:t>
+            </a:r>
+            <a:r>
+              <a:rPr lang="en-US" sz="1400" dirty="0"/>
+              <a:t>1-grams</a:t>
+            </a:r>
+            <a:r>
+              <a:rPr lang="en-US" sz="1400" dirty="0" smtClean="0"/>
+              <a:t>:</a:t>
+            </a:r>
+          </a:p>
+          <a:p>
+            <a:r>
+              <a:rPr lang="en-US" sz="1400" dirty="0" smtClean="0"/>
+              <a:t>-</a:t>
+            </a:r>
+            <a:r>
+              <a:rPr lang="en-US" sz="1400" dirty="0"/>
+              <a:t>6.0734353  </a:t>
+            </a:r>
+            <a:r>
+              <a:rPr lang="en-US" sz="1400" dirty="0" smtClean="0"/>
+              <a:t>    &lt;</a:t>
+            </a:r>
+            <a:r>
+              <a:rPr lang="en-US" sz="1400" dirty="0" err="1"/>
+              <a:t>unk</a:t>
+            </a:r>
+            <a:r>
+              <a:rPr lang="en-US" sz="1400" dirty="0"/>
+              <a:t>&gt;   </a:t>
+            </a:r>
+            <a:r>
+              <a:rPr lang="en-US" sz="1400" dirty="0" smtClean="0"/>
+              <a:t>	0</a:t>
+            </a:r>
+          </a:p>
+          <a:p>
+            <a:r>
+              <a:rPr lang="en-US" sz="1400" dirty="0" smtClean="0"/>
+              <a:t>0       	    &lt;</a:t>
+            </a:r>
+            <a:r>
+              <a:rPr lang="en-US" sz="1400" dirty="0"/>
+              <a:t>s&gt;     </a:t>
+            </a:r>
+            <a:r>
+              <a:rPr lang="en-US" sz="1400" dirty="0" smtClean="0"/>
+              <a:t>	-0.91558355</a:t>
+            </a:r>
+          </a:p>
+          <a:p>
+            <a:r>
+              <a:rPr lang="en-US" sz="1400" dirty="0" smtClean="0"/>
+              <a:t>-</a:t>
+            </a:r>
+            <a:r>
+              <a:rPr lang="en-US" sz="1400" dirty="0"/>
+              <a:t>1.6365006  </a:t>
+            </a:r>
+            <a:r>
+              <a:rPr lang="en-US" sz="1400" dirty="0" smtClean="0"/>
+              <a:t>    </a:t>
+            </a:r>
+            <a:r>
+              <a:rPr lang="en-US" sz="1400" dirty="0"/>
+              <a:t>&lt;/s&gt;    </a:t>
+            </a:r>
+            <a:r>
+              <a:rPr lang="en-US" sz="1400" dirty="0" smtClean="0"/>
+              <a:t>	0</a:t>
+            </a:r>
+          </a:p>
+          <a:p>
+            <a:r>
+              <a:rPr lang="en-US" sz="1400" dirty="0" smtClean="0"/>
+              <a:t>-</a:t>
+            </a:r>
+            <a:r>
+              <a:rPr lang="en-US" sz="1400" dirty="0"/>
+              <a:t>5.2046447      Nicosia </a:t>
+            </a:r>
+            <a:r>
+              <a:rPr lang="en-US" sz="1400" dirty="0" smtClean="0"/>
+              <a:t>	-0.11571049</a:t>
+            </a:r>
+          </a:p>
+          <a:p>
+            <a:r>
+              <a:rPr lang="en-US" sz="1400" dirty="0" smtClean="0"/>
+              <a:t>….</a:t>
+            </a:r>
+          </a:p>
+          <a:p>
+            <a:r>
+              <a:rPr lang="en-US" sz="1400" dirty="0"/>
+              <a:t>﻿\2-grams</a:t>
+            </a:r>
+            <a:r>
+              <a:rPr lang="en-US" sz="1400" dirty="0" smtClean="0"/>
+              <a:t>:</a:t>
+            </a:r>
+          </a:p>
+          <a:p>
+            <a:r>
+              <a:rPr lang="en-US" sz="1400" dirty="0" smtClean="0"/>
+              <a:t>-</a:t>
+            </a:r>
+            <a:r>
+              <a:rPr lang="en-US" sz="1400" dirty="0"/>
+              <a:t>2.1021864      (AFP) &lt;/s&gt; </a:t>
+            </a:r>
+            <a:r>
+              <a:rPr lang="en-US" sz="1400" dirty="0" smtClean="0"/>
+              <a:t> 0</a:t>
+            </a:r>
+          </a:p>
+          <a:p>
+            <a:r>
+              <a:rPr lang="en-US" sz="1400" dirty="0" smtClean="0"/>
+              <a:t>-</a:t>
+            </a:r>
+            <a:r>
+              <a:rPr lang="en-US" sz="1400" dirty="0"/>
+              <a:t>1.4692371      </a:t>
+            </a:r>
+            <a:r>
+              <a:rPr lang="en-US" sz="1400" dirty="0" smtClean="0"/>
+              <a:t>- &lt;/</a:t>
+            </a:r>
+            <a:r>
+              <a:rPr lang="en-US" sz="1400" dirty="0"/>
+              <a:t>s&gt; </a:t>
+            </a:r>
+            <a:r>
+              <a:rPr lang="en-US" sz="1400" dirty="0" smtClean="0"/>
+              <a:t>	 0</a:t>
+            </a:r>
+          </a:p>
+          <a:p>
+            <a:r>
+              <a:rPr lang="en-US" sz="1400" dirty="0" smtClean="0"/>
+              <a:t>….</a:t>
+            </a:r>
+          </a:p>
+          <a:p>
+            <a:r>
+              <a:rPr lang="en-US" sz="1400" dirty="0"/>
+              <a:t>﻿\3-grams</a:t>
+            </a:r>
+            <a:r>
+              <a:rPr lang="en-US" sz="1400" dirty="0" smtClean="0"/>
+              <a:t>:</a:t>
+            </a:r>
+          </a:p>
+          <a:p>
+            <a:r>
+              <a:rPr lang="en-US" sz="1400" dirty="0" smtClean="0"/>
+              <a:t>-</a:t>
+            </a:r>
+            <a:r>
+              <a:rPr lang="en-US" sz="1400" dirty="0"/>
+              <a:t>0.16613887     &lt;s&gt; (AFP) &lt;/s</a:t>
+            </a:r>
+            <a:r>
+              <a:rPr lang="en-US" sz="1400" dirty="0" smtClean="0"/>
+              <a:t>&gt;</a:t>
+            </a:r>
+          </a:p>
+          <a:p>
+            <a:r>
+              <a:rPr lang="en-US" sz="1400" dirty="0" smtClean="0"/>
+              <a:t>-</a:t>
+            </a:r>
+            <a:r>
+              <a:rPr lang="en-US" sz="1400" dirty="0"/>
+              <a:t>1.4355018      18/02 (AFP) &lt;/s</a:t>
+            </a:r>
+            <a:r>
+              <a:rPr lang="en-US" sz="1400" dirty="0" smtClean="0"/>
+              <a:t>&gt;</a:t>
+            </a:r>
+            <a:endParaRPr lang="en-US" sz="1400" dirty="0"/>
+          </a:p>
+          <a:p>
+            <a:r>
+              <a:rPr lang="en-US" sz="1400" dirty="0" smtClean="0"/>
+              <a:t>….</a:t>
+            </a:r>
+            <a:endParaRPr lang="en-US" sz="1400" dirty="0"/>
+          </a:p>
+        </p:txBody>
+      </p:sp>
+      <p:sp>
+        <p:nvSpPr>
+          <p:cNvPr id="3" name="TextBox 2"/>
+          <p:cNvSpPr txBox="1"/>
+          <p:nvPr/>
+        </p:nvSpPr>
+        <p:spPr>
+          <a:xfrm>
+            <a:off x="479738" y="1321356"/>
+            <a:ext cx="4314423" cy="369332"/>
+          </a:xfrm>
+          <a:prstGeom prst="rect">
+            <a:avLst/>
+          </a:prstGeom>
+          <a:noFill/>
+        </p:spPr>
+        <p:txBody>
+          <a:bodyPr wrap="square" rtlCol="0">
+            <a:spAutoFit/>
+          </a:bodyPr>
+          <a:lstStyle/>
+          <a:p>
+            <a:r>
+              <a:rPr lang="en-US" dirty="0" smtClean="0"/>
+              <a:t>Target text: </a:t>
+            </a:r>
+            <a:r>
+              <a:rPr lang="en-US" b="1" dirty="0" smtClean="0"/>
+              <a:t>the cow jumped over the moon</a:t>
+            </a:r>
+            <a:endParaRPr lang="en-US" b="1" dirty="0"/>
+          </a:p>
+        </p:txBody>
+      </p:sp>
+      <p:sp>
+        <p:nvSpPr>
+          <p:cNvPr id="5" name="TextBox 4"/>
+          <p:cNvSpPr txBox="1"/>
+          <p:nvPr/>
+        </p:nvSpPr>
+        <p:spPr>
+          <a:xfrm>
+            <a:off x="478665" y="1819477"/>
+            <a:ext cx="3629696" cy="369332"/>
+          </a:xfrm>
+          <a:prstGeom prst="rect">
+            <a:avLst/>
+          </a:prstGeom>
+          <a:noFill/>
+        </p:spPr>
+        <p:txBody>
+          <a:bodyPr wrap="square" rtlCol="0">
+            <a:spAutoFit/>
+          </a:bodyPr>
+          <a:lstStyle/>
+          <a:p>
+            <a:r>
+              <a:rPr lang="en-US" b="1" dirty="0"/>
+              <a:t>p</a:t>
+            </a:r>
+            <a:r>
+              <a:rPr lang="en-US" b="1" dirty="0" smtClean="0"/>
+              <a:t>(the </a:t>
+            </a:r>
+            <a:r>
+              <a:rPr lang="en-US" b="1" dirty="0"/>
+              <a:t>cow jumped over the </a:t>
+            </a:r>
+            <a:r>
+              <a:rPr lang="en-US" b="1" dirty="0" smtClean="0"/>
+              <a:t>moon) </a:t>
+            </a:r>
+            <a:r>
+              <a:rPr lang="en-US" sz="1600" dirty="0" smtClean="0"/>
+              <a:t>=</a:t>
+            </a:r>
+            <a:endParaRPr lang="en-US" dirty="0"/>
+          </a:p>
+        </p:txBody>
+      </p:sp>
+      <p:sp>
+        <p:nvSpPr>
+          <p:cNvPr id="6" name="TextBox 5"/>
+          <p:cNvSpPr txBox="1"/>
+          <p:nvPr/>
+        </p:nvSpPr>
+        <p:spPr>
+          <a:xfrm>
+            <a:off x="3940935" y="1819477"/>
+            <a:ext cx="2781837" cy="1938992"/>
+          </a:xfrm>
+          <a:prstGeom prst="rect">
+            <a:avLst/>
+          </a:prstGeom>
+          <a:noFill/>
+        </p:spPr>
+        <p:txBody>
+          <a:bodyPr wrap="square" rtlCol="0">
+            <a:spAutoFit/>
+          </a:bodyPr>
+          <a:lstStyle/>
+          <a:p>
+            <a:r>
+              <a:rPr lang="en-US" dirty="0"/>
+              <a:t>p(the) </a:t>
+            </a:r>
+            <a:r>
+              <a:rPr lang="en-US" dirty="0" smtClean="0"/>
+              <a:t>* </a:t>
+            </a:r>
+          </a:p>
+          <a:p>
+            <a:r>
+              <a:rPr lang="en-US" dirty="0" smtClean="0"/>
+              <a:t>p(</a:t>
+            </a:r>
+            <a:r>
+              <a:rPr lang="en-US" dirty="0" err="1" smtClean="0"/>
+              <a:t>cow|the</a:t>
+            </a:r>
+            <a:r>
+              <a:rPr lang="en-US" dirty="0"/>
+              <a:t>) </a:t>
+            </a:r>
+            <a:r>
+              <a:rPr lang="en-US" dirty="0" smtClean="0"/>
+              <a:t>* </a:t>
+            </a:r>
+          </a:p>
+          <a:p>
+            <a:r>
+              <a:rPr lang="en-US" dirty="0" smtClean="0"/>
+              <a:t>p(jumped</a:t>
+            </a:r>
+            <a:r>
+              <a:rPr lang="en-US" dirty="0"/>
+              <a:t>| the cow) * p(over| the cow jumped) </a:t>
+            </a:r>
+            <a:r>
+              <a:rPr lang="en-US" dirty="0" smtClean="0"/>
+              <a:t>*</a:t>
+            </a:r>
+            <a:endParaRPr lang="en-US" dirty="0"/>
+          </a:p>
+          <a:p>
+            <a:r>
+              <a:rPr lang="en-US" sz="1600" dirty="0" smtClean="0"/>
+              <a:t>p(</a:t>
+            </a:r>
+            <a:r>
+              <a:rPr lang="en-US" sz="1600" dirty="0" err="1" smtClean="0"/>
+              <a:t>the|the</a:t>
+            </a:r>
+            <a:r>
+              <a:rPr lang="en-US" sz="1600" dirty="0" smtClean="0"/>
+              <a:t> </a:t>
+            </a:r>
+            <a:r>
+              <a:rPr lang="en-US" sz="1600" dirty="0"/>
+              <a:t>cow jumped over) </a:t>
+            </a:r>
+            <a:r>
+              <a:rPr lang="en-US" sz="1600" dirty="0" smtClean="0"/>
+              <a:t>* </a:t>
+            </a:r>
+            <a:r>
+              <a:rPr lang="en-US" sz="1400" dirty="0"/>
+              <a:t>p(moon| the cow jumped over the)</a:t>
+            </a:r>
+          </a:p>
+          <a:p>
+            <a:endParaRPr lang="en-US" dirty="0"/>
+          </a:p>
+        </p:txBody>
+      </p:sp>
+      <p:sp>
+        <p:nvSpPr>
+          <p:cNvPr id="7" name="TextBox 6"/>
+          <p:cNvSpPr txBox="1"/>
+          <p:nvPr/>
+        </p:nvSpPr>
+        <p:spPr>
+          <a:xfrm>
+            <a:off x="3940934" y="3517341"/>
+            <a:ext cx="2781837" cy="1938992"/>
+          </a:xfrm>
+          <a:prstGeom prst="rect">
+            <a:avLst/>
+          </a:prstGeom>
+          <a:noFill/>
+        </p:spPr>
+        <p:txBody>
+          <a:bodyPr wrap="square" rtlCol="0">
+            <a:spAutoFit/>
+          </a:bodyPr>
+          <a:lstStyle/>
+          <a:p>
+            <a:r>
+              <a:rPr lang="en-US" dirty="0"/>
+              <a:t>p(the) </a:t>
+            </a:r>
+            <a:r>
+              <a:rPr lang="en-US" dirty="0" smtClean="0"/>
+              <a:t>* </a:t>
+            </a:r>
+          </a:p>
+          <a:p>
+            <a:r>
+              <a:rPr lang="en-US" dirty="0" smtClean="0"/>
+              <a:t>p(</a:t>
+            </a:r>
+            <a:r>
+              <a:rPr lang="en-US" dirty="0" err="1" smtClean="0"/>
+              <a:t>cow|the</a:t>
+            </a:r>
+            <a:r>
+              <a:rPr lang="en-US" dirty="0"/>
+              <a:t>) </a:t>
+            </a:r>
+            <a:r>
+              <a:rPr lang="en-US" dirty="0" smtClean="0"/>
+              <a:t>* </a:t>
+            </a:r>
+          </a:p>
+          <a:p>
+            <a:r>
+              <a:rPr lang="en-US" dirty="0" smtClean="0"/>
+              <a:t>p(jumped</a:t>
+            </a:r>
+            <a:r>
+              <a:rPr lang="en-US" dirty="0"/>
+              <a:t>| the cow) * p(over| </a:t>
+            </a:r>
+            <a:r>
+              <a:rPr lang="en-US" strike="sngStrike" dirty="0" smtClean="0"/>
+              <a:t>the </a:t>
+            </a:r>
+            <a:r>
+              <a:rPr lang="en-US" dirty="0" smtClean="0"/>
+              <a:t>cow </a:t>
+            </a:r>
+            <a:r>
+              <a:rPr lang="en-US" dirty="0"/>
+              <a:t>jumped) </a:t>
+            </a:r>
+            <a:r>
+              <a:rPr lang="en-US" dirty="0" smtClean="0"/>
+              <a:t>*</a:t>
+            </a:r>
+            <a:endParaRPr lang="en-US" dirty="0"/>
+          </a:p>
+          <a:p>
+            <a:r>
+              <a:rPr lang="en-US" sz="1600" dirty="0" smtClean="0"/>
+              <a:t>p(</a:t>
+            </a:r>
+            <a:r>
+              <a:rPr lang="en-US" sz="1600" dirty="0" err="1" smtClean="0"/>
+              <a:t>the|</a:t>
+            </a:r>
+            <a:r>
+              <a:rPr lang="en-US" sz="1600" strike="sngStrike" dirty="0" err="1" smtClean="0"/>
+              <a:t>the</a:t>
+            </a:r>
+            <a:r>
+              <a:rPr lang="en-US" sz="1600" strike="sngStrike" dirty="0" smtClean="0"/>
+              <a:t> </a:t>
+            </a:r>
+            <a:r>
+              <a:rPr lang="en-US" sz="1600" strike="sngStrike" dirty="0"/>
+              <a:t>cow</a:t>
+            </a:r>
+            <a:r>
+              <a:rPr lang="en-US" sz="1600" dirty="0"/>
+              <a:t> jumped over) </a:t>
+            </a:r>
+            <a:r>
+              <a:rPr lang="en-US" sz="1600" dirty="0" smtClean="0"/>
+              <a:t>* </a:t>
+            </a:r>
+            <a:r>
+              <a:rPr lang="en-US" sz="1400" dirty="0"/>
+              <a:t>p(moon| </a:t>
+            </a:r>
+            <a:r>
+              <a:rPr lang="en-US" sz="1400" strike="sngStrike" dirty="0"/>
+              <a:t>the cow jumped </a:t>
+            </a:r>
+            <a:r>
+              <a:rPr lang="en-US" sz="1400" dirty="0"/>
+              <a:t>over the)</a:t>
+            </a:r>
+          </a:p>
+          <a:p>
+            <a:endParaRPr lang="en-US" dirty="0"/>
           </a:p>
         </p:txBody>
       </p:sp>
       <p:cxnSp>
         <p:nvCxnSpPr>
-          <p:cNvPr id="8" name="Straight Arrow Connector 7"/>
+          <p:cNvPr id="10" name="Straight Connector 9"/>
           <p:cNvCxnSpPr/>
           <p:nvPr/>
         </p:nvCxnSpPr>
         <p:spPr>
-          <a:xfrm flipV="1">
-            <a:off x="1751526" y="3129625"/>
-            <a:ext cx="386367" cy="489338"/>
-          </a:xfrm>
-          <a:prstGeom prst="straightConnector1">
+          <a:xfrm flipH="1">
+            <a:off x="6864439" y="1321356"/>
+            <a:ext cx="25759" cy="5298385"/>
+          </a:xfrm>
+          <a:prstGeom prst="line">
             <a:avLst/>
           </a:prstGeom>
-          <a:ln>
-            <a:tailEnd type="triangle"/>
-          </a:ln>
         </p:spPr>
         <p:style>
           <a:lnRef idx="1">
@@ -8166,112 +8951,57 @@
           </a:fontRef>
         </p:style>
       </p:cxnSp>
-      <p:sp>
-        <p:nvSpPr>
-          <p:cNvPr id="9" name="TextBox 8"/>
-          <p:cNvSpPr txBox="1"/>
+      <p:pic>
+        <p:nvPicPr>
+          <p:cNvPr id="1026" name="Picture 2" descr="approx"/>
+          <p:cNvPicPr>
+            <a:picLocks noChangeAspect="1" noChangeArrowheads="1"/>
+          </p:cNvPicPr>
           <p:nvPr/>
-        </p:nvSpPr>
-        <p:spPr>
+        </p:nvPicPr>
+        <p:blipFill>
+          <a:blip r:embed="rId2">
+            <a:extLst>
+              <a:ext uri="{28A0092B-C50C-407E-A947-70E740481C1C}">
+                <a14:useLocalDpi xmlns:a14="http://schemas.microsoft.com/office/drawing/2010/main" val="0"/>
+              </a:ext>
+            </a:extLst>
+          </a:blip>
+          <a:srcRect/>
+          <a:stretch>
+            <a:fillRect/>
+          </a:stretch>
+        </p:blipFill>
+        <p:spPr bwMode="auto">
           <a:xfrm>
-            <a:off x="1409156" y="3618963"/>
-            <a:ext cx="684739" cy="369332"/>
+            <a:off x="3807584" y="3715606"/>
+            <a:ext cx="133350" cy="85725"/>
           </a:xfrm>
           <a:prstGeom prst="rect">
             <a:avLst/>
           </a:prstGeom>
           <a:noFill/>
-        </p:spPr>
-        <p:txBody>
-          <a:bodyPr wrap="none" rtlCol="0">
-            <a:spAutoFit/>
-          </a:bodyPr>
-          <a:lstStyle/>
-          <a:p>
-            <a:r>
-              <a:rPr lang="en-US" smtClean="0"/>
-              <a:t>score</a:t>
-            </a:r>
-            <a:endParaRPr lang="en-US"/>
-          </a:p>
-        </p:txBody>
-      </p:sp>
-      <p:cxnSp>
-        <p:nvCxnSpPr>
-          <p:cNvPr id="10" name="Straight Arrow Connector 9"/>
-          <p:cNvCxnSpPr/>
-          <p:nvPr/>
-        </p:nvCxnSpPr>
-        <p:spPr>
-          <a:xfrm flipV="1">
-            <a:off x="2614411" y="3129625"/>
-            <a:ext cx="252219" cy="489338"/>
-          </a:xfrm>
-          <a:prstGeom prst="straightConnector1">
-            <a:avLst/>
-          </a:prstGeom>
-          <a:ln>
-            <a:tailEnd type="triangle"/>
-          </a:ln>
-        </p:spPr>
-        <p:style>
-          <a:lnRef idx="1">
-            <a:schemeClr val="accent1"/>
-          </a:lnRef>
-          <a:fillRef idx="0">
-            <a:schemeClr val="accent1"/>
-          </a:fillRef>
-          <a:effectRef idx="0">
-            <a:schemeClr val="accent1"/>
-          </a:effectRef>
-          <a:fontRef idx="minor">
-            <a:schemeClr val="tx1"/>
-          </a:fontRef>
-        </p:style>
-      </p:cxnSp>
-      <p:cxnSp>
-        <p:nvCxnSpPr>
-          <p:cNvPr id="12" name="Straight Arrow Connector 11"/>
-          <p:cNvCxnSpPr/>
-          <p:nvPr/>
-        </p:nvCxnSpPr>
-        <p:spPr>
-          <a:xfrm flipH="1" flipV="1">
-            <a:off x="3361726" y="3129625"/>
-            <a:ext cx="291944" cy="489338"/>
-          </a:xfrm>
-          <a:prstGeom prst="straightConnector1">
-            <a:avLst/>
-          </a:prstGeom>
-          <a:ln>
-            <a:tailEnd type="triangle"/>
-          </a:ln>
-        </p:spPr>
-        <p:style>
-          <a:lnRef idx="1">
-            <a:schemeClr val="accent1"/>
-          </a:lnRef>
-          <a:fillRef idx="0">
-            <a:schemeClr val="accent1"/>
-          </a:fillRef>
-          <a:effectRef idx="0">
-            <a:schemeClr val="accent1"/>
-          </a:effectRef>
-          <a:fontRef idx="minor">
-            <a:schemeClr val="tx1"/>
-          </a:fontRef>
-        </p:style>
-      </p:cxnSp>
-      <p:sp>
-        <p:nvSpPr>
-          <p:cNvPr id="13" name="TextBox 12"/>
+          <a:extLst>
+            <a:ext uri="{909E8E84-426E-40DD-AFC4-6F175D3DCCD1}">
+              <a14:hiddenFill xmlns:a14="http://schemas.microsoft.com/office/drawing/2010/main">
+                <a:solidFill>
+                  <a:srgbClr val="FFFFFF"/>
+                </a:solidFill>
+              </a14:hiddenFill>
+            </a:ext>
+          </a:extLst>
+        </p:spPr>
+      </p:pic>
+      <p:sp>
+        <p:nvSpPr>
+          <p:cNvPr id="15" name="TextBox 14"/>
           <p:cNvSpPr txBox="1"/>
           <p:nvPr/>
         </p:nvSpPr>
         <p:spPr>
           <a:xfrm>
-            <a:off x="2208181" y="3618963"/>
-            <a:ext cx="1013611" cy="646331"/>
+            <a:off x="7122017" y="1321356"/>
+            <a:ext cx="4590245" cy="369332"/>
           </a:xfrm>
           <a:prstGeom prst="rect">
             <a:avLst/>
@@ -8279,423 +9009,44 @@
           <a:noFill/>
         </p:spPr>
         <p:txBody>
-          <a:bodyPr wrap="none" rtlCol="0">
+          <a:bodyPr wrap="square" rtlCol="0">
             <a:spAutoFit/>
           </a:bodyPr>
           <a:lstStyle/>
           <a:p>
             <a:r>
               <a:rPr lang="en-US" dirty="0"/>
-              <a:t>u</a:t>
-            </a:r>
-            <a:r>
-              <a:rPr lang="en-US" dirty="0" smtClean="0"/>
-              <a:t>nigram </a:t>
-            </a:r>
-          </a:p>
-          <a:p>
-            <a:r>
-              <a:rPr lang="en-US" dirty="0" smtClean="0"/>
-              <a:t>matches</a:t>
-            </a:r>
-            <a:endParaRPr lang="en-US" dirty="0"/>
-          </a:p>
-        </p:txBody>
-      </p:sp>
-      <p:sp>
-        <p:nvSpPr>
-          <p:cNvPr id="15" name="TextBox 14"/>
-          <p:cNvSpPr txBox="1"/>
-          <p:nvPr/>
-        </p:nvSpPr>
-        <p:spPr>
-          <a:xfrm>
-            <a:off x="3272860" y="3618962"/>
-            <a:ext cx="976549" cy="646331"/>
-          </a:xfrm>
-          <a:prstGeom prst="rect">
-            <a:avLst/>
-          </a:prstGeom>
-          <a:noFill/>
-        </p:spPr>
-        <p:txBody>
-          <a:bodyPr wrap="none" rtlCol="0">
-            <a:spAutoFit/>
-          </a:bodyPr>
-          <a:lstStyle/>
-          <a:p>
-            <a:r>
-              <a:rPr lang="en-US" dirty="0" smtClean="0"/>
-              <a:t>bigram</a:t>
-            </a:r>
-          </a:p>
-          <a:p>
-            <a:r>
-              <a:rPr lang="en-US" dirty="0" smtClean="0"/>
-              <a:t>matches</a:t>
-            </a:r>
-            <a:endParaRPr lang="en-US" dirty="0"/>
-          </a:p>
-        </p:txBody>
-      </p:sp>
-      <p:sp>
-        <p:nvSpPr>
-          <p:cNvPr id="16" name="TextBox 15"/>
-          <p:cNvSpPr txBox="1"/>
-          <p:nvPr/>
-        </p:nvSpPr>
-        <p:spPr>
-          <a:xfrm>
-            <a:off x="4249409" y="3618961"/>
-            <a:ext cx="1039259" cy="646331"/>
-          </a:xfrm>
-          <a:prstGeom prst="rect">
-            <a:avLst/>
-          </a:prstGeom>
-          <a:noFill/>
-        </p:spPr>
-        <p:txBody>
-          <a:bodyPr wrap="none" rtlCol="0">
-            <a:spAutoFit/>
-          </a:bodyPr>
-          <a:lstStyle/>
-          <a:p>
-            <a:r>
-              <a:rPr lang="en-US" dirty="0" smtClean="0"/>
-              <a:t>Unigram </a:t>
-            </a:r>
-          </a:p>
-          <a:p>
-            <a:r>
-              <a:rPr lang="en-US" dirty="0" smtClean="0"/>
-              <a:t>matches</a:t>
-            </a:r>
-            <a:endParaRPr lang="en-US" dirty="0"/>
-          </a:p>
-        </p:txBody>
-      </p:sp>
-      <p:cxnSp>
-        <p:nvCxnSpPr>
-          <p:cNvPr id="17" name="Straight Arrow Connector 16"/>
-          <p:cNvCxnSpPr>
-            <a:stCxn id="16" idx="0"/>
-          </p:cNvCxnSpPr>
-          <p:nvPr/>
-        </p:nvCxnSpPr>
-        <p:spPr>
-          <a:xfrm flipH="1" flipV="1">
-            <a:off x="3843179" y="3129625"/>
-            <a:ext cx="925860" cy="489336"/>
-          </a:xfrm>
-          <a:prstGeom prst="straightConnector1">
-            <a:avLst/>
-          </a:prstGeom>
-          <a:ln>
-            <a:tailEnd type="triangle"/>
-          </a:ln>
-        </p:spPr>
-        <p:style>
-          <a:lnRef idx="1">
-            <a:schemeClr val="accent1"/>
-          </a:lnRef>
-          <a:fillRef idx="0">
-            <a:schemeClr val="accent1"/>
-          </a:fillRef>
-          <a:effectRef idx="0">
-            <a:schemeClr val="accent1"/>
-          </a:effectRef>
-          <a:fontRef idx="minor">
-            <a:schemeClr val="tx1"/>
-          </a:fontRef>
-        </p:style>
-      </p:cxnSp>
-      <p:cxnSp>
-        <p:nvCxnSpPr>
-          <p:cNvPr id="20" name="Straight Arrow Connector 19"/>
-          <p:cNvCxnSpPr/>
-          <p:nvPr/>
-        </p:nvCxnSpPr>
-        <p:spPr>
-          <a:xfrm flipH="1" flipV="1">
-            <a:off x="4495618" y="3100401"/>
-            <a:ext cx="925860" cy="489336"/>
-          </a:xfrm>
-          <a:prstGeom prst="straightConnector1">
-            <a:avLst/>
-          </a:prstGeom>
-          <a:ln>
-            <a:tailEnd type="triangle"/>
-          </a:ln>
-        </p:spPr>
-        <p:style>
-          <a:lnRef idx="1">
-            <a:schemeClr val="accent1"/>
-          </a:lnRef>
-          <a:fillRef idx="0">
-            <a:schemeClr val="accent1"/>
-          </a:fillRef>
-          <a:effectRef idx="0">
-            <a:schemeClr val="accent1"/>
-          </a:effectRef>
-          <a:fontRef idx="minor">
-            <a:schemeClr val="tx1"/>
-          </a:fontRef>
-        </p:style>
-      </p:cxnSp>
-      <p:sp>
-        <p:nvSpPr>
-          <p:cNvPr id="21" name="TextBox 20"/>
-          <p:cNvSpPr txBox="1"/>
-          <p:nvPr/>
-        </p:nvSpPr>
-        <p:spPr>
-          <a:xfrm>
-            <a:off x="5316391" y="3618960"/>
-            <a:ext cx="986360" cy="646331"/>
-          </a:xfrm>
-          <a:prstGeom prst="rect">
-            <a:avLst/>
-          </a:prstGeom>
-          <a:noFill/>
-        </p:spPr>
-        <p:txBody>
-          <a:bodyPr wrap="none" rtlCol="0">
-            <a:spAutoFit/>
-          </a:bodyPr>
-          <a:lstStyle/>
-          <a:p>
-            <a:r>
-              <a:rPr lang="en-US" dirty="0" smtClean="0"/>
-              <a:t>4-gram </a:t>
-            </a:r>
-          </a:p>
-          <a:p>
-            <a:r>
-              <a:rPr lang="en-US" dirty="0" smtClean="0"/>
-              <a:t>matches</a:t>
-            </a:r>
-            <a:endParaRPr lang="en-US" dirty="0"/>
-          </a:p>
-        </p:txBody>
-      </p:sp>
-      <p:cxnSp>
-        <p:nvCxnSpPr>
-          <p:cNvPr id="22" name="Straight Arrow Connector 21"/>
-          <p:cNvCxnSpPr/>
-          <p:nvPr/>
-        </p:nvCxnSpPr>
-        <p:spPr>
-          <a:xfrm>
-            <a:off x="5316391" y="2279561"/>
-            <a:ext cx="14106" cy="422580"/>
-          </a:xfrm>
-          <a:prstGeom prst="straightConnector1">
-            <a:avLst/>
-          </a:prstGeom>
-          <a:ln>
-            <a:tailEnd type="triangle"/>
-          </a:ln>
-        </p:spPr>
-        <p:style>
-          <a:lnRef idx="1">
-            <a:schemeClr val="accent1"/>
-          </a:lnRef>
-          <a:fillRef idx="0">
-            <a:schemeClr val="accent1"/>
-          </a:fillRef>
-          <a:effectRef idx="0">
-            <a:schemeClr val="accent1"/>
-          </a:effectRef>
-          <a:fontRef idx="minor">
-            <a:schemeClr val="tx1"/>
-          </a:fontRef>
-        </p:style>
-      </p:cxnSp>
-      <p:sp>
-        <p:nvSpPr>
-          <p:cNvPr id="24" name="TextBox 23"/>
-          <p:cNvSpPr txBox="1"/>
-          <p:nvPr/>
-        </p:nvSpPr>
-        <p:spPr>
-          <a:xfrm>
-            <a:off x="4851405" y="1593846"/>
-            <a:ext cx="888385" cy="646331"/>
-          </a:xfrm>
-          <a:prstGeom prst="rect">
-            <a:avLst/>
-          </a:prstGeom>
-          <a:noFill/>
-        </p:spPr>
-        <p:txBody>
-          <a:bodyPr wrap="none" rtlCol="0">
-            <a:spAutoFit/>
-          </a:bodyPr>
-          <a:lstStyle/>
-          <a:p>
-            <a:r>
-              <a:rPr lang="en-US" dirty="0" smtClean="0"/>
-              <a:t>Brevity</a:t>
-            </a:r>
-          </a:p>
-          <a:p>
-            <a:r>
-              <a:rPr lang="en-US" dirty="0" smtClean="0"/>
-              <a:t>penalty</a:t>
-            </a:r>
-            <a:endParaRPr lang="en-US" dirty="0"/>
-          </a:p>
-        </p:txBody>
-      </p:sp>
-      <p:cxnSp>
-        <p:nvCxnSpPr>
-          <p:cNvPr id="25" name="Straight Arrow Connector 24"/>
-          <p:cNvCxnSpPr/>
-          <p:nvPr/>
-        </p:nvCxnSpPr>
-        <p:spPr>
-          <a:xfrm>
-            <a:off x="8302143" y="2279561"/>
-            <a:ext cx="14106" cy="422580"/>
-          </a:xfrm>
-          <a:prstGeom prst="straightConnector1">
-            <a:avLst/>
-          </a:prstGeom>
-          <a:ln>
-            <a:tailEnd type="triangle"/>
-          </a:ln>
-        </p:spPr>
-        <p:style>
-          <a:lnRef idx="1">
-            <a:schemeClr val="accent1"/>
-          </a:lnRef>
-          <a:fillRef idx="0">
-            <a:schemeClr val="accent1"/>
-          </a:fillRef>
-          <a:effectRef idx="0">
-            <a:schemeClr val="accent1"/>
-          </a:effectRef>
-          <a:fontRef idx="minor">
-            <a:schemeClr val="tx1"/>
-          </a:fontRef>
-        </p:style>
-      </p:cxnSp>
-      <p:sp>
-        <p:nvSpPr>
-          <p:cNvPr id="26" name="TextBox 25"/>
-          <p:cNvSpPr txBox="1"/>
-          <p:nvPr/>
-        </p:nvSpPr>
-        <p:spPr>
-          <a:xfrm>
-            <a:off x="7837157" y="1593846"/>
-            <a:ext cx="909223" cy="646331"/>
-          </a:xfrm>
-          <a:prstGeom prst="rect">
-            <a:avLst/>
-          </a:prstGeom>
-          <a:noFill/>
-        </p:spPr>
-        <p:txBody>
-          <a:bodyPr wrap="none" rtlCol="0">
-            <a:spAutoFit/>
-          </a:bodyPr>
-          <a:lstStyle/>
-          <a:p>
-            <a:r>
-              <a:rPr lang="en-US" dirty="0" smtClean="0"/>
-              <a:t>Output </a:t>
-            </a:r>
-          </a:p>
-          <a:p>
-            <a:r>
-              <a:rPr lang="en-US" dirty="0" smtClean="0"/>
-              <a:t>length</a:t>
-            </a:r>
-            <a:endParaRPr lang="en-US" dirty="0"/>
-          </a:p>
-        </p:txBody>
-      </p:sp>
-      <p:cxnSp>
-        <p:nvCxnSpPr>
-          <p:cNvPr id="28" name="Straight Arrow Connector 27"/>
-          <p:cNvCxnSpPr/>
-          <p:nvPr/>
-        </p:nvCxnSpPr>
-        <p:spPr>
-          <a:xfrm>
-            <a:off x="9884098" y="2279561"/>
-            <a:ext cx="14106" cy="422580"/>
-          </a:xfrm>
-          <a:prstGeom prst="straightConnector1">
-            <a:avLst/>
-          </a:prstGeom>
-          <a:ln>
-            <a:tailEnd type="triangle"/>
-          </a:ln>
-        </p:spPr>
-        <p:style>
-          <a:lnRef idx="1">
-            <a:schemeClr val="accent1"/>
-          </a:lnRef>
-          <a:fillRef idx="0">
-            <a:schemeClr val="accent1"/>
-          </a:fillRef>
-          <a:effectRef idx="0">
-            <a:schemeClr val="accent1"/>
-          </a:effectRef>
-          <a:fontRef idx="minor">
-            <a:schemeClr val="tx1"/>
-          </a:fontRef>
-        </p:style>
-      </p:cxnSp>
-      <p:sp>
-        <p:nvSpPr>
-          <p:cNvPr id="29" name="TextBox 28"/>
-          <p:cNvSpPr txBox="1"/>
-          <p:nvPr/>
-        </p:nvSpPr>
-        <p:spPr>
-          <a:xfrm>
-            <a:off x="9419112" y="1593846"/>
-            <a:ext cx="1127360" cy="646331"/>
-          </a:xfrm>
-          <a:prstGeom prst="rect">
-            <a:avLst/>
-          </a:prstGeom>
-          <a:noFill/>
-        </p:spPr>
-        <p:txBody>
-          <a:bodyPr wrap="none" rtlCol="0">
-            <a:spAutoFit/>
-          </a:bodyPr>
-          <a:lstStyle/>
-          <a:p>
-            <a:r>
-              <a:rPr lang="en-US" smtClean="0"/>
-              <a:t>Reference</a:t>
-            </a:r>
-            <a:endParaRPr lang="en-US" dirty="0" smtClean="0"/>
-          </a:p>
-          <a:p>
-            <a:r>
-              <a:rPr lang="en-US" dirty="0" smtClean="0"/>
-              <a:t>length</a:t>
-            </a:r>
-            <a:endParaRPr lang="en-US" dirty="0"/>
+              <a:t>File ﻿</a:t>
+            </a:r>
+            <a:r>
+              <a:rPr lang="en-US" b="1" dirty="0"/>
+              <a:t>work/LM/</a:t>
+            </a:r>
+            <a:r>
+              <a:rPr lang="en-US" b="1" dirty="0" err="1"/>
+              <a:t>LM_data+Train_data.en.lm</a:t>
+            </a:r>
+            <a:endParaRPr lang="en-US" b="1" dirty="0"/>
           </a:p>
         </p:txBody>
       </p:sp>
     </p:spTree>
     <p:extLst>
       <p:ext uri="{BB962C8B-B14F-4D97-AF65-F5344CB8AC3E}">
-        <p14:creationId xmlns:p14="http://schemas.microsoft.com/office/powerpoint/2010/main" val="1305746183"/>
+        <p14:creationId xmlns:p14="http://schemas.microsoft.com/office/powerpoint/2010/main" val="421946602"/>
       </p:ext>
     </p:extLst>
   </p:cSld>
   <p:clrMapOvr>
     <a:masterClrMapping/>
   </p:clrMapOvr>
+  <p:timing>
+    <p:tnLst>
+      <p:par>
+        <p:cTn id="1" dur="indefinite" restart="never" nodeType="tmRoot"/>
+      </p:par>
+    </p:tnLst>
+  </p:timing>
 </p:sld>
 </file>
 

--- a/mtma16/slides.pptx
+++ b/mtma16/slides.pptx
@@ -5,7 +5,7 @@
     <p:sldMasterId id="2147483648" r:id="rId1"/>
   </p:sldMasterIdLst>
   <p:notesMasterIdLst>
-    <p:notesMasterId r:id="rId13"/>
+    <p:notesMasterId r:id="rId14"/>
   </p:notesMasterIdLst>
   <p:sldIdLst>
     <p:sldId id="256" r:id="rId2"/>
@@ -19,6 +19,7 @@
     <p:sldId id="263" r:id="rId10"/>
     <p:sldId id="264" r:id="rId11"/>
     <p:sldId id="266" r:id="rId12"/>
+    <p:sldId id="267" r:id="rId13"/>
   </p:sldIdLst>
   <p:sldSz cx="12192000" cy="6858000"/>
   <p:notesSz cx="6858000" cy="9144000"/>
@@ -207,7 +208,7 @@
           <a:p>
             <a:fld id="{F82E5E7F-547C-0C49-9FFE-B993CBF065F3}" type="datetimeFigureOut">
               <a:rPr lang="en-US" smtClean="0"/>
-              <a:t>5/15/16</a:t>
+              <a:t>5/16/16</a:t>
             </a:fld>
             <a:endParaRPr lang="en-US"/>
           </a:p>
@@ -946,7 +947,7 @@
           <a:p>
             <a:fld id="{9E8D5AF6-8BFF-F948-86D4-39533BAD7B7E}" type="datetimeFigureOut">
               <a:rPr lang="en-US" smtClean="0"/>
-              <a:t>5/15/16</a:t>
+              <a:t>5/16/16</a:t>
             </a:fld>
             <a:endParaRPr lang="en-US"/>
           </a:p>
@@ -1116,7 +1117,7 @@
           <a:p>
             <a:fld id="{9E8D5AF6-8BFF-F948-86D4-39533BAD7B7E}" type="datetimeFigureOut">
               <a:rPr lang="en-US" smtClean="0"/>
-              <a:t>5/15/16</a:t>
+              <a:t>5/16/16</a:t>
             </a:fld>
             <a:endParaRPr lang="en-US"/>
           </a:p>
@@ -1296,7 +1297,7 @@
           <a:p>
             <a:fld id="{9E8D5AF6-8BFF-F948-86D4-39533BAD7B7E}" type="datetimeFigureOut">
               <a:rPr lang="en-US" smtClean="0"/>
-              <a:t>5/15/16</a:t>
+              <a:t>5/16/16</a:t>
             </a:fld>
             <a:endParaRPr lang="en-US"/>
           </a:p>
@@ -1466,7 +1467,7 @@
           <a:p>
             <a:fld id="{9E8D5AF6-8BFF-F948-86D4-39533BAD7B7E}" type="datetimeFigureOut">
               <a:rPr lang="en-US" smtClean="0"/>
-              <a:t>5/15/16</a:t>
+              <a:t>5/16/16</a:t>
             </a:fld>
             <a:endParaRPr lang="en-US"/>
           </a:p>
@@ -1712,7 +1713,7 @@
           <a:p>
             <a:fld id="{9E8D5AF6-8BFF-F948-86D4-39533BAD7B7E}" type="datetimeFigureOut">
               <a:rPr lang="en-US" smtClean="0"/>
-              <a:t>5/15/16</a:t>
+              <a:t>5/16/16</a:t>
             </a:fld>
             <a:endParaRPr lang="en-US"/>
           </a:p>
@@ -1944,7 +1945,7 @@
           <a:p>
             <a:fld id="{9E8D5AF6-8BFF-F948-86D4-39533BAD7B7E}" type="datetimeFigureOut">
               <a:rPr lang="en-US" smtClean="0"/>
-              <a:t>5/15/16</a:t>
+              <a:t>5/16/16</a:t>
             </a:fld>
             <a:endParaRPr lang="en-US"/>
           </a:p>
@@ -2311,7 +2312,7 @@
           <a:p>
             <a:fld id="{9E8D5AF6-8BFF-F948-86D4-39533BAD7B7E}" type="datetimeFigureOut">
               <a:rPr lang="en-US" smtClean="0"/>
-              <a:t>5/15/16</a:t>
+              <a:t>5/16/16</a:t>
             </a:fld>
             <a:endParaRPr lang="en-US"/>
           </a:p>
@@ -2429,7 +2430,7 @@
           <a:p>
             <a:fld id="{9E8D5AF6-8BFF-F948-86D4-39533BAD7B7E}" type="datetimeFigureOut">
               <a:rPr lang="en-US" smtClean="0"/>
-              <a:t>5/15/16</a:t>
+              <a:t>5/16/16</a:t>
             </a:fld>
             <a:endParaRPr lang="en-US"/>
           </a:p>
@@ -2524,7 +2525,7 @@
           <a:p>
             <a:fld id="{9E8D5AF6-8BFF-F948-86D4-39533BAD7B7E}" type="datetimeFigureOut">
               <a:rPr lang="en-US" smtClean="0"/>
-              <a:t>5/15/16</a:t>
+              <a:t>5/16/16</a:t>
             </a:fld>
             <a:endParaRPr lang="en-US"/>
           </a:p>
@@ -2801,7 +2802,7 @@
           <a:p>
             <a:fld id="{9E8D5AF6-8BFF-F948-86D4-39533BAD7B7E}" type="datetimeFigureOut">
               <a:rPr lang="en-US" smtClean="0"/>
-              <a:t>5/15/16</a:t>
+              <a:t>5/16/16</a:t>
             </a:fld>
             <a:endParaRPr lang="en-US"/>
           </a:p>
@@ -3054,7 +3055,7 @@
           <a:p>
             <a:fld id="{9E8D5AF6-8BFF-F948-86D4-39533BAD7B7E}" type="datetimeFigureOut">
               <a:rPr lang="en-US" smtClean="0"/>
-              <a:t>5/15/16</a:t>
+              <a:t>5/16/16</a:t>
             </a:fld>
             <a:endParaRPr lang="en-US"/>
           </a:p>
@@ -3267,7 +3268,7 @@
           <a:p>
             <a:fld id="{9E8D5AF6-8BFF-F948-86D4-39533BAD7B7E}" type="datetimeFigureOut">
               <a:rPr lang="en-US" smtClean="0"/>
-              <a:t>5/15/16</a:t>
+              <a:t>5/16/16</a:t>
             </a:fld>
             <a:endParaRPr lang="en-US"/>
           </a:p>
@@ -4595,6 +4596,100 @@
     <p:extLst>
       <p:ext uri="{BB962C8B-B14F-4D97-AF65-F5344CB8AC3E}">
         <p14:creationId xmlns:p14="http://schemas.microsoft.com/office/powerpoint/2010/main" val="1347575845"/>
+      </p:ext>
+    </p:extLst>
+  </p:cSld>
+  <p:clrMapOvr>
+    <a:masterClrMapping/>
+  </p:clrMapOvr>
+</p:sld>
+</file>
+
+<file path=ppt/slides/slide12.xml><?xml version="1.0" encoding="utf-8"?>
+<p:sld xmlns:a="http://schemas.openxmlformats.org/drawingml/2006/main" xmlns:r="http://schemas.openxmlformats.org/officeDocument/2006/relationships" xmlns:p="http://schemas.openxmlformats.org/presentationml/2006/main">
+  <p:cSld>
+    <p:spTree>
+      <p:nvGrpSpPr>
+        <p:cNvPr id="1" name=""/>
+        <p:cNvGrpSpPr/>
+        <p:nvPr/>
+      </p:nvGrpSpPr>
+      <p:grpSpPr>
+        <a:xfrm>
+          <a:off x="0" y="0"/>
+          <a:ext cx="0" cy="0"/>
+          <a:chOff x="0" y="0"/>
+          <a:chExt cx="0" cy="0"/>
+        </a:xfrm>
+      </p:grpSpPr>
+      <p:sp>
+        <p:nvSpPr>
+          <p:cNvPr id="2" name="Title 1"/>
+          <p:cNvSpPr>
+            <a:spLocks noGrp="1"/>
+          </p:cNvSpPr>
+          <p:nvPr>
+            <p:ph type="title"/>
+          </p:nvPr>
+        </p:nvSpPr>
+        <p:spPr/>
+        <p:txBody>
+          <a:bodyPr/>
+          <a:lstStyle/>
+          <a:p>
+            <a:r>
+              <a:rPr lang="en-US" smtClean="0"/>
+              <a:t>Install Moses</a:t>
+            </a:r>
+            <a:endParaRPr lang="en-US"/>
+          </a:p>
+        </p:txBody>
+      </p:sp>
+      <p:sp>
+        <p:nvSpPr>
+          <p:cNvPr id="3" name="Content Placeholder 2"/>
+          <p:cNvSpPr>
+            <a:spLocks noGrp="1"/>
+          </p:cNvSpPr>
+          <p:nvPr>
+            <p:ph idx="1"/>
+          </p:nvPr>
+        </p:nvSpPr>
+        <p:spPr/>
+        <p:txBody>
+          <a:bodyPr/>
+          <a:lstStyle/>
+          <a:p>
+            <a:r>
+              <a:rPr lang="en-US" dirty="0"/>
+              <a:t>http://</a:t>
+            </a:r>
+            <a:r>
+              <a:rPr lang="en-US" dirty="0" err="1"/>
+              <a:t>www.statmt.org</a:t>
+            </a:r>
+            <a:r>
+              <a:rPr lang="en-US" dirty="0"/>
+              <a:t>/</a:t>
+            </a:r>
+            <a:r>
+              <a:rPr lang="en-US" dirty="0" err="1"/>
+              <a:t>moses</a:t>
+            </a:r>
+            <a:r>
+              <a:rPr lang="en-US" dirty="0" smtClean="0"/>
+              <a:t>/</a:t>
+            </a:r>
+          </a:p>
+          <a:p>
+            <a:endParaRPr lang="en-US" dirty="0"/>
+          </a:p>
+        </p:txBody>
+      </p:sp>
+    </p:spTree>
+    <p:extLst>
+      <p:ext uri="{BB962C8B-B14F-4D97-AF65-F5344CB8AC3E}">
+        <p14:creationId xmlns:p14="http://schemas.microsoft.com/office/powerpoint/2010/main" val="1704676070"/>
       </p:ext>
     </p:extLst>
   </p:cSld>

--- a/mtma16/slides.pptx
+++ b/mtma16/slides.pptx
@@ -5,7 +5,7 @@
     <p:sldMasterId id="2147483648" r:id="rId1"/>
   </p:sldMasterIdLst>
   <p:notesMasterIdLst>
-    <p:notesMasterId r:id="rId14"/>
+    <p:notesMasterId r:id="rId22"/>
   </p:notesMasterIdLst>
   <p:sldIdLst>
     <p:sldId id="256" r:id="rId2"/>
@@ -14,12 +14,20 @@
     <p:sldId id="259" r:id="rId5"/>
     <p:sldId id="257" r:id="rId6"/>
     <p:sldId id="260" r:id="rId7"/>
-    <p:sldId id="261" r:id="rId8"/>
-    <p:sldId id="262" r:id="rId9"/>
+    <p:sldId id="268" r:id="rId8"/>
+    <p:sldId id="269" r:id="rId9"/>
     <p:sldId id="263" r:id="rId10"/>
-    <p:sldId id="264" r:id="rId11"/>
-    <p:sldId id="266" r:id="rId12"/>
-    <p:sldId id="267" r:id="rId13"/>
+    <p:sldId id="270" r:id="rId11"/>
+    <p:sldId id="271" r:id="rId12"/>
+    <p:sldId id="261" r:id="rId13"/>
+    <p:sldId id="262" r:id="rId14"/>
+    <p:sldId id="272" r:id="rId15"/>
+    <p:sldId id="274" r:id="rId16"/>
+    <p:sldId id="273" r:id="rId17"/>
+    <p:sldId id="275" r:id="rId18"/>
+    <p:sldId id="264" r:id="rId19"/>
+    <p:sldId id="266" r:id="rId20"/>
+    <p:sldId id="267" r:id="rId21"/>
   </p:sldIdLst>
   <p:sldSz cx="12192000" cy="6858000"/>
   <p:notesSz cx="6858000" cy="9144000"/>
@@ -807,6 +815,516 @@
     <p:extLst>
       <p:ext uri="{BB962C8B-B14F-4D97-AF65-F5344CB8AC3E}">
         <p14:creationId xmlns:p14="http://schemas.microsoft.com/office/powerpoint/2010/main" val="261865064"/>
+      </p:ext>
+    </p:extLst>
+  </p:cSld>
+  <p:clrMapOvr>
+    <a:masterClrMapping/>
+  </p:clrMapOvr>
+</p:notes>
+</file>
+
+<file path=ppt/notesSlides/notesSlide3.xml><?xml version="1.0" encoding="utf-8"?>
+<p:notes xmlns:a="http://schemas.openxmlformats.org/drawingml/2006/main" xmlns:r="http://schemas.openxmlformats.org/officeDocument/2006/relationships" xmlns:p="http://schemas.openxmlformats.org/presentationml/2006/main">
+  <p:cSld>
+    <p:spTree>
+      <p:nvGrpSpPr>
+        <p:cNvPr id="1" name=""/>
+        <p:cNvGrpSpPr/>
+        <p:nvPr/>
+      </p:nvGrpSpPr>
+      <p:grpSpPr>
+        <a:xfrm>
+          <a:off x="0" y="0"/>
+          <a:ext cx="0" cy="0"/>
+          <a:chOff x="0" y="0"/>
+          <a:chExt cx="0" cy="0"/>
+        </a:xfrm>
+      </p:grpSpPr>
+      <p:sp>
+        <p:nvSpPr>
+          <p:cNvPr id="2" name="Slide Image Placeholder 1"/>
+          <p:cNvSpPr>
+            <a:spLocks noGrp="1" noRot="1" noChangeAspect="1"/>
+          </p:cNvSpPr>
+          <p:nvPr>
+            <p:ph type="sldImg"/>
+          </p:nvPr>
+        </p:nvSpPr>
+        <p:spPr/>
+      </p:sp>
+      <p:sp>
+        <p:nvSpPr>
+          <p:cNvPr id="3" name="Notes Placeholder 2"/>
+          <p:cNvSpPr>
+            <a:spLocks noGrp="1"/>
+          </p:cNvSpPr>
+          <p:nvPr>
+            <p:ph type="body" idx="1"/>
+          </p:nvPr>
+        </p:nvSpPr>
+        <p:spPr/>
+        <p:txBody>
+          <a:bodyPr>
+            <a:normAutofit/>
+          </a:bodyPr>
+          <a:lstStyle/>
+          <a:p>
+            <a:r>
+              <a:rPr lang="en-US" dirty="0" smtClean="0"/>
+              <a:t>MT</a:t>
+            </a:r>
+            <a:r>
+              <a:rPr lang="en-US" baseline="0" dirty="0" smtClean="0"/>
+              <a:t> pipeline</a:t>
+            </a:r>
+          </a:p>
+          <a:p>
+            <a:r>
+              <a:rPr lang="en-US" baseline="0" dirty="0" smtClean="0"/>
+              <a:t>  - each part is critical to producing good MT system</a:t>
+            </a:r>
+          </a:p>
+          <a:p>
+            <a:r>
+              <a:rPr lang="en-US" dirty="0" smtClean="0"/>
+              <a:t>  </a:t>
+            </a:r>
+          </a:p>
+          <a:p>
+            <a:r>
+              <a:rPr lang="en-US" dirty="0" smtClean="0"/>
+              <a:t>Can show you how to do each part</a:t>
+            </a:r>
+          </a:p>
+          <a:p>
+            <a:r>
+              <a:rPr lang="en-US" dirty="0" smtClean="0"/>
+              <a:t>   - take a week</a:t>
+            </a:r>
+          </a:p>
+          <a:p>
+            <a:endParaRPr lang="en-US" dirty="0" smtClean="0"/>
+          </a:p>
+          <a:p>
+            <a:r>
+              <a:rPr lang="en-US" dirty="0" smtClean="0"/>
+              <a:t>Lose</a:t>
+            </a:r>
+            <a:r>
+              <a:rPr lang="en-US" baseline="0" dirty="0" smtClean="0"/>
+              <a:t> the will to live!</a:t>
+            </a:r>
+          </a:p>
+          <a:p>
+            <a:endParaRPr lang="en-US" baseline="0" dirty="0" smtClean="0"/>
+          </a:p>
+          <a:p>
+            <a:r>
+              <a:rPr lang="en-US" dirty="0" smtClean="0"/>
+              <a:t>However, not necessary to know</a:t>
+            </a:r>
+            <a:r>
+              <a:rPr lang="en-US" baseline="0" dirty="0" smtClean="0"/>
+              <a:t> the mechanics of each &amp; every part to start</a:t>
+            </a:r>
+          </a:p>
+          <a:p>
+            <a:endParaRPr lang="en-US" baseline="0" dirty="0" smtClean="0"/>
+          </a:p>
+          <a:p>
+            <a:r>
+              <a:rPr lang="en-US" dirty="0" smtClean="0"/>
+              <a:t>Those that don’t need</a:t>
+            </a:r>
+            <a:r>
+              <a:rPr lang="en-US" baseline="0" dirty="0" smtClean="0"/>
+              <a:t> to know, or know but just want it to work consistently</a:t>
+            </a:r>
+          </a:p>
+          <a:p>
+            <a:r>
+              <a:rPr lang="en-US" baseline="0" dirty="0" smtClean="0"/>
+              <a:t>  - provide a system which wraps up the pipeline</a:t>
+            </a:r>
+          </a:p>
+          <a:p>
+            <a:r>
+              <a:rPr lang="en-US" baseline="0" dirty="0" smtClean="0"/>
+              <a:t>  </a:t>
+            </a:r>
+            <a:endParaRPr lang="en-US" dirty="0" smtClean="0"/>
+          </a:p>
+        </p:txBody>
+      </p:sp>
+      <p:sp>
+        <p:nvSpPr>
+          <p:cNvPr id="4" name="Slide Number Placeholder 3"/>
+          <p:cNvSpPr>
+            <a:spLocks noGrp="1"/>
+          </p:cNvSpPr>
+          <p:nvPr>
+            <p:ph type="sldNum" sz="quarter" idx="10"/>
+          </p:nvPr>
+        </p:nvSpPr>
+        <p:spPr/>
+        <p:txBody>
+          <a:bodyPr/>
+          <a:lstStyle/>
+          <a:p>
+            <a:fld id="{33B50105-FE73-CA4B-93CF-52D521DC1249}" type="slidenum">
+              <a:rPr lang="en-US" smtClean="0"/>
+              <a:pPr/>
+              <a:t>10</a:t>
+            </a:fld>
+            <a:endParaRPr lang="en-US"/>
+          </a:p>
+        </p:txBody>
+      </p:sp>
+    </p:spTree>
+    <p:extLst>
+      <p:ext uri="{BB962C8B-B14F-4D97-AF65-F5344CB8AC3E}">
+        <p14:creationId xmlns:p14="http://schemas.microsoft.com/office/powerpoint/2010/main" val="212441816"/>
+      </p:ext>
+    </p:extLst>
+  </p:cSld>
+  <p:clrMapOvr>
+    <a:masterClrMapping/>
+  </p:clrMapOvr>
+</p:notes>
+</file>
+
+<file path=ppt/notesSlides/notesSlide4.xml><?xml version="1.0" encoding="utf-8"?>
+<p:notes xmlns:a="http://schemas.openxmlformats.org/drawingml/2006/main" xmlns:r="http://schemas.openxmlformats.org/officeDocument/2006/relationships" xmlns:p="http://schemas.openxmlformats.org/presentationml/2006/main">
+  <p:cSld>
+    <p:spTree>
+      <p:nvGrpSpPr>
+        <p:cNvPr id="1" name=""/>
+        <p:cNvGrpSpPr/>
+        <p:nvPr/>
+      </p:nvGrpSpPr>
+      <p:grpSpPr>
+        <a:xfrm>
+          <a:off x="0" y="0"/>
+          <a:ext cx="0" cy="0"/>
+          <a:chOff x="0" y="0"/>
+          <a:chExt cx="0" cy="0"/>
+        </a:xfrm>
+      </p:grpSpPr>
+      <p:sp>
+        <p:nvSpPr>
+          <p:cNvPr id="2" name="Slide Image Placeholder 1"/>
+          <p:cNvSpPr>
+            <a:spLocks noGrp="1" noRot="1" noChangeAspect="1"/>
+          </p:cNvSpPr>
+          <p:nvPr>
+            <p:ph type="sldImg"/>
+          </p:nvPr>
+        </p:nvSpPr>
+        <p:spPr/>
+      </p:sp>
+      <p:sp>
+        <p:nvSpPr>
+          <p:cNvPr id="3" name="Notes Placeholder 2"/>
+          <p:cNvSpPr>
+            <a:spLocks noGrp="1"/>
+          </p:cNvSpPr>
+          <p:nvPr>
+            <p:ph type="body" idx="1"/>
+          </p:nvPr>
+        </p:nvSpPr>
+        <p:spPr/>
+        <p:txBody>
+          <a:bodyPr>
+            <a:normAutofit/>
+          </a:bodyPr>
+          <a:lstStyle/>
+          <a:p>
+            <a:r>
+              <a:rPr lang="en-US" dirty="0" smtClean="0"/>
+              <a:t>MT</a:t>
+            </a:r>
+            <a:r>
+              <a:rPr lang="en-US" baseline="0" dirty="0" smtClean="0"/>
+              <a:t> pipeline</a:t>
+            </a:r>
+          </a:p>
+          <a:p>
+            <a:r>
+              <a:rPr lang="en-US" baseline="0" dirty="0" smtClean="0"/>
+              <a:t>  - each part is critical to producing good MT system</a:t>
+            </a:r>
+          </a:p>
+          <a:p>
+            <a:r>
+              <a:rPr lang="en-US" dirty="0" smtClean="0"/>
+              <a:t>  </a:t>
+            </a:r>
+          </a:p>
+          <a:p>
+            <a:r>
+              <a:rPr lang="en-US" dirty="0" smtClean="0"/>
+              <a:t>Can show you how to do each part</a:t>
+            </a:r>
+          </a:p>
+          <a:p>
+            <a:r>
+              <a:rPr lang="en-US" dirty="0" smtClean="0"/>
+              <a:t>   - take a week</a:t>
+            </a:r>
+          </a:p>
+          <a:p>
+            <a:endParaRPr lang="en-US" dirty="0" smtClean="0"/>
+          </a:p>
+          <a:p>
+            <a:r>
+              <a:rPr lang="en-US" dirty="0" smtClean="0"/>
+              <a:t>Lose</a:t>
+            </a:r>
+            <a:r>
+              <a:rPr lang="en-US" baseline="0" dirty="0" smtClean="0"/>
+              <a:t> the will to live!</a:t>
+            </a:r>
+          </a:p>
+          <a:p>
+            <a:endParaRPr lang="en-US" baseline="0" dirty="0" smtClean="0"/>
+          </a:p>
+          <a:p>
+            <a:r>
+              <a:rPr lang="en-US" dirty="0" smtClean="0"/>
+              <a:t>However, not necessary to know</a:t>
+            </a:r>
+            <a:r>
+              <a:rPr lang="en-US" baseline="0" dirty="0" smtClean="0"/>
+              <a:t> the mechanics of each &amp; every part to start</a:t>
+            </a:r>
+          </a:p>
+          <a:p>
+            <a:endParaRPr lang="en-US" baseline="0" dirty="0" smtClean="0"/>
+          </a:p>
+          <a:p>
+            <a:r>
+              <a:rPr lang="en-US" dirty="0" smtClean="0"/>
+              <a:t>Those that don’t need</a:t>
+            </a:r>
+            <a:r>
+              <a:rPr lang="en-US" baseline="0" dirty="0" smtClean="0"/>
+              <a:t> to know, or know but just want it to work consistently</a:t>
+            </a:r>
+          </a:p>
+          <a:p>
+            <a:r>
+              <a:rPr lang="en-US" baseline="0" dirty="0" smtClean="0"/>
+              <a:t>  - provide a system which wraps up the pipeline</a:t>
+            </a:r>
+          </a:p>
+          <a:p>
+            <a:r>
+              <a:rPr lang="en-US" baseline="0" dirty="0" smtClean="0"/>
+              <a:t>  </a:t>
+            </a:r>
+            <a:endParaRPr lang="en-US" dirty="0" smtClean="0"/>
+          </a:p>
+        </p:txBody>
+      </p:sp>
+      <p:sp>
+        <p:nvSpPr>
+          <p:cNvPr id="4" name="Slide Number Placeholder 3"/>
+          <p:cNvSpPr>
+            <a:spLocks noGrp="1"/>
+          </p:cNvSpPr>
+          <p:nvPr>
+            <p:ph type="sldNum" sz="quarter" idx="10"/>
+          </p:nvPr>
+        </p:nvSpPr>
+        <p:spPr/>
+        <p:txBody>
+          <a:bodyPr/>
+          <a:lstStyle/>
+          <a:p>
+            <a:fld id="{33B50105-FE73-CA4B-93CF-52D521DC1249}" type="slidenum">
+              <a:rPr lang="en-US" smtClean="0"/>
+              <a:pPr/>
+              <a:t>14</a:t>
+            </a:fld>
+            <a:endParaRPr lang="en-US"/>
+          </a:p>
+        </p:txBody>
+      </p:sp>
+    </p:spTree>
+    <p:extLst>
+      <p:ext uri="{BB962C8B-B14F-4D97-AF65-F5344CB8AC3E}">
+        <p14:creationId xmlns:p14="http://schemas.microsoft.com/office/powerpoint/2010/main" val="1685794972"/>
+      </p:ext>
+    </p:extLst>
+  </p:cSld>
+  <p:clrMapOvr>
+    <a:masterClrMapping/>
+  </p:clrMapOvr>
+</p:notes>
+</file>
+
+<file path=ppt/notesSlides/notesSlide5.xml><?xml version="1.0" encoding="utf-8"?>
+<p:notes xmlns:a="http://schemas.openxmlformats.org/drawingml/2006/main" xmlns:r="http://schemas.openxmlformats.org/officeDocument/2006/relationships" xmlns:p="http://schemas.openxmlformats.org/presentationml/2006/main">
+  <p:cSld>
+    <p:spTree>
+      <p:nvGrpSpPr>
+        <p:cNvPr id="1" name=""/>
+        <p:cNvGrpSpPr/>
+        <p:nvPr/>
+      </p:nvGrpSpPr>
+      <p:grpSpPr>
+        <a:xfrm>
+          <a:off x="0" y="0"/>
+          <a:ext cx="0" cy="0"/>
+          <a:chOff x="0" y="0"/>
+          <a:chExt cx="0" cy="0"/>
+        </a:xfrm>
+      </p:grpSpPr>
+      <p:sp>
+        <p:nvSpPr>
+          <p:cNvPr id="2" name="Slide Image Placeholder 1"/>
+          <p:cNvSpPr>
+            <a:spLocks noGrp="1" noRot="1" noChangeAspect="1"/>
+          </p:cNvSpPr>
+          <p:nvPr>
+            <p:ph type="sldImg"/>
+          </p:nvPr>
+        </p:nvSpPr>
+        <p:spPr/>
+      </p:sp>
+      <p:sp>
+        <p:nvSpPr>
+          <p:cNvPr id="3" name="Notes Placeholder 2"/>
+          <p:cNvSpPr>
+            <a:spLocks noGrp="1"/>
+          </p:cNvSpPr>
+          <p:nvPr>
+            <p:ph type="body" idx="1"/>
+          </p:nvPr>
+        </p:nvSpPr>
+        <p:spPr/>
+        <p:txBody>
+          <a:bodyPr>
+            <a:normAutofit/>
+          </a:bodyPr>
+          <a:lstStyle/>
+          <a:p>
+            <a:r>
+              <a:rPr lang="en-US" dirty="0" smtClean="0"/>
+              <a:t>MT</a:t>
+            </a:r>
+            <a:r>
+              <a:rPr lang="en-US" baseline="0" dirty="0" smtClean="0"/>
+              <a:t> pipeline</a:t>
+            </a:r>
+          </a:p>
+          <a:p>
+            <a:r>
+              <a:rPr lang="en-US" baseline="0" dirty="0" smtClean="0"/>
+              <a:t>  - each part is critical to producing good MT system</a:t>
+            </a:r>
+          </a:p>
+          <a:p>
+            <a:r>
+              <a:rPr lang="en-US" dirty="0" smtClean="0"/>
+              <a:t>  </a:t>
+            </a:r>
+          </a:p>
+          <a:p>
+            <a:r>
+              <a:rPr lang="en-US" dirty="0" smtClean="0"/>
+              <a:t>Can show you how to do each part</a:t>
+            </a:r>
+          </a:p>
+          <a:p>
+            <a:r>
+              <a:rPr lang="en-US" dirty="0" smtClean="0"/>
+              <a:t>   - take a week</a:t>
+            </a:r>
+          </a:p>
+          <a:p>
+            <a:endParaRPr lang="en-US" dirty="0" smtClean="0"/>
+          </a:p>
+          <a:p>
+            <a:r>
+              <a:rPr lang="en-US" dirty="0" smtClean="0"/>
+              <a:t>Lose</a:t>
+            </a:r>
+            <a:r>
+              <a:rPr lang="en-US" baseline="0" dirty="0" smtClean="0"/>
+              <a:t> the will to live!</a:t>
+            </a:r>
+          </a:p>
+          <a:p>
+            <a:endParaRPr lang="en-US" baseline="0" dirty="0" smtClean="0"/>
+          </a:p>
+          <a:p>
+            <a:r>
+              <a:rPr lang="en-US" dirty="0" smtClean="0"/>
+              <a:t>However, not necessary to know</a:t>
+            </a:r>
+            <a:r>
+              <a:rPr lang="en-US" baseline="0" dirty="0" smtClean="0"/>
+              <a:t> the mechanics of each &amp; every part to start</a:t>
+            </a:r>
+          </a:p>
+          <a:p>
+            <a:endParaRPr lang="en-US" baseline="0" dirty="0" smtClean="0"/>
+          </a:p>
+          <a:p>
+            <a:r>
+              <a:rPr lang="en-US" dirty="0" smtClean="0"/>
+              <a:t>Those that don’t need</a:t>
+            </a:r>
+            <a:r>
+              <a:rPr lang="en-US" baseline="0" dirty="0" smtClean="0"/>
+              <a:t> to know, or know but just want it to work consistently</a:t>
+            </a:r>
+          </a:p>
+          <a:p>
+            <a:r>
+              <a:rPr lang="en-US" baseline="0" dirty="0" smtClean="0"/>
+              <a:t>  - provide a system which wraps up the pipeline</a:t>
+            </a:r>
+          </a:p>
+          <a:p>
+            <a:r>
+              <a:rPr lang="en-US" baseline="0" dirty="0" smtClean="0"/>
+              <a:t>  </a:t>
+            </a:r>
+            <a:endParaRPr lang="en-US" dirty="0" smtClean="0"/>
+          </a:p>
+        </p:txBody>
+      </p:sp>
+      <p:sp>
+        <p:nvSpPr>
+          <p:cNvPr id="4" name="Slide Number Placeholder 3"/>
+          <p:cNvSpPr>
+            <a:spLocks noGrp="1"/>
+          </p:cNvSpPr>
+          <p:nvPr>
+            <p:ph type="sldNum" sz="quarter" idx="10"/>
+          </p:nvPr>
+        </p:nvSpPr>
+        <p:spPr/>
+        <p:txBody>
+          <a:bodyPr/>
+          <a:lstStyle/>
+          <a:p>
+            <a:fld id="{33B50105-FE73-CA4B-93CF-52D521DC1249}" type="slidenum">
+              <a:rPr lang="en-US" smtClean="0"/>
+              <a:pPr/>
+              <a:t>16</a:t>
+            </a:fld>
+            <a:endParaRPr lang="en-US"/>
+          </a:p>
+        </p:txBody>
+      </p:sp>
+    </p:spTree>
+    <p:extLst>
+      <p:ext uri="{BB962C8B-B14F-4D97-AF65-F5344CB8AC3E}">
+        <p14:creationId xmlns:p14="http://schemas.microsoft.com/office/powerpoint/2010/main" val="1644843408"/>
       </p:ext>
     </p:extLst>
   </p:cSld>
@@ -3780,7 +4298,7 @@
             <a:pPr algn="ctr"/>
             <a:r>
               <a:rPr lang="en-US" smtClean="0"/>
-              <a:t>BLEU score</a:t>
+              <a:t>SMT Pipeline</a:t>
             </a:r>
             <a:endParaRPr lang="en-US"/>
           </a:p>
@@ -3788,121 +4306,681 @@
       </p:sp>
       <p:sp>
         <p:nvSpPr>
-          <p:cNvPr id="4" name="Rectangle 3"/>
-          <p:cNvSpPr/>
+          <p:cNvPr id="4" name="Rectangle 2"/>
+          <p:cNvSpPr>
+            <a:spLocks noChangeArrowheads="1"/>
+          </p:cNvSpPr>
           <p:nvPr/>
         </p:nvSpPr>
-        <p:spPr>
+        <p:spPr bwMode="auto">
           <a:xfrm>
-            <a:off x="1094704" y="2729515"/>
-            <a:ext cx="10534918" cy="400110"/>
-          </a:xfrm>
-          <a:prstGeom prst="rect">
-            <a:avLst/>
-          </a:prstGeom>
-        </p:spPr>
-        <p:txBody>
-          <a:bodyPr wrap="square">
-            <a:spAutoFit/>
-          </a:bodyPr>
-          <a:lstStyle/>
-          <a:p>
-            <a:r>
-              <a:rPr lang="en-US" sz="2000" dirty="0"/>
-              <a:t>﻿BLEU = 23.02, 60.0/30.3/17.2/9.5 (BP=0.987, ratio=0.987, </a:t>
-            </a:r>
-            <a:r>
-              <a:rPr lang="en-US" sz="2000" dirty="0" err="1"/>
-              <a:t>hyp_len</a:t>
-            </a:r>
-            <a:r>
-              <a:rPr lang="en-US" sz="2000" dirty="0"/>
-              <a:t>=1260, </a:t>
-            </a:r>
-            <a:r>
-              <a:rPr lang="en-US" sz="2000" dirty="0" err="1"/>
-              <a:t>ref_len</a:t>
-            </a:r>
-            <a:r>
-              <a:rPr lang="en-US" sz="2000" dirty="0"/>
-              <a:t>=1277)</a:t>
-            </a:r>
-          </a:p>
-        </p:txBody>
-      </p:sp>
-      <p:cxnSp>
-        <p:nvCxnSpPr>
-          <p:cNvPr id="8" name="Straight Arrow Connector 7"/>
-          <p:cNvCxnSpPr/>
-          <p:nvPr/>
-        </p:nvCxnSpPr>
-        <p:spPr>
-          <a:xfrm flipV="1">
-            <a:off x="1751526" y="3129625"/>
-            <a:ext cx="386367" cy="489338"/>
-          </a:xfrm>
-          <a:prstGeom prst="straightConnector1">
-            <a:avLst/>
-          </a:prstGeom>
-          <a:ln>
-            <a:tailEnd type="triangle"/>
-          </a:ln>
-        </p:spPr>
-        <p:style>
-          <a:lnRef idx="1">
-            <a:schemeClr val="accent1"/>
-          </a:lnRef>
-          <a:fillRef idx="0">
-            <a:schemeClr val="accent1"/>
-          </a:fillRef>
-          <a:effectRef idx="0">
-            <a:schemeClr val="accent1"/>
-          </a:effectRef>
-          <a:fontRef idx="minor">
-            <a:schemeClr val="tx1"/>
-          </a:fontRef>
-        </p:style>
-      </p:cxnSp>
-      <p:sp>
-        <p:nvSpPr>
-          <p:cNvPr id="9" name="TextBox 8"/>
-          <p:cNvSpPr txBox="1"/>
-          <p:nvPr/>
-        </p:nvSpPr>
-        <p:spPr>
-          <a:xfrm>
-            <a:off x="1409156" y="3618963"/>
-            <a:ext cx="684739" cy="369332"/>
+            <a:off x="1919289" y="491053"/>
+            <a:ext cx="1933575" cy="1379405"/>
           </a:xfrm>
           <a:prstGeom prst="rect">
             <a:avLst/>
           </a:prstGeom>
           <a:noFill/>
-        </p:spPr>
-        <p:txBody>
-          <a:bodyPr wrap="none" rtlCol="0">
-            <a:spAutoFit/>
+          <a:ln w="9360">
+            <a:solidFill>
+              <a:srgbClr val="000000">
+                <a:alpha val="54000"/>
+              </a:srgbClr>
+            </a:solidFill>
+            <a:miter lim="800000"/>
+            <a:headEnd/>
+            <a:tailEnd/>
+          </a:ln>
+        </p:spPr>
+        <p:txBody>
+          <a:bodyPr lIns="90000" tIns="45000" rIns="90000" bIns="45000">
+            <a:prstTxWarp prst="textNoShape">
+              <a:avLst/>
+            </a:prstTxWarp>
           </a:bodyPr>
           <a:lstStyle/>
           <a:p>
-            <a:r>
-              <a:rPr lang="en-US" smtClean="0"/>
-              <a:t>score</a:t>
-            </a:r>
-            <a:endParaRPr lang="en-US"/>
+            <a:pPr>
+              <a:lnSpc>
+                <a:spcPct val="102000"/>
+              </a:lnSpc>
+              <a:tabLst>
+                <a:tab pos="723900" algn="l"/>
+                <a:tab pos="1447800" algn="l"/>
+              </a:tabLst>
+            </a:pPr>
+            <a:r>
+              <a:rPr lang="en-GB" sz="2000" dirty="0" err="1">
+                <a:solidFill>
+                  <a:schemeClr val="bg1">
+                    <a:lumMod val="75000"/>
+                  </a:schemeClr>
+                </a:solidFill>
+                <a:latin typeface="Calibri" pitchFamily="-65" charset="0"/>
+                <a:ea typeface="Arial Unicode MS" pitchFamily="-65" charset="0"/>
+                <a:cs typeface="Arial Unicode MS" pitchFamily="-65" charset="0"/>
+              </a:rPr>
+              <a:t>Preprocessing</a:t>
+            </a:r>
+            <a:endParaRPr lang="en-GB" sz="2000" dirty="0">
+              <a:solidFill>
+                <a:schemeClr val="bg1">
+                  <a:lumMod val="75000"/>
+                </a:schemeClr>
+              </a:solidFill>
+              <a:latin typeface="Calibri" pitchFamily="-65" charset="0"/>
+              <a:ea typeface="Arial Unicode MS" pitchFamily="-65" charset="0"/>
+              <a:cs typeface="Arial Unicode MS" pitchFamily="-65" charset="0"/>
+            </a:endParaRPr>
+          </a:p>
+          <a:p>
+            <a:pPr>
+              <a:lnSpc>
+                <a:spcPct val="102000"/>
+              </a:lnSpc>
+              <a:tabLst>
+                <a:tab pos="723900" algn="l"/>
+                <a:tab pos="1447800" algn="l"/>
+              </a:tabLst>
+            </a:pPr>
+            <a:r>
+              <a:rPr lang="en-GB" sz="2000" dirty="0">
+                <a:solidFill>
+                  <a:schemeClr val="bg1">
+                    <a:lumMod val="75000"/>
+                  </a:schemeClr>
+                </a:solidFill>
+                <a:latin typeface="Calibri" pitchFamily="-65" charset="0"/>
+                <a:ea typeface="Arial Unicode MS" pitchFamily="-65" charset="0"/>
+                <a:cs typeface="Arial Unicode MS" pitchFamily="-65" charset="0"/>
+              </a:rPr>
+              <a:t>   - clean</a:t>
+            </a:r>
+          </a:p>
+          <a:p>
+            <a:pPr>
+              <a:lnSpc>
+                <a:spcPct val="102000"/>
+              </a:lnSpc>
+              <a:tabLst>
+                <a:tab pos="723900" algn="l"/>
+                <a:tab pos="1447800" algn="l"/>
+              </a:tabLst>
+            </a:pPr>
+            <a:r>
+              <a:rPr lang="en-GB" sz="2000" dirty="0">
+                <a:solidFill>
+                  <a:schemeClr val="bg1">
+                    <a:lumMod val="75000"/>
+                  </a:schemeClr>
+                </a:solidFill>
+                <a:latin typeface="Calibri" pitchFamily="-65" charset="0"/>
+                <a:ea typeface="Arial Unicode MS" pitchFamily="-65" charset="0"/>
+                <a:cs typeface="Arial Unicode MS" pitchFamily="-65" charset="0"/>
+              </a:rPr>
+              <a:t>   - </a:t>
+            </a:r>
+            <a:r>
+              <a:rPr lang="en-GB" sz="2000" strike="sngStrike" dirty="0">
+                <a:solidFill>
+                  <a:schemeClr val="bg1">
+                    <a:lumMod val="75000"/>
+                  </a:schemeClr>
+                </a:solidFill>
+                <a:latin typeface="Calibri" pitchFamily="-65" charset="0"/>
+                <a:ea typeface="Arial Unicode MS" pitchFamily="-65" charset="0"/>
+                <a:cs typeface="Arial Unicode MS" pitchFamily="-65" charset="0"/>
+              </a:rPr>
+              <a:t>tokenize</a:t>
+            </a:r>
+          </a:p>
+          <a:p>
+            <a:pPr>
+              <a:lnSpc>
+                <a:spcPct val="102000"/>
+              </a:lnSpc>
+              <a:tabLst>
+                <a:tab pos="723900" algn="l"/>
+                <a:tab pos="1447800" algn="l"/>
+              </a:tabLst>
+            </a:pPr>
+            <a:r>
+              <a:rPr lang="en-GB" sz="2000" dirty="0">
+                <a:solidFill>
+                  <a:schemeClr val="bg1">
+                    <a:lumMod val="75000"/>
+                  </a:schemeClr>
+                </a:solidFill>
+                <a:latin typeface="Calibri" pitchFamily="-65" charset="0"/>
+                <a:ea typeface="Arial Unicode MS" pitchFamily="-65" charset="0"/>
+                <a:cs typeface="Arial Unicode MS" pitchFamily="-65" charset="0"/>
+              </a:rPr>
+              <a:t>   - </a:t>
+            </a:r>
+            <a:r>
+              <a:rPr lang="en-GB" sz="2000" strike="sngStrike" dirty="0">
+                <a:solidFill>
+                  <a:schemeClr val="bg1">
+                    <a:lumMod val="75000"/>
+                  </a:schemeClr>
+                </a:solidFill>
+                <a:latin typeface="Calibri" pitchFamily="-65" charset="0"/>
+                <a:ea typeface="Arial Unicode MS" pitchFamily="-65" charset="0"/>
+                <a:cs typeface="Arial Unicode MS" pitchFamily="-65" charset="0"/>
+              </a:rPr>
+              <a:t>lowercase</a:t>
+            </a:r>
+          </a:p>
+        </p:txBody>
+      </p:sp>
+      <p:sp>
+        <p:nvSpPr>
+          <p:cNvPr id="5" name="Rectangle 3"/>
+          <p:cNvSpPr>
+            <a:spLocks noChangeArrowheads="1"/>
+          </p:cNvSpPr>
+          <p:nvPr/>
+        </p:nvSpPr>
+        <p:spPr bwMode="auto">
+          <a:xfrm>
+            <a:off x="2200276" y="2097354"/>
+            <a:ext cx="1371600" cy="433388"/>
+          </a:xfrm>
+          <a:prstGeom prst="rect">
+            <a:avLst/>
+          </a:prstGeom>
+          <a:noFill/>
+          <a:ln w="9360">
+            <a:solidFill>
+              <a:srgbClr val="000000">
+                <a:alpha val="0"/>
+              </a:srgbClr>
+            </a:solidFill>
+            <a:miter lim="800000"/>
+            <a:headEnd/>
+            <a:tailEnd/>
+          </a:ln>
+        </p:spPr>
+        <p:txBody>
+          <a:bodyPr lIns="90000" tIns="45000" rIns="90000" bIns="45000">
+            <a:prstTxWarp prst="textNoShape">
+              <a:avLst/>
+            </a:prstTxWarp>
+          </a:bodyPr>
+          <a:lstStyle/>
+          <a:p>
+            <a:pPr>
+              <a:lnSpc>
+                <a:spcPct val="102000"/>
+              </a:lnSpc>
+              <a:tabLst>
+                <a:tab pos="723900" algn="l"/>
+                <a:tab pos="1447800" algn="l"/>
+                <a:tab pos="2171700" algn="l"/>
+              </a:tabLst>
+            </a:pPr>
+            <a:r>
+              <a:rPr lang="en-GB" sz="2000" dirty="0">
+                <a:solidFill>
+                  <a:srgbClr val="000000"/>
+                </a:solidFill>
+                <a:latin typeface="Calibri" pitchFamily="-65" charset="0"/>
+                <a:ea typeface="Arial Unicode MS" pitchFamily="-65" charset="0"/>
+                <a:cs typeface="Arial Unicode MS" pitchFamily="-65" charset="0"/>
+              </a:rPr>
+              <a:t>Alignment</a:t>
+            </a:r>
+          </a:p>
+        </p:txBody>
+      </p:sp>
+      <p:sp>
+        <p:nvSpPr>
+          <p:cNvPr id="6" name="Rectangle 4"/>
+          <p:cNvSpPr>
+            <a:spLocks noChangeArrowheads="1"/>
+          </p:cNvSpPr>
+          <p:nvPr/>
+        </p:nvSpPr>
+        <p:spPr bwMode="auto">
+          <a:xfrm>
+            <a:off x="2402682" y="3480290"/>
+            <a:ext cx="966787" cy="457200"/>
+          </a:xfrm>
+          <a:prstGeom prst="rect">
+            <a:avLst/>
+          </a:prstGeom>
+          <a:noFill/>
+          <a:ln w="9360">
+            <a:solidFill>
+              <a:srgbClr val="000000"/>
+            </a:solidFill>
+            <a:miter lim="800000"/>
+            <a:headEnd/>
+            <a:tailEnd/>
+          </a:ln>
+        </p:spPr>
+        <p:txBody>
+          <a:bodyPr lIns="90000" tIns="45000" rIns="90000" bIns="45000">
+            <a:prstTxWarp prst="textNoShape">
+              <a:avLst/>
+            </a:prstTxWarp>
+          </a:bodyPr>
+          <a:lstStyle/>
+          <a:p>
+            <a:pPr>
+              <a:lnSpc>
+                <a:spcPct val="102000"/>
+              </a:lnSpc>
+              <a:tabLst>
+                <a:tab pos="723900" algn="l"/>
+              </a:tabLst>
+            </a:pPr>
+            <a:r>
+              <a:rPr lang="en-GB" sz="2000" dirty="0">
+                <a:solidFill>
+                  <a:srgbClr val="000000"/>
+                </a:solidFill>
+                <a:latin typeface="Calibri" pitchFamily="-65" charset="0"/>
+                <a:ea typeface="Arial Unicode MS" pitchFamily="-65" charset="0"/>
+                <a:cs typeface="Arial Unicode MS" pitchFamily="-65" charset="0"/>
+              </a:rPr>
+              <a:t>Tuning</a:t>
+            </a:r>
+          </a:p>
+        </p:txBody>
+      </p:sp>
+      <p:sp>
+        <p:nvSpPr>
+          <p:cNvPr id="7" name="Rectangle 5"/>
+          <p:cNvSpPr>
+            <a:spLocks noChangeArrowheads="1"/>
+          </p:cNvSpPr>
+          <p:nvPr/>
+        </p:nvSpPr>
+        <p:spPr bwMode="auto">
+          <a:xfrm>
+            <a:off x="1919289" y="4789285"/>
+            <a:ext cx="1930400" cy="1016000"/>
+          </a:xfrm>
+          <a:prstGeom prst="rect">
+            <a:avLst/>
+          </a:prstGeom>
+          <a:noFill/>
+          <a:ln w="9360">
+            <a:solidFill>
+              <a:srgbClr val="000000">
+                <a:alpha val="54000"/>
+              </a:srgbClr>
+            </a:solidFill>
+            <a:miter lim="800000"/>
+            <a:headEnd/>
+            <a:tailEnd/>
+          </a:ln>
+        </p:spPr>
+        <p:txBody>
+          <a:bodyPr lIns="90000" tIns="45000" rIns="90000" bIns="45000">
+            <a:prstTxWarp prst="textNoShape">
+              <a:avLst/>
+            </a:prstTxWarp>
+          </a:bodyPr>
+          <a:lstStyle/>
+          <a:p>
+            <a:pPr>
+              <a:lnSpc>
+                <a:spcPct val="102000"/>
+              </a:lnSpc>
+              <a:tabLst>
+                <a:tab pos="723900" algn="l"/>
+                <a:tab pos="1447800" algn="l"/>
+              </a:tabLst>
+            </a:pPr>
+            <a:r>
+              <a:rPr lang="en-GB" sz="2000" dirty="0" err="1">
+                <a:solidFill>
+                  <a:schemeClr val="bg1">
+                    <a:lumMod val="75000"/>
+                  </a:schemeClr>
+                </a:solidFill>
+                <a:latin typeface="Calibri" pitchFamily="-65" charset="0"/>
+                <a:ea typeface="Arial Unicode MS" pitchFamily="-65" charset="0"/>
+                <a:cs typeface="Arial Unicode MS" pitchFamily="-65" charset="0"/>
+              </a:rPr>
+              <a:t>Postprocessing</a:t>
+            </a:r>
+            <a:endParaRPr lang="en-GB" sz="2000" dirty="0">
+              <a:solidFill>
+                <a:schemeClr val="bg1">
+                  <a:lumMod val="75000"/>
+                </a:schemeClr>
+              </a:solidFill>
+              <a:latin typeface="Calibri" pitchFamily="-65" charset="0"/>
+              <a:ea typeface="Arial Unicode MS" pitchFamily="-65" charset="0"/>
+              <a:cs typeface="Arial Unicode MS" pitchFamily="-65" charset="0"/>
+            </a:endParaRPr>
+          </a:p>
+          <a:p>
+            <a:pPr>
+              <a:lnSpc>
+                <a:spcPct val="102000"/>
+              </a:lnSpc>
+              <a:tabLst>
+                <a:tab pos="723900" algn="l"/>
+                <a:tab pos="1447800" algn="l"/>
+              </a:tabLst>
+            </a:pPr>
+            <a:r>
+              <a:rPr lang="en-GB" sz="2000" dirty="0">
+                <a:solidFill>
+                  <a:schemeClr val="bg1">
+                    <a:lumMod val="75000"/>
+                  </a:schemeClr>
+                </a:solidFill>
+                <a:latin typeface="Calibri" pitchFamily="-65" charset="0"/>
+                <a:ea typeface="Arial Unicode MS" pitchFamily="-65" charset="0"/>
+                <a:cs typeface="Arial Unicode MS" pitchFamily="-65" charset="0"/>
+              </a:rPr>
+              <a:t>  - </a:t>
+            </a:r>
+            <a:r>
+              <a:rPr lang="en-GB" sz="2000" dirty="0" err="1">
+                <a:solidFill>
+                  <a:schemeClr val="bg1">
+                    <a:lumMod val="75000"/>
+                  </a:schemeClr>
+                </a:solidFill>
+                <a:latin typeface="Calibri" pitchFamily="-65" charset="0"/>
+                <a:ea typeface="Arial Unicode MS" pitchFamily="-65" charset="0"/>
+                <a:cs typeface="Arial Unicode MS" pitchFamily="-65" charset="0"/>
+              </a:rPr>
+              <a:t>recasing</a:t>
+            </a:r>
+            <a:endParaRPr lang="en-GB" sz="2000" dirty="0">
+              <a:solidFill>
+                <a:schemeClr val="bg1">
+                  <a:lumMod val="75000"/>
+                </a:schemeClr>
+              </a:solidFill>
+              <a:latin typeface="Calibri" pitchFamily="-65" charset="0"/>
+              <a:ea typeface="Arial Unicode MS" pitchFamily="-65" charset="0"/>
+              <a:cs typeface="Arial Unicode MS" pitchFamily="-65" charset="0"/>
+            </a:endParaRPr>
+          </a:p>
+          <a:p>
+            <a:pPr>
+              <a:lnSpc>
+                <a:spcPct val="102000"/>
+              </a:lnSpc>
+              <a:tabLst>
+                <a:tab pos="723900" algn="l"/>
+                <a:tab pos="1447800" algn="l"/>
+              </a:tabLst>
+            </a:pPr>
+            <a:r>
+              <a:rPr lang="en-GB" sz="2000" dirty="0">
+                <a:solidFill>
+                  <a:schemeClr val="bg1">
+                    <a:lumMod val="75000"/>
+                  </a:schemeClr>
+                </a:solidFill>
+                <a:latin typeface="Calibri" pitchFamily="-65" charset="0"/>
+                <a:ea typeface="Arial Unicode MS" pitchFamily="-65" charset="0"/>
+                <a:cs typeface="Arial Unicode MS" pitchFamily="-65" charset="0"/>
+              </a:rPr>
+              <a:t>  - </a:t>
+            </a:r>
+            <a:r>
+              <a:rPr lang="en-GB" sz="2000" dirty="0" err="1">
+                <a:solidFill>
+                  <a:schemeClr val="bg1">
+                    <a:lumMod val="75000"/>
+                  </a:schemeClr>
+                </a:solidFill>
+                <a:latin typeface="Calibri" pitchFamily="-65" charset="0"/>
+                <a:ea typeface="Arial Unicode MS" pitchFamily="-65" charset="0"/>
+                <a:cs typeface="Arial Unicode MS" pitchFamily="-65" charset="0"/>
+              </a:rPr>
+              <a:t>detokenizer</a:t>
+            </a:r>
+            <a:endParaRPr lang="en-GB" sz="2000" dirty="0">
+              <a:solidFill>
+                <a:schemeClr val="bg1">
+                  <a:lumMod val="75000"/>
+                </a:schemeClr>
+              </a:solidFill>
+              <a:latin typeface="Calibri" pitchFamily="-65" charset="0"/>
+              <a:ea typeface="Arial Unicode MS" pitchFamily="-65" charset="0"/>
+              <a:cs typeface="Arial Unicode MS" pitchFamily="-65" charset="0"/>
+            </a:endParaRPr>
+          </a:p>
+        </p:txBody>
+      </p:sp>
+      <p:sp>
+        <p:nvSpPr>
+          <p:cNvPr id="8" name="Rectangle 6"/>
+          <p:cNvSpPr>
+            <a:spLocks noChangeArrowheads="1"/>
+          </p:cNvSpPr>
+          <p:nvPr/>
+        </p:nvSpPr>
+        <p:spPr bwMode="auto">
+          <a:xfrm>
+            <a:off x="1962945" y="5997148"/>
+            <a:ext cx="1843088" cy="711200"/>
+          </a:xfrm>
+          <a:prstGeom prst="rect">
+            <a:avLst/>
+          </a:prstGeom>
+          <a:noFill/>
+          <a:ln w="9360">
+            <a:solidFill>
+              <a:srgbClr val="000000"/>
+            </a:solidFill>
+            <a:miter lim="800000"/>
+            <a:headEnd/>
+            <a:tailEnd/>
+          </a:ln>
+        </p:spPr>
+        <p:txBody>
+          <a:bodyPr lIns="90000" tIns="45000" rIns="90000" bIns="45000">
+            <a:prstTxWarp prst="textNoShape">
+              <a:avLst/>
+            </a:prstTxWarp>
+          </a:bodyPr>
+          <a:lstStyle/>
+          <a:p>
+            <a:pPr>
+              <a:lnSpc>
+                <a:spcPct val="102000"/>
+              </a:lnSpc>
+              <a:tabLst>
+                <a:tab pos="723900" algn="l"/>
+                <a:tab pos="1447800" algn="l"/>
+              </a:tabLst>
+            </a:pPr>
+            <a:r>
+              <a:rPr lang="en-GB" sz="2000">
+                <a:solidFill>
+                  <a:srgbClr val="000000"/>
+                </a:solidFill>
+                <a:latin typeface="Calibri" pitchFamily="-65" charset="0"/>
+                <a:ea typeface="Arial Unicode MS" pitchFamily="-65" charset="0"/>
+                <a:cs typeface="Arial Unicode MS" pitchFamily="-65" charset="0"/>
+              </a:rPr>
+              <a:t>Scoring</a:t>
+            </a:r>
+          </a:p>
+          <a:p>
+            <a:pPr>
+              <a:lnSpc>
+                <a:spcPct val="102000"/>
+              </a:lnSpc>
+              <a:tabLst>
+                <a:tab pos="723900" algn="l"/>
+                <a:tab pos="1447800" algn="l"/>
+              </a:tabLst>
+            </a:pPr>
+            <a:r>
+              <a:rPr lang="en-GB" sz="2000" dirty="0">
+                <a:solidFill>
+                  <a:srgbClr val="000000"/>
+                </a:solidFill>
+                <a:latin typeface="Calibri" pitchFamily="-65" charset="0"/>
+                <a:ea typeface="Arial Unicode MS" pitchFamily="-65" charset="0"/>
+                <a:cs typeface="Arial Unicode MS" pitchFamily="-65" charset="0"/>
+              </a:rPr>
+              <a:t>  - BLEU score</a:t>
+            </a:r>
+          </a:p>
+        </p:txBody>
+      </p:sp>
+      <p:sp>
+        <p:nvSpPr>
+          <p:cNvPr id="9" name="Rectangle 7"/>
+          <p:cNvSpPr>
+            <a:spLocks noChangeArrowheads="1"/>
+          </p:cNvSpPr>
+          <p:nvPr/>
+        </p:nvSpPr>
+        <p:spPr bwMode="auto">
+          <a:xfrm>
+            <a:off x="2251869" y="4192385"/>
+            <a:ext cx="1268412" cy="406400"/>
+          </a:xfrm>
+          <a:prstGeom prst="rect">
+            <a:avLst/>
+          </a:prstGeom>
+          <a:noFill/>
+          <a:ln w="9360">
+            <a:solidFill>
+              <a:srgbClr val="000000"/>
+            </a:solidFill>
+            <a:miter lim="800000"/>
+            <a:headEnd/>
+            <a:tailEnd/>
+          </a:ln>
+        </p:spPr>
+        <p:txBody>
+          <a:bodyPr lIns="90000" tIns="45000" rIns="90000" bIns="45000">
+            <a:prstTxWarp prst="textNoShape">
+              <a:avLst/>
+            </a:prstTxWarp>
+          </a:bodyPr>
+          <a:lstStyle/>
+          <a:p>
+            <a:pPr>
+              <a:lnSpc>
+                <a:spcPct val="102000"/>
+              </a:lnSpc>
+              <a:tabLst>
+                <a:tab pos="723900" algn="l"/>
+              </a:tabLst>
+            </a:pPr>
+            <a:r>
+              <a:rPr lang="en-GB" sz="2000">
+                <a:solidFill>
+                  <a:srgbClr val="000000"/>
+                </a:solidFill>
+                <a:latin typeface="Calibri" pitchFamily="-65" charset="0"/>
+                <a:ea typeface="Arial Unicode MS" pitchFamily="-65" charset="0"/>
+                <a:cs typeface="Arial Unicode MS" pitchFamily="-65" charset="0"/>
+              </a:rPr>
+              <a:t>Decoding</a:t>
+            </a:r>
+          </a:p>
+        </p:txBody>
+      </p:sp>
+      <p:sp>
+        <p:nvSpPr>
+          <p:cNvPr id="10" name="Rectangle 3"/>
+          <p:cNvSpPr>
+            <a:spLocks noChangeArrowheads="1"/>
+          </p:cNvSpPr>
+          <p:nvPr/>
+        </p:nvSpPr>
+        <p:spPr bwMode="auto">
+          <a:xfrm>
+            <a:off x="1889920" y="2815424"/>
+            <a:ext cx="1989137" cy="381450"/>
+          </a:xfrm>
+          <a:prstGeom prst="rect">
+            <a:avLst/>
+          </a:prstGeom>
+          <a:noFill/>
+          <a:ln w="9360">
+            <a:solidFill>
+              <a:srgbClr val="000000">
+                <a:alpha val="0"/>
+              </a:srgbClr>
+            </a:solidFill>
+            <a:miter lim="800000"/>
+            <a:headEnd/>
+            <a:tailEnd/>
+          </a:ln>
+        </p:spPr>
+        <p:txBody>
+          <a:bodyPr lIns="90000" tIns="45000" rIns="90000" bIns="45000">
+            <a:prstTxWarp prst="textNoShape">
+              <a:avLst/>
+            </a:prstTxWarp>
+          </a:bodyPr>
+          <a:lstStyle/>
+          <a:p>
+            <a:pPr>
+              <a:lnSpc>
+                <a:spcPct val="102000"/>
+              </a:lnSpc>
+              <a:tabLst>
+                <a:tab pos="723900" algn="l"/>
+                <a:tab pos="1447800" algn="l"/>
+                <a:tab pos="2171700" algn="l"/>
+              </a:tabLst>
+            </a:pPr>
+            <a:r>
+              <a:rPr lang="en-GB" dirty="0">
+                <a:solidFill>
+                  <a:srgbClr val="000000"/>
+                </a:solidFill>
+                <a:latin typeface="Calibri" pitchFamily="-65" charset="0"/>
+                <a:ea typeface="Arial Unicode MS" pitchFamily="-65" charset="0"/>
+                <a:cs typeface="Arial Unicode MS" pitchFamily="-65" charset="0"/>
+              </a:rPr>
+              <a:t>Phrase extraction</a:t>
+            </a:r>
+          </a:p>
+          <a:p>
+            <a:pPr>
+              <a:lnSpc>
+                <a:spcPct val="102000"/>
+              </a:lnSpc>
+              <a:tabLst>
+                <a:tab pos="723900" algn="l"/>
+                <a:tab pos="1447800" algn="l"/>
+                <a:tab pos="2171700" algn="l"/>
+              </a:tabLst>
+            </a:pPr>
+            <a:endParaRPr lang="en-GB" dirty="0">
+              <a:solidFill>
+                <a:srgbClr val="000000"/>
+              </a:solidFill>
+              <a:latin typeface="Calibri" pitchFamily="-65" charset="0"/>
+              <a:ea typeface="Arial Unicode MS" pitchFamily="-65" charset="0"/>
+              <a:cs typeface="Arial Unicode MS" pitchFamily="-65" charset="0"/>
+            </a:endParaRPr>
           </a:p>
         </p:txBody>
       </p:sp>
       <p:cxnSp>
         <p:nvCxnSpPr>
-          <p:cNvPr id="10" name="Straight Arrow Connector 9"/>
-          <p:cNvCxnSpPr/>
+          <p:cNvPr id="11" name="Straight Arrow Connector 10"/>
+          <p:cNvCxnSpPr>
+            <a:endCxn id="4" idx="0"/>
+          </p:cNvCxnSpPr>
           <p:nvPr/>
         </p:nvCxnSpPr>
         <p:spPr>
-          <a:xfrm flipV="1">
-            <a:off x="2614411" y="3129625"/>
-            <a:ext cx="252219" cy="489338"/>
+          <a:xfrm>
+            <a:off x="2884489" y="-476517"/>
+            <a:ext cx="1588" cy="967570"/>
           </a:xfrm>
           <a:prstGeom prst="straightConnector1">
             <a:avLst/>
@@ -3928,161 +5006,17 @@
       </p:cxnSp>
       <p:cxnSp>
         <p:nvCxnSpPr>
-          <p:cNvPr id="12" name="Straight Arrow Connector 11"/>
-          <p:cNvCxnSpPr/>
-          <p:nvPr/>
-        </p:nvCxnSpPr>
-        <p:spPr>
-          <a:xfrm flipH="1" flipV="1">
-            <a:off x="3361726" y="3129625"/>
-            <a:ext cx="291944" cy="489338"/>
-          </a:xfrm>
-          <a:prstGeom prst="straightConnector1">
-            <a:avLst/>
-          </a:prstGeom>
-          <a:ln>
-            <a:tailEnd type="triangle"/>
-          </a:ln>
-        </p:spPr>
-        <p:style>
-          <a:lnRef idx="1">
-            <a:schemeClr val="accent1"/>
-          </a:lnRef>
-          <a:fillRef idx="0">
-            <a:schemeClr val="accent1"/>
-          </a:fillRef>
-          <a:effectRef idx="0">
-            <a:schemeClr val="accent1"/>
-          </a:effectRef>
-          <a:fontRef idx="minor">
-            <a:schemeClr val="tx1"/>
-          </a:fontRef>
-        </p:style>
-      </p:cxnSp>
-      <p:sp>
-        <p:nvSpPr>
-          <p:cNvPr id="13" name="TextBox 12"/>
-          <p:cNvSpPr txBox="1"/>
-          <p:nvPr/>
-        </p:nvSpPr>
-        <p:spPr>
-          <a:xfrm>
-            <a:off x="2208181" y="3618963"/>
-            <a:ext cx="1013611" cy="646331"/>
-          </a:xfrm>
-          <a:prstGeom prst="rect">
-            <a:avLst/>
-          </a:prstGeom>
-          <a:noFill/>
-        </p:spPr>
-        <p:txBody>
-          <a:bodyPr wrap="none" rtlCol="0">
-            <a:spAutoFit/>
-          </a:bodyPr>
-          <a:lstStyle/>
-          <a:p>
-            <a:r>
-              <a:rPr lang="en-US" dirty="0"/>
-              <a:t>u</a:t>
-            </a:r>
-            <a:r>
-              <a:rPr lang="en-US" dirty="0" smtClean="0"/>
-              <a:t>nigram </a:t>
-            </a:r>
-          </a:p>
-          <a:p>
-            <a:r>
-              <a:rPr lang="en-US" dirty="0" smtClean="0"/>
-              <a:t>matches</a:t>
-            </a:r>
-            <a:endParaRPr lang="en-US" dirty="0"/>
-          </a:p>
-        </p:txBody>
-      </p:sp>
-      <p:sp>
-        <p:nvSpPr>
-          <p:cNvPr id="15" name="TextBox 14"/>
-          <p:cNvSpPr txBox="1"/>
-          <p:nvPr/>
-        </p:nvSpPr>
-        <p:spPr>
-          <a:xfrm>
-            <a:off x="3272860" y="3618962"/>
-            <a:ext cx="976549" cy="646331"/>
-          </a:xfrm>
-          <a:prstGeom prst="rect">
-            <a:avLst/>
-          </a:prstGeom>
-          <a:noFill/>
-        </p:spPr>
-        <p:txBody>
-          <a:bodyPr wrap="none" rtlCol="0">
-            <a:spAutoFit/>
-          </a:bodyPr>
-          <a:lstStyle/>
-          <a:p>
-            <a:r>
-              <a:rPr lang="en-US" dirty="0" smtClean="0"/>
-              <a:t>bigram</a:t>
-            </a:r>
-          </a:p>
-          <a:p>
-            <a:r>
-              <a:rPr lang="en-US" dirty="0" smtClean="0"/>
-              <a:t>matches</a:t>
-            </a:r>
-            <a:endParaRPr lang="en-US" dirty="0"/>
-          </a:p>
-        </p:txBody>
-      </p:sp>
-      <p:sp>
-        <p:nvSpPr>
-          <p:cNvPr id="16" name="TextBox 15"/>
-          <p:cNvSpPr txBox="1"/>
-          <p:nvPr/>
-        </p:nvSpPr>
-        <p:spPr>
-          <a:xfrm>
-            <a:off x="4249409" y="3618961"/>
-            <a:ext cx="1039259" cy="646331"/>
-          </a:xfrm>
-          <a:prstGeom prst="rect">
-            <a:avLst/>
-          </a:prstGeom>
-          <a:noFill/>
-        </p:spPr>
-        <p:txBody>
-          <a:bodyPr wrap="none" rtlCol="0">
-            <a:spAutoFit/>
-          </a:bodyPr>
-          <a:lstStyle/>
-          <a:p>
-            <a:r>
-              <a:rPr lang="en-US" dirty="0" smtClean="0"/>
-              <a:t>Unigram </a:t>
-            </a:r>
-          </a:p>
-          <a:p>
-            <a:r>
-              <a:rPr lang="en-US" dirty="0" smtClean="0"/>
-              <a:t>matches</a:t>
-            </a:r>
-            <a:endParaRPr lang="en-US" dirty="0"/>
-          </a:p>
-        </p:txBody>
-      </p:sp>
-      <p:cxnSp>
-        <p:nvCxnSpPr>
-          <p:cNvPr id="17" name="Straight Arrow Connector 16"/>
+          <p:cNvPr id="14" name="Straight Arrow Connector 13"/>
           <p:cNvCxnSpPr>
-            <a:stCxn id="16" idx="0"/>
+            <a:stCxn id="4" idx="2"/>
+            <a:endCxn id="5" idx="0"/>
           </p:cNvCxnSpPr>
           <p:nvPr/>
         </p:nvCxnSpPr>
         <p:spPr>
-          <a:xfrm flipH="1" flipV="1">
-            <a:off x="3843179" y="3129625"/>
-            <a:ext cx="925860" cy="489336"/>
+          <a:xfrm flipH="1">
+            <a:off x="2886076" y="1870458"/>
+            <a:ext cx="1" cy="226896"/>
           </a:xfrm>
           <a:prstGeom prst="straightConnector1">
             <a:avLst/>
@@ -4108,14 +5042,17 @@
       </p:cxnSp>
       <p:cxnSp>
         <p:nvCxnSpPr>
-          <p:cNvPr id="20" name="Straight Arrow Connector 19"/>
-          <p:cNvCxnSpPr/>
+          <p:cNvPr id="18" name="Straight Arrow Connector 17"/>
+          <p:cNvCxnSpPr>
+            <a:stCxn id="5" idx="2"/>
+            <a:endCxn id="10" idx="0"/>
+          </p:cNvCxnSpPr>
           <p:nvPr/>
         </p:nvCxnSpPr>
         <p:spPr>
-          <a:xfrm flipH="1" flipV="1">
-            <a:off x="4495618" y="3100401"/>
-            <a:ext cx="925860" cy="489336"/>
+          <a:xfrm flipH="1">
+            <a:off x="2884489" y="2530742"/>
+            <a:ext cx="1587" cy="284682"/>
           </a:xfrm>
           <a:prstGeom prst="straightConnector1">
             <a:avLst/>
@@ -4139,52 +5076,19 @@
           </a:fontRef>
         </p:style>
       </p:cxnSp>
-      <p:sp>
-        <p:nvSpPr>
-          <p:cNvPr id="21" name="TextBox 20"/>
-          <p:cNvSpPr txBox="1"/>
-          <p:nvPr/>
-        </p:nvSpPr>
-        <p:spPr>
-          <a:xfrm>
-            <a:off x="5316391" y="3618960"/>
-            <a:ext cx="986360" cy="646331"/>
-          </a:xfrm>
-          <a:prstGeom prst="rect">
-            <a:avLst/>
-          </a:prstGeom>
-          <a:noFill/>
-        </p:spPr>
-        <p:txBody>
-          <a:bodyPr wrap="none" rtlCol="0">
-            <a:spAutoFit/>
-          </a:bodyPr>
-          <a:lstStyle/>
-          <a:p>
-            <a:r>
-              <a:rPr lang="en-US" dirty="0" smtClean="0"/>
-              <a:t>4-gram </a:t>
-            </a:r>
-          </a:p>
-          <a:p>
-            <a:r>
-              <a:rPr lang="en-US" dirty="0" smtClean="0"/>
-              <a:t>matches</a:t>
-            </a:r>
-            <a:endParaRPr lang="en-US" dirty="0"/>
-          </a:p>
-        </p:txBody>
-      </p:sp>
       <p:cxnSp>
         <p:nvCxnSpPr>
-          <p:cNvPr id="22" name="Straight Arrow Connector 21"/>
-          <p:cNvCxnSpPr/>
+          <p:cNvPr id="23" name="Straight Arrow Connector 22"/>
+          <p:cNvCxnSpPr>
+            <a:stCxn id="10" idx="2"/>
+            <a:endCxn id="6" idx="0"/>
+          </p:cNvCxnSpPr>
           <p:nvPr/>
         </p:nvCxnSpPr>
         <p:spPr>
           <a:xfrm>
-            <a:off x="5316391" y="2279561"/>
-            <a:ext cx="14106" cy="422580"/>
+            <a:off x="2884489" y="3196874"/>
+            <a:ext cx="1587" cy="283416"/>
           </a:xfrm>
           <a:prstGeom prst="straightConnector1">
             <a:avLst/>
@@ -4208,52 +5112,19 @@
           </a:fontRef>
         </p:style>
       </p:cxnSp>
-      <p:sp>
-        <p:nvSpPr>
-          <p:cNvPr id="24" name="TextBox 23"/>
-          <p:cNvSpPr txBox="1"/>
-          <p:nvPr/>
-        </p:nvSpPr>
-        <p:spPr>
-          <a:xfrm>
-            <a:off x="4851405" y="1593846"/>
-            <a:ext cx="888385" cy="646331"/>
-          </a:xfrm>
-          <a:prstGeom prst="rect">
-            <a:avLst/>
-          </a:prstGeom>
-          <a:noFill/>
-        </p:spPr>
-        <p:txBody>
-          <a:bodyPr wrap="none" rtlCol="0">
-            <a:spAutoFit/>
-          </a:bodyPr>
-          <a:lstStyle/>
-          <a:p>
-            <a:r>
-              <a:rPr lang="en-US" dirty="0" smtClean="0"/>
-              <a:t>Brevity</a:t>
-            </a:r>
-          </a:p>
-          <a:p>
-            <a:r>
-              <a:rPr lang="en-US" dirty="0" smtClean="0"/>
-              <a:t>penalty</a:t>
-            </a:r>
-            <a:endParaRPr lang="en-US" dirty="0"/>
-          </a:p>
-        </p:txBody>
-      </p:sp>
       <p:cxnSp>
         <p:nvCxnSpPr>
-          <p:cNvPr id="25" name="Straight Arrow Connector 24"/>
-          <p:cNvCxnSpPr/>
+          <p:cNvPr id="26" name="Straight Arrow Connector 25"/>
+          <p:cNvCxnSpPr>
+            <a:stCxn id="6" idx="2"/>
+            <a:endCxn id="9" idx="0"/>
+          </p:cNvCxnSpPr>
           <p:nvPr/>
         </p:nvCxnSpPr>
         <p:spPr>
-          <a:xfrm>
-            <a:off x="8302143" y="2279561"/>
-            <a:ext cx="14106" cy="422580"/>
+          <a:xfrm flipH="1">
+            <a:off x="2886075" y="3937490"/>
+            <a:ext cx="1" cy="254895"/>
           </a:xfrm>
           <a:prstGeom prst="straightConnector1">
             <a:avLst/>
@@ -4277,52 +5148,19 @@
           </a:fontRef>
         </p:style>
       </p:cxnSp>
-      <p:sp>
-        <p:nvSpPr>
-          <p:cNvPr id="26" name="TextBox 25"/>
-          <p:cNvSpPr txBox="1"/>
-          <p:nvPr/>
-        </p:nvSpPr>
-        <p:spPr>
-          <a:xfrm>
-            <a:off x="7837157" y="1593846"/>
-            <a:ext cx="909223" cy="646331"/>
-          </a:xfrm>
-          <a:prstGeom prst="rect">
-            <a:avLst/>
-          </a:prstGeom>
-          <a:noFill/>
-        </p:spPr>
-        <p:txBody>
-          <a:bodyPr wrap="none" rtlCol="0">
-            <a:spAutoFit/>
-          </a:bodyPr>
-          <a:lstStyle/>
-          <a:p>
-            <a:r>
-              <a:rPr lang="en-US" dirty="0" smtClean="0"/>
-              <a:t>Output </a:t>
-            </a:r>
-          </a:p>
-          <a:p>
-            <a:r>
-              <a:rPr lang="en-US" dirty="0" smtClean="0"/>
-              <a:t>length</a:t>
-            </a:r>
-            <a:endParaRPr lang="en-US" dirty="0"/>
-          </a:p>
-        </p:txBody>
-      </p:sp>
       <p:cxnSp>
         <p:nvCxnSpPr>
-          <p:cNvPr id="28" name="Straight Arrow Connector 27"/>
-          <p:cNvCxnSpPr/>
+          <p:cNvPr id="29" name="Straight Arrow Connector 28"/>
+          <p:cNvCxnSpPr>
+            <a:stCxn id="9" idx="2"/>
+            <a:endCxn id="7" idx="0"/>
+          </p:cNvCxnSpPr>
           <p:nvPr/>
         </p:nvCxnSpPr>
         <p:spPr>
-          <a:xfrm>
-            <a:off x="9884098" y="2279561"/>
-            <a:ext cx="14106" cy="422580"/>
+          <a:xfrm flipH="1">
+            <a:off x="2884489" y="4598785"/>
+            <a:ext cx="1586" cy="190500"/>
           </a:xfrm>
           <a:prstGeom prst="straightConnector1">
             <a:avLst/>
@@ -4346,53 +5184,241 @@
           </a:fontRef>
         </p:style>
       </p:cxnSp>
-      <p:sp>
-        <p:nvSpPr>
-          <p:cNvPr id="29" name="TextBox 28"/>
-          <p:cNvSpPr txBox="1"/>
+      <p:cxnSp>
+        <p:nvCxnSpPr>
+          <p:cNvPr id="33" name="Straight Arrow Connector 32"/>
+          <p:cNvCxnSpPr>
+            <a:stCxn id="7" idx="2"/>
+            <a:endCxn id="8" idx="0"/>
+          </p:cNvCxnSpPr>
           <p:nvPr/>
-        </p:nvSpPr>
+        </p:nvCxnSpPr>
         <p:spPr>
           <a:xfrm>
-            <a:off x="9419112" y="1593846"/>
-            <a:ext cx="1127360" cy="646331"/>
+            <a:off x="2884489" y="5805285"/>
+            <a:ext cx="0" cy="191863"/>
+          </a:xfrm>
+          <a:prstGeom prst="straightConnector1">
+            <a:avLst/>
+          </a:prstGeom>
+          <a:ln>
+            <a:tailEnd type="triangle"/>
+          </a:ln>
+        </p:spPr>
+        <p:style>
+          <a:lnRef idx="1">
+            <a:schemeClr val="accent1"/>
+          </a:lnRef>
+          <a:fillRef idx="0">
+            <a:schemeClr val="accent1"/>
+          </a:fillRef>
+          <a:effectRef idx="0">
+            <a:schemeClr val="accent1"/>
+          </a:effectRef>
+          <a:fontRef idx="minor">
+            <a:schemeClr val="tx1"/>
+          </a:fontRef>
+        </p:style>
+      </p:cxnSp>
+      <p:sp>
+        <p:nvSpPr>
+          <p:cNvPr id="37" name="Rectangle 3"/>
+          <p:cNvSpPr>
+            <a:spLocks noChangeArrowheads="1"/>
+          </p:cNvSpPr>
+          <p:nvPr/>
+        </p:nvSpPr>
+        <p:spPr bwMode="auto">
+          <a:xfrm>
+            <a:off x="198185" y="2444929"/>
+            <a:ext cx="1316292" cy="381450"/>
           </a:xfrm>
           <a:prstGeom prst="rect">
             <a:avLst/>
           </a:prstGeom>
           <a:noFill/>
-        </p:spPr>
-        <p:txBody>
-          <a:bodyPr wrap="none" rtlCol="0">
-            <a:spAutoFit/>
+          <a:ln w="9360">
+            <a:solidFill>
+              <a:srgbClr val="000000"/>
+            </a:solidFill>
+            <a:miter lim="800000"/>
+            <a:headEnd/>
+            <a:tailEnd/>
+          </a:ln>
+        </p:spPr>
+        <p:txBody>
+          <a:bodyPr lIns="90000" tIns="45000" rIns="90000" bIns="45000">
+            <a:prstTxWarp prst="textNoShape">
+              <a:avLst/>
+            </a:prstTxWarp>
           </a:bodyPr>
           <a:lstStyle/>
           <a:p>
-            <a:r>
-              <a:rPr lang="en-US" smtClean="0"/>
-              <a:t>Reference</a:t>
-            </a:r>
-            <a:endParaRPr lang="en-US" dirty="0" smtClean="0"/>
-          </a:p>
-          <a:p>
-            <a:r>
-              <a:rPr lang="en-US" dirty="0" smtClean="0"/>
-              <a:t>length</a:t>
-            </a:r>
-            <a:endParaRPr lang="en-US" dirty="0"/>
+            <a:pPr>
+              <a:lnSpc>
+                <a:spcPct val="102000"/>
+              </a:lnSpc>
+              <a:tabLst>
+                <a:tab pos="723900" algn="l"/>
+                <a:tab pos="1447800" algn="l"/>
+                <a:tab pos="2171700" algn="l"/>
+              </a:tabLst>
+            </a:pPr>
+            <a:r>
+              <a:rPr lang="en-GB" smtClean="0">
+                <a:solidFill>
+                  <a:srgbClr val="000000"/>
+                </a:solidFill>
+                <a:latin typeface="Calibri" pitchFamily="-65" charset="0"/>
+                <a:ea typeface="Arial Unicode MS" pitchFamily="-65" charset="0"/>
+                <a:cs typeface="Arial Unicode MS" pitchFamily="-65" charset="0"/>
+              </a:rPr>
+              <a:t>Create LM</a:t>
+            </a:r>
+            <a:endParaRPr lang="en-GB" dirty="0">
+              <a:solidFill>
+                <a:srgbClr val="000000"/>
+              </a:solidFill>
+              <a:latin typeface="Calibri" pitchFamily="-65" charset="0"/>
+              <a:ea typeface="Arial Unicode MS" pitchFamily="-65" charset="0"/>
+              <a:cs typeface="Arial Unicode MS" pitchFamily="-65" charset="0"/>
+            </a:endParaRPr>
+          </a:p>
+        </p:txBody>
+      </p:sp>
+      <p:cxnSp>
+        <p:nvCxnSpPr>
+          <p:cNvPr id="39" name="Curved Connector 38"/>
+          <p:cNvCxnSpPr>
+            <a:stCxn id="4" idx="1"/>
+            <a:endCxn id="37" idx="0"/>
+          </p:cNvCxnSpPr>
+          <p:nvPr/>
+        </p:nvCxnSpPr>
+        <p:spPr>
+          <a:xfrm rot="10800000" flipV="1">
+            <a:off x="856331" y="1180755"/>
+            <a:ext cx="1062958" cy="1264173"/>
+          </a:xfrm>
+          <a:prstGeom prst="curvedConnector2">
+            <a:avLst/>
+          </a:prstGeom>
+          <a:ln>
+            <a:tailEnd type="triangle"/>
+          </a:ln>
+        </p:spPr>
+        <p:style>
+          <a:lnRef idx="1">
+            <a:schemeClr val="accent1"/>
+          </a:lnRef>
+          <a:fillRef idx="0">
+            <a:schemeClr val="accent1"/>
+          </a:fillRef>
+          <a:effectRef idx="0">
+            <a:schemeClr val="accent1"/>
+          </a:effectRef>
+          <a:fontRef idx="minor">
+            <a:schemeClr val="tx1"/>
+          </a:fontRef>
+        </p:style>
+      </p:cxnSp>
+      <p:cxnSp>
+        <p:nvCxnSpPr>
+          <p:cNvPr id="41" name="Curved Connector 40"/>
+          <p:cNvCxnSpPr>
+            <a:stCxn id="37" idx="2"/>
+            <a:endCxn id="6" idx="1"/>
+          </p:cNvCxnSpPr>
+          <p:nvPr/>
+        </p:nvCxnSpPr>
+        <p:spPr>
+          <a:xfrm rot="16200000" flipH="1">
+            <a:off x="1188251" y="2494458"/>
+            <a:ext cx="882511" cy="1546351"/>
+          </a:xfrm>
+          <a:prstGeom prst="curvedConnector2">
+            <a:avLst/>
+          </a:prstGeom>
+          <a:ln>
+            <a:tailEnd type="triangle"/>
+          </a:ln>
+        </p:spPr>
+        <p:style>
+          <a:lnRef idx="1">
+            <a:schemeClr val="accent1"/>
+          </a:lnRef>
+          <a:fillRef idx="0">
+            <a:schemeClr val="accent1"/>
+          </a:fillRef>
+          <a:effectRef idx="0">
+            <a:schemeClr val="accent1"/>
+          </a:effectRef>
+          <a:fontRef idx="minor">
+            <a:schemeClr val="tx1"/>
+          </a:fontRef>
+        </p:style>
+      </p:cxnSp>
+      <p:sp>
+        <p:nvSpPr>
+          <p:cNvPr id="3" name="Rectangle 2"/>
+          <p:cNvSpPr/>
+          <p:nvPr/>
+        </p:nvSpPr>
+        <p:spPr>
+          <a:xfrm>
+            <a:off x="1790163" y="1970468"/>
+            <a:ext cx="2266682" cy="1339402"/>
+          </a:xfrm>
+          <a:prstGeom prst="rect">
+            <a:avLst/>
+          </a:prstGeom>
+          <a:noFill/>
+          <a:ln w="31750">
+            <a:solidFill>
+              <a:srgbClr val="FF0000"/>
+            </a:solidFill>
+          </a:ln>
+        </p:spPr>
+        <p:style>
+          <a:lnRef idx="2">
+            <a:schemeClr val="accent6"/>
+          </a:lnRef>
+          <a:fillRef idx="1">
+            <a:schemeClr val="lt1"/>
+          </a:fillRef>
+          <a:effectRef idx="0">
+            <a:schemeClr val="accent6"/>
+          </a:effectRef>
+          <a:fontRef idx="minor">
+            <a:schemeClr val="dk1"/>
+          </a:fontRef>
+        </p:style>
+        <p:txBody>
+          <a:bodyPr rtlCol="0" anchor="ctr"/>
+          <a:lstStyle/>
+          <a:p>
+            <a:pPr algn="ctr"/>
+            <a:endParaRPr lang="en-US"/>
           </a:p>
         </p:txBody>
       </p:sp>
     </p:spTree>
     <p:extLst>
       <p:ext uri="{BB962C8B-B14F-4D97-AF65-F5344CB8AC3E}">
-        <p14:creationId xmlns:p14="http://schemas.microsoft.com/office/powerpoint/2010/main" val="1305746183"/>
+        <p14:creationId xmlns:p14="http://schemas.microsoft.com/office/powerpoint/2010/main" val="1608293515"/>
       </p:ext>
     </p:extLst>
   </p:cSld>
   <p:clrMapOvr>
     <a:masterClrMapping/>
   </p:clrMapOvr>
+  <p:timing>
+    <p:tnLst>
+      <p:par>
+        <p:cTn id="1" dur="indefinite" restart="never" nodeType="tmRoot"/>
+      </p:par>
+    </p:tnLst>
+  </p:timing>
 </p:sld>
 </file>
 
@@ -4428,16 +5454,11 @@
           <a:bodyPr/>
           <a:lstStyle/>
           <a:p>
-            <a:pPr algn="ctr"/>
-            <a:r>
-              <a:rPr lang="en-US" dirty="0" smtClean="0"/>
-              <a:t>Experiment </a:t>
-            </a:r>
-            <a:r>
-              <a:rPr lang="en-US" smtClean="0"/>
-              <a:t>Management System (EMS)</a:t>
-            </a:r>
-            <a:endParaRPr lang="en-US"/>
+            <a:r>
+              <a:rPr lang="en-US" dirty="0" smtClean="0"/>
+              <a:t>Word Alignment and Phrase-Extraction</a:t>
+            </a:r>
+            <a:endParaRPr lang="en-US" dirty="0"/>
           </a:p>
         </p:txBody>
       </p:sp>
@@ -4453,149 +5474,47 @@
         </p:nvSpPr>
         <p:spPr/>
         <p:txBody>
-          <a:bodyPr>
-            <a:normAutofit lnSpcReduction="10000"/>
-          </a:bodyPr>
-          <a:lstStyle/>
-          <a:p>
-            <a:r>
-              <a:rPr lang="en-US" dirty="0" err="1" smtClean="0"/>
-              <a:t>Config</a:t>
-            </a:r>
-            <a:r>
-              <a:rPr lang="en-US" dirty="0" smtClean="0"/>
-              <a:t> file</a:t>
-            </a:r>
-          </a:p>
-          <a:p>
-            <a:r>
-              <a:rPr lang="en-US" dirty="0" smtClean="0"/>
-              <a:t>Where to find</a:t>
+          <a:bodyPr/>
+          <a:lstStyle/>
+          <a:p>
+            <a:r>
+              <a:rPr lang="en-US" dirty="0" smtClean="0"/>
+              <a:t>Run Giza++</a:t>
             </a:r>
           </a:p>
           <a:p>
             <a:pPr lvl="1"/>
             <a:r>
               <a:rPr lang="en-US" dirty="0" smtClean="0"/>
-              <a:t>Moses scripts and executables</a:t>
+              <a:t>Word alignment</a:t>
+            </a:r>
+          </a:p>
+          <a:p>
+            <a:r>
+              <a:rPr lang="en-US" dirty="0" smtClean="0"/>
+              <a:t>Extract translation rules (phrases)</a:t>
             </a:r>
           </a:p>
           <a:p>
             <a:pPr lvl="1"/>
             <a:r>
               <a:rPr lang="en-US" dirty="0" smtClean="0"/>
-              <a:t>External programs</a:t>
-            </a:r>
-          </a:p>
-          <a:p>
-            <a:pPr lvl="2"/>
-            <a:r>
-              <a:rPr lang="en-US" dirty="0" smtClean="0"/>
-              <a:t>Giza/</a:t>
-            </a:r>
-            <a:r>
-              <a:rPr lang="en-US" dirty="0" err="1" smtClean="0"/>
-              <a:t>mgiza</a:t>
-            </a:r>
-            <a:r>
-              <a:rPr lang="en-US" dirty="0" smtClean="0"/>
-              <a:t>/</a:t>
-            </a:r>
-            <a:r>
-              <a:rPr lang="en-US" dirty="0" err="1" smtClean="0"/>
-              <a:t>cdec</a:t>
-            </a:r>
-            <a:r>
-              <a:rPr lang="en-US" dirty="0" smtClean="0"/>
-              <a:t> </a:t>
-            </a:r>
-            <a:r>
-              <a:rPr lang="en-US" dirty="0" err="1" smtClean="0"/>
-              <a:t>etc</a:t>
-            </a:r>
-            <a:endParaRPr lang="en-US" dirty="0" smtClean="0"/>
-          </a:p>
-          <a:p>
-            <a:pPr lvl="2"/>
-            <a:r>
-              <a:rPr lang="en-US" dirty="0" smtClean="0"/>
-              <a:t>POS tagger, parsers </a:t>
-            </a:r>
-            <a:r>
-              <a:rPr lang="en-US" dirty="0" err="1" smtClean="0"/>
-              <a:t>etc</a:t>
-            </a:r>
-            <a:endParaRPr lang="en-US" dirty="0" smtClean="0"/>
-          </a:p>
-          <a:p>
-            <a:pPr lvl="1"/>
-            <a:r>
-              <a:rPr lang="en-US" dirty="0"/>
-              <a:t>Training, tuning, test data</a:t>
-            </a:r>
-          </a:p>
-          <a:p>
-            <a:r>
-              <a:rPr lang="en-US" dirty="0" smtClean="0"/>
-              <a:t>Parameters</a:t>
-            </a:r>
-          </a:p>
-          <a:p>
-            <a:pPr lvl="1"/>
-            <a:r>
-              <a:rPr lang="en-US" dirty="0" err="1" smtClean="0"/>
-              <a:t>eg</a:t>
-            </a:r>
-            <a:r>
-              <a:rPr lang="en-US" dirty="0" smtClean="0"/>
-              <a:t>. </a:t>
-            </a:r>
-            <a:r>
-              <a:rPr lang="en-US" dirty="0" err="1" smtClean="0"/>
-              <a:t>recasing</a:t>
-            </a:r>
-            <a:r>
-              <a:rPr lang="en-US" dirty="0" smtClean="0"/>
-              <a:t>/</a:t>
-            </a:r>
-            <a:r>
-              <a:rPr lang="en-US" dirty="0" err="1" smtClean="0"/>
-              <a:t>truecasing</a:t>
-            </a:r>
-            <a:r>
-              <a:rPr lang="en-US" dirty="0" smtClean="0"/>
-              <a:t> </a:t>
-            </a:r>
-          </a:p>
-          <a:p>
-            <a:pPr lvl="1"/>
-            <a:r>
-              <a:rPr lang="en-US" dirty="0" smtClean="0"/>
-              <a:t>phrase-based/</a:t>
-            </a:r>
-            <a:r>
-              <a:rPr lang="en-US" dirty="0" err="1" smtClean="0"/>
-              <a:t>hiero</a:t>
-            </a:r>
-            <a:endParaRPr lang="en-US" dirty="0" smtClean="0"/>
-          </a:p>
-          <a:p>
-            <a:pPr lvl="1"/>
-            <a:r>
-              <a:rPr lang="en-US" smtClean="0"/>
-              <a:t>Number of cores/grid engine jobs to use</a:t>
-            </a:r>
-            <a:endParaRPr lang="en-US" dirty="0" smtClean="0"/>
-          </a:p>
-          <a:p>
-            <a:endParaRPr lang="en-US" dirty="0" smtClean="0"/>
+              <a:t>From word-aligned parallel corpus</a:t>
+            </a:r>
+          </a:p>
+          <a:p>
+            <a:r>
+              <a:rPr lang="en-US" dirty="0" smtClean="0"/>
+              <a:t>Create phrase-tables</a:t>
+            </a:r>
+            <a:endParaRPr lang="en-US" dirty="0"/>
           </a:p>
         </p:txBody>
       </p:sp>
     </p:spTree>
     <p:extLst>
       <p:ext uri="{BB962C8B-B14F-4D97-AF65-F5344CB8AC3E}">
-        <p14:creationId xmlns:p14="http://schemas.microsoft.com/office/powerpoint/2010/main" val="1347575845"/>
+        <p14:creationId xmlns:p14="http://schemas.microsoft.com/office/powerpoint/2010/main" val="2085585480"/>
       </p:ext>
     </p:extLst>
   </p:cSld>
@@ -4637,9 +5556,10 @@
           <a:bodyPr/>
           <a:lstStyle/>
           <a:p>
+            <a:pPr algn="ctr"/>
             <a:r>
               <a:rPr lang="en-US" smtClean="0"/>
-              <a:t>Install Moses</a:t>
+              <a:t>Word Alignment</a:t>
             </a:r>
             <a:endParaRPr lang="en-US"/>
           </a:p>
@@ -4661,35 +5581,4768 @@
           <a:lstStyle/>
           <a:p>
             <a:r>
-              <a:rPr lang="en-US" dirty="0"/>
-              <a:t>http://</a:t>
-            </a:r>
-            <a:r>
-              <a:rPr lang="en-US" dirty="0" err="1"/>
-              <a:t>www.statmt.org</a:t>
-            </a:r>
-            <a:r>
-              <a:rPr lang="en-US" dirty="0"/>
-              <a:t>/</a:t>
-            </a:r>
-            <a:r>
-              <a:rPr lang="en-US" dirty="0" err="1"/>
-              <a:t>moses</a:t>
-            </a:r>
-            <a:r>
-              <a:rPr lang="en-US" dirty="0" smtClean="0"/>
-              <a:t>/</a:t>
-            </a:r>
-          </a:p>
-          <a:p>
+              <a:rPr lang="en-US" dirty="0" smtClean="0"/>
+              <a:t>Training data</a:t>
+            </a:r>
+          </a:p>
+          <a:p>
+            <a:pPr lvl="1"/>
+            <a:r>
+              <a:rPr lang="en-US" dirty="0" smtClean="0"/>
+              <a:t>﻿data/Train/</a:t>
+            </a:r>
+            <a:r>
+              <a:rPr lang="en-US" dirty="0" err="1" smtClean="0"/>
+              <a:t>Train_data.clean</a:t>
+            </a:r>
+            <a:r>
+              <a:rPr lang="en-US" dirty="0" smtClean="0"/>
+              <a:t>.[en/</a:t>
+            </a:r>
+            <a:r>
+              <a:rPr lang="en-US" dirty="0" err="1" smtClean="0"/>
+              <a:t>ar</a:t>
+            </a:r>
+            <a:r>
+              <a:rPr lang="en-US" dirty="0" smtClean="0"/>
+              <a:t>]</a:t>
+            </a:r>
+          </a:p>
+          <a:p>
+            <a:r>
+              <a:rPr lang="en-US" dirty="0" smtClean="0"/>
+              <a:t>Word alignment</a:t>
+            </a:r>
+          </a:p>
+          <a:p>
+            <a:pPr lvl="1"/>
+            <a:r>
+              <a:rPr lang="en-US" dirty="0" smtClean="0"/>
+              <a:t>﻿work/model/</a:t>
+            </a:r>
+            <a:r>
+              <a:rPr lang="en-US" dirty="0" err="1" smtClean="0"/>
+              <a:t>aligned.grow</a:t>
+            </a:r>
+            <a:r>
+              <a:rPr lang="en-US" dirty="0" smtClean="0"/>
+              <a:t>-</a:t>
+            </a:r>
+            <a:r>
+              <a:rPr lang="en-US" dirty="0" err="1" smtClean="0"/>
+              <a:t>diag</a:t>
+            </a:r>
+            <a:r>
+              <a:rPr lang="en-US" dirty="0" smtClean="0"/>
+              <a:t>-final-and</a:t>
+            </a:r>
+          </a:p>
+          <a:p>
+            <a:pPr lvl="1"/>
+            <a:r>
+              <a:rPr lang="en-US" dirty="0" err="1" smtClean="0"/>
+              <a:t>Eg</a:t>
+            </a:r>
+            <a:r>
+              <a:rPr lang="en-US" dirty="0" smtClean="0"/>
+              <a:t>. ﻿0-0 0-1 4-1 0-2 1-2 2-2 3-2 0-3 0-4 0-5 7-6 8-7</a:t>
+            </a:r>
+          </a:p>
+          <a:p>
+            <a:pPr lvl="1"/>
+            <a:endParaRPr lang="en-US" dirty="0" smtClean="0"/>
+          </a:p>
+        </p:txBody>
+      </p:sp>
+      <p:sp>
+        <p:nvSpPr>
+          <p:cNvPr id="4" name="TextBox 3"/>
+          <p:cNvSpPr txBox="1"/>
+          <p:nvPr/>
+        </p:nvSpPr>
+        <p:spPr>
+          <a:xfrm>
+            <a:off x="1702676" y="4162097"/>
+            <a:ext cx="7394027" cy="369332"/>
+          </a:xfrm>
+          <a:prstGeom prst="rect">
+            <a:avLst/>
+          </a:prstGeom>
+          <a:noFill/>
+        </p:spPr>
+        <p:txBody>
+          <a:bodyPr wrap="square" rtlCol="0">
+            <a:spAutoFit/>
+          </a:bodyPr>
+          <a:lstStyle/>
+          <a:p>
+            <a:r>
+              <a:rPr lang="en-US" dirty="0" smtClean="0"/>
+              <a:t>﻿</a:t>
+            </a:r>
+            <a:r>
+              <a:rPr lang="en-US" dirty="0" err="1" smtClean="0"/>
+              <a:t>AlOx</a:t>
+            </a:r>
+            <a:r>
+              <a:rPr lang="en-US" dirty="0" smtClean="0"/>
+              <a:t>    </a:t>
+            </a:r>
+            <a:r>
+              <a:rPr lang="en-US" dirty="0" err="1" smtClean="0"/>
+              <a:t>gyr</a:t>
+            </a:r>
+            <a:r>
+              <a:rPr lang="en-US" dirty="0" smtClean="0"/>
+              <a:t>     </a:t>
+            </a:r>
+            <a:r>
+              <a:rPr lang="en-US" dirty="0" err="1" smtClean="0"/>
+              <a:t>Alcqyq</a:t>
+            </a:r>
+            <a:r>
+              <a:rPr lang="en-US" dirty="0" smtClean="0"/>
+              <a:t>     </a:t>
+            </a:r>
+            <a:r>
+              <a:rPr lang="en-US" dirty="0" err="1" smtClean="0"/>
+              <a:t>lSdAm</a:t>
+            </a:r>
+            <a:r>
+              <a:rPr lang="en-US" dirty="0" smtClean="0"/>
+              <a:t>     </a:t>
+            </a:r>
+            <a:r>
+              <a:rPr lang="en-US" dirty="0" err="1" smtClean="0"/>
+              <a:t>Hsyn</a:t>
+            </a:r>
+            <a:r>
+              <a:rPr lang="en-US" dirty="0" smtClean="0"/>
+              <a:t>    </a:t>
+            </a:r>
+            <a:r>
+              <a:rPr lang="en-US" dirty="0" err="1" smtClean="0"/>
+              <a:t>yrfD</a:t>
+            </a:r>
+            <a:r>
+              <a:rPr lang="en-US" dirty="0" smtClean="0"/>
+              <a:t>     </a:t>
+            </a:r>
+            <a:r>
+              <a:rPr lang="en-US" dirty="0" err="1" smtClean="0"/>
+              <a:t>AlEwdp</a:t>
+            </a:r>
+            <a:r>
+              <a:rPr lang="en-US" dirty="0" smtClean="0"/>
+              <a:t>    </a:t>
+            </a:r>
+            <a:r>
+              <a:rPr lang="en-US" dirty="0" err="1" smtClean="0"/>
+              <a:t>IlY</a:t>
+            </a:r>
+            <a:r>
+              <a:rPr lang="en-US" dirty="0" smtClean="0"/>
+              <a:t>      </a:t>
+            </a:r>
+            <a:r>
+              <a:rPr lang="en-US" dirty="0" err="1" smtClean="0"/>
+              <a:t>AlErAq</a:t>
+            </a:r>
             <a:endParaRPr lang="en-US" dirty="0"/>
           </a:p>
         </p:txBody>
       </p:sp>
+      <p:sp>
+        <p:nvSpPr>
+          <p:cNvPr id="5" name="TextBox 4"/>
+          <p:cNvSpPr txBox="1"/>
+          <p:nvPr/>
+        </p:nvSpPr>
+        <p:spPr>
+          <a:xfrm>
+            <a:off x="1434662" y="5234153"/>
+            <a:ext cx="7240636" cy="369332"/>
+          </a:xfrm>
+          <a:prstGeom prst="rect">
+            <a:avLst/>
+          </a:prstGeom>
+          <a:noFill/>
+        </p:spPr>
+        <p:txBody>
+          <a:bodyPr wrap="none" rtlCol="0">
+            <a:spAutoFit/>
+          </a:bodyPr>
+          <a:lstStyle/>
+          <a:p>
+            <a:r>
+              <a:rPr lang="en-US" dirty="0" smtClean="0"/>
+              <a:t>﻿Saddam   </a:t>
+            </a:r>
+            <a:r>
+              <a:rPr lang="en-US" dirty="0" err="1" smtClean="0"/>
+              <a:t>Hussein&amp;apos;s</a:t>
+            </a:r>
+            <a:r>
+              <a:rPr lang="en-US" dirty="0" smtClean="0"/>
+              <a:t>    Half-Brother   Refuses     to     Return    to     Iraq</a:t>
+            </a:r>
+            <a:endParaRPr lang="en-US" dirty="0"/>
+          </a:p>
+        </p:txBody>
+      </p:sp>
+      <p:cxnSp>
+        <p:nvCxnSpPr>
+          <p:cNvPr id="7" name="Straight Arrow Connector 6"/>
+          <p:cNvCxnSpPr/>
+          <p:nvPr/>
+        </p:nvCxnSpPr>
+        <p:spPr>
+          <a:xfrm flipH="1">
+            <a:off x="1954924" y="4531429"/>
+            <a:ext cx="31531" cy="702724"/>
+          </a:xfrm>
+          <a:prstGeom prst="straightConnector1">
+            <a:avLst/>
+          </a:prstGeom>
+          <a:ln>
+            <a:tailEnd type="triangle"/>
+          </a:ln>
+        </p:spPr>
+        <p:style>
+          <a:lnRef idx="1">
+            <a:schemeClr val="accent1"/>
+          </a:lnRef>
+          <a:fillRef idx="0">
+            <a:schemeClr val="accent1"/>
+          </a:fillRef>
+          <a:effectRef idx="0">
+            <a:schemeClr val="accent1"/>
+          </a:effectRef>
+          <a:fontRef idx="minor">
+            <a:schemeClr val="tx1"/>
+          </a:fontRef>
+        </p:style>
+      </p:cxnSp>
+      <p:cxnSp>
+        <p:nvCxnSpPr>
+          <p:cNvPr id="8" name="Straight Arrow Connector 7"/>
+          <p:cNvCxnSpPr/>
+          <p:nvPr/>
+        </p:nvCxnSpPr>
+        <p:spPr>
+          <a:xfrm>
+            <a:off x="1986455" y="4531429"/>
+            <a:ext cx="1116724" cy="702724"/>
+          </a:xfrm>
+          <a:prstGeom prst="straightConnector1">
+            <a:avLst/>
+          </a:prstGeom>
+          <a:ln>
+            <a:tailEnd type="triangle"/>
+          </a:ln>
+        </p:spPr>
+        <p:style>
+          <a:lnRef idx="1">
+            <a:schemeClr val="accent1"/>
+          </a:lnRef>
+          <a:fillRef idx="0">
+            <a:schemeClr val="accent1"/>
+          </a:fillRef>
+          <a:effectRef idx="0">
+            <a:schemeClr val="accent1"/>
+          </a:effectRef>
+          <a:fontRef idx="minor">
+            <a:schemeClr val="tx1"/>
+          </a:fontRef>
+        </p:style>
+      </p:cxnSp>
+      <p:cxnSp>
+        <p:nvCxnSpPr>
+          <p:cNvPr id="11" name="Straight Arrow Connector 10"/>
+          <p:cNvCxnSpPr/>
+          <p:nvPr/>
+        </p:nvCxnSpPr>
+        <p:spPr>
+          <a:xfrm flipH="1">
+            <a:off x="3279228" y="4531429"/>
+            <a:ext cx="1655379" cy="702724"/>
+          </a:xfrm>
+          <a:prstGeom prst="straightConnector1">
+            <a:avLst/>
+          </a:prstGeom>
+          <a:ln>
+            <a:tailEnd type="triangle"/>
+          </a:ln>
+        </p:spPr>
+        <p:style>
+          <a:lnRef idx="1">
+            <a:schemeClr val="accent1"/>
+          </a:lnRef>
+          <a:fillRef idx="0">
+            <a:schemeClr val="accent1"/>
+          </a:fillRef>
+          <a:effectRef idx="0">
+            <a:schemeClr val="accent1"/>
+          </a:effectRef>
+          <a:fontRef idx="minor">
+            <a:schemeClr val="tx1"/>
+          </a:fontRef>
+        </p:style>
+      </p:cxnSp>
+      <p:cxnSp>
+        <p:nvCxnSpPr>
+          <p:cNvPr id="14" name="Straight Arrow Connector 13"/>
+          <p:cNvCxnSpPr/>
+          <p:nvPr/>
+        </p:nvCxnSpPr>
+        <p:spPr>
+          <a:xfrm>
+            <a:off x="2017986" y="4531429"/>
+            <a:ext cx="2619703" cy="702724"/>
+          </a:xfrm>
+          <a:prstGeom prst="straightConnector1">
+            <a:avLst/>
+          </a:prstGeom>
+          <a:ln>
+            <a:tailEnd type="triangle"/>
+          </a:ln>
+        </p:spPr>
+        <p:style>
+          <a:lnRef idx="1">
+            <a:schemeClr val="accent1"/>
+          </a:lnRef>
+          <a:fillRef idx="0">
+            <a:schemeClr val="accent1"/>
+          </a:fillRef>
+          <a:effectRef idx="0">
+            <a:schemeClr val="accent1"/>
+          </a:effectRef>
+          <a:fontRef idx="minor">
+            <a:schemeClr val="tx1"/>
+          </a:fontRef>
+        </p:style>
+      </p:cxnSp>
+      <p:cxnSp>
+        <p:nvCxnSpPr>
+          <p:cNvPr id="17" name="Straight Arrow Connector 16"/>
+          <p:cNvCxnSpPr/>
+          <p:nvPr/>
+        </p:nvCxnSpPr>
+        <p:spPr>
+          <a:xfrm>
+            <a:off x="2591618" y="4607629"/>
+            <a:ext cx="2077602" cy="626524"/>
+          </a:xfrm>
+          <a:prstGeom prst="straightConnector1">
+            <a:avLst/>
+          </a:prstGeom>
+          <a:ln>
+            <a:tailEnd type="triangle"/>
+          </a:ln>
+        </p:spPr>
+        <p:style>
+          <a:lnRef idx="1">
+            <a:schemeClr val="accent1"/>
+          </a:lnRef>
+          <a:fillRef idx="0">
+            <a:schemeClr val="accent1"/>
+          </a:fillRef>
+          <a:effectRef idx="0">
+            <a:schemeClr val="accent1"/>
+          </a:effectRef>
+          <a:fontRef idx="minor">
+            <a:schemeClr val="tx1"/>
+          </a:fontRef>
+        </p:style>
+      </p:cxnSp>
+      <p:cxnSp>
+        <p:nvCxnSpPr>
+          <p:cNvPr id="20" name="Straight Arrow Connector 19"/>
+          <p:cNvCxnSpPr/>
+          <p:nvPr/>
+        </p:nvCxnSpPr>
+        <p:spPr>
+          <a:xfrm>
+            <a:off x="3327837" y="4569529"/>
+            <a:ext cx="1219200" cy="664624"/>
+          </a:xfrm>
+          <a:prstGeom prst="straightConnector1">
+            <a:avLst/>
+          </a:prstGeom>
+          <a:ln>
+            <a:tailEnd type="triangle"/>
+          </a:ln>
+        </p:spPr>
+        <p:style>
+          <a:lnRef idx="1">
+            <a:schemeClr val="accent1"/>
+          </a:lnRef>
+          <a:fillRef idx="0">
+            <a:schemeClr val="accent1"/>
+          </a:fillRef>
+          <a:effectRef idx="0">
+            <a:schemeClr val="accent1"/>
+          </a:effectRef>
+          <a:fontRef idx="minor">
+            <a:schemeClr val="tx1"/>
+          </a:fontRef>
+        </p:style>
+      </p:cxnSp>
+      <p:cxnSp>
+        <p:nvCxnSpPr>
+          <p:cNvPr id="24" name="Straight Arrow Connector 23"/>
+          <p:cNvCxnSpPr/>
+          <p:nvPr/>
+        </p:nvCxnSpPr>
+        <p:spPr>
+          <a:xfrm>
+            <a:off x="4137135" y="4569529"/>
+            <a:ext cx="500554" cy="664624"/>
+          </a:xfrm>
+          <a:prstGeom prst="straightConnector1">
+            <a:avLst/>
+          </a:prstGeom>
+          <a:ln>
+            <a:tailEnd type="triangle"/>
+          </a:ln>
+        </p:spPr>
+        <p:style>
+          <a:lnRef idx="1">
+            <a:schemeClr val="accent1"/>
+          </a:lnRef>
+          <a:fillRef idx="0">
+            <a:schemeClr val="accent1"/>
+          </a:fillRef>
+          <a:effectRef idx="0">
+            <a:schemeClr val="accent1"/>
+          </a:effectRef>
+          <a:fontRef idx="minor">
+            <a:schemeClr val="tx1"/>
+          </a:fontRef>
+        </p:style>
+      </p:cxnSp>
+      <p:cxnSp>
+        <p:nvCxnSpPr>
+          <p:cNvPr id="27" name="Straight Arrow Connector 26"/>
+          <p:cNvCxnSpPr/>
+          <p:nvPr/>
+        </p:nvCxnSpPr>
+        <p:spPr>
+          <a:xfrm>
+            <a:off x="2017986" y="4569529"/>
+            <a:ext cx="3736427" cy="664624"/>
+          </a:xfrm>
+          <a:prstGeom prst="straightConnector1">
+            <a:avLst/>
+          </a:prstGeom>
+          <a:ln>
+            <a:tailEnd type="triangle"/>
+          </a:ln>
+        </p:spPr>
+        <p:style>
+          <a:lnRef idx="1">
+            <a:schemeClr val="accent1"/>
+          </a:lnRef>
+          <a:fillRef idx="0">
+            <a:schemeClr val="accent1"/>
+          </a:fillRef>
+          <a:effectRef idx="0">
+            <a:schemeClr val="accent1"/>
+          </a:effectRef>
+          <a:fontRef idx="minor">
+            <a:schemeClr val="tx1"/>
+          </a:fontRef>
+        </p:style>
+      </p:cxnSp>
+      <p:cxnSp>
+        <p:nvCxnSpPr>
+          <p:cNvPr id="30" name="Straight Arrow Connector 29"/>
+          <p:cNvCxnSpPr/>
+          <p:nvPr/>
+        </p:nvCxnSpPr>
+        <p:spPr>
+          <a:xfrm>
+            <a:off x="2017986" y="4569529"/>
+            <a:ext cx="4445876" cy="702724"/>
+          </a:xfrm>
+          <a:prstGeom prst="straightConnector1">
+            <a:avLst/>
+          </a:prstGeom>
+          <a:ln>
+            <a:tailEnd type="triangle"/>
+          </a:ln>
+        </p:spPr>
+        <p:style>
+          <a:lnRef idx="1">
+            <a:schemeClr val="accent1"/>
+          </a:lnRef>
+          <a:fillRef idx="0">
+            <a:schemeClr val="accent1"/>
+          </a:fillRef>
+          <a:effectRef idx="0">
+            <a:schemeClr val="accent1"/>
+          </a:effectRef>
+          <a:fontRef idx="minor">
+            <a:schemeClr val="tx1"/>
+          </a:fontRef>
+        </p:style>
+      </p:cxnSp>
+      <p:cxnSp>
+        <p:nvCxnSpPr>
+          <p:cNvPr id="33" name="Straight Arrow Connector 32"/>
+          <p:cNvCxnSpPr/>
+          <p:nvPr/>
+        </p:nvCxnSpPr>
+        <p:spPr>
+          <a:xfrm>
+            <a:off x="2017986" y="4569529"/>
+            <a:ext cx="5155324" cy="702724"/>
+          </a:xfrm>
+          <a:prstGeom prst="straightConnector1">
+            <a:avLst/>
+          </a:prstGeom>
+          <a:ln>
+            <a:tailEnd type="triangle"/>
+          </a:ln>
+        </p:spPr>
+        <p:style>
+          <a:lnRef idx="1">
+            <a:schemeClr val="accent1"/>
+          </a:lnRef>
+          <a:fillRef idx="0">
+            <a:schemeClr val="accent1"/>
+          </a:fillRef>
+          <a:effectRef idx="0">
+            <a:schemeClr val="accent1"/>
+          </a:effectRef>
+          <a:fontRef idx="minor">
+            <a:schemeClr val="tx1"/>
+          </a:fontRef>
+        </p:style>
+      </p:cxnSp>
+      <p:cxnSp>
+        <p:nvCxnSpPr>
+          <p:cNvPr id="36" name="Straight Arrow Connector 35"/>
+          <p:cNvCxnSpPr/>
+          <p:nvPr/>
+        </p:nvCxnSpPr>
+        <p:spPr>
+          <a:xfrm>
+            <a:off x="7060325" y="4518213"/>
+            <a:ext cx="709447" cy="715940"/>
+          </a:xfrm>
+          <a:prstGeom prst="straightConnector1">
+            <a:avLst/>
+          </a:prstGeom>
+          <a:ln>
+            <a:tailEnd type="triangle"/>
+          </a:ln>
+        </p:spPr>
+        <p:style>
+          <a:lnRef idx="1">
+            <a:schemeClr val="accent1"/>
+          </a:lnRef>
+          <a:fillRef idx="0">
+            <a:schemeClr val="accent1"/>
+          </a:fillRef>
+          <a:effectRef idx="0">
+            <a:schemeClr val="accent1"/>
+          </a:effectRef>
+          <a:fontRef idx="minor">
+            <a:schemeClr val="tx1"/>
+          </a:fontRef>
+        </p:style>
+      </p:cxnSp>
+      <p:cxnSp>
+        <p:nvCxnSpPr>
+          <p:cNvPr id="40" name="Straight Arrow Connector 39"/>
+          <p:cNvCxnSpPr/>
+          <p:nvPr/>
+        </p:nvCxnSpPr>
+        <p:spPr>
+          <a:xfrm>
+            <a:off x="7867811" y="4543871"/>
+            <a:ext cx="498423" cy="728382"/>
+          </a:xfrm>
+          <a:prstGeom prst="straightConnector1">
+            <a:avLst/>
+          </a:prstGeom>
+          <a:ln>
+            <a:tailEnd type="triangle"/>
+          </a:ln>
+        </p:spPr>
+        <p:style>
+          <a:lnRef idx="1">
+            <a:schemeClr val="accent1"/>
+          </a:lnRef>
+          <a:fillRef idx="0">
+            <a:schemeClr val="accent1"/>
+          </a:fillRef>
+          <a:effectRef idx="0">
+            <a:schemeClr val="accent1"/>
+          </a:effectRef>
+          <a:fontRef idx="minor">
+            <a:schemeClr val="tx1"/>
+          </a:fontRef>
+        </p:style>
+      </p:cxnSp>
     </p:spTree>
     <p:extLst>
       <p:ext uri="{BB962C8B-B14F-4D97-AF65-F5344CB8AC3E}">
-        <p14:creationId xmlns:p14="http://schemas.microsoft.com/office/powerpoint/2010/main" val="1704676070"/>
+        <p14:creationId xmlns:p14="http://schemas.microsoft.com/office/powerpoint/2010/main" val="329996615"/>
+      </p:ext>
+    </p:extLst>
+  </p:cSld>
+  <p:clrMapOvr>
+    <a:masterClrMapping/>
+  </p:clrMapOvr>
+  <p:timing>
+    <p:tnLst>
+      <p:par>
+        <p:cTn id="1" dur="indefinite" restart="never" nodeType="tmRoot"/>
+      </p:par>
+    </p:tnLst>
+  </p:timing>
+</p:sld>
+</file>
+
+<file path=ppt/slides/slide13.xml><?xml version="1.0" encoding="utf-8"?>
+<p:sld xmlns:a="http://schemas.openxmlformats.org/drawingml/2006/main" xmlns:r="http://schemas.openxmlformats.org/officeDocument/2006/relationships" xmlns:p="http://schemas.openxmlformats.org/presentationml/2006/main">
+  <p:cSld>
+    <p:spTree>
+      <p:nvGrpSpPr>
+        <p:cNvPr id="1" name=""/>
+        <p:cNvGrpSpPr/>
+        <p:nvPr/>
+      </p:nvGrpSpPr>
+      <p:grpSpPr>
+        <a:xfrm>
+          <a:off x="0" y="0"/>
+          <a:ext cx="0" cy="0"/>
+          <a:chOff x="0" y="0"/>
+          <a:chExt cx="0" cy="0"/>
+        </a:xfrm>
+      </p:grpSpPr>
+      <p:sp>
+        <p:nvSpPr>
+          <p:cNvPr id="2" name="Title 1"/>
+          <p:cNvSpPr>
+            <a:spLocks noGrp="1"/>
+          </p:cNvSpPr>
+          <p:nvPr>
+            <p:ph type="title"/>
+          </p:nvPr>
+        </p:nvSpPr>
+        <p:spPr/>
+        <p:txBody>
+          <a:bodyPr/>
+          <a:lstStyle/>
+          <a:p>
+            <a:pPr algn="ctr"/>
+            <a:r>
+              <a:rPr lang="en-US" smtClean="0"/>
+              <a:t>Phrase-Table</a:t>
+            </a:r>
+            <a:endParaRPr lang="en-US"/>
+          </a:p>
+        </p:txBody>
+      </p:sp>
+      <p:sp>
+        <p:nvSpPr>
+          <p:cNvPr id="3" name="Content Placeholder 2"/>
+          <p:cNvSpPr>
+            <a:spLocks noGrp="1"/>
+          </p:cNvSpPr>
+          <p:nvPr>
+            <p:ph idx="1"/>
+          </p:nvPr>
+        </p:nvSpPr>
+        <p:spPr>
+          <a:xfrm>
+            <a:off x="838200" y="1825626"/>
+            <a:ext cx="10907110" cy="491906"/>
+          </a:xfrm>
+        </p:spPr>
+        <p:txBody>
+          <a:bodyPr>
+            <a:noAutofit/>
+          </a:bodyPr>
+          <a:lstStyle/>
+          <a:p>
+            <a:pPr marL="0" indent="0">
+              <a:buNone/>
+            </a:pPr>
+            <a:r>
+              <a:rPr lang="en-US" sz="2000" b="1" dirty="0" smtClean="0">
+                <a:solidFill>
+                  <a:srgbClr val="FF0000"/>
+                </a:solidFill>
+              </a:rPr>
+              <a:t>﻿! ! ! . . </a:t>
+            </a:r>
+            <a:r>
+              <a:rPr lang="en-US" sz="2000" dirty="0" smtClean="0"/>
+              <a:t>||| </a:t>
+            </a:r>
+            <a:r>
+              <a:rPr lang="en-US" sz="2000" b="1" dirty="0" smtClean="0">
+                <a:solidFill>
+                  <a:schemeClr val="accent1">
+                    <a:lumMod val="75000"/>
+                  </a:schemeClr>
+                </a:solidFill>
+              </a:rPr>
+              <a:t>People pass by houses </a:t>
+            </a:r>
+            <a:r>
+              <a:rPr lang="en-US" sz="2000" dirty="0" smtClean="0"/>
+              <a:t>||| </a:t>
+            </a:r>
+            <a:r>
+              <a:rPr lang="en-US" sz="2000" b="1" dirty="0" smtClean="0">
+                <a:solidFill>
+                  <a:schemeClr val="accent2"/>
+                </a:solidFill>
+              </a:rPr>
+              <a:t>0.2</a:t>
+            </a:r>
+            <a:r>
+              <a:rPr lang="en-US" sz="2000" dirty="0" smtClean="0"/>
+              <a:t> 5.34133e-10 </a:t>
+            </a:r>
+            <a:r>
+              <a:rPr lang="en-US" sz="2000" b="1" dirty="0" smtClean="0">
+                <a:solidFill>
+                  <a:schemeClr val="accent6">
+                    <a:lumMod val="60000"/>
+                    <a:lumOff val="40000"/>
+                  </a:schemeClr>
+                </a:solidFill>
+              </a:rPr>
+              <a:t>0.166667</a:t>
+            </a:r>
+            <a:r>
+              <a:rPr lang="en-US" sz="2000" dirty="0" smtClean="0"/>
+              <a:t> 4.38429e-14 ||| 0-1 ||| 5 6 1 |||</a:t>
+            </a:r>
+          </a:p>
+        </p:txBody>
+      </p:sp>
+      <p:sp>
+        <p:nvSpPr>
+          <p:cNvPr id="4" name="Rectangle 3"/>
+          <p:cNvSpPr/>
+          <p:nvPr/>
+        </p:nvSpPr>
+        <p:spPr>
+          <a:xfrm>
+            <a:off x="838200" y="2267804"/>
+            <a:ext cx="6633034" cy="400110"/>
+          </a:xfrm>
+          <a:prstGeom prst="rect">
+            <a:avLst/>
+          </a:prstGeom>
+        </p:spPr>
+        <p:txBody>
+          <a:bodyPr wrap="none">
+            <a:spAutoFit/>
+          </a:bodyPr>
+          <a:lstStyle/>
+          <a:p>
+            <a:r>
+              <a:rPr lang="en-US" sz="2000" b="1" dirty="0" smtClean="0">
+                <a:solidFill>
+                  <a:srgbClr val="FF0000"/>
+                </a:solidFill>
+              </a:rPr>
+              <a:t>source</a:t>
+            </a:r>
+            <a:r>
+              <a:rPr lang="en-US" sz="2000" dirty="0" smtClean="0"/>
+              <a:t>                    </a:t>
+            </a:r>
+            <a:r>
+              <a:rPr lang="en-US" sz="2000" b="1" dirty="0" smtClean="0">
+                <a:solidFill>
+                  <a:schemeClr val="accent1">
+                    <a:lumMod val="75000"/>
+                  </a:schemeClr>
+                </a:solidFill>
+              </a:rPr>
+              <a:t>target</a:t>
+            </a:r>
+            <a:r>
+              <a:rPr lang="en-US" sz="2000" dirty="0" smtClean="0"/>
+              <a:t>                         </a:t>
+            </a:r>
+            <a:r>
+              <a:rPr lang="en-US" sz="2000" b="1" dirty="0" smtClean="0">
+                <a:solidFill>
+                  <a:schemeClr val="accent2"/>
+                </a:solidFill>
+              </a:rPr>
+              <a:t>p(</a:t>
+            </a:r>
+            <a:r>
+              <a:rPr lang="en-US" sz="2000" b="1" dirty="0" err="1" smtClean="0">
+                <a:solidFill>
+                  <a:schemeClr val="accent2"/>
+                </a:solidFill>
+              </a:rPr>
+              <a:t>s|t</a:t>
+            </a:r>
+            <a:r>
+              <a:rPr lang="en-US" sz="2000" b="1" dirty="0" smtClean="0">
+                <a:solidFill>
+                  <a:schemeClr val="accent2"/>
+                </a:solidFill>
+              </a:rPr>
+              <a:t>)</a:t>
+            </a:r>
+            <a:r>
+              <a:rPr lang="en-US" sz="2000" dirty="0" smtClean="0"/>
+              <a:t>                       </a:t>
+            </a:r>
+            <a:r>
+              <a:rPr lang="en-US" sz="2000" b="1" dirty="0" smtClean="0">
+                <a:solidFill>
+                  <a:schemeClr val="accent6">
+                    <a:lumMod val="60000"/>
+                    <a:lumOff val="40000"/>
+                  </a:schemeClr>
+                </a:solidFill>
+              </a:rPr>
+              <a:t>p(</a:t>
+            </a:r>
+            <a:r>
+              <a:rPr lang="en-US" sz="2000" b="1" dirty="0" err="1" smtClean="0">
+                <a:solidFill>
+                  <a:schemeClr val="accent6">
+                    <a:lumMod val="60000"/>
+                    <a:lumOff val="40000"/>
+                  </a:schemeClr>
+                </a:solidFill>
+              </a:rPr>
+              <a:t>t|s</a:t>
+            </a:r>
+            <a:r>
+              <a:rPr lang="en-US" sz="2000" b="1" dirty="0" smtClean="0">
+                <a:solidFill>
+                  <a:schemeClr val="accent6">
+                    <a:lumMod val="60000"/>
+                    <a:lumOff val="40000"/>
+                  </a:schemeClr>
+                </a:solidFill>
+              </a:rPr>
+              <a:t>)</a:t>
+            </a:r>
+          </a:p>
+        </p:txBody>
+      </p:sp>
+      <p:sp>
+        <p:nvSpPr>
+          <p:cNvPr id="5" name="TextBox 4"/>
+          <p:cNvSpPr txBox="1"/>
+          <p:nvPr/>
+        </p:nvSpPr>
+        <p:spPr>
+          <a:xfrm>
+            <a:off x="838200" y="3110091"/>
+            <a:ext cx="10323786" cy="400110"/>
+          </a:xfrm>
+          <a:prstGeom prst="rect">
+            <a:avLst/>
+          </a:prstGeom>
+          <a:noFill/>
+        </p:spPr>
+        <p:txBody>
+          <a:bodyPr wrap="square" rtlCol="0">
+            <a:spAutoFit/>
+          </a:bodyPr>
+          <a:lstStyle/>
+          <a:p>
+            <a:pPr marL="342900" indent="-342900">
+              <a:buFont typeface="Arial" charset="0"/>
+              <a:buChar char="•"/>
+            </a:pPr>
+            <a:r>
+              <a:rPr lang="en-US" sz="2000" dirty="0" smtClean="0"/>
+              <a:t>3</a:t>
+            </a:r>
+            <a:r>
+              <a:rPr lang="en-US" sz="2000" dirty="0" smtClean="0"/>
+              <a:t>60,000</a:t>
+            </a:r>
+            <a:r>
+              <a:rPr lang="en-US" sz="2000" dirty="0" smtClean="0"/>
+              <a:t> </a:t>
+            </a:r>
+            <a:r>
+              <a:rPr lang="en-US" sz="2000" smtClean="0"/>
+              <a:t>translation rules</a:t>
+            </a:r>
+            <a:endParaRPr lang="en-US" sz="2000" dirty="0" smtClean="0"/>
+          </a:p>
+        </p:txBody>
+      </p:sp>
+    </p:spTree>
+    <p:extLst>
+      <p:ext uri="{BB962C8B-B14F-4D97-AF65-F5344CB8AC3E}">
+        <p14:creationId xmlns:p14="http://schemas.microsoft.com/office/powerpoint/2010/main" val="246661161"/>
+      </p:ext>
+    </p:extLst>
+  </p:cSld>
+  <p:clrMapOvr>
+    <a:masterClrMapping/>
+  </p:clrMapOvr>
+  <p:timing>
+    <p:tnLst>
+      <p:par>
+        <p:cTn id="1" dur="indefinite" restart="never" nodeType="tmRoot"/>
+      </p:par>
+    </p:tnLst>
+  </p:timing>
+</p:sld>
+</file>
+
+<file path=ppt/slides/slide14.xml><?xml version="1.0" encoding="utf-8"?>
+<p:sld xmlns:a="http://schemas.openxmlformats.org/drawingml/2006/main" xmlns:r="http://schemas.openxmlformats.org/officeDocument/2006/relationships" xmlns:p="http://schemas.openxmlformats.org/presentationml/2006/main">
+  <p:cSld>
+    <p:spTree>
+      <p:nvGrpSpPr>
+        <p:cNvPr id="1" name=""/>
+        <p:cNvGrpSpPr/>
+        <p:nvPr/>
+      </p:nvGrpSpPr>
+      <p:grpSpPr>
+        <a:xfrm>
+          <a:off x="0" y="0"/>
+          <a:ext cx="0" cy="0"/>
+          <a:chOff x="0" y="0"/>
+          <a:chExt cx="0" cy="0"/>
+        </a:xfrm>
+      </p:grpSpPr>
+      <p:sp>
+        <p:nvSpPr>
+          <p:cNvPr id="2" name="Title 1"/>
+          <p:cNvSpPr>
+            <a:spLocks noGrp="1"/>
+          </p:cNvSpPr>
+          <p:nvPr>
+            <p:ph type="title"/>
+          </p:nvPr>
+        </p:nvSpPr>
+        <p:spPr/>
+        <p:txBody>
+          <a:bodyPr/>
+          <a:lstStyle/>
+          <a:p>
+            <a:pPr algn="ctr"/>
+            <a:r>
+              <a:rPr lang="en-US" smtClean="0"/>
+              <a:t>SMT Pipeline</a:t>
+            </a:r>
+            <a:endParaRPr lang="en-US"/>
+          </a:p>
+        </p:txBody>
+      </p:sp>
+      <p:sp>
+        <p:nvSpPr>
+          <p:cNvPr id="4" name="Rectangle 2"/>
+          <p:cNvSpPr>
+            <a:spLocks noChangeArrowheads="1"/>
+          </p:cNvSpPr>
+          <p:nvPr/>
+        </p:nvSpPr>
+        <p:spPr bwMode="auto">
+          <a:xfrm>
+            <a:off x="1919289" y="491053"/>
+            <a:ext cx="1933575" cy="1379405"/>
+          </a:xfrm>
+          <a:prstGeom prst="rect">
+            <a:avLst/>
+          </a:prstGeom>
+          <a:noFill/>
+          <a:ln w="9360">
+            <a:solidFill>
+              <a:srgbClr val="000000">
+                <a:alpha val="54000"/>
+              </a:srgbClr>
+            </a:solidFill>
+            <a:miter lim="800000"/>
+            <a:headEnd/>
+            <a:tailEnd/>
+          </a:ln>
+        </p:spPr>
+        <p:txBody>
+          <a:bodyPr lIns="90000" tIns="45000" rIns="90000" bIns="45000">
+            <a:prstTxWarp prst="textNoShape">
+              <a:avLst/>
+            </a:prstTxWarp>
+          </a:bodyPr>
+          <a:lstStyle/>
+          <a:p>
+            <a:pPr>
+              <a:lnSpc>
+                <a:spcPct val="102000"/>
+              </a:lnSpc>
+              <a:tabLst>
+                <a:tab pos="723900" algn="l"/>
+                <a:tab pos="1447800" algn="l"/>
+              </a:tabLst>
+            </a:pPr>
+            <a:r>
+              <a:rPr lang="en-GB" sz="2000" dirty="0" err="1">
+                <a:solidFill>
+                  <a:schemeClr val="bg1">
+                    <a:lumMod val="75000"/>
+                  </a:schemeClr>
+                </a:solidFill>
+                <a:latin typeface="Calibri" pitchFamily="-65" charset="0"/>
+                <a:ea typeface="Arial Unicode MS" pitchFamily="-65" charset="0"/>
+                <a:cs typeface="Arial Unicode MS" pitchFamily="-65" charset="0"/>
+              </a:rPr>
+              <a:t>Preprocessing</a:t>
+            </a:r>
+            <a:endParaRPr lang="en-GB" sz="2000" dirty="0">
+              <a:solidFill>
+                <a:schemeClr val="bg1">
+                  <a:lumMod val="75000"/>
+                </a:schemeClr>
+              </a:solidFill>
+              <a:latin typeface="Calibri" pitchFamily="-65" charset="0"/>
+              <a:ea typeface="Arial Unicode MS" pitchFamily="-65" charset="0"/>
+              <a:cs typeface="Arial Unicode MS" pitchFamily="-65" charset="0"/>
+            </a:endParaRPr>
+          </a:p>
+          <a:p>
+            <a:pPr>
+              <a:lnSpc>
+                <a:spcPct val="102000"/>
+              </a:lnSpc>
+              <a:tabLst>
+                <a:tab pos="723900" algn="l"/>
+                <a:tab pos="1447800" algn="l"/>
+              </a:tabLst>
+            </a:pPr>
+            <a:r>
+              <a:rPr lang="en-GB" sz="2000" dirty="0">
+                <a:solidFill>
+                  <a:schemeClr val="bg1">
+                    <a:lumMod val="75000"/>
+                  </a:schemeClr>
+                </a:solidFill>
+                <a:latin typeface="Calibri" pitchFamily="-65" charset="0"/>
+                <a:ea typeface="Arial Unicode MS" pitchFamily="-65" charset="0"/>
+                <a:cs typeface="Arial Unicode MS" pitchFamily="-65" charset="0"/>
+              </a:rPr>
+              <a:t>   - clean</a:t>
+            </a:r>
+          </a:p>
+          <a:p>
+            <a:pPr>
+              <a:lnSpc>
+                <a:spcPct val="102000"/>
+              </a:lnSpc>
+              <a:tabLst>
+                <a:tab pos="723900" algn="l"/>
+                <a:tab pos="1447800" algn="l"/>
+              </a:tabLst>
+            </a:pPr>
+            <a:r>
+              <a:rPr lang="en-GB" sz="2000" dirty="0">
+                <a:solidFill>
+                  <a:schemeClr val="bg1">
+                    <a:lumMod val="75000"/>
+                  </a:schemeClr>
+                </a:solidFill>
+                <a:latin typeface="Calibri" pitchFamily="-65" charset="0"/>
+                <a:ea typeface="Arial Unicode MS" pitchFamily="-65" charset="0"/>
+                <a:cs typeface="Arial Unicode MS" pitchFamily="-65" charset="0"/>
+              </a:rPr>
+              <a:t>   - </a:t>
+            </a:r>
+            <a:r>
+              <a:rPr lang="en-GB" sz="2000" strike="sngStrike" dirty="0">
+                <a:solidFill>
+                  <a:schemeClr val="bg1">
+                    <a:lumMod val="75000"/>
+                  </a:schemeClr>
+                </a:solidFill>
+                <a:latin typeface="Calibri" pitchFamily="-65" charset="0"/>
+                <a:ea typeface="Arial Unicode MS" pitchFamily="-65" charset="0"/>
+                <a:cs typeface="Arial Unicode MS" pitchFamily="-65" charset="0"/>
+              </a:rPr>
+              <a:t>tokenize</a:t>
+            </a:r>
+          </a:p>
+          <a:p>
+            <a:pPr>
+              <a:lnSpc>
+                <a:spcPct val="102000"/>
+              </a:lnSpc>
+              <a:tabLst>
+                <a:tab pos="723900" algn="l"/>
+                <a:tab pos="1447800" algn="l"/>
+              </a:tabLst>
+            </a:pPr>
+            <a:r>
+              <a:rPr lang="en-GB" sz="2000" dirty="0">
+                <a:solidFill>
+                  <a:schemeClr val="bg1">
+                    <a:lumMod val="75000"/>
+                  </a:schemeClr>
+                </a:solidFill>
+                <a:latin typeface="Calibri" pitchFamily="-65" charset="0"/>
+                <a:ea typeface="Arial Unicode MS" pitchFamily="-65" charset="0"/>
+                <a:cs typeface="Arial Unicode MS" pitchFamily="-65" charset="0"/>
+              </a:rPr>
+              <a:t>   - </a:t>
+            </a:r>
+            <a:r>
+              <a:rPr lang="en-GB" sz="2000" strike="sngStrike" dirty="0">
+                <a:solidFill>
+                  <a:schemeClr val="bg1">
+                    <a:lumMod val="75000"/>
+                  </a:schemeClr>
+                </a:solidFill>
+                <a:latin typeface="Calibri" pitchFamily="-65" charset="0"/>
+                <a:ea typeface="Arial Unicode MS" pitchFamily="-65" charset="0"/>
+                <a:cs typeface="Arial Unicode MS" pitchFamily="-65" charset="0"/>
+              </a:rPr>
+              <a:t>lowercase</a:t>
+            </a:r>
+          </a:p>
+        </p:txBody>
+      </p:sp>
+      <p:sp>
+        <p:nvSpPr>
+          <p:cNvPr id="5" name="Rectangle 3"/>
+          <p:cNvSpPr>
+            <a:spLocks noChangeArrowheads="1"/>
+          </p:cNvSpPr>
+          <p:nvPr/>
+        </p:nvSpPr>
+        <p:spPr bwMode="auto">
+          <a:xfrm>
+            <a:off x="2200276" y="2097354"/>
+            <a:ext cx="1371600" cy="433388"/>
+          </a:xfrm>
+          <a:prstGeom prst="rect">
+            <a:avLst/>
+          </a:prstGeom>
+          <a:noFill/>
+          <a:ln w="9360">
+            <a:solidFill>
+              <a:srgbClr val="000000">
+                <a:alpha val="0"/>
+              </a:srgbClr>
+            </a:solidFill>
+            <a:miter lim="800000"/>
+            <a:headEnd/>
+            <a:tailEnd/>
+          </a:ln>
+        </p:spPr>
+        <p:txBody>
+          <a:bodyPr lIns="90000" tIns="45000" rIns="90000" bIns="45000">
+            <a:prstTxWarp prst="textNoShape">
+              <a:avLst/>
+            </a:prstTxWarp>
+          </a:bodyPr>
+          <a:lstStyle/>
+          <a:p>
+            <a:pPr>
+              <a:lnSpc>
+                <a:spcPct val="102000"/>
+              </a:lnSpc>
+              <a:tabLst>
+                <a:tab pos="723900" algn="l"/>
+                <a:tab pos="1447800" algn="l"/>
+                <a:tab pos="2171700" algn="l"/>
+              </a:tabLst>
+            </a:pPr>
+            <a:r>
+              <a:rPr lang="en-GB" sz="2000" dirty="0">
+                <a:solidFill>
+                  <a:srgbClr val="000000"/>
+                </a:solidFill>
+                <a:latin typeface="Calibri" pitchFamily="-65" charset="0"/>
+                <a:ea typeface="Arial Unicode MS" pitchFamily="-65" charset="0"/>
+                <a:cs typeface="Arial Unicode MS" pitchFamily="-65" charset="0"/>
+              </a:rPr>
+              <a:t>Alignment</a:t>
+            </a:r>
+          </a:p>
+        </p:txBody>
+      </p:sp>
+      <p:sp>
+        <p:nvSpPr>
+          <p:cNvPr id="6" name="Rectangle 4"/>
+          <p:cNvSpPr>
+            <a:spLocks noChangeArrowheads="1"/>
+          </p:cNvSpPr>
+          <p:nvPr/>
+        </p:nvSpPr>
+        <p:spPr bwMode="auto">
+          <a:xfrm>
+            <a:off x="2402682" y="3480290"/>
+            <a:ext cx="966787" cy="457200"/>
+          </a:xfrm>
+          <a:prstGeom prst="rect">
+            <a:avLst/>
+          </a:prstGeom>
+          <a:noFill/>
+          <a:ln w="25400">
+            <a:solidFill>
+              <a:srgbClr val="FF0000"/>
+            </a:solidFill>
+            <a:miter lim="800000"/>
+            <a:headEnd/>
+            <a:tailEnd/>
+          </a:ln>
+        </p:spPr>
+        <p:txBody>
+          <a:bodyPr lIns="90000" tIns="45000" rIns="90000" bIns="45000">
+            <a:prstTxWarp prst="textNoShape">
+              <a:avLst/>
+            </a:prstTxWarp>
+          </a:bodyPr>
+          <a:lstStyle/>
+          <a:p>
+            <a:pPr>
+              <a:lnSpc>
+                <a:spcPct val="102000"/>
+              </a:lnSpc>
+              <a:tabLst>
+                <a:tab pos="723900" algn="l"/>
+              </a:tabLst>
+            </a:pPr>
+            <a:r>
+              <a:rPr lang="en-GB" sz="2000" dirty="0">
+                <a:solidFill>
+                  <a:srgbClr val="000000"/>
+                </a:solidFill>
+                <a:latin typeface="Calibri" pitchFamily="-65" charset="0"/>
+                <a:ea typeface="Arial Unicode MS" pitchFamily="-65" charset="0"/>
+                <a:cs typeface="Arial Unicode MS" pitchFamily="-65" charset="0"/>
+              </a:rPr>
+              <a:t>Tuning</a:t>
+            </a:r>
+          </a:p>
+        </p:txBody>
+      </p:sp>
+      <p:sp>
+        <p:nvSpPr>
+          <p:cNvPr id="7" name="Rectangle 5"/>
+          <p:cNvSpPr>
+            <a:spLocks noChangeArrowheads="1"/>
+          </p:cNvSpPr>
+          <p:nvPr/>
+        </p:nvSpPr>
+        <p:spPr bwMode="auto">
+          <a:xfrm>
+            <a:off x="1919289" y="4789285"/>
+            <a:ext cx="1930400" cy="1016000"/>
+          </a:xfrm>
+          <a:prstGeom prst="rect">
+            <a:avLst/>
+          </a:prstGeom>
+          <a:noFill/>
+          <a:ln w="9360">
+            <a:solidFill>
+              <a:srgbClr val="000000">
+                <a:alpha val="54000"/>
+              </a:srgbClr>
+            </a:solidFill>
+            <a:miter lim="800000"/>
+            <a:headEnd/>
+            <a:tailEnd/>
+          </a:ln>
+        </p:spPr>
+        <p:txBody>
+          <a:bodyPr lIns="90000" tIns="45000" rIns="90000" bIns="45000">
+            <a:prstTxWarp prst="textNoShape">
+              <a:avLst/>
+            </a:prstTxWarp>
+          </a:bodyPr>
+          <a:lstStyle/>
+          <a:p>
+            <a:pPr>
+              <a:lnSpc>
+                <a:spcPct val="102000"/>
+              </a:lnSpc>
+              <a:tabLst>
+                <a:tab pos="723900" algn="l"/>
+                <a:tab pos="1447800" algn="l"/>
+              </a:tabLst>
+            </a:pPr>
+            <a:r>
+              <a:rPr lang="en-GB" sz="2000" dirty="0" err="1">
+                <a:solidFill>
+                  <a:schemeClr val="bg1">
+                    <a:lumMod val="75000"/>
+                  </a:schemeClr>
+                </a:solidFill>
+                <a:latin typeface="Calibri" pitchFamily="-65" charset="0"/>
+                <a:ea typeface="Arial Unicode MS" pitchFamily="-65" charset="0"/>
+                <a:cs typeface="Arial Unicode MS" pitchFamily="-65" charset="0"/>
+              </a:rPr>
+              <a:t>Postprocessing</a:t>
+            </a:r>
+            <a:endParaRPr lang="en-GB" sz="2000" dirty="0">
+              <a:solidFill>
+                <a:schemeClr val="bg1">
+                  <a:lumMod val="75000"/>
+                </a:schemeClr>
+              </a:solidFill>
+              <a:latin typeface="Calibri" pitchFamily="-65" charset="0"/>
+              <a:ea typeface="Arial Unicode MS" pitchFamily="-65" charset="0"/>
+              <a:cs typeface="Arial Unicode MS" pitchFamily="-65" charset="0"/>
+            </a:endParaRPr>
+          </a:p>
+          <a:p>
+            <a:pPr>
+              <a:lnSpc>
+                <a:spcPct val="102000"/>
+              </a:lnSpc>
+              <a:tabLst>
+                <a:tab pos="723900" algn="l"/>
+                <a:tab pos="1447800" algn="l"/>
+              </a:tabLst>
+            </a:pPr>
+            <a:r>
+              <a:rPr lang="en-GB" sz="2000" dirty="0">
+                <a:solidFill>
+                  <a:schemeClr val="bg1">
+                    <a:lumMod val="75000"/>
+                  </a:schemeClr>
+                </a:solidFill>
+                <a:latin typeface="Calibri" pitchFamily="-65" charset="0"/>
+                <a:ea typeface="Arial Unicode MS" pitchFamily="-65" charset="0"/>
+                <a:cs typeface="Arial Unicode MS" pitchFamily="-65" charset="0"/>
+              </a:rPr>
+              <a:t>  - </a:t>
+            </a:r>
+            <a:r>
+              <a:rPr lang="en-GB" sz="2000" dirty="0" err="1">
+                <a:solidFill>
+                  <a:schemeClr val="bg1">
+                    <a:lumMod val="75000"/>
+                  </a:schemeClr>
+                </a:solidFill>
+                <a:latin typeface="Calibri" pitchFamily="-65" charset="0"/>
+                <a:ea typeface="Arial Unicode MS" pitchFamily="-65" charset="0"/>
+                <a:cs typeface="Arial Unicode MS" pitchFamily="-65" charset="0"/>
+              </a:rPr>
+              <a:t>recasing</a:t>
+            </a:r>
+            <a:endParaRPr lang="en-GB" sz="2000" dirty="0">
+              <a:solidFill>
+                <a:schemeClr val="bg1">
+                  <a:lumMod val="75000"/>
+                </a:schemeClr>
+              </a:solidFill>
+              <a:latin typeface="Calibri" pitchFamily="-65" charset="0"/>
+              <a:ea typeface="Arial Unicode MS" pitchFamily="-65" charset="0"/>
+              <a:cs typeface="Arial Unicode MS" pitchFamily="-65" charset="0"/>
+            </a:endParaRPr>
+          </a:p>
+          <a:p>
+            <a:pPr>
+              <a:lnSpc>
+                <a:spcPct val="102000"/>
+              </a:lnSpc>
+              <a:tabLst>
+                <a:tab pos="723900" algn="l"/>
+                <a:tab pos="1447800" algn="l"/>
+              </a:tabLst>
+            </a:pPr>
+            <a:r>
+              <a:rPr lang="en-GB" sz="2000" dirty="0">
+                <a:solidFill>
+                  <a:schemeClr val="bg1">
+                    <a:lumMod val="75000"/>
+                  </a:schemeClr>
+                </a:solidFill>
+                <a:latin typeface="Calibri" pitchFamily="-65" charset="0"/>
+                <a:ea typeface="Arial Unicode MS" pitchFamily="-65" charset="0"/>
+                <a:cs typeface="Arial Unicode MS" pitchFamily="-65" charset="0"/>
+              </a:rPr>
+              <a:t>  - </a:t>
+            </a:r>
+            <a:r>
+              <a:rPr lang="en-GB" sz="2000" dirty="0" err="1">
+                <a:solidFill>
+                  <a:schemeClr val="bg1">
+                    <a:lumMod val="75000"/>
+                  </a:schemeClr>
+                </a:solidFill>
+                <a:latin typeface="Calibri" pitchFamily="-65" charset="0"/>
+                <a:ea typeface="Arial Unicode MS" pitchFamily="-65" charset="0"/>
+                <a:cs typeface="Arial Unicode MS" pitchFamily="-65" charset="0"/>
+              </a:rPr>
+              <a:t>detokenizer</a:t>
+            </a:r>
+            <a:endParaRPr lang="en-GB" sz="2000" dirty="0">
+              <a:solidFill>
+                <a:schemeClr val="bg1">
+                  <a:lumMod val="75000"/>
+                </a:schemeClr>
+              </a:solidFill>
+              <a:latin typeface="Calibri" pitchFamily="-65" charset="0"/>
+              <a:ea typeface="Arial Unicode MS" pitchFamily="-65" charset="0"/>
+              <a:cs typeface="Arial Unicode MS" pitchFamily="-65" charset="0"/>
+            </a:endParaRPr>
+          </a:p>
+        </p:txBody>
+      </p:sp>
+      <p:sp>
+        <p:nvSpPr>
+          <p:cNvPr id="8" name="Rectangle 6"/>
+          <p:cNvSpPr>
+            <a:spLocks noChangeArrowheads="1"/>
+          </p:cNvSpPr>
+          <p:nvPr/>
+        </p:nvSpPr>
+        <p:spPr bwMode="auto">
+          <a:xfrm>
+            <a:off x="1962945" y="5997148"/>
+            <a:ext cx="1843088" cy="711200"/>
+          </a:xfrm>
+          <a:prstGeom prst="rect">
+            <a:avLst/>
+          </a:prstGeom>
+          <a:noFill/>
+          <a:ln w="9525">
+            <a:solidFill>
+              <a:schemeClr val="tx1"/>
+            </a:solidFill>
+            <a:miter lim="800000"/>
+            <a:headEnd/>
+            <a:tailEnd/>
+          </a:ln>
+        </p:spPr>
+        <p:txBody>
+          <a:bodyPr lIns="90000" tIns="45000" rIns="90000" bIns="45000">
+            <a:prstTxWarp prst="textNoShape">
+              <a:avLst/>
+            </a:prstTxWarp>
+          </a:bodyPr>
+          <a:lstStyle/>
+          <a:p>
+            <a:pPr>
+              <a:lnSpc>
+                <a:spcPct val="102000"/>
+              </a:lnSpc>
+              <a:tabLst>
+                <a:tab pos="723900" algn="l"/>
+                <a:tab pos="1447800" algn="l"/>
+              </a:tabLst>
+            </a:pPr>
+            <a:r>
+              <a:rPr lang="en-GB" sz="2000">
+                <a:solidFill>
+                  <a:srgbClr val="000000"/>
+                </a:solidFill>
+                <a:latin typeface="Calibri" pitchFamily="-65" charset="0"/>
+                <a:ea typeface="Arial Unicode MS" pitchFamily="-65" charset="0"/>
+                <a:cs typeface="Arial Unicode MS" pitchFamily="-65" charset="0"/>
+              </a:rPr>
+              <a:t>Scoring</a:t>
+            </a:r>
+          </a:p>
+          <a:p>
+            <a:pPr>
+              <a:lnSpc>
+                <a:spcPct val="102000"/>
+              </a:lnSpc>
+              <a:tabLst>
+                <a:tab pos="723900" algn="l"/>
+                <a:tab pos="1447800" algn="l"/>
+              </a:tabLst>
+            </a:pPr>
+            <a:r>
+              <a:rPr lang="en-GB" sz="2000" dirty="0">
+                <a:solidFill>
+                  <a:srgbClr val="000000"/>
+                </a:solidFill>
+                <a:latin typeface="Calibri" pitchFamily="-65" charset="0"/>
+                <a:ea typeface="Arial Unicode MS" pitchFamily="-65" charset="0"/>
+                <a:cs typeface="Arial Unicode MS" pitchFamily="-65" charset="0"/>
+              </a:rPr>
+              <a:t>  - BLEU score</a:t>
+            </a:r>
+          </a:p>
+        </p:txBody>
+      </p:sp>
+      <p:sp>
+        <p:nvSpPr>
+          <p:cNvPr id="9" name="Rectangle 7"/>
+          <p:cNvSpPr>
+            <a:spLocks noChangeArrowheads="1"/>
+          </p:cNvSpPr>
+          <p:nvPr/>
+        </p:nvSpPr>
+        <p:spPr bwMode="auto">
+          <a:xfrm>
+            <a:off x="2251869" y="4192385"/>
+            <a:ext cx="1268412" cy="406400"/>
+          </a:xfrm>
+          <a:prstGeom prst="rect">
+            <a:avLst/>
+          </a:prstGeom>
+          <a:noFill/>
+          <a:ln w="9360">
+            <a:solidFill>
+              <a:srgbClr val="000000"/>
+            </a:solidFill>
+            <a:miter lim="800000"/>
+            <a:headEnd/>
+            <a:tailEnd/>
+          </a:ln>
+        </p:spPr>
+        <p:txBody>
+          <a:bodyPr lIns="90000" tIns="45000" rIns="90000" bIns="45000">
+            <a:prstTxWarp prst="textNoShape">
+              <a:avLst/>
+            </a:prstTxWarp>
+          </a:bodyPr>
+          <a:lstStyle/>
+          <a:p>
+            <a:pPr>
+              <a:lnSpc>
+                <a:spcPct val="102000"/>
+              </a:lnSpc>
+              <a:tabLst>
+                <a:tab pos="723900" algn="l"/>
+              </a:tabLst>
+            </a:pPr>
+            <a:r>
+              <a:rPr lang="en-GB" sz="2000">
+                <a:solidFill>
+                  <a:srgbClr val="000000"/>
+                </a:solidFill>
+                <a:latin typeface="Calibri" pitchFamily="-65" charset="0"/>
+                <a:ea typeface="Arial Unicode MS" pitchFamily="-65" charset="0"/>
+                <a:cs typeface="Arial Unicode MS" pitchFamily="-65" charset="0"/>
+              </a:rPr>
+              <a:t>Decoding</a:t>
+            </a:r>
+          </a:p>
+        </p:txBody>
+      </p:sp>
+      <p:sp>
+        <p:nvSpPr>
+          <p:cNvPr id="10" name="Rectangle 3"/>
+          <p:cNvSpPr>
+            <a:spLocks noChangeArrowheads="1"/>
+          </p:cNvSpPr>
+          <p:nvPr/>
+        </p:nvSpPr>
+        <p:spPr bwMode="auto">
+          <a:xfrm>
+            <a:off x="1889920" y="2815424"/>
+            <a:ext cx="1989137" cy="381450"/>
+          </a:xfrm>
+          <a:prstGeom prst="rect">
+            <a:avLst/>
+          </a:prstGeom>
+          <a:noFill/>
+          <a:ln w="9360">
+            <a:solidFill>
+              <a:srgbClr val="000000">
+                <a:alpha val="0"/>
+              </a:srgbClr>
+            </a:solidFill>
+            <a:miter lim="800000"/>
+            <a:headEnd/>
+            <a:tailEnd/>
+          </a:ln>
+        </p:spPr>
+        <p:txBody>
+          <a:bodyPr lIns="90000" tIns="45000" rIns="90000" bIns="45000">
+            <a:prstTxWarp prst="textNoShape">
+              <a:avLst/>
+            </a:prstTxWarp>
+          </a:bodyPr>
+          <a:lstStyle/>
+          <a:p>
+            <a:pPr>
+              <a:lnSpc>
+                <a:spcPct val="102000"/>
+              </a:lnSpc>
+              <a:tabLst>
+                <a:tab pos="723900" algn="l"/>
+                <a:tab pos="1447800" algn="l"/>
+                <a:tab pos="2171700" algn="l"/>
+              </a:tabLst>
+            </a:pPr>
+            <a:r>
+              <a:rPr lang="en-GB" dirty="0">
+                <a:solidFill>
+                  <a:srgbClr val="000000"/>
+                </a:solidFill>
+                <a:latin typeface="Calibri" pitchFamily="-65" charset="0"/>
+                <a:ea typeface="Arial Unicode MS" pitchFamily="-65" charset="0"/>
+                <a:cs typeface="Arial Unicode MS" pitchFamily="-65" charset="0"/>
+              </a:rPr>
+              <a:t>Phrase extraction</a:t>
+            </a:r>
+          </a:p>
+          <a:p>
+            <a:pPr>
+              <a:lnSpc>
+                <a:spcPct val="102000"/>
+              </a:lnSpc>
+              <a:tabLst>
+                <a:tab pos="723900" algn="l"/>
+                <a:tab pos="1447800" algn="l"/>
+                <a:tab pos="2171700" algn="l"/>
+              </a:tabLst>
+            </a:pPr>
+            <a:endParaRPr lang="en-GB" dirty="0">
+              <a:solidFill>
+                <a:srgbClr val="000000"/>
+              </a:solidFill>
+              <a:latin typeface="Calibri" pitchFamily="-65" charset="0"/>
+              <a:ea typeface="Arial Unicode MS" pitchFamily="-65" charset="0"/>
+              <a:cs typeface="Arial Unicode MS" pitchFamily="-65" charset="0"/>
+            </a:endParaRPr>
+          </a:p>
+        </p:txBody>
+      </p:sp>
+      <p:cxnSp>
+        <p:nvCxnSpPr>
+          <p:cNvPr id="11" name="Straight Arrow Connector 10"/>
+          <p:cNvCxnSpPr>
+            <a:endCxn id="4" idx="0"/>
+          </p:cNvCxnSpPr>
+          <p:nvPr/>
+        </p:nvCxnSpPr>
+        <p:spPr>
+          <a:xfrm>
+            <a:off x="2884489" y="-476517"/>
+            <a:ext cx="1588" cy="967570"/>
+          </a:xfrm>
+          <a:prstGeom prst="straightConnector1">
+            <a:avLst/>
+          </a:prstGeom>
+          <a:ln>
+            <a:tailEnd type="triangle"/>
+          </a:ln>
+        </p:spPr>
+        <p:style>
+          <a:lnRef idx="1">
+            <a:schemeClr val="accent1"/>
+          </a:lnRef>
+          <a:fillRef idx="0">
+            <a:schemeClr val="accent1"/>
+          </a:fillRef>
+          <a:effectRef idx="0">
+            <a:schemeClr val="accent1"/>
+          </a:effectRef>
+          <a:fontRef idx="minor">
+            <a:schemeClr val="tx1"/>
+          </a:fontRef>
+        </p:style>
+      </p:cxnSp>
+      <p:cxnSp>
+        <p:nvCxnSpPr>
+          <p:cNvPr id="14" name="Straight Arrow Connector 13"/>
+          <p:cNvCxnSpPr>
+            <a:stCxn id="4" idx="2"/>
+            <a:endCxn id="5" idx="0"/>
+          </p:cNvCxnSpPr>
+          <p:nvPr/>
+        </p:nvCxnSpPr>
+        <p:spPr>
+          <a:xfrm flipH="1">
+            <a:off x="2886076" y="1870458"/>
+            <a:ext cx="1" cy="226896"/>
+          </a:xfrm>
+          <a:prstGeom prst="straightConnector1">
+            <a:avLst/>
+          </a:prstGeom>
+          <a:ln>
+            <a:tailEnd type="triangle"/>
+          </a:ln>
+        </p:spPr>
+        <p:style>
+          <a:lnRef idx="1">
+            <a:schemeClr val="accent1"/>
+          </a:lnRef>
+          <a:fillRef idx="0">
+            <a:schemeClr val="accent1"/>
+          </a:fillRef>
+          <a:effectRef idx="0">
+            <a:schemeClr val="accent1"/>
+          </a:effectRef>
+          <a:fontRef idx="minor">
+            <a:schemeClr val="tx1"/>
+          </a:fontRef>
+        </p:style>
+      </p:cxnSp>
+      <p:cxnSp>
+        <p:nvCxnSpPr>
+          <p:cNvPr id="18" name="Straight Arrow Connector 17"/>
+          <p:cNvCxnSpPr>
+            <a:stCxn id="5" idx="2"/>
+            <a:endCxn id="10" idx="0"/>
+          </p:cNvCxnSpPr>
+          <p:nvPr/>
+        </p:nvCxnSpPr>
+        <p:spPr>
+          <a:xfrm flipH="1">
+            <a:off x="2884489" y="2530742"/>
+            <a:ext cx="1587" cy="284682"/>
+          </a:xfrm>
+          <a:prstGeom prst="straightConnector1">
+            <a:avLst/>
+          </a:prstGeom>
+          <a:ln>
+            <a:tailEnd type="triangle"/>
+          </a:ln>
+        </p:spPr>
+        <p:style>
+          <a:lnRef idx="1">
+            <a:schemeClr val="accent1"/>
+          </a:lnRef>
+          <a:fillRef idx="0">
+            <a:schemeClr val="accent1"/>
+          </a:fillRef>
+          <a:effectRef idx="0">
+            <a:schemeClr val="accent1"/>
+          </a:effectRef>
+          <a:fontRef idx="minor">
+            <a:schemeClr val="tx1"/>
+          </a:fontRef>
+        </p:style>
+      </p:cxnSp>
+      <p:cxnSp>
+        <p:nvCxnSpPr>
+          <p:cNvPr id="23" name="Straight Arrow Connector 22"/>
+          <p:cNvCxnSpPr>
+            <a:stCxn id="10" idx="2"/>
+            <a:endCxn id="6" idx="0"/>
+          </p:cNvCxnSpPr>
+          <p:nvPr/>
+        </p:nvCxnSpPr>
+        <p:spPr>
+          <a:xfrm>
+            <a:off x="2884489" y="3196874"/>
+            <a:ext cx="1587" cy="283416"/>
+          </a:xfrm>
+          <a:prstGeom prst="straightConnector1">
+            <a:avLst/>
+          </a:prstGeom>
+          <a:ln>
+            <a:tailEnd type="triangle"/>
+          </a:ln>
+        </p:spPr>
+        <p:style>
+          <a:lnRef idx="1">
+            <a:schemeClr val="accent1"/>
+          </a:lnRef>
+          <a:fillRef idx="0">
+            <a:schemeClr val="accent1"/>
+          </a:fillRef>
+          <a:effectRef idx="0">
+            <a:schemeClr val="accent1"/>
+          </a:effectRef>
+          <a:fontRef idx="minor">
+            <a:schemeClr val="tx1"/>
+          </a:fontRef>
+        </p:style>
+      </p:cxnSp>
+      <p:cxnSp>
+        <p:nvCxnSpPr>
+          <p:cNvPr id="26" name="Straight Arrow Connector 25"/>
+          <p:cNvCxnSpPr>
+            <a:stCxn id="6" idx="2"/>
+            <a:endCxn id="9" idx="0"/>
+          </p:cNvCxnSpPr>
+          <p:nvPr/>
+        </p:nvCxnSpPr>
+        <p:spPr>
+          <a:xfrm flipH="1">
+            <a:off x="2886075" y="3937490"/>
+            <a:ext cx="1" cy="254895"/>
+          </a:xfrm>
+          <a:prstGeom prst="straightConnector1">
+            <a:avLst/>
+          </a:prstGeom>
+          <a:ln>
+            <a:tailEnd type="triangle"/>
+          </a:ln>
+        </p:spPr>
+        <p:style>
+          <a:lnRef idx="1">
+            <a:schemeClr val="accent1"/>
+          </a:lnRef>
+          <a:fillRef idx="0">
+            <a:schemeClr val="accent1"/>
+          </a:fillRef>
+          <a:effectRef idx="0">
+            <a:schemeClr val="accent1"/>
+          </a:effectRef>
+          <a:fontRef idx="minor">
+            <a:schemeClr val="tx1"/>
+          </a:fontRef>
+        </p:style>
+      </p:cxnSp>
+      <p:cxnSp>
+        <p:nvCxnSpPr>
+          <p:cNvPr id="29" name="Straight Arrow Connector 28"/>
+          <p:cNvCxnSpPr>
+            <a:stCxn id="9" idx="2"/>
+            <a:endCxn id="7" idx="0"/>
+          </p:cNvCxnSpPr>
+          <p:nvPr/>
+        </p:nvCxnSpPr>
+        <p:spPr>
+          <a:xfrm flipH="1">
+            <a:off x="2884489" y="4598785"/>
+            <a:ext cx="1586" cy="190500"/>
+          </a:xfrm>
+          <a:prstGeom prst="straightConnector1">
+            <a:avLst/>
+          </a:prstGeom>
+          <a:ln>
+            <a:tailEnd type="triangle"/>
+          </a:ln>
+        </p:spPr>
+        <p:style>
+          <a:lnRef idx="1">
+            <a:schemeClr val="accent1"/>
+          </a:lnRef>
+          <a:fillRef idx="0">
+            <a:schemeClr val="accent1"/>
+          </a:fillRef>
+          <a:effectRef idx="0">
+            <a:schemeClr val="accent1"/>
+          </a:effectRef>
+          <a:fontRef idx="minor">
+            <a:schemeClr val="tx1"/>
+          </a:fontRef>
+        </p:style>
+      </p:cxnSp>
+      <p:cxnSp>
+        <p:nvCxnSpPr>
+          <p:cNvPr id="33" name="Straight Arrow Connector 32"/>
+          <p:cNvCxnSpPr>
+            <a:stCxn id="7" idx="2"/>
+            <a:endCxn id="8" idx="0"/>
+          </p:cNvCxnSpPr>
+          <p:nvPr/>
+        </p:nvCxnSpPr>
+        <p:spPr>
+          <a:xfrm>
+            <a:off x="2884489" y="5805285"/>
+            <a:ext cx="0" cy="191863"/>
+          </a:xfrm>
+          <a:prstGeom prst="straightConnector1">
+            <a:avLst/>
+          </a:prstGeom>
+          <a:ln>
+            <a:tailEnd type="triangle"/>
+          </a:ln>
+        </p:spPr>
+        <p:style>
+          <a:lnRef idx="1">
+            <a:schemeClr val="accent1"/>
+          </a:lnRef>
+          <a:fillRef idx="0">
+            <a:schemeClr val="accent1"/>
+          </a:fillRef>
+          <a:effectRef idx="0">
+            <a:schemeClr val="accent1"/>
+          </a:effectRef>
+          <a:fontRef idx="minor">
+            <a:schemeClr val="tx1"/>
+          </a:fontRef>
+        </p:style>
+      </p:cxnSp>
+      <p:sp>
+        <p:nvSpPr>
+          <p:cNvPr id="37" name="Rectangle 3"/>
+          <p:cNvSpPr>
+            <a:spLocks noChangeArrowheads="1"/>
+          </p:cNvSpPr>
+          <p:nvPr/>
+        </p:nvSpPr>
+        <p:spPr bwMode="auto">
+          <a:xfrm>
+            <a:off x="198185" y="2444929"/>
+            <a:ext cx="1316292" cy="381450"/>
+          </a:xfrm>
+          <a:prstGeom prst="rect">
+            <a:avLst/>
+          </a:prstGeom>
+          <a:noFill/>
+          <a:ln w="9360">
+            <a:solidFill>
+              <a:srgbClr val="000000"/>
+            </a:solidFill>
+            <a:miter lim="800000"/>
+            <a:headEnd/>
+            <a:tailEnd/>
+          </a:ln>
+        </p:spPr>
+        <p:txBody>
+          <a:bodyPr lIns="90000" tIns="45000" rIns="90000" bIns="45000">
+            <a:prstTxWarp prst="textNoShape">
+              <a:avLst/>
+            </a:prstTxWarp>
+          </a:bodyPr>
+          <a:lstStyle/>
+          <a:p>
+            <a:pPr>
+              <a:lnSpc>
+                <a:spcPct val="102000"/>
+              </a:lnSpc>
+              <a:tabLst>
+                <a:tab pos="723900" algn="l"/>
+                <a:tab pos="1447800" algn="l"/>
+                <a:tab pos="2171700" algn="l"/>
+              </a:tabLst>
+            </a:pPr>
+            <a:r>
+              <a:rPr lang="en-GB" smtClean="0">
+                <a:solidFill>
+                  <a:srgbClr val="000000"/>
+                </a:solidFill>
+                <a:latin typeface="Calibri" pitchFamily="-65" charset="0"/>
+                <a:ea typeface="Arial Unicode MS" pitchFamily="-65" charset="0"/>
+                <a:cs typeface="Arial Unicode MS" pitchFamily="-65" charset="0"/>
+              </a:rPr>
+              <a:t>Create LM</a:t>
+            </a:r>
+            <a:endParaRPr lang="en-GB" dirty="0">
+              <a:solidFill>
+                <a:srgbClr val="000000"/>
+              </a:solidFill>
+              <a:latin typeface="Calibri" pitchFamily="-65" charset="0"/>
+              <a:ea typeface="Arial Unicode MS" pitchFamily="-65" charset="0"/>
+              <a:cs typeface="Arial Unicode MS" pitchFamily="-65" charset="0"/>
+            </a:endParaRPr>
+          </a:p>
+        </p:txBody>
+      </p:sp>
+      <p:cxnSp>
+        <p:nvCxnSpPr>
+          <p:cNvPr id="39" name="Curved Connector 38"/>
+          <p:cNvCxnSpPr>
+            <a:stCxn id="4" idx="1"/>
+            <a:endCxn id="37" idx="0"/>
+          </p:cNvCxnSpPr>
+          <p:nvPr/>
+        </p:nvCxnSpPr>
+        <p:spPr>
+          <a:xfrm rot="10800000" flipV="1">
+            <a:off x="856331" y="1180755"/>
+            <a:ext cx="1062958" cy="1264173"/>
+          </a:xfrm>
+          <a:prstGeom prst="curvedConnector2">
+            <a:avLst/>
+          </a:prstGeom>
+          <a:ln>
+            <a:tailEnd type="triangle"/>
+          </a:ln>
+        </p:spPr>
+        <p:style>
+          <a:lnRef idx="1">
+            <a:schemeClr val="accent1"/>
+          </a:lnRef>
+          <a:fillRef idx="0">
+            <a:schemeClr val="accent1"/>
+          </a:fillRef>
+          <a:effectRef idx="0">
+            <a:schemeClr val="accent1"/>
+          </a:effectRef>
+          <a:fontRef idx="minor">
+            <a:schemeClr val="tx1"/>
+          </a:fontRef>
+        </p:style>
+      </p:cxnSp>
+      <p:cxnSp>
+        <p:nvCxnSpPr>
+          <p:cNvPr id="41" name="Curved Connector 40"/>
+          <p:cNvCxnSpPr>
+            <a:stCxn id="37" idx="2"/>
+            <a:endCxn id="6" idx="1"/>
+          </p:cNvCxnSpPr>
+          <p:nvPr/>
+        </p:nvCxnSpPr>
+        <p:spPr>
+          <a:xfrm rot="16200000" flipH="1">
+            <a:off x="1188251" y="2494458"/>
+            <a:ext cx="882511" cy="1546351"/>
+          </a:xfrm>
+          <a:prstGeom prst="curvedConnector2">
+            <a:avLst/>
+          </a:prstGeom>
+          <a:ln>
+            <a:tailEnd type="triangle"/>
+          </a:ln>
+        </p:spPr>
+        <p:style>
+          <a:lnRef idx="1">
+            <a:schemeClr val="accent1"/>
+          </a:lnRef>
+          <a:fillRef idx="0">
+            <a:schemeClr val="accent1"/>
+          </a:fillRef>
+          <a:effectRef idx="0">
+            <a:schemeClr val="accent1"/>
+          </a:effectRef>
+          <a:fontRef idx="minor">
+            <a:schemeClr val="tx1"/>
+          </a:fontRef>
+        </p:style>
+      </p:cxnSp>
+      <p:sp>
+        <p:nvSpPr>
+          <p:cNvPr id="3" name="Rectangle 2"/>
+          <p:cNvSpPr/>
+          <p:nvPr/>
+        </p:nvSpPr>
+        <p:spPr>
+          <a:xfrm>
+            <a:off x="1790163" y="1970468"/>
+            <a:ext cx="2266682" cy="1339402"/>
+          </a:xfrm>
+          <a:prstGeom prst="rect">
+            <a:avLst/>
+          </a:prstGeom>
+          <a:noFill/>
+          <a:ln w="9525">
+            <a:solidFill>
+              <a:schemeClr val="tx1"/>
+            </a:solidFill>
+          </a:ln>
+        </p:spPr>
+        <p:style>
+          <a:lnRef idx="2">
+            <a:schemeClr val="accent6"/>
+          </a:lnRef>
+          <a:fillRef idx="1">
+            <a:schemeClr val="lt1"/>
+          </a:fillRef>
+          <a:effectRef idx="0">
+            <a:schemeClr val="accent6"/>
+          </a:effectRef>
+          <a:fontRef idx="minor">
+            <a:schemeClr val="dk1"/>
+          </a:fontRef>
+        </p:style>
+        <p:txBody>
+          <a:bodyPr rtlCol="0" anchor="ctr"/>
+          <a:lstStyle/>
+          <a:p>
+            <a:pPr algn="ctr"/>
+            <a:endParaRPr lang="en-US"/>
+          </a:p>
+        </p:txBody>
+      </p:sp>
+    </p:spTree>
+    <p:extLst>
+      <p:ext uri="{BB962C8B-B14F-4D97-AF65-F5344CB8AC3E}">
+        <p14:creationId xmlns:p14="http://schemas.microsoft.com/office/powerpoint/2010/main" val="1357690221"/>
+      </p:ext>
+    </p:extLst>
+  </p:cSld>
+  <p:clrMapOvr>
+    <a:masterClrMapping/>
+  </p:clrMapOvr>
+  <p:timing>
+    <p:tnLst>
+      <p:par>
+        <p:cTn id="1" dur="indefinite" restart="never" nodeType="tmRoot"/>
+      </p:par>
+    </p:tnLst>
+  </p:timing>
+</p:sld>
+</file>
+
+<file path=ppt/slides/slide15.xml><?xml version="1.0" encoding="utf-8"?>
+<p:sld xmlns:a="http://schemas.openxmlformats.org/drawingml/2006/main" xmlns:r="http://schemas.openxmlformats.org/officeDocument/2006/relationships" xmlns:p="http://schemas.openxmlformats.org/presentationml/2006/main">
+  <p:cSld>
+    <p:spTree>
+      <p:nvGrpSpPr>
+        <p:cNvPr id="1" name=""/>
+        <p:cNvGrpSpPr/>
+        <p:nvPr/>
+      </p:nvGrpSpPr>
+      <p:grpSpPr>
+        <a:xfrm>
+          <a:off x="0" y="0"/>
+          <a:ext cx="0" cy="0"/>
+          <a:chOff x="0" y="0"/>
+          <a:chExt cx="0" cy="0"/>
+        </a:xfrm>
+      </p:grpSpPr>
+      <p:sp>
+        <p:nvSpPr>
+          <p:cNvPr id="2" name="Title 1"/>
+          <p:cNvSpPr>
+            <a:spLocks noGrp="1"/>
+          </p:cNvSpPr>
+          <p:nvPr>
+            <p:ph type="title"/>
+          </p:nvPr>
+        </p:nvSpPr>
+        <p:spPr/>
+        <p:txBody>
+          <a:bodyPr/>
+          <a:lstStyle/>
+          <a:p>
+            <a:pPr algn="ctr"/>
+            <a:r>
+              <a:rPr lang="en-US" dirty="0" smtClean="0"/>
+              <a:t>Tuning</a:t>
+            </a:r>
+            <a:endParaRPr lang="en-US" dirty="0"/>
+          </a:p>
+        </p:txBody>
+      </p:sp>
+      <mc:AlternateContent xmlns:mc="http://schemas.openxmlformats.org/markup-compatibility/2006">
+        <mc:Choice xmlns:a14="http://schemas.microsoft.com/office/drawing/2010/main" Requires="a14">
+          <p:sp>
+            <p:nvSpPr>
+              <p:cNvPr id="3" name="Content Placeholder 2"/>
+              <p:cNvSpPr>
+                <a:spLocks noGrp="1"/>
+              </p:cNvSpPr>
+              <p:nvPr>
+                <p:ph idx="1"/>
+              </p:nvPr>
+            </p:nvSpPr>
+            <p:spPr>
+              <a:xfrm>
+                <a:off x="838200" y="1690688"/>
+                <a:ext cx="10515600" cy="4486275"/>
+              </a:xfrm>
+            </p:spPr>
+            <p:txBody>
+              <a:bodyPr/>
+              <a:lstStyle/>
+              <a:p>
+                <a:endParaRPr lang="en-US" dirty="0" smtClean="0"/>
+              </a:p>
+              <a:p>
+                <a:r>
+                  <a:rPr lang="en-US" dirty="0" smtClean="0"/>
+                  <a:t>Iterative process</a:t>
+                </a:r>
+              </a:p>
+              <a:p>
+                <a:pPr marL="457200" lvl="1" indent="0">
+                  <a:buNone/>
+                </a:pPr>
+                <a:r>
+                  <a:rPr lang="en-US" dirty="0" smtClean="0"/>
+                  <a:t>do</a:t>
+                </a:r>
+              </a:p>
+              <a:p>
+                <a:pPr marL="914400" lvl="2" indent="0">
+                  <a:buNone/>
+                </a:pPr>
+                <a:r>
+                  <a:rPr lang="en-US" dirty="0" smtClean="0"/>
+                  <a:t>Decode tuning set</a:t>
+                </a:r>
+              </a:p>
+              <a:p>
+                <a:pPr marL="914400" lvl="2" indent="0">
+                  <a:buNone/>
+                </a:pPr>
+                <a:r>
+                  <a:rPr lang="en-US" dirty="0" smtClean="0"/>
+                  <a:t>Adjust weights (</a:t>
+                </a:r>
+                <a14:m>
+                  <m:oMath xmlns:m="http://schemas.openxmlformats.org/officeDocument/2006/math">
+                    <m:sSub>
+                      <m:sSubPr>
+                        <m:ctrlPr>
+                          <a:rPr lang="en-US" b="1" i="1"/>
+                        </m:ctrlPr>
+                      </m:sSubPr>
+                      <m:e>
+                        <m:r>
+                          <a:rPr lang="en-US" b="1" i="1"/>
+                          <m:t>𝝀</m:t>
+                        </m:r>
+                      </m:e>
+                      <m:sub>
+                        <m:r>
+                          <a:rPr lang="en-US" b="1" i="1"/>
+                          <m:t>𝒊</m:t>
+                        </m:r>
+                      </m:sub>
+                    </m:sSub>
+                  </m:oMath>
+                </a14:m>
+                <a:r>
+                  <a:rPr lang="en-US" dirty="0">
+                    <a:effectLst/>
+                  </a:rPr>
+                  <a:t> </a:t>
+                </a:r>
+                <a:r>
+                  <a:rPr lang="en-US" dirty="0" smtClean="0">
+                    <a:effectLst/>
+                  </a:rPr>
+                  <a:t>)</a:t>
+                </a:r>
+                <a:endParaRPr lang="en-US" dirty="0" smtClean="0"/>
+              </a:p>
+              <a:p>
+                <a:pPr marL="457200" lvl="1" indent="0">
+                  <a:buNone/>
+                </a:pPr>
+                <a:r>
+                  <a:rPr lang="en-US" dirty="0" smtClean="0"/>
+                  <a:t>until weights converge</a:t>
+                </a:r>
+                <a:endParaRPr lang="en-US" dirty="0"/>
+              </a:p>
+              <a:p>
+                <a:r>
+                  <a:rPr lang="en-US" dirty="0" err="1" smtClean="0"/>
+                  <a:t>Moses.ini</a:t>
+                </a:r>
+                <a:r>
+                  <a:rPr lang="en-US" dirty="0" smtClean="0"/>
+                  <a:t> after tuning</a:t>
+                </a:r>
+              </a:p>
+            </p:txBody>
+          </p:sp>
+        </mc:Choice>
+        <mc:Fallback>
+          <p:sp>
+            <p:nvSpPr>
+              <p:cNvPr id="3" name="Content Placeholder 2"/>
+              <p:cNvSpPr>
+                <a:spLocks noGrp="1" noRot="1" noChangeAspect="1" noMove="1" noResize="1" noEditPoints="1" noAdjustHandles="1" noChangeArrowheads="1" noChangeShapeType="1" noTextEdit="1"/>
+              </p:cNvSpPr>
+              <p:nvPr>
+                <p:ph idx="1"/>
+              </p:nvPr>
+            </p:nvSpPr>
+            <p:spPr>
+              <a:xfrm>
+                <a:off x="838200" y="1690688"/>
+                <a:ext cx="10515600" cy="4486275"/>
+              </a:xfrm>
+              <a:blipFill rotWithShape="0">
+                <a:blip r:embed="rId2"/>
+                <a:stretch>
+                  <a:fillRect l="-1043"/>
+                </a:stretch>
+              </a:blipFill>
+            </p:spPr>
+            <p:txBody>
+              <a:bodyPr/>
+              <a:lstStyle/>
+              <a:p>
+                <a:r>
+                  <a:rPr lang="en-US">
+                    <a:noFill/>
+                  </a:rPr>
+                  <a:t> </a:t>
+                </a:r>
+              </a:p>
+            </p:txBody>
+          </p:sp>
+        </mc:Fallback>
+      </mc:AlternateContent>
+      <mc:AlternateContent xmlns:mc="http://schemas.openxmlformats.org/markup-compatibility/2006">
+        <mc:Choice xmlns:a14="http://schemas.microsoft.com/office/drawing/2010/main" Requires="a14">
+          <p:sp>
+            <p:nvSpPr>
+              <p:cNvPr id="5" name="Rectangle 4"/>
+              <p:cNvSpPr/>
+              <p:nvPr/>
+            </p:nvSpPr>
+            <p:spPr>
+              <a:xfrm>
+                <a:off x="3004315" y="1401342"/>
+                <a:ext cx="4078656" cy="848566"/>
+              </a:xfrm>
+              <a:prstGeom prst="rect">
+                <a:avLst/>
+              </a:prstGeom>
+            </p:spPr>
+            <p:txBody>
+              <a:bodyPr wrap="square">
+                <a:spAutoFit/>
+              </a:bodyPr>
+              <a:lstStyle/>
+              <a:p>
+                <a14:m>
+                  <m:oMathPara xmlns:m="http://schemas.openxmlformats.org/officeDocument/2006/math">
+                    <m:oMathParaPr>
+                      <m:jc m:val="centerGroup"/>
+                    </m:oMathParaPr>
+                    <m:oMath xmlns:m="http://schemas.openxmlformats.org/officeDocument/2006/math">
+                      <m:func>
+                        <m:funcPr>
+                          <m:ctrlPr>
+                            <a:rPr lang="en-US">
+                              <a:latin typeface="Cambria Math" charset="0"/>
+                            </a:rPr>
+                          </m:ctrlPr>
+                        </m:funcPr>
+                        <m:fName>
+                          <m:r>
+                            <m:rPr>
+                              <m:sty m:val="p"/>
+                            </m:rPr>
+                            <a:rPr lang="en-US">
+                              <a:latin typeface="Cambria Math" charset="0"/>
+                            </a:rPr>
+                            <m:t>log</m:t>
+                          </m:r>
+                        </m:fName>
+                        <m:e>
+                          <m:r>
+                            <a:rPr lang="en-US" i="1">
+                              <a:latin typeface="Cambria Math" charset="0"/>
+                            </a:rPr>
+                            <m:t>𝑝</m:t>
+                          </m:r>
+                          <m:d>
+                            <m:dPr>
+                              <m:ctrlPr>
+                                <a:rPr lang="en-US" i="1">
+                                  <a:latin typeface="Cambria Math" charset="0"/>
+                                </a:rPr>
+                              </m:ctrlPr>
+                            </m:dPr>
+                            <m:e>
+                              <m:r>
+                                <a:rPr lang="en-US" i="1">
+                                  <a:latin typeface="Cambria Math" charset="0"/>
+                                </a:rPr>
+                                <m:t>𝑒</m:t>
+                              </m:r>
+                            </m:e>
+                            <m:e>
+                              <m:r>
+                                <a:rPr lang="en-US" i="1">
+                                  <a:latin typeface="Cambria Math" charset="0"/>
+                                </a:rPr>
+                                <m:t>𝑓</m:t>
+                              </m:r>
+                            </m:e>
+                          </m:d>
+                          <m:r>
+                            <a:rPr lang="en-US" i="0">
+                              <a:latin typeface="Cambria Math" charset="0"/>
+                            </a:rPr>
+                            <m:t>=</m:t>
+                          </m:r>
+                          <m:nary>
+                            <m:naryPr>
+                              <m:chr m:val="∑"/>
+                              <m:limLoc m:val="undOvr"/>
+                              <m:ctrlPr>
+                                <a:rPr lang="en-US" i="1">
+                                  <a:latin typeface="Cambria Math" charset="0"/>
+                                </a:rPr>
+                              </m:ctrlPr>
+                            </m:naryPr>
+                            <m:sub>
+                              <m:r>
+                                <a:rPr lang="en-US" i="1">
+                                  <a:latin typeface="Cambria Math" charset="0"/>
+                                </a:rPr>
+                                <m:t>𝑖</m:t>
+                              </m:r>
+                              <m:r>
+                                <a:rPr lang="en-US" i="0">
+                                  <a:latin typeface="Cambria Math" charset="0"/>
+                                </a:rPr>
+                                <m:t>=1</m:t>
+                              </m:r>
+                            </m:sub>
+                            <m:sup>
+                              <m:r>
+                                <a:rPr lang="en-US" i="1">
+                                  <a:latin typeface="Cambria Math" charset="0"/>
+                                </a:rPr>
+                                <m:t>𝑛</m:t>
+                              </m:r>
+                            </m:sup>
+                            <m:e>
+                              <m:d>
+                                <m:dPr>
+                                  <m:begChr m:val=""/>
+                                  <m:ctrlPr>
+                                    <a:rPr lang="en-US" i="1">
+                                      <a:latin typeface="Cambria Math" charset="0"/>
+                                    </a:rPr>
+                                  </m:ctrlPr>
+                                </m:dPr>
+                                <m:e>
+                                  <m:sSub>
+                                    <m:sSubPr>
+                                      <m:ctrlPr>
+                                        <a:rPr lang="en-US" i="1">
+                                          <a:latin typeface="Cambria Math" charset="0"/>
+                                        </a:rPr>
+                                      </m:ctrlPr>
+                                    </m:sSubPr>
+                                    <m:e>
+                                      <m:r>
+                                        <a:rPr lang="en-US" i="1">
+                                          <a:latin typeface="Cambria Math" charset="0"/>
+                                        </a:rPr>
+                                        <m:t>𝜆</m:t>
+                                      </m:r>
+                                    </m:e>
+                                    <m:sub>
+                                      <m:r>
+                                        <a:rPr lang="en-US" i="1">
+                                          <a:latin typeface="Cambria Math" charset="0"/>
+                                        </a:rPr>
+                                        <m:t>𝑖</m:t>
+                                      </m:r>
+                                    </m:sub>
+                                  </m:sSub>
+                                  <m:sSub>
+                                    <m:sSubPr>
+                                      <m:ctrlPr>
+                                        <a:rPr lang="en-US" i="1">
+                                          <a:latin typeface="Cambria Math" charset="0"/>
+                                        </a:rPr>
+                                      </m:ctrlPr>
+                                    </m:sSubPr>
+                                    <m:e>
+                                      <m:r>
+                                        <a:rPr lang="en-US" i="1">
+                                          <a:latin typeface="Cambria Math" charset="0"/>
+                                        </a:rPr>
+                                        <m:t>h</m:t>
+                                      </m:r>
+                                    </m:e>
+                                    <m:sub>
+                                      <m:r>
+                                        <a:rPr lang="en-US" i="1">
+                                          <a:latin typeface="Cambria Math" charset="0"/>
+                                        </a:rPr>
+                                        <m:t>𝑖</m:t>
+                                      </m:r>
+                                    </m:sub>
+                                  </m:sSub>
+                                  <m:r>
+                                    <a:rPr lang="en-US" i="0">
+                                      <a:latin typeface="Cambria Math" charset="0"/>
+                                    </a:rPr>
+                                    <m:t>(</m:t>
+                                  </m:r>
+                                  <m:r>
+                                    <a:rPr lang="en-US" i="1">
+                                      <a:latin typeface="Cambria Math" charset="0"/>
+                                    </a:rPr>
+                                    <m:t>𝑒</m:t>
+                                  </m:r>
+                                  <m:r>
+                                    <a:rPr lang="en-US" i="0">
+                                      <a:latin typeface="Cambria Math" charset="0"/>
+                                    </a:rPr>
+                                    <m:t>,</m:t>
+                                  </m:r>
+                                  <m:r>
+                                    <a:rPr lang="en-US" i="1">
+                                      <a:latin typeface="Cambria Math" charset="0"/>
+                                    </a:rPr>
+                                    <m:t>𝑓</m:t>
+                                  </m:r>
+                                </m:e>
+                              </m:d>
+                            </m:e>
+                          </m:nary>
+                        </m:e>
+                      </m:func>
+                    </m:oMath>
+                  </m:oMathPara>
+                </a14:m>
+                <a:endParaRPr lang="en-US" dirty="0"/>
+              </a:p>
+            </p:txBody>
+          </p:sp>
+        </mc:Choice>
+        <mc:Fallback>
+          <p:sp>
+            <p:nvSpPr>
+              <p:cNvPr id="5" name="Rectangle 4"/>
+              <p:cNvSpPr>
+                <a:spLocks noRot="1" noChangeAspect="1" noMove="1" noResize="1" noEditPoints="1" noAdjustHandles="1" noChangeArrowheads="1" noChangeShapeType="1" noTextEdit="1"/>
+              </p:cNvSpPr>
+              <p:nvPr/>
+            </p:nvSpPr>
+            <p:spPr>
+              <a:xfrm>
+                <a:off x="3004315" y="1401342"/>
+                <a:ext cx="4078656" cy="848566"/>
+              </a:xfrm>
+              <a:prstGeom prst="rect">
+                <a:avLst/>
+              </a:prstGeom>
+              <a:blipFill rotWithShape="0">
+                <a:blip r:embed="rId3"/>
+                <a:stretch>
+                  <a:fillRect/>
+                </a:stretch>
+              </a:blipFill>
+            </p:spPr>
+            <p:txBody>
+              <a:bodyPr/>
+              <a:lstStyle/>
+              <a:p>
+                <a:r>
+                  <a:rPr lang="en-US">
+                    <a:noFill/>
+                  </a:rPr>
+                  <a:t> </a:t>
+                </a:r>
+              </a:p>
+            </p:txBody>
+          </p:sp>
+        </mc:Fallback>
+      </mc:AlternateContent>
+      <p:sp>
+        <p:nvSpPr>
+          <p:cNvPr id="7" name="Rectangle 6"/>
+          <p:cNvSpPr/>
+          <p:nvPr/>
+        </p:nvSpPr>
+        <p:spPr>
+          <a:xfrm>
+            <a:off x="1567543" y="4549676"/>
+            <a:ext cx="8244114" cy="2308324"/>
+          </a:xfrm>
+          <a:prstGeom prst="rect">
+            <a:avLst/>
+          </a:prstGeom>
+        </p:spPr>
+        <p:txBody>
+          <a:bodyPr wrap="square">
+            <a:spAutoFit/>
+          </a:bodyPr>
+          <a:lstStyle/>
+          <a:p>
+            <a:r>
+              <a:rPr lang="en-US" dirty="0"/>
+              <a:t>[weight]</a:t>
+            </a:r>
+          </a:p>
+          <a:p>
+            <a:r>
+              <a:rPr lang="en-US" dirty="0"/>
+              <a:t>LexicalReordering0= 0.0979471 0.0260167 0.0749775 0.0402326 0.0269783 0.011694</a:t>
+            </a:r>
+          </a:p>
+          <a:p>
+            <a:r>
+              <a:rPr lang="en-US" dirty="0"/>
+              <a:t>Distortion0= 0.0877464</a:t>
+            </a:r>
+          </a:p>
+          <a:p>
+            <a:r>
+              <a:rPr lang="en-US" dirty="0"/>
+              <a:t>LM0= 0.111063</a:t>
+            </a:r>
+          </a:p>
+          <a:p>
+            <a:r>
+              <a:rPr lang="en-US" dirty="0"/>
+              <a:t>WordPenalty0= -0.214965</a:t>
+            </a:r>
+          </a:p>
+          <a:p>
+            <a:r>
+              <a:rPr lang="en-US" dirty="0"/>
+              <a:t>PhrasePenalty0= 0.0397249</a:t>
+            </a:r>
+          </a:p>
+          <a:p>
+            <a:r>
+              <a:rPr lang="en-US" dirty="0"/>
+              <a:t>TranslationModel0= 0.0743573 0.0981889 0.0624994 0.0336091</a:t>
+            </a:r>
+          </a:p>
+          <a:p>
+            <a:r>
+              <a:rPr lang="en-US" dirty="0"/>
+              <a:t>UnknownWordPenalty0= 1</a:t>
+            </a:r>
+          </a:p>
+        </p:txBody>
+      </p:sp>
+    </p:spTree>
+    <p:extLst>
+      <p:ext uri="{BB962C8B-B14F-4D97-AF65-F5344CB8AC3E}">
+        <p14:creationId xmlns:p14="http://schemas.microsoft.com/office/powerpoint/2010/main" val="1007225116"/>
+      </p:ext>
+    </p:extLst>
+  </p:cSld>
+  <p:clrMapOvr>
+    <a:masterClrMapping/>
+  </p:clrMapOvr>
+  <p:timing>
+    <p:tnLst>
+      <p:par>
+        <p:cTn id="1" dur="indefinite" restart="never" nodeType="tmRoot"/>
+      </p:par>
+    </p:tnLst>
+  </p:timing>
+</p:sld>
+</file>
+
+<file path=ppt/slides/slide16.xml><?xml version="1.0" encoding="utf-8"?>
+<p:sld xmlns:a="http://schemas.openxmlformats.org/drawingml/2006/main" xmlns:r="http://schemas.openxmlformats.org/officeDocument/2006/relationships" xmlns:p="http://schemas.openxmlformats.org/presentationml/2006/main">
+  <p:cSld>
+    <p:spTree>
+      <p:nvGrpSpPr>
+        <p:cNvPr id="1" name=""/>
+        <p:cNvGrpSpPr/>
+        <p:nvPr/>
+      </p:nvGrpSpPr>
+      <p:grpSpPr>
+        <a:xfrm>
+          <a:off x="0" y="0"/>
+          <a:ext cx="0" cy="0"/>
+          <a:chOff x="0" y="0"/>
+          <a:chExt cx="0" cy="0"/>
+        </a:xfrm>
+      </p:grpSpPr>
+      <p:sp>
+        <p:nvSpPr>
+          <p:cNvPr id="2" name="Title 1"/>
+          <p:cNvSpPr>
+            <a:spLocks noGrp="1"/>
+          </p:cNvSpPr>
+          <p:nvPr>
+            <p:ph type="title"/>
+          </p:nvPr>
+        </p:nvSpPr>
+        <p:spPr/>
+        <p:txBody>
+          <a:bodyPr/>
+          <a:lstStyle/>
+          <a:p>
+            <a:pPr algn="ctr"/>
+            <a:r>
+              <a:rPr lang="en-US" smtClean="0"/>
+              <a:t>SMT Pipeline</a:t>
+            </a:r>
+            <a:endParaRPr lang="en-US"/>
+          </a:p>
+        </p:txBody>
+      </p:sp>
+      <p:sp>
+        <p:nvSpPr>
+          <p:cNvPr id="4" name="Rectangle 2"/>
+          <p:cNvSpPr>
+            <a:spLocks noChangeArrowheads="1"/>
+          </p:cNvSpPr>
+          <p:nvPr/>
+        </p:nvSpPr>
+        <p:spPr bwMode="auto">
+          <a:xfrm>
+            <a:off x="1919289" y="491053"/>
+            <a:ext cx="1933575" cy="1379405"/>
+          </a:xfrm>
+          <a:prstGeom prst="rect">
+            <a:avLst/>
+          </a:prstGeom>
+          <a:noFill/>
+          <a:ln w="9360">
+            <a:solidFill>
+              <a:srgbClr val="000000">
+                <a:alpha val="54000"/>
+              </a:srgbClr>
+            </a:solidFill>
+            <a:miter lim="800000"/>
+            <a:headEnd/>
+            <a:tailEnd/>
+          </a:ln>
+        </p:spPr>
+        <p:txBody>
+          <a:bodyPr lIns="90000" tIns="45000" rIns="90000" bIns="45000">
+            <a:prstTxWarp prst="textNoShape">
+              <a:avLst/>
+            </a:prstTxWarp>
+          </a:bodyPr>
+          <a:lstStyle/>
+          <a:p>
+            <a:pPr>
+              <a:lnSpc>
+                <a:spcPct val="102000"/>
+              </a:lnSpc>
+              <a:tabLst>
+                <a:tab pos="723900" algn="l"/>
+                <a:tab pos="1447800" algn="l"/>
+              </a:tabLst>
+            </a:pPr>
+            <a:r>
+              <a:rPr lang="en-GB" sz="2000" dirty="0" err="1">
+                <a:solidFill>
+                  <a:schemeClr val="bg1">
+                    <a:lumMod val="75000"/>
+                  </a:schemeClr>
+                </a:solidFill>
+                <a:latin typeface="Calibri" pitchFamily="-65" charset="0"/>
+                <a:ea typeface="Arial Unicode MS" pitchFamily="-65" charset="0"/>
+                <a:cs typeface="Arial Unicode MS" pitchFamily="-65" charset="0"/>
+              </a:rPr>
+              <a:t>Preprocessing</a:t>
+            </a:r>
+            <a:endParaRPr lang="en-GB" sz="2000" dirty="0">
+              <a:solidFill>
+                <a:schemeClr val="bg1">
+                  <a:lumMod val="75000"/>
+                </a:schemeClr>
+              </a:solidFill>
+              <a:latin typeface="Calibri" pitchFamily="-65" charset="0"/>
+              <a:ea typeface="Arial Unicode MS" pitchFamily="-65" charset="0"/>
+              <a:cs typeface="Arial Unicode MS" pitchFamily="-65" charset="0"/>
+            </a:endParaRPr>
+          </a:p>
+          <a:p>
+            <a:pPr>
+              <a:lnSpc>
+                <a:spcPct val="102000"/>
+              </a:lnSpc>
+              <a:tabLst>
+                <a:tab pos="723900" algn="l"/>
+                <a:tab pos="1447800" algn="l"/>
+              </a:tabLst>
+            </a:pPr>
+            <a:r>
+              <a:rPr lang="en-GB" sz="2000" dirty="0">
+                <a:solidFill>
+                  <a:schemeClr val="bg1">
+                    <a:lumMod val="75000"/>
+                  </a:schemeClr>
+                </a:solidFill>
+                <a:latin typeface="Calibri" pitchFamily="-65" charset="0"/>
+                <a:ea typeface="Arial Unicode MS" pitchFamily="-65" charset="0"/>
+                <a:cs typeface="Arial Unicode MS" pitchFamily="-65" charset="0"/>
+              </a:rPr>
+              <a:t>   - clean</a:t>
+            </a:r>
+          </a:p>
+          <a:p>
+            <a:pPr>
+              <a:lnSpc>
+                <a:spcPct val="102000"/>
+              </a:lnSpc>
+              <a:tabLst>
+                <a:tab pos="723900" algn="l"/>
+                <a:tab pos="1447800" algn="l"/>
+              </a:tabLst>
+            </a:pPr>
+            <a:r>
+              <a:rPr lang="en-GB" sz="2000" dirty="0">
+                <a:solidFill>
+                  <a:schemeClr val="bg1">
+                    <a:lumMod val="75000"/>
+                  </a:schemeClr>
+                </a:solidFill>
+                <a:latin typeface="Calibri" pitchFamily="-65" charset="0"/>
+                <a:ea typeface="Arial Unicode MS" pitchFamily="-65" charset="0"/>
+                <a:cs typeface="Arial Unicode MS" pitchFamily="-65" charset="0"/>
+              </a:rPr>
+              <a:t>   - </a:t>
+            </a:r>
+            <a:r>
+              <a:rPr lang="en-GB" sz="2000" strike="sngStrike" dirty="0">
+                <a:solidFill>
+                  <a:schemeClr val="bg1">
+                    <a:lumMod val="75000"/>
+                  </a:schemeClr>
+                </a:solidFill>
+                <a:latin typeface="Calibri" pitchFamily="-65" charset="0"/>
+                <a:ea typeface="Arial Unicode MS" pitchFamily="-65" charset="0"/>
+                <a:cs typeface="Arial Unicode MS" pitchFamily="-65" charset="0"/>
+              </a:rPr>
+              <a:t>tokenize</a:t>
+            </a:r>
+          </a:p>
+          <a:p>
+            <a:pPr>
+              <a:lnSpc>
+                <a:spcPct val="102000"/>
+              </a:lnSpc>
+              <a:tabLst>
+                <a:tab pos="723900" algn="l"/>
+                <a:tab pos="1447800" algn="l"/>
+              </a:tabLst>
+            </a:pPr>
+            <a:r>
+              <a:rPr lang="en-GB" sz="2000" dirty="0">
+                <a:solidFill>
+                  <a:schemeClr val="bg1">
+                    <a:lumMod val="75000"/>
+                  </a:schemeClr>
+                </a:solidFill>
+                <a:latin typeface="Calibri" pitchFamily="-65" charset="0"/>
+                <a:ea typeface="Arial Unicode MS" pitchFamily="-65" charset="0"/>
+                <a:cs typeface="Arial Unicode MS" pitchFamily="-65" charset="0"/>
+              </a:rPr>
+              <a:t>   - </a:t>
+            </a:r>
+            <a:r>
+              <a:rPr lang="en-GB" sz="2000" strike="sngStrike" dirty="0">
+                <a:solidFill>
+                  <a:schemeClr val="bg1">
+                    <a:lumMod val="75000"/>
+                  </a:schemeClr>
+                </a:solidFill>
+                <a:latin typeface="Calibri" pitchFamily="-65" charset="0"/>
+                <a:ea typeface="Arial Unicode MS" pitchFamily="-65" charset="0"/>
+                <a:cs typeface="Arial Unicode MS" pitchFamily="-65" charset="0"/>
+              </a:rPr>
+              <a:t>lowercase</a:t>
+            </a:r>
+          </a:p>
+        </p:txBody>
+      </p:sp>
+      <p:sp>
+        <p:nvSpPr>
+          <p:cNvPr id="5" name="Rectangle 3"/>
+          <p:cNvSpPr>
+            <a:spLocks noChangeArrowheads="1"/>
+          </p:cNvSpPr>
+          <p:nvPr/>
+        </p:nvSpPr>
+        <p:spPr bwMode="auto">
+          <a:xfrm>
+            <a:off x="2200276" y="2097354"/>
+            <a:ext cx="1371600" cy="433388"/>
+          </a:xfrm>
+          <a:prstGeom prst="rect">
+            <a:avLst/>
+          </a:prstGeom>
+          <a:noFill/>
+          <a:ln w="9360">
+            <a:solidFill>
+              <a:srgbClr val="000000">
+                <a:alpha val="0"/>
+              </a:srgbClr>
+            </a:solidFill>
+            <a:miter lim="800000"/>
+            <a:headEnd/>
+            <a:tailEnd/>
+          </a:ln>
+        </p:spPr>
+        <p:txBody>
+          <a:bodyPr lIns="90000" tIns="45000" rIns="90000" bIns="45000">
+            <a:prstTxWarp prst="textNoShape">
+              <a:avLst/>
+            </a:prstTxWarp>
+          </a:bodyPr>
+          <a:lstStyle/>
+          <a:p>
+            <a:pPr>
+              <a:lnSpc>
+                <a:spcPct val="102000"/>
+              </a:lnSpc>
+              <a:tabLst>
+                <a:tab pos="723900" algn="l"/>
+                <a:tab pos="1447800" algn="l"/>
+                <a:tab pos="2171700" algn="l"/>
+              </a:tabLst>
+            </a:pPr>
+            <a:r>
+              <a:rPr lang="en-GB" sz="2000" dirty="0">
+                <a:solidFill>
+                  <a:srgbClr val="000000"/>
+                </a:solidFill>
+                <a:latin typeface="Calibri" pitchFamily="-65" charset="0"/>
+                <a:ea typeface="Arial Unicode MS" pitchFamily="-65" charset="0"/>
+                <a:cs typeface="Arial Unicode MS" pitchFamily="-65" charset="0"/>
+              </a:rPr>
+              <a:t>Alignment</a:t>
+            </a:r>
+          </a:p>
+        </p:txBody>
+      </p:sp>
+      <p:sp>
+        <p:nvSpPr>
+          <p:cNvPr id="6" name="Rectangle 4"/>
+          <p:cNvSpPr>
+            <a:spLocks noChangeArrowheads="1"/>
+          </p:cNvSpPr>
+          <p:nvPr/>
+        </p:nvSpPr>
+        <p:spPr bwMode="auto">
+          <a:xfrm>
+            <a:off x="2402682" y="3480290"/>
+            <a:ext cx="966787" cy="457200"/>
+          </a:xfrm>
+          <a:prstGeom prst="rect">
+            <a:avLst/>
+          </a:prstGeom>
+          <a:noFill/>
+          <a:ln w="9360">
+            <a:solidFill>
+              <a:srgbClr val="000000"/>
+            </a:solidFill>
+            <a:miter lim="800000"/>
+            <a:headEnd/>
+            <a:tailEnd/>
+          </a:ln>
+        </p:spPr>
+        <p:txBody>
+          <a:bodyPr lIns="90000" tIns="45000" rIns="90000" bIns="45000">
+            <a:prstTxWarp prst="textNoShape">
+              <a:avLst/>
+            </a:prstTxWarp>
+          </a:bodyPr>
+          <a:lstStyle/>
+          <a:p>
+            <a:pPr>
+              <a:lnSpc>
+                <a:spcPct val="102000"/>
+              </a:lnSpc>
+              <a:tabLst>
+                <a:tab pos="723900" algn="l"/>
+              </a:tabLst>
+            </a:pPr>
+            <a:r>
+              <a:rPr lang="en-GB" sz="2000" dirty="0">
+                <a:solidFill>
+                  <a:srgbClr val="000000"/>
+                </a:solidFill>
+                <a:latin typeface="Calibri" pitchFamily="-65" charset="0"/>
+                <a:ea typeface="Arial Unicode MS" pitchFamily="-65" charset="0"/>
+                <a:cs typeface="Arial Unicode MS" pitchFamily="-65" charset="0"/>
+              </a:rPr>
+              <a:t>Tuning</a:t>
+            </a:r>
+          </a:p>
+        </p:txBody>
+      </p:sp>
+      <p:sp>
+        <p:nvSpPr>
+          <p:cNvPr id="7" name="Rectangle 5"/>
+          <p:cNvSpPr>
+            <a:spLocks noChangeArrowheads="1"/>
+          </p:cNvSpPr>
+          <p:nvPr/>
+        </p:nvSpPr>
+        <p:spPr bwMode="auto">
+          <a:xfrm>
+            <a:off x="1919289" y="4789285"/>
+            <a:ext cx="1930400" cy="1016000"/>
+          </a:xfrm>
+          <a:prstGeom prst="rect">
+            <a:avLst/>
+          </a:prstGeom>
+          <a:noFill/>
+          <a:ln w="9360">
+            <a:solidFill>
+              <a:srgbClr val="000000">
+                <a:alpha val="54000"/>
+              </a:srgbClr>
+            </a:solidFill>
+            <a:miter lim="800000"/>
+            <a:headEnd/>
+            <a:tailEnd/>
+          </a:ln>
+        </p:spPr>
+        <p:txBody>
+          <a:bodyPr lIns="90000" tIns="45000" rIns="90000" bIns="45000">
+            <a:prstTxWarp prst="textNoShape">
+              <a:avLst/>
+            </a:prstTxWarp>
+          </a:bodyPr>
+          <a:lstStyle/>
+          <a:p>
+            <a:pPr>
+              <a:lnSpc>
+                <a:spcPct val="102000"/>
+              </a:lnSpc>
+              <a:tabLst>
+                <a:tab pos="723900" algn="l"/>
+                <a:tab pos="1447800" algn="l"/>
+              </a:tabLst>
+            </a:pPr>
+            <a:r>
+              <a:rPr lang="en-GB" sz="2000" dirty="0" err="1">
+                <a:solidFill>
+                  <a:schemeClr val="bg1">
+                    <a:lumMod val="75000"/>
+                  </a:schemeClr>
+                </a:solidFill>
+                <a:latin typeface="Calibri" pitchFamily="-65" charset="0"/>
+                <a:ea typeface="Arial Unicode MS" pitchFamily="-65" charset="0"/>
+                <a:cs typeface="Arial Unicode MS" pitchFamily="-65" charset="0"/>
+              </a:rPr>
+              <a:t>Postprocessing</a:t>
+            </a:r>
+            <a:endParaRPr lang="en-GB" sz="2000" dirty="0">
+              <a:solidFill>
+                <a:schemeClr val="bg1">
+                  <a:lumMod val="75000"/>
+                </a:schemeClr>
+              </a:solidFill>
+              <a:latin typeface="Calibri" pitchFamily="-65" charset="0"/>
+              <a:ea typeface="Arial Unicode MS" pitchFamily="-65" charset="0"/>
+              <a:cs typeface="Arial Unicode MS" pitchFamily="-65" charset="0"/>
+            </a:endParaRPr>
+          </a:p>
+          <a:p>
+            <a:pPr>
+              <a:lnSpc>
+                <a:spcPct val="102000"/>
+              </a:lnSpc>
+              <a:tabLst>
+                <a:tab pos="723900" algn="l"/>
+                <a:tab pos="1447800" algn="l"/>
+              </a:tabLst>
+            </a:pPr>
+            <a:r>
+              <a:rPr lang="en-GB" sz="2000" dirty="0">
+                <a:solidFill>
+                  <a:schemeClr val="bg1">
+                    <a:lumMod val="75000"/>
+                  </a:schemeClr>
+                </a:solidFill>
+                <a:latin typeface="Calibri" pitchFamily="-65" charset="0"/>
+                <a:ea typeface="Arial Unicode MS" pitchFamily="-65" charset="0"/>
+                <a:cs typeface="Arial Unicode MS" pitchFamily="-65" charset="0"/>
+              </a:rPr>
+              <a:t>  - </a:t>
+            </a:r>
+            <a:r>
+              <a:rPr lang="en-GB" sz="2000" dirty="0" err="1">
+                <a:solidFill>
+                  <a:schemeClr val="bg1">
+                    <a:lumMod val="75000"/>
+                  </a:schemeClr>
+                </a:solidFill>
+                <a:latin typeface="Calibri" pitchFamily="-65" charset="0"/>
+                <a:ea typeface="Arial Unicode MS" pitchFamily="-65" charset="0"/>
+                <a:cs typeface="Arial Unicode MS" pitchFamily="-65" charset="0"/>
+              </a:rPr>
+              <a:t>recasing</a:t>
+            </a:r>
+            <a:endParaRPr lang="en-GB" sz="2000" dirty="0">
+              <a:solidFill>
+                <a:schemeClr val="bg1">
+                  <a:lumMod val="75000"/>
+                </a:schemeClr>
+              </a:solidFill>
+              <a:latin typeface="Calibri" pitchFamily="-65" charset="0"/>
+              <a:ea typeface="Arial Unicode MS" pitchFamily="-65" charset="0"/>
+              <a:cs typeface="Arial Unicode MS" pitchFamily="-65" charset="0"/>
+            </a:endParaRPr>
+          </a:p>
+          <a:p>
+            <a:pPr>
+              <a:lnSpc>
+                <a:spcPct val="102000"/>
+              </a:lnSpc>
+              <a:tabLst>
+                <a:tab pos="723900" algn="l"/>
+                <a:tab pos="1447800" algn="l"/>
+              </a:tabLst>
+            </a:pPr>
+            <a:r>
+              <a:rPr lang="en-GB" sz="2000" dirty="0">
+                <a:solidFill>
+                  <a:schemeClr val="bg1">
+                    <a:lumMod val="75000"/>
+                  </a:schemeClr>
+                </a:solidFill>
+                <a:latin typeface="Calibri" pitchFamily="-65" charset="0"/>
+                <a:ea typeface="Arial Unicode MS" pitchFamily="-65" charset="0"/>
+                <a:cs typeface="Arial Unicode MS" pitchFamily="-65" charset="0"/>
+              </a:rPr>
+              <a:t>  - </a:t>
+            </a:r>
+            <a:r>
+              <a:rPr lang="en-GB" sz="2000" dirty="0" err="1">
+                <a:solidFill>
+                  <a:schemeClr val="bg1">
+                    <a:lumMod val="75000"/>
+                  </a:schemeClr>
+                </a:solidFill>
+                <a:latin typeface="Calibri" pitchFamily="-65" charset="0"/>
+                <a:ea typeface="Arial Unicode MS" pitchFamily="-65" charset="0"/>
+                <a:cs typeface="Arial Unicode MS" pitchFamily="-65" charset="0"/>
+              </a:rPr>
+              <a:t>detokenizer</a:t>
+            </a:r>
+            <a:endParaRPr lang="en-GB" sz="2000" dirty="0">
+              <a:solidFill>
+                <a:schemeClr val="bg1">
+                  <a:lumMod val="75000"/>
+                </a:schemeClr>
+              </a:solidFill>
+              <a:latin typeface="Calibri" pitchFamily="-65" charset="0"/>
+              <a:ea typeface="Arial Unicode MS" pitchFamily="-65" charset="0"/>
+              <a:cs typeface="Arial Unicode MS" pitchFamily="-65" charset="0"/>
+            </a:endParaRPr>
+          </a:p>
+        </p:txBody>
+      </p:sp>
+      <p:sp>
+        <p:nvSpPr>
+          <p:cNvPr id="8" name="Rectangle 6"/>
+          <p:cNvSpPr>
+            <a:spLocks noChangeArrowheads="1"/>
+          </p:cNvSpPr>
+          <p:nvPr/>
+        </p:nvSpPr>
+        <p:spPr bwMode="auto">
+          <a:xfrm>
+            <a:off x="1962945" y="5997148"/>
+            <a:ext cx="1843088" cy="711200"/>
+          </a:xfrm>
+          <a:prstGeom prst="rect">
+            <a:avLst/>
+          </a:prstGeom>
+          <a:noFill/>
+          <a:ln w="25400">
+            <a:solidFill>
+              <a:srgbClr val="FF0000"/>
+            </a:solidFill>
+            <a:miter lim="800000"/>
+            <a:headEnd/>
+            <a:tailEnd/>
+          </a:ln>
+        </p:spPr>
+        <p:txBody>
+          <a:bodyPr lIns="90000" tIns="45000" rIns="90000" bIns="45000">
+            <a:prstTxWarp prst="textNoShape">
+              <a:avLst/>
+            </a:prstTxWarp>
+          </a:bodyPr>
+          <a:lstStyle/>
+          <a:p>
+            <a:pPr>
+              <a:lnSpc>
+                <a:spcPct val="102000"/>
+              </a:lnSpc>
+              <a:tabLst>
+                <a:tab pos="723900" algn="l"/>
+                <a:tab pos="1447800" algn="l"/>
+              </a:tabLst>
+            </a:pPr>
+            <a:r>
+              <a:rPr lang="en-GB" sz="2000" dirty="0" smtClean="0">
+                <a:solidFill>
+                  <a:srgbClr val="000000"/>
+                </a:solidFill>
+                <a:latin typeface="Calibri" pitchFamily="-65" charset="0"/>
+                <a:ea typeface="Arial Unicode MS" pitchFamily="-65" charset="0"/>
+                <a:cs typeface="Arial Unicode MS" pitchFamily="-65" charset="0"/>
+              </a:rPr>
+              <a:t>Evaluation</a:t>
+            </a:r>
+            <a:endParaRPr lang="en-GB" sz="2000" dirty="0">
+              <a:solidFill>
+                <a:srgbClr val="000000"/>
+              </a:solidFill>
+              <a:latin typeface="Calibri" pitchFamily="-65" charset="0"/>
+              <a:ea typeface="Arial Unicode MS" pitchFamily="-65" charset="0"/>
+              <a:cs typeface="Arial Unicode MS" pitchFamily="-65" charset="0"/>
+            </a:endParaRPr>
+          </a:p>
+          <a:p>
+            <a:pPr>
+              <a:lnSpc>
+                <a:spcPct val="102000"/>
+              </a:lnSpc>
+              <a:tabLst>
+                <a:tab pos="723900" algn="l"/>
+                <a:tab pos="1447800" algn="l"/>
+              </a:tabLst>
+            </a:pPr>
+            <a:r>
+              <a:rPr lang="en-GB" sz="2000" dirty="0">
+                <a:solidFill>
+                  <a:srgbClr val="000000"/>
+                </a:solidFill>
+                <a:latin typeface="Calibri" pitchFamily="-65" charset="0"/>
+                <a:ea typeface="Arial Unicode MS" pitchFamily="-65" charset="0"/>
+                <a:cs typeface="Arial Unicode MS" pitchFamily="-65" charset="0"/>
+              </a:rPr>
+              <a:t>  - BLEU score</a:t>
+            </a:r>
+          </a:p>
+        </p:txBody>
+      </p:sp>
+      <p:sp>
+        <p:nvSpPr>
+          <p:cNvPr id="9" name="Rectangle 7"/>
+          <p:cNvSpPr>
+            <a:spLocks noChangeArrowheads="1"/>
+          </p:cNvSpPr>
+          <p:nvPr/>
+        </p:nvSpPr>
+        <p:spPr bwMode="auto">
+          <a:xfrm>
+            <a:off x="2251869" y="4192385"/>
+            <a:ext cx="1268412" cy="406400"/>
+          </a:xfrm>
+          <a:prstGeom prst="rect">
+            <a:avLst/>
+          </a:prstGeom>
+          <a:noFill/>
+          <a:ln w="9360">
+            <a:solidFill>
+              <a:srgbClr val="000000"/>
+            </a:solidFill>
+            <a:miter lim="800000"/>
+            <a:headEnd/>
+            <a:tailEnd/>
+          </a:ln>
+        </p:spPr>
+        <p:txBody>
+          <a:bodyPr lIns="90000" tIns="45000" rIns="90000" bIns="45000">
+            <a:prstTxWarp prst="textNoShape">
+              <a:avLst/>
+            </a:prstTxWarp>
+          </a:bodyPr>
+          <a:lstStyle/>
+          <a:p>
+            <a:pPr>
+              <a:lnSpc>
+                <a:spcPct val="102000"/>
+              </a:lnSpc>
+              <a:tabLst>
+                <a:tab pos="723900" algn="l"/>
+              </a:tabLst>
+            </a:pPr>
+            <a:r>
+              <a:rPr lang="en-GB" sz="2000">
+                <a:solidFill>
+                  <a:srgbClr val="000000"/>
+                </a:solidFill>
+                <a:latin typeface="Calibri" pitchFamily="-65" charset="0"/>
+                <a:ea typeface="Arial Unicode MS" pitchFamily="-65" charset="0"/>
+                <a:cs typeface="Arial Unicode MS" pitchFamily="-65" charset="0"/>
+              </a:rPr>
+              <a:t>Decoding</a:t>
+            </a:r>
+          </a:p>
+        </p:txBody>
+      </p:sp>
+      <p:sp>
+        <p:nvSpPr>
+          <p:cNvPr id="10" name="Rectangle 3"/>
+          <p:cNvSpPr>
+            <a:spLocks noChangeArrowheads="1"/>
+          </p:cNvSpPr>
+          <p:nvPr/>
+        </p:nvSpPr>
+        <p:spPr bwMode="auto">
+          <a:xfrm>
+            <a:off x="1889920" y="2815424"/>
+            <a:ext cx="1989137" cy="381450"/>
+          </a:xfrm>
+          <a:prstGeom prst="rect">
+            <a:avLst/>
+          </a:prstGeom>
+          <a:noFill/>
+          <a:ln w="9360">
+            <a:solidFill>
+              <a:srgbClr val="000000">
+                <a:alpha val="0"/>
+              </a:srgbClr>
+            </a:solidFill>
+            <a:miter lim="800000"/>
+            <a:headEnd/>
+            <a:tailEnd/>
+          </a:ln>
+        </p:spPr>
+        <p:txBody>
+          <a:bodyPr lIns="90000" tIns="45000" rIns="90000" bIns="45000">
+            <a:prstTxWarp prst="textNoShape">
+              <a:avLst/>
+            </a:prstTxWarp>
+          </a:bodyPr>
+          <a:lstStyle/>
+          <a:p>
+            <a:pPr>
+              <a:lnSpc>
+                <a:spcPct val="102000"/>
+              </a:lnSpc>
+              <a:tabLst>
+                <a:tab pos="723900" algn="l"/>
+                <a:tab pos="1447800" algn="l"/>
+                <a:tab pos="2171700" algn="l"/>
+              </a:tabLst>
+            </a:pPr>
+            <a:r>
+              <a:rPr lang="en-GB" dirty="0">
+                <a:solidFill>
+                  <a:srgbClr val="000000"/>
+                </a:solidFill>
+                <a:latin typeface="Calibri" pitchFamily="-65" charset="0"/>
+                <a:ea typeface="Arial Unicode MS" pitchFamily="-65" charset="0"/>
+                <a:cs typeface="Arial Unicode MS" pitchFamily="-65" charset="0"/>
+              </a:rPr>
+              <a:t>Phrase extraction</a:t>
+            </a:r>
+          </a:p>
+          <a:p>
+            <a:pPr>
+              <a:lnSpc>
+                <a:spcPct val="102000"/>
+              </a:lnSpc>
+              <a:tabLst>
+                <a:tab pos="723900" algn="l"/>
+                <a:tab pos="1447800" algn="l"/>
+                <a:tab pos="2171700" algn="l"/>
+              </a:tabLst>
+            </a:pPr>
+            <a:endParaRPr lang="en-GB" dirty="0">
+              <a:solidFill>
+                <a:srgbClr val="000000"/>
+              </a:solidFill>
+              <a:latin typeface="Calibri" pitchFamily="-65" charset="0"/>
+              <a:ea typeface="Arial Unicode MS" pitchFamily="-65" charset="0"/>
+              <a:cs typeface="Arial Unicode MS" pitchFamily="-65" charset="0"/>
+            </a:endParaRPr>
+          </a:p>
+        </p:txBody>
+      </p:sp>
+      <p:cxnSp>
+        <p:nvCxnSpPr>
+          <p:cNvPr id="11" name="Straight Arrow Connector 10"/>
+          <p:cNvCxnSpPr>
+            <a:endCxn id="4" idx="0"/>
+          </p:cNvCxnSpPr>
+          <p:nvPr/>
+        </p:nvCxnSpPr>
+        <p:spPr>
+          <a:xfrm>
+            <a:off x="2884489" y="-476517"/>
+            <a:ext cx="1588" cy="967570"/>
+          </a:xfrm>
+          <a:prstGeom prst="straightConnector1">
+            <a:avLst/>
+          </a:prstGeom>
+          <a:ln>
+            <a:tailEnd type="triangle"/>
+          </a:ln>
+        </p:spPr>
+        <p:style>
+          <a:lnRef idx="1">
+            <a:schemeClr val="accent1"/>
+          </a:lnRef>
+          <a:fillRef idx="0">
+            <a:schemeClr val="accent1"/>
+          </a:fillRef>
+          <a:effectRef idx="0">
+            <a:schemeClr val="accent1"/>
+          </a:effectRef>
+          <a:fontRef idx="minor">
+            <a:schemeClr val="tx1"/>
+          </a:fontRef>
+        </p:style>
+      </p:cxnSp>
+      <p:cxnSp>
+        <p:nvCxnSpPr>
+          <p:cNvPr id="14" name="Straight Arrow Connector 13"/>
+          <p:cNvCxnSpPr>
+            <a:stCxn id="4" idx="2"/>
+            <a:endCxn id="5" idx="0"/>
+          </p:cNvCxnSpPr>
+          <p:nvPr/>
+        </p:nvCxnSpPr>
+        <p:spPr>
+          <a:xfrm flipH="1">
+            <a:off x="2886076" y="1870458"/>
+            <a:ext cx="1" cy="226896"/>
+          </a:xfrm>
+          <a:prstGeom prst="straightConnector1">
+            <a:avLst/>
+          </a:prstGeom>
+          <a:ln>
+            <a:tailEnd type="triangle"/>
+          </a:ln>
+        </p:spPr>
+        <p:style>
+          <a:lnRef idx="1">
+            <a:schemeClr val="accent1"/>
+          </a:lnRef>
+          <a:fillRef idx="0">
+            <a:schemeClr val="accent1"/>
+          </a:fillRef>
+          <a:effectRef idx="0">
+            <a:schemeClr val="accent1"/>
+          </a:effectRef>
+          <a:fontRef idx="minor">
+            <a:schemeClr val="tx1"/>
+          </a:fontRef>
+        </p:style>
+      </p:cxnSp>
+      <p:cxnSp>
+        <p:nvCxnSpPr>
+          <p:cNvPr id="18" name="Straight Arrow Connector 17"/>
+          <p:cNvCxnSpPr>
+            <a:stCxn id="5" idx="2"/>
+            <a:endCxn id="10" idx="0"/>
+          </p:cNvCxnSpPr>
+          <p:nvPr/>
+        </p:nvCxnSpPr>
+        <p:spPr>
+          <a:xfrm flipH="1">
+            <a:off x="2884489" y="2530742"/>
+            <a:ext cx="1587" cy="284682"/>
+          </a:xfrm>
+          <a:prstGeom prst="straightConnector1">
+            <a:avLst/>
+          </a:prstGeom>
+          <a:ln>
+            <a:tailEnd type="triangle"/>
+          </a:ln>
+        </p:spPr>
+        <p:style>
+          <a:lnRef idx="1">
+            <a:schemeClr val="accent1"/>
+          </a:lnRef>
+          <a:fillRef idx="0">
+            <a:schemeClr val="accent1"/>
+          </a:fillRef>
+          <a:effectRef idx="0">
+            <a:schemeClr val="accent1"/>
+          </a:effectRef>
+          <a:fontRef idx="minor">
+            <a:schemeClr val="tx1"/>
+          </a:fontRef>
+        </p:style>
+      </p:cxnSp>
+      <p:cxnSp>
+        <p:nvCxnSpPr>
+          <p:cNvPr id="23" name="Straight Arrow Connector 22"/>
+          <p:cNvCxnSpPr>
+            <a:stCxn id="10" idx="2"/>
+            <a:endCxn id="6" idx="0"/>
+          </p:cNvCxnSpPr>
+          <p:nvPr/>
+        </p:nvCxnSpPr>
+        <p:spPr>
+          <a:xfrm>
+            <a:off x="2884489" y="3196874"/>
+            <a:ext cx="1587" cy="283416"/>
+          </a:xfrm>
+          <a:prstGeom prst="straightConnector1">
+            <a:avLst/>
+          </a:prstGeom>
+          <a:ln>
+            <a:tailEnd type="triangle"/>
+          </a:ln>
+        </p:spPr>
+        <p:style>
+          <a:lnRef idx="1">
+            <a:schemeClr val="accent1"/>
+          </a:lnRef>
+          <a:fillRef idx="0">
+            <a:schemeClr val="accent1"/>
+          </a:fillRef>
+          <a:effectRef idx="0">
+            <a:schemeClr val="accent1"/>
+          </a:effectRef>
+          <a:fontRef idx="minor">
+            <a:schemeClr val="tx1"/>
+          </a:fontRef>
+        </p:style>
+      </p:cxnSp>
+      <p:cxnSp>
+        <p:nvCxnSpPr>
+          <p:cNvPr id="26" name="Straight Arrow Connector 25"/>
+          <p:cNvCxnSpPr>
+            <a:stCxn id="6" idx="2"/>
+            <a:endCxn id="9" idx="0"/>
+          </p:cNvCxnSpPr>
+          <p:nvPr/>
+        </p:nvCxnSpPr>
+        <p:spPr>
+          <a:xfrm flipH="1">
+            <a:off x="2886075" y="3937490"/>
+            <a:ext cx="1" cy="254895"/>
+          </a:xfrm>
+          <a:prstGeom prst="straightConnector1">
+            <a:avLst/>
+          </a:prstGeom>
+          <a:ln>
+            <a:tailEnd type="triangle"/>
+          </a:ln>
+        </p:spPr>
+        <p:style>
+          <a:lnRef idx="1">
+            <a:schemeClr val="accent1"/>
+          </a:lnRef>
+          <a:fillRef idx="0">
+            <a:schemeClr val="accent1"/>
+          </a:fillRef>
+          <a:effectRef idx="0">
+            <a:schemeClr val="accent1"/>
+          </a:effectRef>
+          <a:fontRef idx="minor">
+            <a:schemeClr val="tx1"/>
+          </a:fontRef>
+        </p:style>
+      </p:cxnSp>
+      <p:cxnSp>
+        <p:nvCxnSpPr>
+          <p:cNvPr id="29" name="Straight Arrow Connector 28"/>
+          <p:cNvCxnSpPr>
+            <a:stCxn id="9" idx="2"/>
+            <a:endCxn id="7" idx="0"/>
+          </p:cNvCxnSpPr>
+          <p:nvPr/>
+        </p:nvCxnSpPr>
+        <p:spPr>
+          <a:xfrm flipH="1">
+            <a:off x="2884489" y="4598785"/>
+            <a:ext cx="1586" cy="190500"/>
+          </a:xfrm>
+          <a:prstGeom prst="straightConnector1">
+            <a:avLst/>
+          </a:prstGeom>
+          <a:ln>
+            <a:tailEnd type="triangle"/>
+          </a:ln>
+        </p:spPr>
+        <p:style>
+          <a:lnRef idx="1">
+            <a:schemeClr val="accent1"/>
+          </a:lnRef>
+          <a:fillRef idx="0">
+            <a:schemeClr val="accent1"/>
+          </a:fillRef>
+          <a:effectRef idx="0">
+            <a:schemeClr val="accent1"/>
+          </a:effectRef>
+          <a:fontRef idx="minor">
+            <a:schemeClr val="tx1"/>
+          </a:fontRef>
+        </p:style>
+      </p:cxnSp>
+      <p:cxnSp>
+        <p:nvCxnSpPr>
+          <p:cNvPr id="33" name="Straight Arrow Connector 32"/>
+          <p:cNvCxnSpPr>
+            <a:stCxn id="7" idx="2"/>
+            <a:endCxn id="8" idx="0"/>
+          </p:cNvCxnSpPr>
+          <p:nvPr/>
+        </p:nvCxnSpPr>
+        <p:spPr>
+          <a:xfrm>
+            <a:off x="2884489" y="5805285"/>
+            <a:ext cx="0" cy="191863"/>
+          </a:xfrm>
+          <a:prstGeom prst="straightConnector1">
+            <a:avLst/>
+          </a:prstGeom>
+          <a:ln>
+            <a:tailEnd type="triangle"/>
+          </a:ln>
+        </p:spPr>
+        <p:style>
+          <a:lnRef idx="1">
+            <a:schemeClr val="accent1"/>
+          </a:lnRef>
+          <a:fillRef idx="0">
+            <a:schemeClr val="accent1"/>
+          </a:fillRef>
+          <a:effectRef idx="0">
+            <a:schemeClr val="accent1"/>
+          </a:effectRef>
+          <a:fontRef idx="minor">
+            <a:schemeClr val="tx1"/>
+          </a:fontRef>
+        </p:style>
+      </p:cxnSp>
+      <p:sp>
+        <p:nvSpPr>
+          <p:cNvPr id="37" name="Rectangle 3"/>
+          <p:cNvSpPr>
+            <a:spLocks noChangeArrowheads="1"/>
+          </p:cNvSpPr>
+          <p:nvPr/>
+        </p:nvSpPr>
+        <p:spPr bwMode="auto">
+          <a:xfrm>
+            <a:off x="198185" y="2444929"/>
+            <a:ext cx="1316292" cy="381450"/>
+          </a:xfrm>
+          <a:prstGeom prst="rect">
+            <a:avLst/>
+          </a:prstGeom>
+          <a:noFill/>
+          <a:ln w="9360">
+            <a:solidFill>
+              <a:srgbClr val="000000"/>
+            </a:solidFill>
+            <a:miter lim="800000"/>
+            <a:headEnd/>
+            <a:tailEnd/>
+          </a:ln>
+        </p:spPr>
+        <p:txBody>
+          <a:bodyPr lIns="90000" tIns="45000" rIns="90000" bIns="45000">
+            <a:prstTxWarp prst="textNoShape">
+              <a:avLst/>
+            </a:prstTxWarp>
+          </a:bodyPr>
+          <a:lstStyle/>
+          <a:p>
+            <a:pPr>
+              <a:lnSpc>
+                <a:spcPct val="102000"/>
+              </a:lnSpc>
+              <a:tabLst>
+                <a:tab pos="723900" algn="l"/>
+                <a:tab pos="1447800" algn="l"/>
+                <a:tab pos="2171700" algn="l"/>
+              </a:tabLst>
+            </a:pPr>
+            <a:r>
+              <a:rPr lang="en-GB" smtClean="0">
+                <a:solidFill>
+                  <a:srgbClr val="000000"/>
+                </a:solidFill>
+                <a:latin typeface="Calibri" pitchFamily="-65" charset="0"/>
+                <a:ea typeface="Arial Unicode MS" pitchFamily="-65" charset="0"/>
+                <a:cs typeface="Arial Unicode MS" pitchFamily="-65" charset="0"/>
+              </a:rPr>
+              <a:t>Create LM</a:t>
+            </a:r>
+            <a:endParaRPr lang="en-GB" dirty="0">
+              <a:solidFill>
+                <a:srgbClr val="000000"/>
+              </a:solidFill>
+              <a:latin typeface="Calibri" pitchFamily="-65" charset="0"/>
+              <a:ea typeface="Arial Unicode MS" pitchFamily="-65" charset="0"/>
+              <a:cs typeface="Arial Unicode MS" pitchFamily="-65" charset="0"/>
+            </a:endParaRPr>
+          </a:p>
+        </p:txBody>
+      </p:sp>
+      <p:cxnSp>
+        <p:nvCxnSpPr>
+          <p:cNvPr id="39" name="Curved Connector 38"/>
+          <p:cNvCxnSpPr>
+            <a:stCxn id="4" idx="1"/>
+            <a:endCxn id="37" idx="0"/>
+          </p:cNvCxnSpPr>
+          <p:nvPr/>
+        </p:nvCxnSpPr>
+        <p:spPr>
+          <a:xfrm rot="10800000" flipV="1">
+            <a:off x="856331" y="1180755"/>
+            <a:ext cx="1062958" cy="1264173"/>
+          </a:xfrm>
+          <a:prstGeom prst="curvedConnector2">
+            <a:avLst/>
+          </a:prstGeom>
+          <a:ln>
+            <a:tailEnd type="triangle"/>
+          </a:ln>
+        </p:spPr>
+        <p:style>
+          <a:lnRef idx="1">
+            <a:schemeClr val="accent1"/>
+          </a:lnRef>
+          <a:fillRef idx="0">
+            <a:schemeClr val="accent1"/>
+          </a:fillRef>
+          <a:effectRef idx="0">
+            <a:schemeClr val="accent1"/>
+          </a:effectRef>
+          <a:fontRef idx="minor">
+            <a:schemeClr val="tx1"/>
+          </a:fontRef>
+        </p:style>
+      </p:cxnSp>
+      <p:cxnSp>
+        <p:nvCxnSpPr>
+          <p:cNvPr id="41" name="Curved Connector 40"/>
+          <p:cNvCxnSpPr>
+            <a:stCxn id="37" idx="2"/>
+            <a:endCxn id="6" idx="1"/>
+          </p:cNvCxnSpPr>
+          <p:nvPr/>
+        </p:nvCxnSpPr>
+        <p:spPr>
+          <a:xfrm rot="16200000" flipH="1">
+            <a:off x="1188251" y="2494458"/>
+            <a:ext cx="882511" cy="1546351"/>
+          </a:xfrm>
+          <a:prstGeom prst="curvedConnector2">
+            <a:avLst/>
+          </a:prstGeom>
+          <a:ln>
+            <a:tailEnd type="triangle"/>
+          </a:ln>
+        </p:spPr>
+        <p:style>
+          <a:lnRef idx="1">
+            <a:schemeClr val="accent1"/>
+          </a:lnRef>
+          <a:fillRef idx="0">
+            <a:schemeClr val="accent1"/>
+          </a:fillRef>
+          <a:effectRef idx="0">
+            <a:schemeClr val="accent1"/>
+          </a:effectRef>
+          <a:fontRef idx="minor">
+            <a:schemeClr val="tx1"/>
+          </a:fontRef>
+        </p:style>
+      </p:cxnSp>
+      <p:sp>
+        <p:nvSpPr>
+          <p:cNvPr id="3" name="Rectangle 2"/>
+          <p:cNvSpPr/>
+          <p:nvPr/>
+        </p:nvSpPr>
+        <p:spPr>
+          <a:xfrm>
+            <a:off x="1790163" y="1970468"/>
+            <a:ext cx="2266682" cy="1339402"/>
+          </a:xfrm>
+          <a:prstGeom prst="rect">
+            <a:avLst/>
+          </a:prstGeom>
+          <a:noFill/>
+          <a:ln w="9525">
+            <a:solidFill>
+              <a:schemeClr val="tx1"/>
+            </a:solidFill>
+          </a:ln>
+        </p:spPr>
+        <p:style>
+          <a:lnRef idx="2">
+            <a:schemeClr val="accent6"/>
+          </a:lnRef>
+          <a:fillRef idx="1">
+            <a:schemeClr val="lt1"/>
+          </a:fillRef>
+          <a:effectRef idx="0">
+            <a:schemeClr val="accent6"/>
+          </a:effectRef>
+          <a:fontRef idx="minor">
+            <a:schemeClr val="dk1"/>
+          </a:fontRef>
+        </p:style>
+        <p:txBody>
+          <a:bodyPr rtlCol="0" anchor="ctr"/>
+          <a:lstStyle/>
+          <a:p>
+            <a:pPr algn="ctr"/>
+            <a:endParaRPr lang="en-US"/>
+          </a:p>
+        </p:txBody>
+      </p:sp>
+    </p:spTree>
+    <p:extLst>
+      <p:ext uri="{BB962C8B-B14F-4D97-AF65-F5344CB8AC3E}">
+        <p14:creationId xmlns:p14="http://schemas.microsoft.com/office/powerpoint/2010/main" val="879560587"/>
+      </p:ext>
+    </p:extLst>
+  </p:cSld>
+  <p:clrMapOvr>
+    <a:masterClrMapping/>
+  </p:clrMapOvr>
+  <p:timing>
+    <p:tnLst>
+      <p:par>
+        <p:cTn id="1" dur="indefinite" restart="never" nodeType="tmRoot"/>
+      </p:par>
+    </p:tnLst>
+  </p:timing>
+</p:sld>
+</file>
+
+<file path=ppt/slides/slide17.xml><?xml version="1.0" encoding="utf-8"?>
+<p:sld xmlns:a="http://schemas.openxmlformats.org/drawingml/2006/main" xmlns:r="http://schemas.openxmlformats.org/officeDocument/2006/relationships" xmlns:p="http://schemas.openxmlformats.org/presentationml/2006/main">
+  <p:cSld>
+    <p:spTree>
+      <p:nvGrpSpPr>
+        <p:cNvPr id="1" name=""/>
+        <p:cNvGrpSpPr/>
+        <p:nvPr/>
+      </p:nvGrpSpPr>
+      <p:grpSpPr>
+        <a:xfrm>
+          <a:off x="0" y="0"/>
+          <a:ext cx="0" cy="0"/>
+          <a:chOff x="0" y="0"/>
+          <a:chExt cx="0" cy="0"/>
+        </a:xfrm>
+      </p:grpSpPr>
+      <p:sp>
+        <p:nvSpPr>
+          <p:cNvPr id="2" name="Title 1"/>
+          <p:cNvSpPr>
+            <a:spLocks noGrp="1"/>
+          </p:cNvSpPr>
+          <p:nvPr>
+            <p:ph type="title"/>
+          </p:nvPr>
+        </p:nvSpPr>
+        <p:spPr/>
+        <p:txBody>
+          <a:bodyPr/>
+          <a:lstStyle/>
+          <a:p>
+            <a:pPr algn="ctr"/>
+            <a:r>
+              <a:rPr lang="en-US" smtClean="0"/>
+              <a:t>Evaluation</a:t>
+            </a:r>
+            <a:endParaRPr lang="en-US"/>
+          </a:p>
+        </p:txBody>
+      </p:sp>
+      <p:sp>
+        <p:nvSpPr>
+          <p:cNvPr id="3" name="Content Placeholder 2"/>
+          <p:cNvSpPr>
+            <a:spLocks noGrp="1"/>
+          </p:cNvSpPr>
+          <p:nvPr>
+            <p:ph idx="1"/>
+          </p:nvPr>
+        </p:nvSpPr>
+        <p:spPr/>
+        <p:txBody>
+          <a:bodyPr/>
+          <a:lstStyle/>
+          <a:p>
+            <a:r>
+              <a:rPr lang="en-US" dirty="0" smtClean="0"/>
+              <a:t>Decode test set</a:t>
+            </a:r>
+          </a:p>
+          <a:p>
+            <a:r>
+              <a:rPr lang="en-US" dirty="0" smtClean="0"/>
+              <a:t>Calculate BLEU score</a:t>
+            </a:r>
+          </a:p>
+          <a:p>
+            <a:pPr lvl="1"/>
+            <a:r>
+              <a:rPr lang="en-US" dirty="0" smtClean="0"/>
+              <a:t>Compare output with reference translation</a:t>
+            </a:r>
+          </a:p>
+          <a:p>
+            <a:pPr lvl="1"/>
+            <a:r>
+              <a:rPr lang="en-US" dirty="0" smtClean="0"/>
+              <a:t>Percentage of correct 1-gram, 2-grams, 3-grams, 4-grams</a:t>
+            </a:r>
+          </a:p>
+          <a:p>
+            <a:pPr lvl="2"/>
+            <a:r>
+              <a:rPr lang="en-US" dirty="0" smtClean="0"/>
+              <a:t>Precision metric</a:t>
+            </a:r>
+          </a:p>
+          <a:p>
+            <a:pPr lvl="1"/>
+            <a:r>
+              <a:rPr lang="en-US" dirty="0" smtClean="0"/>
+              <a:t>Geometric mean</a:t>
+            </a:r>
+          </a:p>
+          <a:p>
+            <a:pPr lvl="1"/>
+            <a:r>
+              <a:rPr lang="en-US" dirty="0" smtClean="0"/>
+              <a:t>Brevity penalty</a:t>
+            </a:r>
+          </a:p>
+          <a:p>
+            <a:endParaRPr lang="en-US" dirty="0"/>
+          </a:p>
+        </p:txBody>
+      </p:sp>
+    </p:spTree>
+    <p:extLst>
+      <p:ext uri="{BB962C8B-B14F-4D97-AF65-F5344CB8AC3E}">
+        <p14:creationId xmlns:p14="http://schemas.microsoft.com/office/powerpoint/2010/main" val="1470655236"/>
+      </p:ext>
+    </p:extLst>
+  </p:cSld>
+  <p:clrMapOvr>
+    <a:masterClrMapping/>
+  </p:clrMapOvr>
+</p:sld>
+</file>
+
+<file path=ppt/slides/slide18.xml><?xml version="1.0" encoding="utf-8"?>
+<p:sld xmlns:a="http://schemas.openxmlformats.org/drawingml/2006/main" xmlns:r="http://schemas.openxmlformats.org/officeDocument/2006/relationships" xmlns:p="http://schemas.openxmlformats.org/presentationml/2006/main">
+  <p:cSld>
+    <p:spTree>
+      <p:nvGrpSpPr>
+        <p:cNvPr id="1" name=""/>
+        <p:cNvGrpSpPr/>
+        <p:nvPr/>
+      </p:nvGrpSpPr>
+      <p:grpSpPr>
+        <a:xfrm>
+          <a:off x="0" y="0"/>
+          <a:ext cx="0" cy="0"/>
+          <a:chOff x="0" y="0"/>
+          <a:chExt cx="0" cy="0"/>
+        </a:xfrm>
+      </p:grpSpPr>
+      <p:sp>
+        <p:nvSpPr>
+          <p:cNvPr id="2" name="Title 1"/>
+          <p:cNvSpPr>
+            <a:spLocks noGrp="1"/>
+          </p:cNvSpPr>
+          <p:nvPr>
+            <p:ph type="title"/>
+          </p:nvPr>
+        </p:nvSpPr>
+        <p:spPr/>
+        <p:txBody>
+          <a:bodyPr/>
+          <a:lstStyle/>
+          <a:p>
+            <a:pPr algn="ctr"/>
+            <a:r>
+              <a:rPr lang="en-US" smtClean="0"/>
+              <a:t>BLEU score</a:t>
+            </a:r>
+            <a:endParaRPr lang="en-US"/>
+          </a:p>
+        </p:txBody>
+      </p:sp>
+      <p:sp>
+        <p:nvSpPr>
+          <p:cNvPr id="4" name="Rectangle 3"/>
+          <p:cNvSpPr/>
+          <p:nvPr/>
+        </p:nvSpPr>
+        <p:spPr>
+          <a:xfrm>
+            <a:off x="1094704" y="2729515"/>
+            <a:ext cx="10534918" cy="400110"/>
+          </a:xfrm>
+          <a:prstGeom prst="rect">
+            <a:avLst/>
+          </a:prstGeom>
+        </p:spPr>
+        <p:txBody>
+          <a:bodyPr wrap="square">
+            <a:spAutoFit/>
+          </a:bodyPr>
+          <a:lstStyle/>
+          <a:p>
+            <a:r>
+              <a:rPr lang="en-US" sz="2000" dirty="0"/>
+              <a:t>﻿BLEU = 23.02, 60.0/30.3/17.2/9.5 (BP=0.987, ratio=0.987, </a:t>
+            </a:r>
+            <a:r>
+              <a:rPr lang="en-US" sz="2000" dirty="0" err="1"/>
+              <a:t>hyp_len</a:t>
+            </a:r>
+            <a:r>
+              <a:rPr lang="en-US" sz="2000" dirty="0"/>
+              <a:t>=1260, </a:t>
+            </a:r>
+            <a:r>
+              <a:rPr lang="en-US" sz="2000" dirty="0" err="1"/>
+              <a:t>ref_len</a:t>
+            </a:r>
+            <a:r>
+              <a:rPr lang="en-US" sz="2000" dirty="0"/>
+              <a:t>=1277)</a:t>
+            </a:r>
+          </a:p>
+        </p:txBody>
+      </p:sp>
+      <p:cxnSp>
+        <p:nvCxnSpPr>
+          <p:cNvPr id="8" name="Straight Arrow Connector 7"/>
+          <p:cNvCxnSpPr/>
+          <p:nvPr/>
+        </p:nvCxnSpPr>
+        <p:spPr>
+          <a:xfrm flipV="1">
+            <a:off x="1751526" y="3129625"/>
+            <a:ext cx="386367" cy="489338"/>
+          </a:xfrm>
+          <a:prstGeom prst="straightConnector1">
+            <a:avLst/>
+          </a:prstGeom>
+          <a:ln>
+            <a:tailEnd type="triangle"/>
+          </a:ln>
+        </p:spPr>
+        <p:style>
+          <a:lnRef idx="1">
+            <a:schemeClr val="accent1"/>
+          </a:lnRef>
+          <a:fillRef idx="0">
+            <a:schemeClr val="accent1"/>
+          </a:fillRef>
+          <a:effectRef idx="0">
+            <a:schemeClr val="accent1"/>
+          </a:effectRef>
+          <a:fontRef idx="minor">
+            <a:schemeClr val="tx1"/>
+          </a:fontRef>
+        </p:style>
+      </p:cxnSp>
+      <p:sp>
+        <p:nvSpPr>
+          <p:cNvPr id="9" name="TextBox 8"/>
+          <p:cNvSpPr txBox="1"/>
+          <p:nvPr/>
+        </p:nvSpPr>
+        <p:spPr>
+          <a:xfrm>
+            <a:off x="1409156" y="3618963"/>
+            <a:ext cx="684739" cy="369332"/>
+          </a:xfrm>
+          <a:prstGeom prst="rect">
+            <a:avLst/>
+          </a:prstGeom>
+          <a:noFill/>
+        </p:spPr>
+        <p:txBody>
+          <a:bodyPr wrap="none" rtlCol="0">
+            <a:spAutoFit/>
+          </a:bodyPr>
+          <a:lstStyle/>
+          <a:p>
+            <a:r>
+              <a:rPr lang="en-US" smtClean="0"/>
+              <a:t>score</a:t>
+            </a:r>
+            <a:endParaRPr lang="en-US"/>
+          </a:p>
+        </p:txBody>
+      </p:sp>
+      <p:cxnSp>
+        <p:nvCxnSpPr>
+          <p:cNvPr id="10" name="Straight Arrow Connector 9"/>
+          <p:cNvCxnSpPr/>
+          <p:nvPr/>
+        </p:nvCxnSpPr>
+        <p:spPr>
+          <a:xfrm flipV="1">
+            <a:off x="2614411" y="3129625"/>
+            <a:ext cx="252219" cy="489338"/>
+          </a:xfrm>
+          <a:prstGeom prst="straightConnector1">
+            <a:avLst/>
+          </a:prstGeom>
+          <a:ln>
+            <a:tailEnd type="triangle"/>
+          </a:ln>
+        </p:spPr>
+        <p:style>
+          <a:lnRef idx="1">
+            <a:schemeClr val="accent1"/>
+          </a:lnRef>
+          <a:fillRef idx="0">
+            <a:schemeClr val="accent1"/>
+          </a:fillRef>
+          <a:effectRef idx="0">
+            <a:schemeClr val="accent1"/>
+          </a:effectRef>
+          <a:fontRef idx="minor">
+            <a:schemeClr val="tx1"/>
+          </a:fontRef>
+        </p:style>
+      </p:cxnSp>
+      <p:cxnSp>
+        <p:nvCxnSpPr>
+          <p:cNvPr id="12" name="Straight Arrow Connector 11"/>
+          <p:cNvCxnSpPr/>
+          <p:nvPr/>
+        </p:nvCxnSpPr>
+        <p:spPr>
+          <a:xfrm flipH="1" flipV="1">
+            <a:off x="3361726" y="3129625"/>
+            <a:ext cx="291944" cy="489338"/>
+          </a:xfrm>
+          <a:prstGeom prst="straightConnector1">
+            <a:avLst/>
+          </a:prstGeom>
+          <a:ln>
+            <a:tailEnd type="triangle"/>
+          </a:ln>
+        </p:spPr>
+        <p:style>
+          <a:lnRef idx="1">
+            <a:schemeClr val="accent1"/>
+          </a:lnRef>
+          <a:fillRef idx="0">
+            <a:schemeClr val="accent1"/>
+          </a:fillRef>
+          <a:effectRef idx="0">
+            <a:schemeClr val="accent1"/>
+          </a:effectRef>
+          <a:fontRef idx="minor">
+            <a:schemeClr val="tx1"/>
+          </a:fontRef>
+        </p:style>
+      </p:cxnSp>
+      <p:sp>
+        <p:nvSpPr>
+          <p:cNvPr id="13" name="TextBox 12"/>
+          <p:cNvSpPr txBox="1"/>
+          <p:nvPr/>
+        </p:nvSpPr>
+        <p:spPr>
+          <a:xfrm>
+            <a:off x="2208181" y="3618963"/>
+            <a:ext cx="1013611" cy="646331"/>
+          </a:xfrm>
+          <a:prstGeom prst="rect">
+            <a:avLst/>
+          </a:prstGeom>
+          <a:noFill/>
+        </p:spPr>
+        <p:txBody>
+          <a:bodyPr wrap="none" rtlCol="0">
+            <a:spAutoFit/>
+          </a:bodyPr>
+          <a:lstStyle/>
+          <a:p>
+            <a:r>
+              <a:rPr lang="en-US" dirty="0"/>
+              <a:t>u</a:t>
+            </a:r>
+            <a:r>
+              <a:rPr lang="en-US" dirty="0" smtClean="0"/>
+              <a:t>nigram </a:t>
+            </a:r>
+          </a:p>
+          <a:p>
+            <a:r>
+              <a:rPr lang="en-US" dirty="0" smtClean="0"/>
+              <a:t>matches</a:t>
+            </a:r>
+            <a:endParaRPr lang="en-US" dirty="0"/>
+          </a:p>
+        </p:txBody>
+      </p:sp>
+      <p:sp>
+        <p:nvSpPr>
+          <p:cNvPr id="15" name="TextBox 14"/>
+          <p:cNvSpPr txBox="1"/>
+          <p:nvPr/>
+        </p:nvSpPr>
+        <p:spPr>
+          <a:xfrm>
+            <a:off x="3272860" y="3618962"/>
+            <a:ext cx="976549" cy="646331"/>
+          </a:xfrm>
+          <a:prstGeom prst="rect">
+            <a:avLst/>
+          </a:prstGeom>
+          <a:noFill/>
+        </p:spPr>
+        <p:txBody>
+          <a:bodyPr wrap="none" rtlCol="0">
+            <a:spAutoFit/>
+          </a:bodyPr>
+          <a:lstStyle/>
+          <a:p>
+            <a:r>
+              <a:rPr lang="en-US" dirty="0" smtClean="0"/>
+              <a:t>bigram</a:t>
+            </a:r>
+          </a:p>
+          <a:p>
+            <a:r>
+              <a:rPr lang="en-US" dirty="0" smtClean="0"/>
+              <a:t>matches</a:t>
+            </a:r>
+            <a:endParaRPr lang="en-US" dirty="0"/>
+          </a:p>
+        </p:txBody>
+      </p:sp>
+      <p:sp>
+        <p:nvSpPr>
+          <p:cNvPr id="16" name="TextBox 15"/>
+          <p:cNvSpPr txBox="1"/>
+          <p:nvPr/>
+        </p:nvSpPr>
+        <p:spPr>
+          <a:xfrm>
+            <a:off x="4249409" y="3618961"/>
+            <a:ext cx="1039259" cy="646331"/>
+          </a:xfrm>
+          <a:prstGeom prst="rect">
+            <a:avLst/>
+          </a:prstGeom>
+          <a:noFill/>
+        </p:spPr>
+        <p:txBody>
+          <a:bodyPr wrap="none" rtlCol="0">
+            <a:spAutoFit/>
+          </a:bodyPr>
+          <a:lstStyle/>
+          <a:p>
+            <a:r>
+              <a:rPr lang="en-US" dirty="0" smtClean="0"/>
+              <a:t>Unigram </a:t>
+            </a:r>
+          </a:p>
+          <a:p>
+            <a:r>
+              <a:rPr lang="en-US" dirty="0" smtClean="0"/>
+              <a:t>matches</a:t>
+            </a:r>
+            <a:endParaRPr lang="en-US" dirty="0"/>
+          </a:p>
+        </p:txBody>
+      </p:sp>
+      <p:cxnSp>
+        <p:nvCxnSpPr>
+          <p:cNvPr id="17" name="Straight Arrow Connector 16"/>
+          <p:cNvCxnSpPr>
+            <a:stCxn id="16" idx="0"/>
+          </p:cNvCxnSpPr>
+          <p:nvPr/>
+        </p:nvCxnSpPr>
+        <p:spPr>
+          <a:xfrm flipH="1" flipV="1">
+            <a:off x="3843179" y="3129625"/>
+            <a:ext cx="925860" cy="489336"/>
+          </a:xfrm>
+          <a:prstGeom prst="straightConnector1">
+            <a:avLst/>
+          </a:prstGeom>
+          <a:ln>
+            <a:tailEnd type="triangle"/>
+          </a:ln>
+        </p:spPr>
+        <p:style>
+          <a:lnRef idx="1">
+            <a:schemeClr val="accent1"/>
+          </a:lnRef>
+          <a:fillRef idx="0">
+            <a:schemeClr val="accent1"/>
+          </a:fillRef>
+          <a:effectRef idx="0">
+            <a:schemeClr val="accent1"/>
+          </a:effectRef>
+          <a:fontRef idx="minor">
+            <a:schemeClr val="tx1"/>
+          </a:fontRef>
+        </p:style>
+      </p:cxnSp>
+      <p:cxnSp>
+        <p:nvCxnSpPr>
+          <p:cNvPr id="20" name="Straight Arrow Connector 19"/>
+          <p:cNvCxnSpPr/>
+          <p:nvPr/>
+        </p:nvCxnSpPr>
+        <p:spPr>
+          <a:xfrm flipH="1" flipV="1">
+            <a:off x="4495618" y="3100401"/>
+            <a:ext cx="925860" cy="489336"/>
+          </a:xfrm>
+          <a:prstGeom prst="straightConnector1">
+            <a:avLst/>
+          </a:prstGeom>
+          <a:ln>
+            <a:tailEnd type="triangle"/>
+          </a:ln>
+        </p:spPr>
+        <p:style>
+          <a:lnRef idx="1">
+            <a:schemeClr val="accent1"/>
+          </a:lnRef>
+          <a:fillRef idx="0">
+            <a:schemeClr val="accent1"/>
+          </a:fillRef>
+          <a:effectRef idx="0">
+            <a:schemeClr val="accent1"/>
+          </a:effectRef>
+          <a:fontRef idx="minor">
+            <a:schemeClr val="tx1"/>
+          </a:fontRef>
+        </p:style>
+      </p:cxnSp>
+      <p:sp>
+        <p:nvSpPr>
+          <p:cNvPr id="21" name="TextBox 20"/>
+          <p:cNvSpPr txBox="1"/>
+          <p:nvPr/>
+        </p:nvSpPr>
+        <p:spPr>
+          <a:xfrm>
+            <a:off x="5316391" y="3618960"/>
+            <a:ext cx="986360" cy="646331"/>
+          </a:xfrm>
+          <a:prstGeom prst="rect">
+            <a:avLst/>
+          </a:prstGeom>
+          <a:noFill/>
+        </p:spPr>
+        <p:txBody>
+          <a:bodyPr wrap="none" rtlCol="0">
+            <a:spAutoFit/>
+          </a:bodyPr>
+          <a:lstStyle/>
+          <a:p>
+            <a:r>
+              <a:rPr lang="en-US" dirty="0" smtClean="0"/>
+              <a:t>4-gram </a:t>
+            </a:r>
+          </a:p>
+          <a:p>
+            <a:r>
+              <a:rPr lang="en-US" dirty="0" smtClean="0"/>
+              <a:t>matches</a:t>
+            </a:r>
+            <a:endParaRPr lang="en-US" dirty="0"/>
+          </a:p>
+        </p:txBody>
+      </p:sp>
+      <p:cxnSp>
+        <p:nvCxnSpPr>
+          <p:cNvPr id="22" name="Straight Arrow Connector 21"/>
+          <p:cNvCxnSpPr/>
+          <p:nvPr/>
+        </p:nvCxnSpPr>
+        <p:spPr>
+          <a:xfrm>
+            <a:off x="5316391" y="2279561"/>
+            <a:ext cx="14106" cy="422580"/>
+          </a:xfrm>
+          <a:prstGeom prst="straightConnector1">
+            <a:avLst/>
+          </a:prstGeom>
+          <a:ln>
+            <a:tailEnd type="triangle"/>
+          </a:ln>
+        </p:spPr>
+        <p:style>
+          <a:lnRef idx="1">
+            <a:schemeClr val="accent1"/>
+          </a:lnRef>
+          <a:fillRef idx="0">
+            <a:schemeClr val="accent1"/>
+          </a:fillRef>
+          <a:effectRef idx="0">
+            <a:schemeClr val="accent1"/>
+          </a:effectRef>
+          <a:fontRef idx="minor">
+            <a:schemeClr val="tx1"/>
+          </a:fontRef>
+        </p:style>
+      </p:cxnSp>
+      <p:sp>
+        <p:nvSpPr>
+          <p:cNvPr id="24" name="TextBox 23"/>
+          <p:cNvSpPr txBox="1"/>
+          <p:nvPr/>
+        </p:nvSpPr>
+        <p:spPr>
+          <a:xfrm>
+            <a:off x="4851405" y="1593846"/>
+            <a:ext cx="888385" cy="646331"/>
+          </a:xfrm>
+          <a:prstGeom prst="rect">
+            <a:avLst/>
+          </a:prstGeom>
+          <a:noFill/>
+        </p:spPr>
+        <p:txBody>
+          <a:bodyPr wrap="none" rtlCol="0">
+            <a:spAutoFit/>
+          </a:bodyPr>
+          <a:lstStyle/>
+          <a:p>
+            <a:r>
+              <a:rPr lang="en-US" dirty="0" smtClean="0"/>
+              <a:t>Brevity</a:t>
+            </a:r>
+          </a:p>
+          <a:p>
+            <a:r>
+              <a:rPr lang="en-US" dirty="0" smtClean="0"/>
+              <a:t>penalty</a:t>
+            </a:r>
+            <a:endParaRPr lang="en-US" dirty="0"/>
+          </a:p>
+        </p:txBody>
+      </p:sp>
+      <p:cxnSp>
+        <p:nvCxnSpPr>
+          <p:cNvPr id="25" name="Straight Arrow Connector 24"/>
+          <p:cNvCxnSpPr/>
+          <p:nvPr/>
+        </p:nvCxnSpPr>
+        <p:spPr>
+          <a:xfrm>
+            <a:off x="8302143" y="2279561"/>
+            <a:ext cx="14106" cy="422580"/>
+          </a:xfrm>
+          <a:prstGeom prst="straightConnector1">
+            <a:avLst/>
+          </a:prstGeom>
+          <a:ln>
+            <a:tailEnd type="triangle"/>
+          </a:ln>
+        </p:spPr>
+        <p:style>
+          <a:lnRef idx="1">
+            <a:schemeClr val="accent1"/>
+          </a:lnRef>
+          <a:fillRef idx="0">
+            <a:schemeClr val="accent1"/>
+          </a:fillRef>
+          <a:effectRef idx="0">
+            <a:schemeClr val="accent1"/>
+          </a:effectRef>
+          <a:fontRef idx="minor">
+            <a:schemeClr val="tx1"/>
+          </a:fontRef>
+        </p:style>
+      </p:cxnSp>
+      <p:sp>
+        <p:nvSpPr>
+          <p:cNvPr id="26" name="TextBox 25"/>
+          <p:cNvSpPr txBox="1"/>
+          <p:nvPr/>
+        </p:nvSpPr>
+        <p:spPr>
+          <a:xfrm>
+            <a:off x="7837157" y="1593846"/>
+            <a:ext cx="909223" cy="646331"/>
+          </a:xfrm>
+          <a:prstGeom prst="rect">
+            <a:avLst/>
+          </a:prstGeom>
+          <a:noFill/>
+        </p:spPr>
+        <p:txBody>
+          <a:bodyPr wrap="none" rtlCol="0">
+            <a:spAutoFit/>
+          </a:bodyPr>
+          <a:lstStyle/>
+          <a:p>
+            <a:r>
+              <a:rPr lang="en-US" dirty="0" smtClean="0"/>
+              <a:t>Output </a:t>
+            </a:r>
+          </a:p>
+          <a:p>
+            <a:r>
+              <a:rPr lang="en-US" dirty="0" smtClean="0"/>
+              <a:t>length</a:t>
+            </a:r>
+            <a:endParaRPr lang="en-US" dirty="0"/>
+          </a:p>
+        </p:txBody>
+      </p:sp>
+      <p:cxnSp>
+        <p:nvCxnSpPr>
+          <p:cNvPr id="28" name="Straight Arrow Connector 27"/>
+          <p:cNvCxnSpPr/>
+          <p:nvPr/>
+        </p:nvCxnSpPr>
+        <p:spPr>
+          <a:xfrm>
+            <a:off x="9884098" y="2279561"/>
+            <a:ext cx="14106" cy="422580"/>
+          </a:xfrm>
+          <a:prstGeom prst="straightConnector1">
+            <a:avLst/>
+          </a:prstGeom>
+          <a:ln>
+            <a:tailEnd type="triangle"/>
+          </a:ln>
+        </p:spPr>
+        <p:style>
+          <a:lnRef idx="1">
+            <a:schemeClr val="accent1"/>
+          </a:lnRef>
+          <a:fillRef idx="0">
+            <a:schemeClr val="accent1"/>
+          </a:fillRef>
+          <a:effectRef idx="0">
+            <a:schemeClr val="accent1"/>
+          </a:effectRef>
+          <a:fontRef idx="minor">
+            <a:schemeClr val="tx1"/>
+          </a:fontRef>
+        </p:style>
+      </p:cxnSp>
+      <p:sp>
+        <p:nvSpPr>
+          <p:cNvPr id="29" name="TextBox 28"/>
+          <p:cNvSpPr txBox="1"/>
+          <p:nvPr/>
+        </p:nvSpPr>
+        <p:spPr>
+          <a:xfrm>
+            <a:off x="9419112" y="1593846"/>
+            <a:ext cx="1127360" cy="646331"/>
+          </a:xfrm>
+          <a:prstGeom prst="rect">
+            <a:avLst/>
+          </a:prstGeom>
+          <a:noFill/>
+        </p:spPr>
+        <p:txBody>
+          <a:bodyPr wrap="none" rtlCol="0">
+            <a:spAutoFit/>
+          </a:bodyPr>
+          <a:lstStyle/>
+          <a:p>
+            <a:r>
+              <a:rPr lang="en-US" smtClean="0"/>
+              <a:t>Reference</a:t>
+            </a:r>
+            <a:endParaRPr lang="en-US" dirty="0" smtClean="0"/>
+          </a:p>
+          <a:p>
+            <a:r>
+              <a:rPr lang="en-US" dirty="0" smtClean="0"/>
+              <a:t>length</a:t>
+            </a:r>
+            <a:endParaRPr lang="en-US" dirty="0"/>
+          </a:p>
+        </p:txBody>
+      </p:sp>
+    </p:spTree>
+    <p:extLst>
+      <p:ext uri="{BB962C8B-B14F-4D97-AF65-F5344CB8AC3E}">
+        <p14:creationId xmlns:p14="http://schemas.microsoft.com/office/powerpoint/2010/main" val="1305746183"/>
+      </p:ext>
+    </p:extLst>
+  </p:cSld>
+  <p:clrMapOvr>
+    <a:masterClrMapping/>
+  </p:clrMapOvr>
+</p:sld>
+</file>
+
+<file path=ppt/slides/slide19.xml><?xml version="1.0" encoding="utf-8"?>
+<p:sld xmlns:a="http://schemas.openxmlformats.org/drawingml/2006/main" xmlns:r="http://schemas.openxmlformats.org/officeDocument/2006/relationships" xmlns:p="http://schemas.openxmlformats.org/presentationml/2006/main">
+  <p:cSld>
+    <p:spTree>
+      <p:nvGrpSpPr>
+        <p:cNvPr id="1" name=""/>
+        <p:cNvGrpSpPr/>
+        <p:nvPr/>
+      </p:nvGrpSpPr>
+      <p:grpSpPr>
+        <a:xfrm>
+          <a:off x="0" y="0"/>
+          <a:ext cx="0" cy="0"/>
+          <a:chOff x="0" y="0"/>
+          <a:chExt cx="0" cy="0"/>
+        </a:xfrm>
+      </p:grpSpPr>
+      <p:sp>
+        <p:nvSpPr>
+          <p:cNvPr id="2" name="Title 1"/>
+          <p:cNvSpPr>
+            <a:spLocks noGrp="1"/>
+          </p:cNvSpPr>
+          <p:nvPr>
+            <p:ph type="title"/>
+          </p:nvPr>
+        </p:nvSpPr>
+        <p:spPr/>
+        <p:txBody>
+          <a:bodyPr/>
+          <a:lstStyle/>
+          <a:p>
+            <a:pPr algn="ctr"/>
+            <a:r>
+              <a:rPr lang="en-US" dirty="0" smtClean="0"/>
+              <a:t>Experiment </a:t>
+            </a:r>
+            <a:r>
+              <a:rPr lang="en-US" smtClean="0"/>
+              <a:t>Management System (EMS)</a:t>
+            </a:r>
+            <a:endParaRPr lang="en-US"/>
+          </a:p>
+        </p:txBody>
+      </p:sp>
+      <p:sp>
+        <p:nvSpPr>
+          <p:cNvPr id="3" name="Content Placeholder 2"/>
+          <p:cNvSpPr>
+            <a:spLocks noGrp="1"/>
+          </p:cNvSpPr>
+          <p:nvPr>
+            <p:ph idx="1"/>
+          </p:nvPr>
+        </p:nvSpPr>
+        <p:spPr/>
+        <p:txBody>
+          <a:bodyPr>
+            <a:normAutofit lnSpcReduction="10000"/>
+          </a:bodyPr>
+          <a:lstStyle/>
+          <a:p>
+            <a:r>
+              <a:rPr lang="en-US" dirty="0" err="1" smtClean="0"/>
+              <a:t>Config</a:t>
+            </a:r>
+            <a:r>
+              <a:rPr lang="en-US" dirty="0" smtClean="0"/>
+              <a:t> file</a:t>
+            </a:r>
+          </a:p>
+          <a:p>
+            <a:r>
+              <a:rPr lang="en-US" dirty="0" smtClean="0"/>
+              <a:t>Where to find</a:t>
+            </a:r>
+          </a:p>
+          <a:p>
+            <a:pPr lvl="1"/>
+            <a:r>
+              <a:rPr lang="en-US" dirty="0" smtClean="0"/>
+              <a:t>Moses scripts and executables</a:t>
+            </a:r>
+          </a:p>
+          <a:p>
+            <a:pPr lvl="1"/>
+            <a:r>
+              <a:rPr lang="en-US" dirty="0" smtClean="0"/>
+              <a:t>External programs</a:t>
+            </a:r>
+          </a:p>
+          <a:p>
+            <a:pPr lvl="2"/>
+            <a:r>
+              <a:rPr lang="en-US" dirty="0" smtClean="0"/>
+              <a:t>Giza/</a:t>
+            </a:r>
+            <a:r>
+              <a:rPr lang="en-US" dirty="0" err="1" smtClean="0"/>
+              <a:t>mgiza</a:t>
+            </a:r>
+            <a:r>
+              <a:rPr lang="en-US" dirty="0" smtClean="0"/>
+              <a:t>/</a:t>
+            </a:r>
+            <a:r>
+              <a:rPr lang="en-US" dirty="0" err="1" smtClean="0"/>
+              <a:t>cdec</a:t>
+            </a:r>
+            <a:r>
+              <a:rPr lang="en-US" dirty="0" smtClean="0"/>
+              <a:t> </a:t>
+            </a:r>
+            <a:r>
+              <a:rPr lang="en-US" dirty="0" err="1" smtClean="0"/>
+              <a:t>etc</a:t>
+            </a:r>
+            <a:endParaRPr lang="en-US" dirty="0" smtClean="0"/>
+          </a:p>
+          <a:p>
+            <a:pPr lvl="2"/>
+            <a:r>
+              <a:rPr lang="en-US" dirty="0" smtClean="0"/>
+              <a:t>POS tagger, parsers </a:t>
+            </a:r>
+            <a:r>
+              <a:rPr lang="en-US" dirty="0" err="1" smtClean="0"/>
+              <a:t>etc</a:t>
+            </a:r>
+            <a:endParaRPr lang="en-US" dirty="0" smtClean="0"/>
+          </a:p>
+          <a:p>
+            <a:pPr lvl="1"/>
+            <a:r>
+              <a:rPr lang="en-US" dirty="0"/>
+              <a:t>Training, tuning, test data</a:t>
+            </a:r>
+          </a:p>
+          <a:p>
+            <a:r>
+              <a:rPr lang="en-US" dirty="0" smtClean="0"/>
+              <a:t>Parameters</a:t>
+            </a:r>
+          </a:p>
+          <a:p>
+            <a:pPr lvl="1"/>
+            <a:r>
+              <a:rPr lang="en-US" dirty="0" err="1" smtClean="0"/>
+              <a:t>eg</a:t>
+            </a:r>
+            <a:r>
+              <a:rPr lang="en-US" dirty="0" smtClean="0"/>
+              <a:t>. </a:t>
+            </a:r>
+            <a:r>
+              <a:rPr lang="en-US" dirty="0" err="1" smtClean="0"/>
+              <a:t>recasing</a:t>
+            </a:r>
+            <a:r>
+              <a:rPr lang="en-US" dirty="0" smtClean="0"/>
+              <a:t>/</a:t>
+            </a:r>
+            <a:r>
+              <a:rPr lang="en-US" dirty="0" err="1" smtClean="0"/>
+              <a:t>truecasing</a:t>
+            </a:r>
+            <a:r>
+              <a:rPr lang="en-US" dirty="0" smtClean="0"/>
+              <a:t> </a:t>
+            </a:r>
+          </a:p>
+          <a:p>
+            <a:pPr lvl="1"/>
+            <a:r>
+              <a:rPr lang="en-US" dirty="0" smtClean="0"/>
+              <a:t>phrase-based/</a:t>
+            </a:r>
+            <a:r>
+              <a:rPr lang="en-US" dirty="0" err="1" smtClean="0"/>
+              <a:t>hiero</a:t>
+            </a:r>
+            <a:endParaRPr lang="en-US" dirty="0" smtClean="0"/>
+          </a:p>
+          <a:p>
+            <a:pPr lvl="1"/>
+            <a:r>
+              <a:rPr lang="en-US" smtClean="0"/>
+              <a:t>Number of cores/grid engine jobs to use</a:t>
+            </a:r>
+            <a:endParaRPr lang="en-US" dirty="0" smtClean="0"/>
+          </a:p>
+          <a:p>
+            <a:endParaRPr lang="en-US" dirty="0" smtClean="0"/>
+          </a:p>
+        </p:txBody>
+      </p:sp>
+    </p:spTree>
+    <p:extLst>
+      <p:ext uri="{BB962C8B-B14F-4D97-AF65-F5344CB8AC3E}">
+        <p14:creationId xmlns:p14="http://schemas.microsoft.com/office/powerpoint/2010/main" val="1347575845"/>
       </p:ext>
     </p:extLst>
   </p:cSld>
@@ -4756,11 +10409,7 @@
           <a:p>
             <a:r>
               <a:rPr lang="en-US" dirty="0" smtClean="0"/>
-              <a:t>Using </a:t>
-            </a:r>
-            <a:r>
-              <a:rPr lang="en-US" dirty="0" err="1" smtClean="0"/>
-              <a:t>VirtualBox</a:t>
+              <a:t>Log onto Edinburgh server</a:t>
             </a:r>
             <a:endParaRPr lang="en-US" dirty="0" smtClean="0"/>
           </a:p>
@@ -4842,6 +10491,100 @@
     <p:extLst>
       <p:ext uri="{BB962C8B-B14F-4D97-AF65-F5344CB8AC3E}">
         <p14:creationId xmlns:p14="http://schemas.microsoft.com/office/powerpoint/2010/main" val="1896210032"/>
+      </p:ext>
+    </p:extLst>
+  </p:cSld>
+  <p:clrMapOvr>
+    <a:masterClrMapping/>
+  </p:clrMapOvr>
+</p:sld>
+</file>
+
+<file path=ppt/slides/slide20.xml><?xml version="1.0" encoding="utf-8"?>
+<p:sld xmlns:a="http://schemas.openxmlformats.org/drawingml/2006/main" xmlns:r="http://schemas.openxmlformats.org/officeDocument/2006/relationships" xmlns:p="http://schemas.openxmlformats.org/presentationml/2006/main">
+  <p:cSld>
+    <p:spTree>
+      <p:nvGrpSpPr>
+        <p:cNvPr id="1" name=""/>
+        <p:cNvGrpSpPr/>
+        <p:nvPr/>
+      </p:nvGrpSpPr>
+      <p:grpSpPr>
+        <a:xfrm>
+          <a:off x="0" y="0"/>
+          <a:ext cx="0" cy="0"/>
+          <a:chOff x="0" y="0"/>
+          <a:chExt cx="0" cy="0"/>
+        </a:xfrm>
+      </p:grpSpPr>
+      <p:sp>
+        <p:nvSpPr>
+          <p:cNvPr id="2" name="Title 1"/>
+          <p:cNvSpPr>
+            <a:spLocks noGrp="1"/>
+          </p:cNvSpPr>
+          <p:nvPr>
+            <p:ph type="title"/>
+          </p:nvPr>
+        </p:nvSpPr>
+        <p:spPr/>
+        <p:txBody>
+          <a:bodyPr/>
+          <a:lstStyle/>
+          <a:p>
+            <a:r>
+              <a:rPr lang="en-US" smtClean="0"/>
+              <a:t>Install Moses</a:t>
+            </a:r>
+            <a:endParaRPr lang="en-US"/>
+          </a:p>
+        </p:txBody>
+      </p:sp>
+      <p:sp>
+        <p:nvSpPr>
+          <p:cNvPr id="3" name="Content Placeholder 2"/>
+          <p:cNvSpPr>
+            <a:spLocks noGrp="1"/>
+          </p:cNvSpPr>
+          <p:nvPr>
+            <p:ph idx="1"/>
+          </p:nvPr>
+        </p:nvSpPr>
+        <p:spPr/>
+        <p:txBody>
+          <a:bodyPr/>
+          <a:lstStyle/>
+          <a:p>
+            <a:r>
+              <a:rPr lang="en-US" dirty="0"/>
+              <a:t>http://</a:t>
+            </a:r>
+            <a:r>
+              <a:rPr lang="en-US" dirty="0" err="1"/>
+              <a:t>www.statmt.org</a:t>
+            </a:r>
+            <a:r>
+              <a:rPr lang="en-US" dirty="0"/>
+              <a:t>/</a:t>
+            </a:r>
+            <a:r>
+              <a:rPr lang="en-US" dirty="0" err="1"/>
+              <a:t>moses</a:t>
+            </a:r>
+            <a:r>
+              <a:rPr lang="en-US" dirty="0" smtClean="0"/>
+              <a:t>/</a:t>
+            </a:r>
+          </a:p>
+          <a:p>
+            <a:endParaRPr lang="en-US" dirty="0"/>
+          </a:p>
+        </p:txBody>
+      </p:sp>
+    </p:spTree>
+    <p:extLst>
+      <p:ext uri="{BB962C8B-B14F-4D97-AF65-F5344CB8AC3E}">
+        <p14:creationId xmlns:p14="http://schemas.microsoft.com/office/powerpoint/2010/main" val="1704676070"/>
       </p:ext>
     </p:extLst>
   </p:cSld>
@@ -4908,40 +10651,49 @@
           <a:lstStyle/>
           <a:p>
             <a:r>
-              <a:rPr lang="en-US" dirty="0" smtClean="0"/>
-              <a:t>Computer with +30GB disk space</a:t>
-            </a:r>
-          </a:p>
-          <a:p>
-            <a:r>
-              <a:rPr lang="en-US" dirty="0" smtClean="0"/>
-              <a:t>Follow the instructions!</a:t>
-            </a:r>
+              <a:rPr lang="en-US" dirty="0" err="1" smtClean="0"/>
+              <a:t>ssh</a:t>
+            </a:r>
+            <a:r>
+              <a:rPr lang="en-US" dirty="0" smtClean="0"/>
+              <a:t> </a:t>
+            </a:r>
+            <a:r>
+              <a:rPr lang="en-US" dirty="0" smtClean="0">
+                <a:hlinkClick r:id="rId2"/>
+              </a:rPr>
+              <a:t>guest@odin.inf.ed.ac.uk</a:t>
+            </a:r>
+            <a:endParaRPr lang="en-US" dirty="0" smtClean="0"/>
           </a:p>
           <a:p>
             <a:pPr lvl="1"/>
             <a:r>
               <a:rPr lang="en-US" dirty="0" smtClean="0"/>
-              <a:t>Install </a:t>
-            </a:r>
-            <a:r>
-              <a:rPr lang="en-US" dirty="0" err="1" smtClean="0"/>
-              <a:t>VirtualBox</a:t>
+              <a:t>Password: welcome123</a:t>
             </a:r>
             <a:endParaRPr lang="en-US" dirty="0" smtClean="0"/>
           </a:p>
           <a:p>
+            <a:r>
+              <a:rPr lang="en-US" dirty="0" smtClean="0"/>
+              <a:t>Follow the </a:t>
+            </a:r>
+            <a:r>
+              <a:rPr lang="en-US" dirty="0" smtClean="0"/>
+              <a:t>instructions in the handout</a:t>
+            </a:r>
+            <a:endParaRPr lang="en-US" dirty="0" smtClean="0"/>
+          </a:p>
+          <a:p>
             <a:pPr lvl="1"/>
             <a:r>
               <a:rPr lang="en-US" dirty="0" smtClean="0"/>
-              <a:t>Run virtual machine (Ubuntu Linux)</a:t>
-            </a:r>
-          </a:p>
-          <a:p>
-            <a:pPr lvl="1"/>
-            <a:r>
-              <a:rPr lang="en-US" dirty="0" smtClean="0"/>
-              <a:t>Run commands</a:t>
+              <a:t>Run </a:t>
+            </a:r>
+            <a:r>
+              <a:rPr lang="en-US" dirty="0" smtClean="0"/>
+              <a:t>commands</a:t>
             </a:r>
           </a:p>
           <a:p>
@@ -5146,14 +10898,26 @@
             <a:pPr lvl="2"/>
             <a:r>
               <a:rPr lang="en-US" dirty="0" smtClean="0"/>
-              <a:t>35,644 parallel sentences</a:t>
+              <a:t>5,000 </a:t>
+            </a:r>
+            <a:r>
+              <a:rPr lang="en-US" dirty="0" smtClean="0"/>
+              <a:t>parallel sentences</a:t>
             </a:r>
           </a:p>
           <a:p>
             <a:pPr lvl="2"/>
             <a:r>
               <a:rPr lang="en-US" dirty="0" smtClean="0"/>
-              <a:t>71,286 sentences just in English</a:t>
+              <a:t>71,286 </a:t>
+            </a:r>
+            <a:r>
+              <a:rPr lang="en-US" dirty="0" smtClean="0"/>
+              <a:t>monolingual sentences </a:t>
+            </a:r>
+            <a:r>
+              <a:rPr lang="en-US" dirty="0" smtClean="0"/>
+              <a:t>just in English</a:t>
             </a:r>
           </a:p>
           <a:p>
@@ -5264,8 +11028,8 @@
         </p:nvSpPr>
         <p:spPr bwMode="auto">
           <a:xfrm>
-            <a:off x="1919289" y="917957"/>
-            <a:ext cx="1933575" cy="952501"/>
+            <a:off x="1919289" y="504943"/>
+            <a:ext cx="1933575" cy="1365515"/>
           </a:xfrm>
           <a:prstGeom prst="rect">
             <a:avLst/>
@@ -5298,7 +11062,7 @@
               </a:tabLst>
             </a:pPr>
             <a:r>
-              <a:rPr lang="en-GB" sz="2000" dirty="0" err="1">
+              <a:rPr lang="en-GB" sz="2000" dirty="0" err="1" smtClean="0">
                 <a:solidFill>
                   <a:srgbClr val="000000"/>
                 </a:solidFill>
@@ -5308,7 +11072,7 @@
               </a:rPr>
               <a:t>Preprocessing</a:t>
             </a:r>
-            <a:endParaRPr lang="en-GB" sz="2000" dirty="0">
+            <a:endParaRPr lang="en-GB" sz="2000" dirty="0" smtClean="0">
               <a:solidFill>
                 <a:srgbClr val="000000"/>
               </a:solidFill>
@@ -5328,7 +11092,7 @@
               </a:tabLst>
             </a:pPr>
             <a:r>
-              <a:rPr lang="en-GB" dirty="0">
+              <a:rPr lang="en-GB" sz="2000" dirty="0">
                 <a:solidFill>
                   <a:srgbClr val="000000"/>
                 </a:solidFill>
@@ -5336,10 +11100,10 @@
                 <a:ea typeface="Arial Unicode MS" pitchFamily="-65" charset="0"/>
                 <a:cs typeface="Arial Unicode MS" pitchFamily="-65" charset="0"/>
               </a:rPr>
-              <a:t>   - </a:t>
-            </a:r>
-            <a:r>
-              <a:rPr lang="en-GB" dirty="0" smtClean="0">
+              <a:t> </a:t>
+            </a:r>
+            <a:r>
+              <a:rPr lang="en-GB" sz="2000" dirty="0" smtClean="0">
                 <a:solidFill>
                   <a:srgbClr val="000000"/>
                 </a:solidFill>
@@ -5347,8 +11111,16 @@
                 <a:ea typeface="Arial Unicode MS" pitchFamily="-65" charset="0"/>
                 <a:cs typeface="Arial Unicode MS" pitchFamily="-65" charset="0"/>
               </a:rPr>
-              <a:t>tokenize</a:t>
-            </a:r>
+              <a:t>  - clean</a:t>
+            </a:r>
+            <a:endParaRPr lang="en-GB" sz="2000" dirty="0">
+              <a:solidFill>
+                <a:srgbClr val="000000"/>
+              </a:solidFill>
+              <a:latin typeface="Calibri" pitchFamily="-65" charset="0"/>
+              <a:ea typeface="Arial Unicode MS" pitchFamily="-65" charset="0"/>
+              <a:cs typeface="Arial Unicode MS" pitchFamily="-65" charset="0"/>
+            </a:endParaRPr>
           </a:p>
           <a:p>
             <a:pPr>
@@ -5361,6 +11133,17 @@
               </a:tabLst>
             </a:pPr>
             <a:r>
+              <a:rPr lang="en-GB" dirty="0">
+                <a:solidFill>
+                  <a:srgbClr val="000000"/>
+                </a:solidFill>
+                <a:latin typeface="Calibri" pitchFamily="-65" charset="0"/>
+                <a:ea typeface="Arial Unicode MS" pitchFamily="-65" charset="0"/>
+                <a:cs typeface="Arial Unicode MS" pitchFamily="-65" charset="0"/>
+              </a:rPr>
+              <a:t>   </a:t>
+            </a:r>
+            <a:r>
               <a:rPr lang="en-GB" dirty="0" smtClean="0">
                 <a:solidFill>
                   <a:srgbClr val="000000"/>
@@ -5369,9 +11152,53 @@
                 <a:ea typeface="Arial Unicode MS" pitchFamily="-65" charset="0"/>
                 <a:cs typeface="Arial Unicode MS" pitchFamily="-65" charset="0"/>
               </a:rPr>
-              <a:t>   - lowercase</a:t>
-            </a:r>
-            <a:endParaRPr lang="en-GB" dirty="0">
+              <a:t>- </a:t>
+            </a:r>
+            <a:r>
+              <a:rPr lang="en-GB" strike="sngStrike" dirty="0" smtClean="0">
+                <a:solidFill>
+                  <a:srgbClr val="000000"/>
+                </a:solidFill>
+                <a:latin typeface="Calibri" pitchFamily="-65" charset="0"/>
+                <a:ea typeface="Arial Unicode MS" pitchFamily="-65" charset="0"/>
+                <a:cs typeface="Arial Unicode MS" pitchFamily="-65" charset="0"/>
+              </a:rPr>
+              <a:t>tokenize</a:t>
+            </a:r>
+          </a:p>
+          <a:p>
+            <a:pPr>
+              <a:lnSpc>
+                <a:spcPct val="102000"/>
+              </a:lnSpc>
+              <a:tabLst>
+                <a:tab pos="723900" algn="l"/>
+                <a:tab pos="1447800" algn="l"/>
+              </a:tabLst>
+            </a:pPr>
+            <a:r>
+              <a:rPr lang="en-GB" dirty="0" smtClean="0">
+                <a:solidFill>
+                  <a:srgbClr val="000000"/>
+                </a:solidFill>
+                <a:latin typeface="Calibri" pitchFamily="-65" charset="0"/>
+                <a:ea typeface="Arial Unicode MS" pitchFamily="-65" charset="0"/>
+                <a:cs typeface="Arial Unicode MS" pitchFamily="-65" charset="0"/>
+              </a:rPr>
+              <a:t>   - </a:t>
+            </a:r>
+            <a:r>
+              <a:rPr lang="en-GB" strike="sngStrike" dirty="0" smtClean="0">
+                <a:solidFill>
+                  <a:srgbClr val="000000"/>
+                </a:solidFill>
+                <a:latin typeface="Calibri" pitchFamily="-65" charset="0"/>
+                <a:ea typeface="Arial Unicode MS" pitchFamily="-65" charset="0"/>
+                <a:cs typeface="Arial Unicode MS" pitchFamily="-65" charset="0"/>
+              </a:rPr>
+              <a:t>lowercase</a:t>
+            </a:r>
+            <a:endParaRPr lang="en-GB" strike="sngStrike" dirty="0">
               <a:solidFill>
                 <a:srgbClr val="000000"/>
               </a:solidFill>
@@ -5867,7 +11694,7 @@
         <p:spPr>
           <a:xfrm>
             <a:off x="2884489" y="-476517"/>
-            <a:ext cx="1588" cy="1394474"/>
+            <a:ext cx="1588" cy="981460"/>
           </a:xfrm>
           <a:prstGeom prst="straightConnector1">
             <a:avLst/>
@@ -6184,8 +12011,8 @@
         </p:nvCxnSpPr>
         <p:spPr>
           <a:xfrm rot="10800000" flipV="1">
-            <a:off x="856331" y="1394207"/>
-            <a:ext cx="1062958" cy="1050721"/>
+            <a:off x="856331" y="1187701"/>
+            <a:ext cx="1062958" cy="1257228"/>
           </a:xfrm>
           <a:prstGeom prst="curvedConnector2">
             <a:avLst/>
@@ -6316,8 +12143,8 @@
         </p:nvSpPr>
         <p:spPr bwMode="auto">
           <a:xfrm>
-            <a:off x="1919289" y="917957"/>
-            <a:ext cx="1933575" cy="952501"/>
+            <a:off x="1919289" y="491053"/>
+            <a:ext cx="1933575" cy="1379405"/>
           </a:xfrm>
           <a:prstGeom prst="rect">
             <a:avLst/>
@@ -6386,7 +12213,31 @@
               </a:tabLst>
             </a:pPr>
             <a:r>
-              <a:rPr lang="en-GB" dirty="0">
+              <a:rPr lang="en-GB" sz="2000" dirty="0">
+                <a:solidFill>
+                  <a:schemeClr val="bg1">
+                    <a:lumMod val="75000"/>
+                  </a:schemeClr>
+                </a:solidFill>
+                <a:latin typeface="Calibri" pitchFamily="-65" charset="0"/>
+                <a:ea typeface="Arial Unicode MS" pitchFamily="-65" charset="0"/>
+                <a:cs typeface="Arial Unicode MS" pitchFamily="-65" charset="0"/>
+              </a:rPr>
+              <a:t>   - clean</a:t>
+            </a:r>
+          </a:p>
+          <a:p>
+            <a:pPr>
+              <a:lnSpc>
+                <a:spcPct val="102000"/>
+              </a:lnSpc>
+              <a:tabLst>
+                <a:tab pos="723900" algn="l"/>
+                <a:tab pos="1447800" algn="l"/>
+              </a:tabLst>
+            </a:pPr>
+            <a:r>
+              <a:rPr lang="en-GB" sz="2000" dirty="0">
                 <a:solidFill>
                   <a:schemeClr val="bg1">
                     <a:lumMod val="75000"/>
@@ -6399,7 +12250,7 @@
               <a:t>   - </a:t>
             </a:r>
             <a:r>
-              <a:rPr lang="en-GB" dirty="0" smtClean="0">
+              <a:rPr lang="en-GB" sz="2000" strike="sngStrike" dirty="0">
                 <a:solidFill>
                   <a:schemeClr val="bg1">
                     <a:lumMod val="75000"/>
@@ -6423,7 +12274,7 @@
               </a:tabLst>
             </a:pPr>
             <a:r>
-              <a:rPr lang="en-GB" dirty="0" smtClean="0">
+              <a:rPr lang="en-GB" sz="2000" dirty="0">
                 <a:solidFill>
                   <a:schemeClr val="bg1">
                     <a:lumMod val="75000"/>
@@ -6433,18 +12284,21 @@
                 <a:ea typeface="Arial Unicode MS" pitchFamily="-65" charset="0"/>
                 <a:cs typeface="Arial Unicode MS" pitchFamily="-65" charset="0"/>
               </a:rPr>
-              <a:t>   - lowercase</a:t>
-            </a:r>
-            <a:endParaRPr lang="en-GB" dirty="0">
-              <a:solidFill>
-                <a:schemeClr val="bg1">
-                  <a:lumMod val="75000"/>
-                </a:schemeClr>
-              </a:solidFill>
-              <a:latin typeface="Calibri" pitchFamily="-65" charset="0"/>
-              <a:ea typeface="Arial Unicode MS" pitchFamily="-65" charset="0"/>
-              <a:cs typeface="Arial Unicode MS" pitchFamily="-65" charset="0"/>
-            </a:endParaRPr>
+              <a:t>   - </a:t>
+            </a:r>
+            <a:r>
+              <a:rPr lang="en-GB" sz="2000" strike="sngStrike" dirty="0">
+                <a:solidFill>
+                  <a:schemeClr val="bg1">
+                    <a:lumMod val="75000"/>
+                  </a:schemeClr>
+                </a:solidFill>
+                <a:latin typeface="Calibri" pitchFamily="-65" charset="0"/>
+                <a:ea typeface="Arial Unicode MS" pitchFamily="-65" charset="0"/>
+                <a:cs typeface="Arial Unicode MS" pitchFamily="-65" charset="0"/>
+              </a:rPr>
+              <a:t>lowercase</a:t>
+            </a:r>
           </a:p>
         </p:txBody>
       </p:sp>
@@ -6955,7 +12809,7 @@
         <p:spPr>
           <a:xfrm>
             <a:off x="2884489" y="-476517"/>
-            <a:ext cx="1588" cy="1394474"/>
+            <a:ext cx="1588" cy="967570"/>
           </a:xfrm>
           <a:prstGeom prst="straightConnector1">
             <a:avLst/>
@@ -7212,9 +13066,9 @@
             <a:avLst/>
           </a:prstGeom>
           <a:noFill/>
-          <a:ln w="9360">
+          <a:ln w="25400">
             <a:solidFill>
-              <a:srgbClr val="000000"/>
+              <a:srgbClr val="FF0000"/>
             </a:solidFill>
             <a:miter lim="800000"/>
             <a:headEnd/>
@@ -7272,8 +13126,8 @@
         </p:nvCxnSpPr>
         <p:spPr>
           <a:xfrm rot="10800000" flipV="1">
-            <a:off x="856331" y="1394207"/>
-            <a:ext cx="1062958" cy="1050721"/>
+            <a:off x="856331" y="1180755"/>
+            <a:ext cx="1062958" cy="1264173"/>
           </a:xfrm>
           <a:prstGeom prst="curvedConnector2">
             <a:avLst/>
@@ -7348,7 +13202,11 @@
             <a:avLst/>
           </a:prstGeom>
           <a:noFill/>
-          <a:ln w="31750"/>
+          <a:ln w="9525">
+            <a:solidFill>
+              <a:schemeClr val="tx1"/>
+            </a:solidFill>
+          </a:ln>
         </p:spPr>
         <p:style>
           <a:lnRef idx="2">
@@ -7369,7 +13227,11 @@
           <a:lstStyle/>
           <a:p>
             <a:pPr algn="ctr"/>
-            <a:endParaRPr lang="en-US"/>
+            <a:endParaRPr lang="en-US">
+              <a:solidFill>
+                <a:schemeClr val="tx1"/>
+              </a:solidFill>
+            </a:endParaRPr>
           </a:p>
         </p:txBody>
       </p:sp>
@@ -7427,10 +13289,10 @@
           <a:p>
             <a:pPr algn="ctr"/>
             <a:r>
-              <a:rPr lang="en-US" smtClean="0"/>
-              <a:t>Word Alignment</a:t>
-            </a:r>
-            <a:endParaRPr lang="en-US"/>
+              <a:rPr lang="en-US" dirty="0" smtClean="0"/>
+              <a:t>Clean data</a:t>
+            </a:r>
+            <a:endParaRPr lang="en-US" dirty="0"/>
           </a:p>
         </p:txBody>
       </p:sp>
@@ -7450,628 +13312,88 @@
           <a:lstStyle/>
           <a:p>
             <a:r>
-              <a:rPr lang="en-US" dirty="0" smtClean="0"/>
-              <a:t>Training data</a:t>
-            </a:r>
-          </a:p>
-          <a:p>
-            <a:pPr lvl="1"/>
-            <a:r>
-              <a:rPr lang="en-US" dirty="0" smtClean="0"/>
-              <a:t>﻿data/Train/</a:t>
-            </a:r>
-            <a:r>
-              <a:rPr lang="en-US" dirty="0" err="1" smtClean="0"/>
+              <a:rPr lang="en-US" dirty="0"/>
+              <a:t>$MOSES_DIR/scripts/training/clean-corpus-</a:t>
+            </a:r>
+            <a:r>
+              <a:rPr lang="en-US" dirty="0" err="1"/>
+              <a:t>n.perl</a:t>
+            </a:r>
+            <a:r>
+              <a:rPr lang="en-US" dirty="0"/>
+              <a:t> data/Train/</a:t>
+            </a:r>
+            <a:r>
+              <a:rPr lang="en-US" dirty="0" err="1"/>
+              <a:t>Train_data</a:t>
+            </a:r>
+            <a:r>
+              <a:rPr lang="en-US" dirty="0"/>
+              <a:t> </a:t>
+            </a:r>
+            <a:r>
+              <a:rPr lang="en-US" dirty="0" err="1"/>
+              <a:t>ar</a:t>
+            </a:r>
+            <a:r>
+              <a:rPr lang="en-US" dirty="0"/>
+              <a:t> </a:t>
+            </a:r>
+            <a:r>
+              <a:rPr lang="en-US" dirty="0" err="1"/>
+              <a:t>en</a:t>
+            </a:r>
+            <a:r>
+              <a:rPr lang="en-US" dirty="0"/>
+              <a:t> data/Train/</a:t>
+            </a:r>
+            <a:r>
+              <a:rPr lang="en-US" dirty="0" err="1"/>
               <a:t>Train_data.clean</a:t>
             </a:r>
             <a:r>
-              <a:rPr lang="en-US" dirty="0" smtClean="0"/>
-              <a:t>.[en/</a:t>
-            </a:r>
-            <a:r>
-              <a:rPr lang="en-US" dirty="0" err="1" smtClean="0"/>
-              <a:t>ar</a:t>
-            </a:r>
-            <a:r>
-              <a:rPr lang="en-US" dirty="0" smtClean="0"/>
-              <a:t>]</a:t>
-            </a:r>
-          </a:p>
-          <a:p>
-            <a:r>
-              <a:rPr lang="en-US" dirty="0" smtClean="0"/>
-              <a:t>Word alignment</a:t>
-            </a:r>
-          </a:p>
-          <a:p>
-            <a:pPr lvl="1"/>
-            <a:r>
-              <a:rPr lang="en-US" dirty="0" smtClean="0"/>
-              <a:t>﻿work/model/</a:t>
-            </a:r>
-            <a:r>
-              <a:rPr lang="en-US" dirty="0" err="1" smtClean="0"/>
-              <a:t>aligned.grow</a:t>
-            </a:r>
-            <a:r>
-              <a:rPr lang="en-US" dirty="0" smtClean="0"/>
-              <a:t>-</a:t>
-            </a:r>
-            <a:r>
-              <a:rPr lang="en-US" dirty="0" err="1" smtClean="0"/>
-              <a:t>diag</a:t>
-            </a:r>
-            <a:r>
-              <a:rPr lang="en-US" dirty="0" smtClean="0"/>
-              <a:t>-final-and</a:t>
-            </a:r>
-          </a:p>
-          <a:p>
-            <a:pPr lvl="1"/>
-            <a:r>
-              <a:rPr lang="en-US" dirty="0" err="1" smtClean="0"/>
-              <a:t>Eg</a:t>
-            </a:r>
-            <a:r>
-              <a:rPr lang="en-US" dirty="0" smtClean="0"/>
-              <a:t>. ﻿0-0 0-1 4-1 0-2 1-2 2-2 3-2 0-3 0-4 0-5 7-6 8-7</a:t>
-            </a:r>
-          </a:p>
-          <a:p>
-            <a:pPr lvl="1"/>
+              <a:rPr lang="en-US" dirty="0"/>
+              <a:t> 1 </a:t>
+            </a:r>
+            <a:r>
+              <a:rPr lang="en-US" dirty="0" smtClean="0"/>
+              <a:t>100</a:t>
+            </a:r>
+          </a:p>
+          <a:p>
+            <a:endParaRPr lang="en-US" dirty="0"/>
+          </a:p>
+          <a:p>
+            <a:r>
+              <a:rPr lang="en-US" dirty="0" smtClean="0"/>
+              <a:t>Delete sentences over 100 words long</a:t>
+            </a:r>
+          </a:p>
+          <a:p>
+            <a:r>
+              <a:rPr lang="en-US" dirty="0" smtClean="0"/>
+              <a:t>Delete sentence pairs where ration &gt; 9 </a:t>
+            </a:r>
+            <a:endParaRPr lang="en-US" dirty="0"/>
+          </a:p>
+          <a:p>
             <a:endParaRPr lang="en-US" dirty="0" smtClean="0"/>
           </a:p>
-        </p:txBody>
-      </p:sp>
-      <p:sp>
-        <p:nvSpPr>
-          <p:cNvPr id="4" name="TextBox 3"/>
-          <p:cNvSpPr txBox="1"/>
-          <p:nvPr/>
-        </p:nvSpPr>
-        <p:spPr>
-          <a:xfrm>
-            <a:off x="1702676" y="4162097"/>
-            <a:ext cx="7394027" cy="369332"/>
-          </a:xfrm>
-          <a:prstGeom prst="rect">
-            <a:avLst/>
-          </a:prstGeom>
-          <a:noFill/>
-        </p:spPr>
-        <p:txBody>
-          <a:bodyPr wrap="square" rtlCol="0">
-            <a:spAutoFit/>
-          </a:bodyPr>
-          <a:lstStyle/>
-          <a:p>
-            <a:r>
-              <a:rPr lang="en-US" dirty="0" smtClean="0"/>
-              <a:t>﻿</a:t>
-            </a:r>
-            <a:r>
-              <a:rPr lang="en-US" dirty="0" err="1" smtClean="0"/>
-              <a:t>AlOx</a:t>
-            </a:r>
-            <a:r>
-              <a:rPr lang="en-US" dirty="0" smtClean="0"/>
-              <a:t>    </a:t>
-            </a:r>
-            <a:r>
-              <a:rPr lang="en-US" dirty="0" err="1" smtClean="0"/>
-              <a:t>gyr</a:t>
-            </a:r>
-            <a:r>
-              <a:rPr lang="en-US" dirty="0" smtClean="0"/>
-              <a:t>     </a:t>
-            </a:r>
-            <a:r>
-              <a:rPr lang="en-US" dirty="0" err="1" smtClean="0"/>
-              <a:t>Alcqyq</a:t>
-            </a:r>
-            <a:r>
-              <a:rPr lang="en-US" dirty="0" smtClean="0"/>
-              <a:t>     </a:t>
-            </a:r>
-            <a:r>
-              <a:rPr lang="en-US" dirty="0" err="1" smtClean="0"/>
-              <a:t>lSdAm</a:t>
-            </a:r>
-            <a:r>
-              <a:rPr lang="en-US" dirty="0" smtClean="0"/>
-              <a:t>     </a:t>
-            </a:r>
-            <a:r>
-              <a:rPr lang="en-US" dirty="0" err="1" smtClean="0"/>
-              <a:t>Hsyn</a:t>
-            </a:r>
-            <a:r>
-              <a:rPr lang="en-US" dirty="0" smtClean="0"/>
-              <a:t>    </a:t>
-            </a:r>
-            <a:r>
-              <a:rPr lang="en-US" dirty="0" err="1" smtClean="0"/>
-              <a:t>yrfD</a:t>
-            </a:r>
-            <a:r>
-              <a:rPr lang="en-US" dirty="0" smtClean="0"/>
-              <a:t>     </a:t>
-            </a:r>
-            <a:r>
-              <a:rPr lang="en-US" dirty="0" err="1" smtClean="0"/>
-              <a:t>AlEwdp</a:t>
-            </a:r>
-            <a:r>
-              <a:rPr lang="en-US" dirty="0" smtClean="0"/>
-              <a:t>    </a:t>
-            </a:r>
-            <a:r>
-              <a:rPr lang="en-US" dirty="0" err="1" smtClean="0"/>
-              <a:t>IlY</a:t>
-            </a:r>
-            <a:r>
-              <a:rPr lang="en-US" dirty="0" smtClean="0"/>
-              <a:t>      </a:t>
-            </a:r>
-            <a:r>
-              <a:rPr lang="en-US" dirty="0" err="1" smtClean="0"/>
-              <a:t>AlErAq</a:t>
-            </a:r>
+          <a:p>
             <a:endParaRPr lang="en-US" dirty="0"/>
           </a:p>
         </p:txBody>
       </p:sp>
-      <p:sp>
-        <p:nvSpPr>
-          <p:cNvPr id="5" name="TextBox 4"/>
-          <p:cNvSpPr txBox="1"/>
-          <p:nvPr/>
-        </p:nvSpPr>
-        <p:spPr>
-          <a:xfrm>
-            <a:off x="1434662" y="5234153"/>
-            <a:ext cx="7240636" cy="369332"/>
-          </a:xfrm>
-          <a:prstGeom prst="rect">
-            <a:avLst/>
-          </a:prstGeom>
-          <a:noFill/>
-        </p:spPr>
-        <p:txBody>
-          <a:bodyPr wrap="none" rtlCol="0">
-            <a:spAutoFit/>
-          </a:bodyPr>
-          <a:lstStyle/>
-          <a:p>
-            <a:r>
-              <a:rPr lang="en-US" dirty="0" smtClean="0"/>
-              <a:t>﻿Saddam   </a:t>
-            </a:r>
-            <a:r>
-              <a:rPr lang="en-US" dirty="0" err="1" smtClean="0"/>
-              <a:t>Hussein&amp;apos;s</a:t>
-            </a:r>
-            <a:r>
-              <a:rPr lang="en-US" dirty="0" smtClean="0"/>
-              <a:t>    Half-Brother   Refuses     to     Return    to     Iraq</a:t>
-            </a:r>
-            <a:endParaRPr lang="en-US" dirty="0"/>
-          </a:p>
-        </p:txBody>
-      </p:sp>
-      <p:cxnSp>
-        <p:nvCxnSpPr>
-          <p:cNvPr id="7" name="Straight Arrow Connector 6"/>
-          <p:cNvCxnSpPr/>
-          <p:nvPr/>
-        </p:nvCxnSpPr>
-        <p:spPr>
-          <a:xfrm flipH="1">
-            <a:off x="1954924" y="4531429"/>
-            <a:ext cx="31531" cy="702724"/>
-          </a:xfrm>
-          <a:prstGeom prst="straightConnector1">
-            <a:avLst/>
-          </a:prstGeom>
-          <a:ln>
-            <a:tailEnd type="triangle"/>
-          </a:ln>
-        </p:spPr>
-        <p:style>
-          <a:lnRef idx="1">
-            <a:schemeClr val="accent1"/>
-          </a:lnRef>
-          <a:fillRef idx="0">
-            <a:schemeClr val="accent1"/>
-          </a:fillRef>
-          <a:effectRef idx="0">
-            <a:schemeClr val="accent1"/>
-          </a:effectRef>
-          <a:fontRef idx="minor">
-            <a:schemeClr val="tx1"/>
-          </a:fontRef>
-        </p:style>
-      </p:cxnSp>
-      <p:cxnSp>
-        <p:nvCxnSpPr>
-          <p:cNvPr id="8" name="Straight Arrow Connector 7"/>
-          <p:cNvCxnSpPr/>
-          <p:nvPr/>
-        </p:nvCxnSpPr>
-        <p:spPr>
-          <a:xfrm>
-            <a:off x="1986455" y="4531429"/>
-            <a:ext cx="1116724" cy="702724"/>
-          </a:xfrm>
-          <a:prstGeom prst="straightConnector1">
-            <a:avLst/>
-          </a:prstGeom>
-          <a:ln>
-            <a:tailEnd type="triangle"/>
-          </a:ln>
-        </p:spPr>
-        <p:style>
-          <a:lnRef idx="1">
-            <a:schemeClr val="accent1"/>
-          </a:lnRef>
-          <a:fillRef idx="0">
-            <a:schemeClr val="accent1"/>
-          </a:fillRef>
-          <a:effectRef idx="0">
-            <a:schemeClr val="accent1"/>
-          </a:effectRef>
-          <a:fontRef idx="minor">
-            <a:schemeClr val="tx1"/>
-          </a:fontRef>
-        </p:style>
-      </p:cxnSp>
-      <p:cxnSp>
-        <p:nvCxnSpPr>
-          <p:cNvPr id="11" name="Straight Arrow Connector 10"/>
-          <p:cNvCxnSpPr/>
-          <p:nvPr/>
-        </p:nvCxnSpPr>
-        <p:spPr>
-          <a:xfrm flipH="1">
-            <a:off x="3279228" y="4531429"/>
-            <a:ext cx="1655379" cy="702724"/>
-          </a:xfrm>
-          <a:prstGeom prst="straightConnector1">
-            <a:avLst/>
-          </a:prstGeom>
-          <a:ln>
-            <a:tailEnd type="triangle"/>
-          </a:ln>
-        </p:spPr>
-        <p:style>
-          <a:lnRef idx="1">
-            <a:schemeClr val="accent1"/>
-          </a:lnRef>
-          <a:fillRef idx="0">
-            <a:schemeClr val="accent1"/>
-          </a:fillRef>
-          <a:effectRef idx="0">
-            <a:schemeClr val="accent1"/>
-          </a:effectRef>
-          <a:fontRef idx="minor">
-            <a:schemeClr val="tx1"/>
-          </a:fontRef>
-        </p:style>
-      </p:cxnSp>
-      <p:cxnSp>
-        <p:nvCxnSpPr>
-          <p:cNvPr id="14" name="Straight Arrow Connector 13"/>
-          <p:cNvCxnSpPr/>
-          <p:nvPr/>
-        </p:nvCxnSpPr>
-        <p:spPr>
-          <a:xfrm>
-            <a:off x="2017986" y="4531429"/>
-            <a:ext cx="2619703" cy="702724"/>
-          </a:xfrm>
-          <a:prstGeom prst="straightConnector1">
-            <a:avLst/>
-          </a:prstGeom>
-          <a:ln>
-            <a:tailEnd type="triangle"/>
-          </a:ln>
-        </p:spPr>
-        <p:style>
-          <a:lnRef idx="1">
-            <a:schemeClr val="accent1"/>
-          </a:lnRef>
-          <a:fillRef idx="0">
-            <a:schemeClr val="accent1"/>
-          </a:fillRef>
-          <a:effectRef idx="0">
-            <a:schemeClr val="accent1"/>
-          </a:effectRef>
-          <a:fontRef idx="minor">
-            <a:schemeClr val="tx1"/>
-          </a:fontRef>
-        </p:style>
-      </p:cxnSp>
-      <p:cxnSp>
-        <p:nvCxnSpPr>
-          <p:cNvPr id="17" name="Straight Arrow Connector 16"/>
-          <p:cNvCxnSpPr/>
-          <p:nvPr/>
-        </p:nvCxnSpPr>
-        <p:spPr>
-          <a:xfrm>
-            <a:off x="2591618" y="4607629"/>
-            <a:ext cx="2077602" cy="626524"/>
-          </a:xfrm>
-          <a:prstGeom prst="straightConnector1">
-            <a:avLst/>
-          </a:prstGeom>
-          <a:ln>
-            <a:tailEnd type="triangle"/>
-          </a:ln>
-        </p:spPr>
-        <p:style>
-          <a:lnRef idx="1">
-            <a:schemeClr val="accent1"/>
-          </a:lnRef>
-          <a:fillRef idx="0">
-            <a:schemeClr val="accent1"/>
-          </a:fillRef>
-          <a:effectRef idx="0">
-            <a:schemeClr val="accent1"/>
-          </a:effectRef>
-          <a:fontRef idx="minor">
-            <a:schemeClr val="tx1"/>
-          </a:fontRef>
-        </p:style>
-      </p:cxnSp>
-      <p:cxnSp>
-        <p:nvCxnSpPr>
-          <p:cNvPr id="20" name="Straight Arrow Connector 19"/>
-          <p:cNvCxnSpPr/>
-          <p:nvPr/>
-        </p:nvCxnSpPr>
-        <p:spPr>
-          <a:xfrm>
-            <a:off x="3327837" y="4569529"/>
-            <a:ext cx="1219200" cy="664624"/>
-          </a:xfrm>
-          <a:prstGeom prst="straightConnector1">
-            <a:avLst/>
-          </a:prstGeom>
-          <a:ln>
-            <a:tailEnd type="triangle"/>
-          </a:ln>
-        </p:spPr>
-        <p:style>
-          <a:lnRef idx="1">
-            <a:schemeClr val="accent1"/>
-          </a:lnRef>
-          <a:fillRef idx="0">
-            <a:schemeClr val="accent1"/>
-          </a:fillRef>
-          <a:effectRef idx="0">
-            <a:schemeClr val="accent1"/>
-          </a:effectRef>
-          <a:fontRef idx="minor">
-            <a:schemeClr val="tx1"/>
-          </a:fontRef>
-        </p:style>
-      </p:cxnSp>
-      <p:cxnSp>
-        <p:nvCxnSpPr>
-          <p:cNvPr id="24" name="Straight Arrow Connector 23"/>
-          <p:cNvCxnSpPr/>
-          <p:nvPr/>
-        </p:nvCxnSpPr>
-        <p:spPr>
-          <a:xfrm>
-            <a:off x="4137135" y="4569529"/>
-            <a:ext cx="500554" cy="664624"/>
-          </a:xfrm>
-          <a:prstGeom prst="straightConnector1">
-            <a:avLst/>
-          </a:prstGeom>
-          <a:ln>
-            <a:tailEnd type="triangle"/>
-          </a:ln>
-        </p:spPr>
-        <p:style>
-          <a:lnRef idx="1">
-            <a:schemeClr val="accent1"/>
-          </a:lnRef>
-          <a:fillRef idx="0">
-            <a:schemeClr val="accent1"/>
-          </a:fillRef>
-          <a:effectRef idx="0">
-            <a:schemeClr val="accent1"/>
-          </a:effectRef>
-          <a:fontRef idx="minor">
-            <a:schemeClr val="tx1"/>
-          </a:fontRef>
-        </p:style>
-      </p:cxnSp>
-      <p:cxnSp>
-        <p:nvCxnSpPr>
-          <p:cNvPr id="27" name="Straight Arrow Connector 26"/>
-          <p:cNvCxnSpPr/>
-          <p:nvPr/>
-        </p:nvCxnSpPr>
-        <p:spPr>
-          <a:xfrm>
-            <a:off x="2017986" y="4569529"/>
-            <a:ext cx="3736427" cy="664624"/>
-          </a:xfrm>
-          <a:prstGeom prst="straightConnector1">
-            <a:avLst/>
-          </a:prstGeom>
-          <a:ln>
-            <a:tailEnd type="triangle"/>
-          </a:ln>
-        </p:spPr>
-        <p:style>
-          <a:lnRef idx="1">
-            <a:schemeClr val="accent1"/>
-          </a:lnRef>
-          <a:fillRef idx="0">
-            <a:schemeClr val="accent1"/>
-          </a:fillRef>
-          <a:effectRef idx="0">
-            <a:schemeClr val="accent1"/>
-          </a:effectRef>
-          <a:fontRef idx="minor">
-            <a:schemeClr val="tx1"/>
-          </a:fontRef>
-        </p:style>
-      </p:cxnSp>
-      <p:cxnSp>
-        <p:nvCxnSpPr>
-          <p:cNvPr id="30" name="Straight Arrow Connector 29"/>
-          <p:cNvCxnSpPr/>
-          <p:nvPr/>
-        </p:nvCxnSpPr>
-        <p:spPr>
-          <a:xfrm>
-            <a:off x="2017986" y="4569529"/>
-            <a:ext cx="4445876" cy="702724"/>
-          </a:xfrm>
-          <a:prstGeom prst="straightConnector1">
-            <a:avLst/>
-          </a:prstGeom>
-          <a:ln>
-            <a:tailEnd type="triangle"/>
-          </a:ln>
-        </p:spPr>
-        <p:style>
-          <a:lnRef idx="1">
-            <a:schemeClr val="accent1"/>
-          </a:lnRef>
-          <a:fillRef idx="0">
-            <a:schemeClr val="accent1"/>
-          </a:fillRef>
-          <a:effectRef idx="0">
-            <a:schemeClr val="accent1"/>
-          </a:effectRef>
-          <a:fontRef idx="minor">
-            <a:schemeClr val="tx1"/>
-          </a:fontRef>
-        </p:style>
-      </p:cxnSp>
-      <p:cxnSp>
-        <p:nvCxnSpPr>
-          <p:cNvPr id="33" name="Straight Arrow Connector 32"/>
-          <p:cNvCxnSpPr/>
-          <p:nvPr/>
-        </p:nvCxnSpPr>
-        <p:spPr>
-          <a:xfrm>
-            <a:off x="2017986" y="4569529"/>
-            <a:ext cx="5155324" cy="702724"/>
-          </a:xfrm>
-          <a:prstGeom prst="straightConnector1">
-            <a:avLst/>
-          </a:prstGeom>
-          <a:ln>
-            <a:tailEnd type="triangle"/>
-          </a:ln>
-        </p:spPr>
-        <p:style>
-          <a:lnRef idx="1">
-            <a:schemeClr val="accent1"/>
-          </a:lnRef>
-          <a:fillRef idx="0">
-            <a:schemeClr val="accent1"/>
-          </a:fillRef>
-          <a:effectRef idx="0">
-            <a:schemeClr val="accent1"/>
-          </a:effectRef>
-          <a:fontRef idx="minor">
-            <a:schemeClr val="tx1"/>
-          </a:fontRef>
-        </p:style>
-      </p:cxnSp>
-      <p:cxnSp>
-        <p:nvCxnSpPr>
-          <p:cNvPr id="36" name="Straight Arrow Connector 35"/>
-          <p:cNvCxnSpPr/>
-          <p:nvPr/>
-        </p:nvCxnSpPr>
-        <p:spPr>
-          <a:xfrm>
-            <a:off x="7060325" y="4518213"/>
-            <a:ext cx="709447" cy="715940"/>
-          </a:xfrm>
-          <a:prstGeom prst="straightConnector1">
-            <a:avLst/>
-          </a:prstGeom>
-          <a:ln>
-            <a:tailEnd type="triangle"/>
-          </a:ln>
-        </p:spPr>
-        <p:style>
-          <a:lnRef idx="1">
-            <a:schemeClr val="accent1"/>
-          </a:lnRef>
-          <a:fillRef idx="0">
-            <a:schemeClr val="accent1"/>
-          </a:fillRef>
-          <a:effectRef idx="0">
-            <a:schemeClr val="accent1"/>
-          </a:effectRef>
-          <a:fontRef idx="minor">
-            <a:schemeClr val="tx1"/>
-          </a:fontRef>
-        </p:style>
-      </p:cxnSp>
-      <p:cxnSp>
-        <p:nvCxnSpPr>
-          <p:cNvPr id="40" name="Straight Arrow Connector 39"/>
-          <p:cNvCxnSpPr/>
-          <p:nvPr/>
-        </p:nvCxnSpPr>
-        <p:spPr>
-          <a:xfrm>
-            <a:off x="7867811" y="4543871"/>
-            <a:ext cx="498423" cy="728382"/>
-          </a:xfrm>
-          <a:prstGeom prst="straightConnector1">
-            <a:avLst/>
-          </a:prstGeom>
-          <a:ln>
-            <a:tailEnd type="triangle"/>
-          </a:ln>
-        </p:spPr>
-        <p:style>
-          <a:lnRef idx="1">
-            <a:schemeClr val="accent1"/>
-          </a:lnRef>
-          <a:fillRef idx="0">
-            <a:schemeClr val="accent1"/>
-          </a:fillRef>
-          <a:effectRef idx="0">
-            <a:schemeClr val="accent1"/>
-          </a:effectRef>
-          <a:fontRef idx="minor">
-            <a:schemeClr val="tx1"/>
-          </a:fontRef>
-        </p:style>
-      </p:cxnSp>
     </p:spTree>
     <p:extLst>
       <p:ext uri="{BB962C8B-B14F-4D97-AF65-F5344CB8AC3E}">
-        <p14:creationId xmlns:p14="http://schemas.microsoft.com/office/powerpoint/2010/main" val="329996615"/>
+        <p14:creationId xmlns:p14="http://schemas.microsoft.com/office/powerpoint/2010/main" val="373117302"/>
       </p:ext>
     </p:extLst>
   </p:cSld>
   <p:clrMapOvr>
     <a:masterClrMapping/>
   </p:clrMapOvr>
-  <p:timing>
-    <p:tnLst>
-      <p:par>
-        <p:cTn id="1" dur="indefinite" restart="never" nodeType="tmRoot"/>
-      </p:par>
-    </p:tnLst>
-  </p:timing>
 </p:sld>
 </file>
 
@@ -8109,10 +13431,9 @@
           <a:p>
             <a:pPr algn="ctr"/>
             <a:r>
-              <a:rPr lang="en-US" smtClean="0"/>
-              <a:t>Phrase-Table</a:t>
-            </a:r>
-            <a:endParaRPr lang="en-US"/>
+              <a:rPr lang="en-US"/>
+              <a:t>Language Model</a:t>
+            </a:r>
           </a:p>
         </p:txBody>
       </p:sp>
@@ -8126,295 +13447,92 @@
             <p:ph idx="1"/>
           </p:nvPr>
         </p:nvSpPr>
-        <p:spPr>
-          <a:xfrm>
-            <a:off x="838200" y="1825626"/>
-            <a:ext cx="10907110" cy="491906"/>
-          </a:xfrm>
-        </p:spPr>
-        <p:txBody>
-          <a:bodyPr>
-            <a:noAutofit/>
-          </a:bodyPr>
-          <a:lstStyle/>
-          <a:p>
-            <a:pPr marL="0" indent="0">
-              <a:buNone/>
-            </a:pPr>
-            <a:r>
-              <a:rPr lang="en-US" sz="2000" b="1" dirty="0" smtClean="0">
-                <a:solidFill>
-                  <a:srgbClr val="FF0000"/>
-                </a:solidFill>
-              </a:rPr>
-              <a:t>﻿! ! ! . . </a:t>
-            </a:r>
-            <a:r>
-              <a:rPr lang="en-US" sz="2000" dirty="0" smtClean="0"/>
-              <a:t>||| </a:t>
-            </a:r>
-            <a:r>
-              <a:rPr lang="en-US" sz="2000" b="1" dirty="0" smtClean="0">
-                <a:solidFill>
-                  <a:schemeClr val="accent1">
-                    <a:lumMod val="75000"/>
-                  </a:schemeClr>
-                </a:solidFill>
-              </a:rPr>
-              <a:t>People pass by houses </a:t>
-            </a:r>
-            <a:r>
-              <a:rPr lang="en-US" sz="2000" dirty="0" smtClean="0"/>
-              <a:t>||| </a:t>
-            </a:r>
-            <a:r>
-              <a:rPr lang="en-US" sz="2000" b="1" dirty="0" smtClean="0">
-                <a:solidFill>
-                  <a:schemeClr val="accent2"/>
-                </a:solidFill>
-              </a:rPr>
-              <a:t>0.2</a:t>
-            </a:r>
-            <a:r>
-              <a:rPr lang="en-US" sz="2000" dirty="0" smtClean="0"/>
-              <a:t> 5.34133e-10 </a:t>
-            </a:r>
-            <a:r>
-              <a:rPr lang="en-US" sz="2000" b="1" dirty="0" smtClean="0">
-                <a:solidFill>
-                  <a:schemeClr val="accent6">
-                    <a:lumMod val="60000"/>
-                    <a:lumOff val="40000"/>
-                  </a:schemeClr>
-                </a:solidFill>
-              </a:rPr>
-              <a:t>0.166667</a:t>
-            </a:r>
-            <a:r>
-              <a:rPr lang="en-US" sz="2000" dirty="0" smtClean="0"/>
-              <a:t> 4.38429e-14 ||| 0-1 ||| 5 6 1 |||</a:t>
-            </a:r>
-          </a:p>
-        </p:txBody>
-      </p:sp>
-      <p:sp>
-        <p:nvSpPr>
-          <p:cNvPr id="4" name="Rectangle 3"/>
-          <p:cNvSpPr/>
-          <p:nvPr/>
-        </p:nvSpPr>
-        <p:spPr>
-          <a:xfrm>
-            <a:off x="838200" y="2267804"/>
-            <a:ext cx="6633034" cy="400110"/>
-          </a:xfrm>
-          <a:prstGeom prst="rect">
-            <a:avLst/>
-          </a:prstGeom>
-        </p:spPr>
-        <p:txBody>
-          <a:bodyPr wrap="none">
-            <a:spAutoFit/>
-          </a:bodyPr>
-          <a:lstStyle/>
-          <a:p>
-            <a:r>
-              <a:rPr lang="en-US" sz="2000" b="1" dirty="0" smtClean="0">
-                <a:solidFill>
-                  <a:srgbClr val="FF0000"/>
-                </a:solidFill>
-              </a:rPr>
-              <a:t>source</a:t>
-            </a:r>
-            <a:r>
-              <a:rPr lang="en-US" sz="2000" dirty="0" smtClean="0"/>
-              <a:t>                    </a:t>
-            </a:r>
-            <a:r>
-              <a:rPr lang="en-US" sz="2000" b="1" dirty="0" smtClean="0">
-                <a:solidFill>
-                  <a:schemeClr val="accent1">
-                    <a:lumMod val="75000"/>
-                  </a:schemeClr>
-                </a:solidFill>
-              </a:rPr>
-              <a:t>target</a:t>
-            </a:r>
-            <a:r>
-              <a:rPr lang="en-US" sz="2000" dirty="0" smtClean="0"/>
-              <a:t>                         </a:t>
-            </a:r>
-            <a:r>
-              <a:rPr lang="en-US" sz="2000" b="1" dirty="0" smtClean="0">
-                <a:solidFill>
-                  <a:schemeClr val="accent2"/>
-                </a:solidFill>
-              </a:rPr>
-              <a:t>p(</a:t>
-            </a:r>
-            <a:r>
-              <a:rPr lang="en-US" sz="2000" b="1" dirty="0" err="1" smtClean="0">
-                <a:solidFill>
-                  <a:schemeClr val="accent2"/>
-                </a:solidFill>
-              </a:rPr>
-              <a:t>s|t</a:t>
-            </a:r>
-            <a:r>
-              <a:rPr lang="en-US" sz="2000" b="1" dirty="0" smtClean="0">
-                <a:solidFill>
-                  <a:schemeClr val="accent2"/>
-                </a:solidFill>
-              </a:rPr>
-              <a:t>)</a:t>
-            </a:r>
-            <a:r>
-              <a:rPr lang="en-US" sz="2000" dirty="0" smtClean="0"/>
-              <a:t>                       </a:t>
-            </a:r>
-            <a:r>
-              <a:rPr lang="en-US" sz="2000" b="1" dirty="0" smtClean="0">
-                <a:solidFill>
-                  <a:schemeClr val="accent6">
-                    <a:lumMod val="60000"/>
-                    <a:lumOff val="40000"/>
-                  </a:schemeClr>
-                </a:solidFill>
-              </a:rPr>
-              <a:t>p(</a:t>
-            </a:r>
-            <a:r>
-              <a:rPr lang="en-US" sz="2000" b="1" dirty="0" err="1" smtClean="0">
-                <a:solidFill>
-                  <a:schemeClr val="accent6">
-                    <a:lumMod val="60000"/>
-                    <a:lumOff val="40000"/>
-                  </a:schemeClr>
-                </a:solidFill>
-              </a:rPr>
-              <a:t>t|s</a:t>
-            </a:r>
-            <a:r>
-              <a:rPr lang="en-US" sz="2000" b="1" dirty="0" smtClean="0">
-                <a:solidFill>
-                  <a:schemeClr val="accent6">
-                    <a:lumMod val="60000"/>
-                    <a:lumOff val="40000"/>
-                  </a:schemeClr>
-                </a:solidFill>
-              </a:rPr>
-              <a:t>)</a:t>
-            </a:r>
-          </a:p>
-        </p:txBody>
-      </p:sp>
-      <p:sp>
-        <p:nvSpPr>
-          <p:cNvPr id="5" name="TextBox 4"/>
-          <p:cNvSpPr txBox="1"/>
-          <p:nvPr/>
-        </p:nvSpPr>
-        <p:spPr>
-          <a:xfrm>
-            <a:off x="838200" y="3110091"/>
-            <a:ext cx="10323786" cy="2246769"/>
-          </a:xfrm>
-          <a:prstGeom prst="rect">
-            <a:avLst/>
-          </a:prstGeom>
-          <a:noFill/>
-        </p:spPr>
-        <p:txBody>
-          <a:bodyPr wrap="square" rtlCol="0">
-            <a:spAutoFit/>
-          </a:bodyPr>
-          <a:lstStyle/>
-          <a:p>
-            <a:pPr marL="342900" indent="-342900">
-              <a:buFont typeface="Arial" charset="0"/>
-              <a:buChar char="•"/>
-            </a:pPr>
-            <a:r>
-              <a:rPr lang="en-US" sz="2000" dirty="0" smtClean="0"/>
-              <a:t>3.7 million translation rules</a:t>
-            </a:r>
-          </a:p>
-          <a:p>
-            <a:pPr marL="800100" lvl="1" indent="-342900">
-              <a:buFont typeface="Arial" charset="0"/>
-              <a:buChar char="•"/>
-            </a:pPr>
-            <a:r>
-              <a:rPr lang="en-US" sz="2000" dirty="0" smtClean="0"/>
-              <a:t>73MB zipped, 422MB unzipped</a:t>
-            </a:r>
-          </a:p>
-          <a:p>
-            <a:pPr marL="800100" lvl="1" indent="-342900">
-              <a:buFont typeface="Arial" charset="0"/>
-              <a:buChar char="•"/>
-            </a:pPr>
-            <a:r>
-              <a:rPr lang="en-US" sz="2000" dirty="0" smtClean="0"/>
-              <a:t>Too slow to load all into memory</a:t>
-            </a:r>
-          </a:p>
-          <a:p>
-            <a:pPr marL="800100" lvl="1" indent="-342900">
-              <a:buFont typeface="Arial" charset="0"/>
-              <a:buChar char="•"/>
-            </a:pPr>
-            <a:r>
-              <a:rPr lang="en-US" sz="2000" dirty="0" smtClean="0"/>
-              <a:t>Use too much RAM</a:t>
-            </a:r>
-          </a:p>
-          <a:p>
-            <a:pPr marL="342900" indent="-342900">
-              <a:buFont typeface="Arial" charset="0"/>
-              <a:buChar char="•"/>
-            </a:pPr>
-            <a:endParaRPr lang="en-US" sz="2000" dirty="0" smtClean="0"/>
-          </a:p>
-          <a:p>
-            <a:pPr marL="342900" indent="-342900">
-              <a:buFont typeface="Arial" charset="0"/>
-              <a:buChar char="•"/>
-            </a:pPr>
-            <a:r>
-              <a:rPr lang="en-US" sz="2000" dirty="0" smtClean="0"/>
-              <a:t>Filter phrase table</a:t>
-            </a:r>
-          </a:p>
-          <a:p>
-            <a:pPr marL="800100" lvl="1" indent="-342900">
-              <a:buFont typeface="Arial" charset="0"/>
-              <a:buChar char="•"/>
-            </a:pPr>
-            <a:r>
-              <a:rPr lang="en-US" sz="2000" dirty="0" smtClean="0"/>
-              <a:t>Only keep rules need to translate the test set</a:t>
-            </a:r>
+        <p:spPr/>
+        <p:txBody>
+          <a:bodyPr/>
+          <a:lstStyle/>
+          <a:p>
+            <a:r>
+              <a:rPr lang="en-US" dirty="0"/>
+              <a:t>nice $MOSES_DIR/bin/</a:t>
+            </a:r>
+            <a:r>
+              <a:rPr lang="en-US" dirty="0" err="1"/>
+              <a:t>lmplz</a:t>
+            </a:r>
+            <a:r>
+              <a:rPr lang="en-US" dirty="0"/>
+              <a:t>  --order 3   --text $HOME/$WORK/data/LM/</a:t>
+            </a:r>
+            <a:r>
+              <a:rPr lang="en-US" dirty="0" err="1"/>
+              <a:t>LM_data+Train_data.en</a:t>
+            </a:r>
+            <a:r>
+              <a:rPr lang="en-US" dirty="0"/>
+              <a:t> --</a:t>
+            </a:r>
+            <a:r>
+              <a:rPr lang="en-US" dirty="0" err="1"/>
+              <a:t>arpa</a:t>
+            </a:r>
+            <a:r>
+              <a:rPr lang="en-US" dirty="0"/>
+              <a:t> $HOME/$WORK/work/LM/</a:t>
+            </a:r>
+            <a:r>
+              <a:rPr lang="en-US" dirty="0" err="1"/>
+              <a:t>LM_data+Train_data.en.lm</a:t>
+            </a:r>
+            <a:endParaRPr lang="en-US" dirty="0"/>
+          </a:p>
+          <a:p>
+            <a:endParaRPr lang="en-US" dirty="0" smtClean="0"/>
+          </a:p>
+          <a:p>
+            <a:r>
+              <a:rPr lang="en-US" dirty="0" smtClean="0"/>
+              <a:t>Create LM</a:t>
+            </a:r>
+          </a:p>
+          <a:p>
+            <a:pPr lvl="1"/>
+            <a:r>
+              <a:rPr lang="en-US" dirty="0" smtClean="0"/>
+              <a:t>maximum </a:t>
+            </a:r>
+            <a:r>
+              <a:rPr lang="en-US" dirty="0" err="1" smtClean="0"/>
+              <a:t>ngram</a:t>
+            </a:r>
+            <a:r>
+              <a:rPr lang="en-US" dirty="0" smtClean="0"/>
+              <a:t> size = 3</a:t>
+            </a:r>
+          </a:p>
+          <a:p>
+            <a:r>
+              <a:rPr lang="en-US" dirty="0" smtClean="0"/>
+              <a:t>Uses </a:t>
+            </a:r>
+            <a:r>
+              <a:rPr lang="en-US" dirty="0" err="1" smtClean="0"/>
+              <a:t>KenLM</a:t>
+            </a:r>
+            <a:endParaRPr lang="en-US" dirty="0"/>
           </a:p>
         </p:txBody>
       </p:sp>
     </p:spTree>
     <p:extLst>
       <p:ext uri="{BB962C8B-B14F-4D97-AF65-F5344CB8AC3E}">
-        <p14:creationId xmlns:p14="http://schemas.microsoft.com/office/powerpoint/2010/main" val="246661161"/>
+        <p14:creationId xmlns:p14="http://schemas.microsoft.com/office/powerpoint/2010/main" val="855436440"/>
       </p:ext>
     </p:extLst>
   </p:cSld>
   <p:clrMapOvr>
     <a:masterClrMapping/>
   </p:clrMapOvr>
-  <p:timing>
-    <p:tnLst>
-      <p:par>
-        <p:cTn id="1" dur="indefinite" restart="never" nodeType="tmRoot"/>
-      </p:par>
-    </p:tnLst>
-  </p:timing>
 </p:sld>
 </file>
 
@@ -8452,10 +13570,10 @@
           <a:p>
             <a:pPr algn="ctr"/>
             <a:r>
-              <a:rPr lang="en-US" smtClean="0"/>
+              <a:rPr lang="en-US" dirty="0" smtClean="0"/>
               <a:t>Language Model</a:t>
             </a:r>
-            <a:endParaRPr lang="en-US"/>
+            <a:endParaRPr lang="en-US" dirty="0"/>
           </a:p>
         </p:txBody>
       </p:sp>

--- a/mtma16/slides.pptx
+++ b/mtma16/slides.pptx
@@ -5,7 +5,7 @@
     <p:sldMasterId id="2147483648" r:id="rId1"/>
   </p:sldMasterIdLst>
   <p:notesMasterIdLst>
-    <p:notesMasterId r:id="rId22"/>
+    <p:notesMasterId r:id="rId23"/>
   </p:notesMasterIdLst>
   <p:sldIdLst>
     <p:sldId id="256" r:id="rId2"/>
@@ -27,7 +27,8 @@
     <p:sldId id="275" r:id="rId18"/>
     <p:sldId id="264" r:id="rId19"/>
     <p:sldId id="266" r:id="rId20"/>
-    <p:sldId id="267" r:id="rId21"/>
+    <p:sldId id="276" r:id="rId21"/>
+    <p:sldId id="267" r:id="rId22"/>
   </p:sldIdLst>
   <p:sldSz cx="12192000" cy="6858000"/>
   <p:notesSz cx="6858000" cy="9144000"/>
@@ -6467,15 +6468,7 @@
             </a:pPr>
             <a:r>
               <a:rPr lang="en-US" sz="2000" dirty="0" smtClean="0"/>
-              <a:t>3</a:t>
-            </a:r>
-            <a:r>
-              <a:rPr lang="en-US" sz="2000" dirty="0" smtClean="0"/>
-              <a:t>60,000</a:t>
-            </a:r>
-            <a:r>
-              <a:rPr lang="en-US" sz="2000" dirty="0" smtClean="0"/>
-              <a:t> </a:t>
+              <a:t>360,000 </a:t>
             </a:r>
             <a:r>
               <a:rPr lang="en-US" sz="2000" smtClean="0"/>
@@ -7705,8 +7698,8 @@
           </a:p>
         </p:txBody>
       </p:sp>
-      <mc:AlternateContent xmlns:mc="http://schemas.openxmlformats.org/markup-compatibility/2006">
-        <mc:Choice xmlns:a14="http://schemas.microsoft.com/office/drawing/2010/main" Requires="a14">
+      <mc:AlternateContent xmlns:mc="http://schemas.openxmlformats.org/markup-compatibility/2006" xmlns:a14="http://schemas.microsoft.com/office/drawing/2010/main">
+        <mc:Choice Requires="a14">
           <p:sp>
             <p:nvSpPr>
               <p:cNvPr id="3" name="Content Placeholder 2"/>
@@ -7766,18 +7759,24 @@
                     <m:sSub>
                       <m:sSubPr>
                         <m:ctrlPr>
-                          <a:rPr lang="en-US" b="1" i="1"/>
+                          <a:rPr lang="en-US" b="1" i="1">
+                            <a:latin typeface="Cambria Math" charset="0"/>
+                          </a:rPr>
                         </m:ctrlPr>
                       </m:sSubPr>
                       <m:e>
                         <m:r>
-                          <a:rPr lang="en-US" b="1" i="1"/>
+                          <a:rPr lang="en-US" b="1" i="1">
+                            <a:latin typeface="Cambria Math" charset="0"/>
+                          </a:rPr>
                           <m:t>𝝀</m:t>
                         </m:r>
                       </m:e>
                       <m:sub>
                         <m:r>
-                          <a:rPr lang="en-US" b="1" i="1"/>
+                          <a:rPr lang="en-US" b="1" i="1">
+                            <a:latin typeface="Cambria Math" charset="0"/>
+                          </a:rPr>
                           <m:t>𝒊</m:t>
                         </m:r>
                       </m:sub>
@@ -7821,7 +7820,7 @@
             </p:txBody>
           </p:sp>
         </mc:Choice>
-        <mc:Fallback>
+        <mc:Fallback xmlns="">
           <p:sp>
             <p:nvSpPr>
               <p:cNvPr id="3" name="Content Placeholder 2"/>
@@ -7859,8 +7858,8 @@
           </p:sp>
         </mc:Fallback>
       </mc:AlternateContent>
-      <mc:AlternateContent xmlns:mc="http://schemas.openxmlformats.org/markup-compatibility/2006">
-        <mc:Choice xmlns:a14="http://schemas.microsoft.com/office/drawing/2010/main" Requires="a14">
+      <mc:AlternateContent xmlns:mc="http://schemas.openxmlformats.org/markup-compatibility/2006" xmlns:a14="http://schemas.microsoft.com/office/drawing/2010/main">
+        <mc:Choice Requires="a14">
           <p:sp>
             <p:nvSpPr>
               <p:cNvPr id="5" name="Rectangle 4"/>
@@ -7882,6 +7881,7 @@
               </a:bodyPr>
               <a:lstStyle/>
               <a:p>
+                <a:pPr/>
                 <a14:m>
                   <m:oMathPara xmlns:m="http://schemas.openxmlformats.org/officeDocument/2006/math">
                     <m:oMathParaPr>
@@ -7891,7 +7891,7 @@
                       <m:func>
                         <m:funcPr>
                           <m:ctrlPr>
-                            <a:rPr lang="en-US">
+                            <a:rPr lang="en-US" i="1">
                               <a:latin typeface="Cambria Math" charset="0"/>
                             </a:rPr>
                           </m:ctrlPr>
@@ -8076,7 +8076,7 @@
             </p:txBody>
           </p:sp>
         </mc:Choice>
-        <mc:Fallback>
+        <mc:Fallback xmlns="">
           <p:sp>
             <p:nvSpPr>
               <p:cNvPr id="5" name="Rectangle 4"/>
@@ -10329,10 +10329,9 @@
           <a:p>
             <a:pPr lvl="1"/>
             <a:r>
-              <a:rPr lang="en-US" smtClean="0"/>
+              <a:rPr lang="en-US" dirty="0" smtClean="0"/>
               <a:t>Number of cores/grid engine jobs to use</a:t>
             </a:r>
-            <a:endParaRPr lang="en-US" dirty="0" smtClean="0"/>
           </a:p>
           <a:p>
             <a:endParaRPr lang="en-US" dirty="0" smtClean="0"/>
@@ -10411,7 +10410,6 @@
               <a:rPr lang="en-US" dirty="0" smtClean="0"/>
               <a:t>Log onto Edinburgh server</a:t>
             </a:r>
-            <a:endParaRPr lang="en-US" dirty="0" smtClean="0"/>
           </a:p>
           <a:p>
             <a:pPr lvl="1"/>
@@ -10532,6 +10530,113 @@
           <a:bodyPr/>
           <a:lstStyle/>
           <a:p>
+            <a:pPr algn="ctr"/>
+            <a:r>
+              <a:rPr lang="en-US" smtClean="0"/>
+              <a:t>EMS</a:t>
+            </a:r>
+            <a:endParaRPr lang="en-US"/>
+          </a:p>
+        </p:txBody>
+      </p:sp>
+      <p:sp>
+        <p:nvSpPr>
+          <p:cNvPr id="3" name="Content Placeholder 2"/>
+          <p:cNvSpPr>
+            <a:spLocks noGrp="1"/>
+          </p:cNvSpPr>
+          <p:nvPr>
+            <p:ph idx="1"/>
+          </p:nvPr>
+        </p:nvSpPr>
+        <p:spPr/>
+        <p:txBody>
+          <a:bodyPr/>
+          <a:lstStyle/>
+          <a:p>
+            <a:r>
+              <a:rPr lang="en-US" dirty="0" smtClean="0"/>
+              <a:t>Consistent</a:t>
+            </a:r>
+          </a:p>
+          <a:p>
+            <a:pPr lvl="1"/>
+            <a:r>
+              <a:rPr lang="en-US" smtClean="0"/>
+              <a:t>Reduce </a:t>
+            </a:r>
+            <a:r>
+              <a:rPr lang="en-US" dirty="0" smtClean="0"/>
+              <a:t>mistakes</a:t>
+            </a:r>
+          </a:p>
+          <a:p>
+            <a:pPr lvl="1"/>
+            <a:r>
+              <a:rPr lang="en-US" dirty="0" smtClean="0"/>
+              <a:t>Easier debugging</a:t>
+            </a:r>
+          </a:p>
+          <a:p>
+            <a:r>
+              <a:rPr lang="en-US" dirty="0" smtClean="0"/>
+              <a:t>Run processes in parallel</a:t>
+            </a:r>
+          </a:p>
+          <a:p>
+            <a:r>
+              <a:rPr lang="en-US" dirty="0" smtClean="0"/>
+              <a:t>Run multiple experiments simultaneously</a:t>
+            </a:r>
+            <a:endParaRPr lang="en-US" dirty="0"/>
+          </a:p>
+        </p:txBody>
+      </p:sp>
+    </p:spTree>
+    <p:extLst>
+      <p:ext uri="{BB962C8B-B14F-4D97-AF65-F5344CB8AC3E}">
+        <p14:creationId xmlns:p14="http://schemas.microsoft.com/office/powerpoint/2010/main" val="1528377278"/>
+      </p:ext>
+    </p:extLst>
+  </p:cSld>
+  <p:clrMapOvr>
+    <a:masterClrMapping/>
+  </p:clrMapOvr>
+</p:sld>
+</file>
+
+<file path=ppt/slides/slide21.xml><?xml version="1.0" encoding="utf-8"?>
+<p:sld xmlns:a="http://schemas.openxmlformats.org/drawingml/2006/main" xmlns:r="http://schemas.openxmlformats.org/officeDocument/2006/relationships" xmlns:p="http://schemas.openxmlformats.org/presentationml/2006/main">
+  <p:cSld>
+    <p:spTree>
+      <p:nvGrpSpPr>
+        <p:cNvPr id="1" name=""/>
+        <p:cNvGrpSpPr/>
+        <p:nvPr/>
+      </p:nvGrpSpPr>
+      <p:grpSpPr>
+        <a:xfrm>
+          <a:off x="0" y="0"/>
+          <a:ext cx="0" cy="0"/>
+          <a:chOff x="0" y="0"/>
+          <a:chExt cx="0" cy="0"/>
+        </a:xfrm>
+      </p:grpSpPr>
+      <p:sp>
+        <p:nvSpPr>
+          <p:cNvPr id="2" name="Title 1"/>
+          <p:cNvSpPr>
+            <a:spLocks noGrp="1"/>
+          </p:cNvSpPr>
+          <p:nvPr>
+            <p:ph type="title"/>
+          </p:nvPr>
+        </p:nvSpPr>
+        <p:spPr/>
+        <p:txBody>
+          <a:bodyPr/>
+          <a:lstStyle/>
+          <a:p>
             <a:r>
               <a:rPr lang="en-US" smtClean="0"/>
               <a:t>Install Moses</a:t>
@@ -10672,28 +10777,18 @@
               <a:rPr lang="en-US" dirty="0" smtClean="0"/>
               <a:t>Password: welcome123</a:t>
             </a:r>
-            <a:endParaRPr lang="en-US" dirty="0" smtClean="0"/>
-          </a:p>
-          <a:p>
-            <a:r>
-              <a:rPr lang="en-US" dirty="0" smtClean="0"/>
-              <a:t>Follow the </a:t>
-            </a:r>
-            <a:r>
-              <a:rPr lang="en-US" dirty="0" smtClean="0"/>
-              <a:t>instructions in the handout</a:t>
-            </a:r>
-            <a:endParaRPr lang="en-US" dirty="0" smtClean="0"/>
+          </a:p>
+          <a:p>
+            <a:r>
+              <a:rPr lang="en-US" dirty="0" smtClean="0"/>
+              <a:t>Follow the instructions in the handout</a:t>
+            </a:r>
           </a:p>
           <a:p>
             <a:pPr lvl="1"/>
             <a:r>
               <a:rPr lang="en-US" dirty="0" smtClean="0"/>
-              <a:t>Run </a:t>
-            </a:r>
-            <a:r>
-              <a:rPr lang="en-US" dirty="0" smtClean="0"/>
-              <a:t>commands</a:t>
+              <a:t>Run commands</a:t>
             </a:r>
           </a:p>
           <a:p>
@@ -10898,26 +10993,14 @@
             <a:pPr lvl="2"/>
             <a:r>
               <a:rPr lang="en-US" dirty="0" smtClean="0"/>
-              <a:t>5,000 </a:t>
-            </a:r>
-            <a:r>
-              <a:rPr lang="en-US" dirty="0" smtClean="0"/>
-              <a:t>parallel sentences</a:t>
+              <a:t>5,000 parallel sentences</a:t>
             </a:r>
           </a:p>
           <a:p>
             <a:pPr lvl="2"/>
             <a:r>
               <a:rPr lang="en-US" dirty="0" smtClean="0"/>
-              <a:t>71,286 </a:t>
-            </a:r>
-            <a:r>
-              <a:rPr lang="en-US" dirty="0" smtClean="0"/>
-              <a:t>monolingual sentences </a:t>
-            </a:r>
-            <a:r>
-              <a:rPr lang="en-US" dirty="0" smtClean="0"/>
-              <a:t>just in English</a:t>
+              <a:t>71,286 monolingual sentences just in English</a:t>
             </a:r>
           </a:p>
           <a:p>

--- a/mtma16/slides.pptx
+++ b/mtma16/slides.pptx
@@ -10551,23 +10551,31 @@
         </p:nvSpPr>
         <p:spPr/>
         <p:txBody>
-          <a:bodyPr/>
-          <a:lstStyle/>
+          <a:bodyPr>
+            <a:normAutofit fontScale="92500" lnSpcReduction="20000"/>
+          </a:bodyPr>
+          <a:lstStyle/>
+          <a:p>
+            <a:pPr marL="0" indent="0">
+              <a:buNone/>
+            </a:pPr>
+            <a:r>
+              <a:rPr lang="en-US" u="sng" dirty="0" smtClean="0"/>
+              <a:t>Advantages</a:t>
+            </a:r>
+          </a:p>
           <a:p>
             <a:r>
               <a:rPr lang="en-US" dirty="0" smtClean="0"/>
               <a:t>Consistent</a:t>
             </a:r>
+            <a:endParaRPr lang="en-US" dirty="0" smtClean="0"/>
           </a:p>
           <a:p>
             <a:pPr lvl="1"/>
             <a:r>
-              <a:rPr lang="en-US" smtClean="0"/>
-              <a:t>Reduce </a:t>
-            </a:r>
-            <a:r>
-              <a:rPr lang="en-US" dirty="0" smtClean="0"/>
-              <a:t>mistakes</a:t>
+              <a:rPr lang="en-US" dirty="0" smtClean="0"/>
+              <a:t>Reduce mistakes</a:t>
             </a:r>
           </a:p>
           <a:p>
@@ -10586,8 +10594,50 @@
           <a:p>
             <a:r>
               <a:rPr lang="en-US" dirty="0" smtClean="0"/>
-              <a:t>Run multiple experiments simultaneously</a:t>
-            </a:r>
+              <a:t>Run multiple experiments </a:t>
+            </a:r>
+            <a:r>
+              <a:rPr lang="en-US" dirty="0" smtClean="0"/>
+              <a:t>simultaneously</a:t>
+            </a:r>
+          </a:p>
+          <a:p>
+            <a:pPr marL="0" indent="0">
+              <a:buNone/>
+            </a:pPr>
+            <a:endParaRPr lang="en-US" u="sng" smtClean="0"/>
+          </a:p>
+          <a:p>
+            <a:pPr marL="0" indent="0">
+              <a:buNone/>
+            </a:pPr>
+            <a:r>
+              <a:rPr lang="en-US" u="sng" smtClean="0"/>
+              <a:t>Disadvantages</a:t>
+            </a:r>
+            <a:endParaRPr lang="en-US" u="sng" dirty="0" smtClean="0"/>
+          </a:p>
+          <a:p>
+            <a:r>
+              <a:rPr lang="en-US" dirty="0" smtClean="0"/>
+              <a:t>Sometime buggy</a:t>
+            </a:r>
+          </a:p>
+          <a:p>
+            <a:r>
+              <a:rPr lang="en-US" dirty="0" smtClean="0"/>
+              <a:t>Doesn’t do everything</a:t>
+            </a:r>
+          </a:p>
+          <a:p>
+            <a:pPr lvl="1"/>
+            <a:r>
+              <a:rPr lang="en-US" dirty="0" smtClean="0"/>
+              <a:t>Occasionally need to run some steps manually</a:t>
+            </a:r>
+            <a:endParaRPr lang="en-US" dirty="0"/>
+          </a:p>
+          <a:p>
             <a:endParaRPr lang="en-US" dirty="0"/>
           </a:p>
         </p:txBody>

--- a/mtma16/slides.pptx
+++ b/mtma16/slides.pptx
@@ -217,7 +217,7 @@
           <a:p>
             <a:fld id="{F82E5E7F-547C-0C49-9FFE-B993CBF065F3}" type="datetimeFigureOut">
               <a:rPr lang="en-US" smtClean="0"/>
-              <a:t>5/16/16</a:t>
+              <a:t>5/17/16</a:t>
             </a:fld>
             <a:endParaRPr lang="en-US"/>
           </a:p>
@@ -1466,7 +1466,7 @@
           <a:p>
             <a:fld id="{9E8D5AF6-8BFF-F948-86D4-39533BAD7B7E}" type="datetimeFigureOut">
               <a:rPr lang="en-US" smtClean="0"/>
-              <a:t>5/16/16</a:t>
+              <a:t>5/17/16</a:t>
             </a:fld>
             <a:endParaRPr lang="en-US"/>
           </a:p>
@@ -1636,7 +1636,7 @@
           <a:p>
             <a:fld id="{9E8D5AF6-8BFF-F948-86D4-39533BAD7B7E}" type="datetimeFigureOut">
               <a:rPr lang="en-US" smtClean="0"/>
-              <a:t>5/16/16</a:t>
+              <a:t>5/17/16</a:t>
             </a:fld>
             <a:endParaRPr lang="en-US"/>
           </a:p>
@@ -1816,7 +1816,7 @@
           <a:p>
             <a:fld id="{9E8D5AF6-8BFF-F948-86D4-39533BAD7B7E}" type="datetimeFigureOut">
               <a:rPr lang="en-US" smtClean="0"/>
-              <a:t>5/16/16</a:t>
+              <a:t>5/17/16</a:t>
             </a:fld>
             <a:endParaRPr lang="en-US"/>
           </a:p>
@@ -1986,7 +1986,7 @@
           <a:p>
             <a:fld id="{9E8D5AF6-8BFF-F948-86D4-39533BAD7B7E}" type="datetimeFigureOut">
               <a:rPr lang="en-US" smtClean="0"/>
-              <a:t>5/16/16</a:t>
+              <a:t>5/17/16</a:t>
             </a:fld>
             <a:endParaRPr lang="en-US"/>
           </a:p>
@@ -2232,7 +2232,7 @@
           <a:p>
             <a:fld id="{9E8D5AF6-8BFF-F948-86D4-39533BAD7B7E}" type="datetimeFigureOut">
               <a:rPr lang="en-US" smtClean="0"/>
-              <a:t>5/16/16</a:t>
+              <a:t>5/17/16</a:t>
             </a:fld>
             <a:endParaRPr lang="en-US"/>
           </a:p>
@@ -2464,7 +2464,7 @@
           <a:p>
             <a:fld id="{9E8D5AF6-8BFF-F948-86D4-39533BAD7B7E}" type="datetimeFigureOut">
               <a:rPr lang="en-US" smtClean="0"/>
-              <a:t>5/16/16</a:t>
+              <a:t>5/17/16</a:t>
             </a:fld>
             <a:endParaRPr lang="en-US"/>
           </a:p>
@@ -2831,7 +2831,7 @@
           <a:p>
             <a:fld id="{9E8D5AF6-8BFF-F948-86D4-39533BAD7B7E}" type="datetimeFigureOut">
               <a:rPr lang="en-US" smtClean="0"/>
-              <a:t>5/16/16</a:t>
+              <a:t>5/17/16</a:t>
             </a:fld>
             <a:endParaRPr lang="en-US"/>
           </a:p>
@@ -2949,7 +2949,7 @@
           <a:p>
             <a:fld id="{9E8D5AF6-8BFF-F948-86D4-39533BAD7B7E}" type="datetimeFigureOut">
               <a:rPr lang="en-US" smtClean="0"/>
-              <a:t>5/16/16</a:t>
+              <a:t>5/17/16</a:t>
             </a:fld>
             <a:endParaRPr lang="en-US"/>
           </a:p>
@@ -3044,7 +3044,7 @@
           <a:p>
             <a:fld id="{9E8D5AF6-8BFF-F948-86D4-39533BAD7B7E}" type="datetimeFigureOut">
               <a:rPr lang="en-US" smtClean="0"/>
-              <a:t>5/16/16</a:t>
+              <a:t>5/17/16</a:t>
             </a:fld>
             <a:endParaRPr lang="en-US"/>
           </a:p>
@@ -3321,7 +3321,7 @@
           <a:p>
             <a:fld id="{9E8D5AF6-8BFF-F948-86D4-39533BAD7B7E}" type="datetimeFigureOut">
               <a:rPr lang="en-US" smtClean="0"/>
-              <a:t>5/16/16</a:t>
+              <a:t>5/17/16</a:t>
             </a:fld>
             <a:endParaRPr lang="en-US"/>
           </a:p>
@@ -3574,7 +3574,7 @@
           <a:p>
             <a:fld id="{9E8D5AF6-8BFF-F948-86D4-39533BAD7B7E}" type="datetimeFigureOut">
               <a:rPr lang="en-US" smtClean="0"/>
-              <a:t>5/16/16</a:t>
+              <a:t>5/17/16</a:t>
             </a:fld>
             <a:endParaRPr lang="en-US"/>
           </a:p>
@@ -3787,7 +3787,7 @@
           <a:p>
             <a:fld id="{9E8D5AF6-8BFF-F948-86D4-39533BAD7B7E}" type="datetimeFigureOut">
               <a:rPr lang="en-US" smtClean="0"/>
-              <a:t>5/16/16</a:t>
+              <a:t>5/17/16</a:t>
             </a:fld>
             <a:endParaRPr lang="en-US"/>
           </a:p>
@@ -5522,6 +5522,13 @@
   <p:clrMapOvr>
     <a:masterClrMapping/>
   </p:clrMapOvr>
+  <p:timing>
+    <p:tnLst>
+      <p:par>
+        <p:cTn id="1" dur="indefinite" restart="never" nodeType="tmRoot"/>
+      </p:par>
+    </p:tnLst>
+  </p:timing>
 </p:sld>
 </file>
 
@@ -9489,6 +9496,13 @@
   <p:clrMapOvr>
     <a:masterClrMapping/>
   </p:clrMapOvr>
+  <p:timing>
+    <p:tnLst>
+      <p:par>
+        <p:cTn id="1" dur="indefinite" restart="never" nodeType="tmRoot"/>
+      </p:par>
+    </p:tnLst>
+  </p:timing>
 </p:sld>
 </file>
 
@@ -10140,6 +10154,13 @@
   <p:clrMapOvr>
     <a:masterClrMapping/>
   </p:clrMapOvr>
+  <p:timing>
+    <p:tnLst>
+      <p:par>
+        <p:cTn id="1" dur="indefinite" restart="never" nodeType="tmRoot"/>
+      </p:par>
+    </p:tnLst>
+  </p:timing>
 </p:sld>
 </file>
 
@@ -10348,6 +10369,13 @@
   <p:clrMapOvr>
     <a:masterClrMapping/>
   </p:clrMapOvr>
+  <p:timing>
+    <p:tnLst>
+      <p:par>
+        <p:cTn id="1" dur="indefinite" restart="never" nodeType="tmRoot"/>
+      </p:par>
+    </p:tnLst>
+  </p:timing>
 </p:sld>
 </file>
 
@@ -10495,6 +10523,13 @@
   <p:clrMapOvr>
     <a:masterClrMapping/>
   </p:clrMapOvr>
+  <p:timing>
+    <p:tnLst>
+      <p:par>
+        <p:cTn id="1" dur="indefinite" restart="never" nodeType="tmRoot"/>
+      </p:par>
+    </p:tnLst>
+  </p:timing>
 </p:sld>
 </file>
 
@@ -10569,7 +10604,6 @@
               <a:rPr lang="en-US" dirty="0" smtClean="0"/>
               <a:t>Consistent</a:t>
             </a:r>
-            <a:endParaRPr lang="en-US" dirty="0" smtClean="0"/>
           </a:p>
           <a:p>
             <a:pPr lvl="1"/>
@@ -10594,11 +10628,7 @@
           <a:p>
             <a:r>
               <a:rPr lang="en-US" dirty="0" smtClean="0"/>
-              <a:t>Run multiple experiments </a:t>
-            </a:r>
-            <a:r>
-              <a:rPr lang="en-US" dirty="0" smtClean="0"/>
-              <a:t>simultaneously</a:t>
+              <a:t>Run multiple experiments simultaneously</a:t>
             </a:r>
           </a:p>
           <a:p>
@@ -10652,6 +10682,13 @@
   <p:clrMapOvr>
     <a:masterClrMapping/>
   </p:clrMapOvr>
+  <p:timing>
+    <p:tnLst>
+      <p:par>
+        <p:cTn id="1" dur="indefinite" restart="never" nodeType="tmRoot"/>
+      </p:par>
+    </p:tnLst>
+  </p:timing>
 </p:sld>
 </file>
 
@@ -10746,6 +10783,13 @@
   <p:clrMapOvr>
     <a:masterClrMapping/>
   </p:clrMapOvr>
+  <p:timing>
+    <p:tnLst>
+      <p:par>
+        <p:cTn id="1" dur="indefinite" restart="never" nodeType="tmRoot"/>
+      </p:par>
+    </p:tnLst>
+  </p:timing>
 </p:sld>
 </file>
 
@@ -10831,8 +10875,28 @@
           <a:p>
             <a:r>
               <a:rPr lang="en-US" dirty="0" smtClean="0"/>
-              <a:t>Follow the instructions in the handout</a:t>
-            </a:r>
+              <a:t>Follow the instructions in the </a:t>
+            </a:r>
+            <a:r>
+              <a:rPr lang="en-US" dirty="0" smtClean="0"/>
+              <a:t>handout</a:t>
+            </a:r>
+          </a:p>
+          <a:p>
+            <a:pPr lvl="1"/>
+            <a:r>
+              <a:rPr lang="en-US" dirty="0"/>
+              <a:t>http://</a:t>
+            </a:r>
+            <a:r>
+              <a:rPr lang="en-US" dirty="0" err="1"/>
+              <a:t>statmt.org</a:t>
+            </a:r>
+            <a:r>
+              <a:rPr lang="en-US" dirty="0"/>
+              <a:t>/~s0565741/download/mtma16/</a:t>
+            </a:r>
+            <a:endParaRPr lang="en-US" dirty="0" smtClean="0"/>
           </a:p>
           <a:p>
             <a:pPr lvl="1"/>
@@ -13527,6 +13591,13 @@
   <p:clrMapOvr>
     <a:masterClrMapping/>
   </p:clrMapOvr>
+  <p:timing>
+    <p:tnLst>
+      <p:par>
+        <p:cTn id="1" dur="indefinite" restart="never" nodeType="tmRoot"/>
+      </p:par>
+    </p:tnLst>
+  </p:timing>
 </p:sld>
 </file>
 
@@ -13666,6 +13737,13 @@
   <p:clrMapOvr>
     <a:masterClrMapping/>
   </p:clrMapOvr>
+  <p:timing>
+    <p:tnLst>
+      <p:par>
+        <p:cTn id="1" dur="indefinite" restart="never" nodeType="tmRoot"/>
+      </p:par>
+    </p:tnLst>
+  </p:timing>
 </p:sld>
 </file>
 
